--- a/ChainesPuissance.pptx
+++ b/ChainesPuissance.pptx
@@ -222,7 +222,7 @@
           <a:p>
             <a:fld id="{D157349C-AD05-44FA-B790-D9BBD62C4832}" type="datetimeFigureOut">
               <a:rPr lang="fr-FR" smtClean="0"/>
-              <a:t>04/03/2024</a:t>
+              <a:t>04/06/2024</a:t>
             </a:fld>
             <a:endParaRPr lang="fr-FR"/>
           </a:p>
@@ -734,7 +734,7 @@
           <a:p>
             <a:fld id="{CCF538C2-C309-4752-87A7-D2071D6CAC7F}" type="datetime1">
               <a:rPr lang="fr-FR" smtClean="0"/>
-              <a:t>04/03/2024</a:t>
+              <a:t>04/06/2024</a:t>
             </a:fld>
             <a:endParaRPr lang="fr-FR"/>
           </a:p>
@@ -939,7 +939,7 @@
           <a:p>
             <a:fld id="{F926C4FD-C1E6-452C-A858-BFBBC7496631}" type="datetime1">
               <a:rPr lang="fr-FR" smtClean="0"/>
-              <a:t>04/03/2024</a:t>
+              <a:t>04/06/2024</a:t>
             </a:fld>
             <a:endParaRPr lang="fr-FR"/>
           </a:p>
@@ -1195,7 +1195,7 @@
           <a:p>
             <a:fld id="{CEF75A8D-5F26-4754-844B-E2D9F6FC4950}" type="datetime1">
               <a:rPr lang="fr-FR" smtClean="0"/>
-              <a:t>04/03/2024</a:t>
+              <a:t>04/06/2024</a:t>
             </a:fld>
             <a:endParaRPr lang="fr-FR"/>
           </a:p>
@@ -1369,7 +1369,7 @@
           <a:p>
             <a:fld id="{FE352A31-E2A5-4F8A-BDFE-A9BA369B67E9}" type="datetime1">
               <a:rPr lang="fr-FR" smtClean="0"/>
-              <a:t>04/03/2024</a:t>
+              <a:t>04/06/2024</a:t>
             </a:fld>
             <a:endParaRPr lang="fr-FR"/>
           </a:p>
@@ -1731,7 +1731,7 @@
           <a:p>
             <a:fld id="{F1707E18-E4F4-4E6D-951C-B01FC69E66C0}" type="datetime1">
               <a:rPr lang="fr-FR" smtClean="0"/>
-              <a:t>04/03/2024</a:t>
+              <a:t>04/06/2024</a:t>
             </a:fld>
             <a:endParaRPr lang="fr-FR"/>
           </a:p>
@@ -2006,7 +2006,7 @@
           <a:p>
             <a:fld id="{93E4B9C8-F394-498B-8C66-049FACC1ED86}" type="datetime1">
               <a:rPr lang="fr-FR" smtClean="0"/>
-              <a:t>04/03/2024</a:t>
+              <a:t>04/06/2024</a:t>
             </a:fld>
             <a:endParaRPr lang="fr-FR"/>
           </a:p>
@@ -2385,7 +2385,7 @@
           <a:p>
             <a:fld id="{35950896-C41B-455D-9FAE-80943DD0CAEF}" type="datetime1">
               <a:rPr lang="fr-FR" smtClean="0"/>
-              <a:t>04/03/2024</a:t>
+              <a:t>04/06/2024</a:t>
             </a:fld>
             <a:endParaRPr lang="fr-FR"/>
           </a:p>
@@ -2503,7 +2503,7 @@
           <a:p>
             <a:fld id="{2BE2B735-22CE-433C-8BA6-DF0B28588E1F}" type="datetime1">
               <a:rPr lang="fr-FR" smtClean="0"/>
-              <a:t>04/03/2024</a:t>
+              <a:t>04/06/2024</a:t>
             </a:fld>
             <a:endParaRPr lang="fr-FR"/>
           </a:p>
@@ -2677,7 +2677,7 @@
           <a:p>
             <a:fld id="{5B475E59-9936-4413-84C5-14169665FDED}" type="datetime1">
               <a:rPr lang="fr-FR" smtClean="0"/>
-              <a:t>04/03/2024</a:t>
+              <a:t>04/06/2024</a:t>
             </a:fld>
             <a:endParaRPr lang="fr-FR"/>
           </a:p>
@@ -3034,7 +3034,7 @@
           <a:p>
             <a:fld id="{42662320-E9E6-45B0-8B93-5727AA5FFC46}" type="datetime1">
               <a:rPr lang="fr-FR" smtClean="0"/>
-              <a:t>04/03/2024</a:t>
+              <a:t>04/06/2024</a:t>
             </a:fld>
             <a:endParaRPr lang="fr-FR"/>
           </a:p>
@@ -3419,7 +3419,7 @@
           <a:p>
             <a:fld id="{9A545382-D50F-43E8-AFFD-788FD552C87C}" type="datetime1">
               <a:rPr lang="fr-FR" smtClean="0"/>
-              <a:t>04/03/2024</a:t>
+              <a:t>04/06/2024</a:t>
             </a:fld>
             <a:endParaRPr lang="fr-FR"/>
           </a:p>
@@ -3709,7 +3709,7 @@
           <a:p>
             <a:fld id="{4F030BD8-D1C7-406A-AB04-4944ABBF0A3E}" type="datetime1">
               <a:rPr lang="fr-FR" smtClean="0"/>
-              <a:t>04/03/2024</a:t>
+              <a:t>04/06/2024</a:t>
             </a:fld>
             <a:endParaRPr lang="fr-FR" dirty="0"/>
           </a:p>
@@ -4438,12 +4438,8 @@
           <a:lstStyle/>
           <a:p>
             <a:r>
-              <a:rPr lang="fr-FR" dirty="0" smtClean="0"/>
-              <a:t>BGR – Axe </a:t>
-            </a:r>
-            <a:r>
               <a:rPr lang="fr-FR" dirty="0"/>
-              <a:t>boule</a:t>
+              <a:t>BGR – Axe boule</a:t>
             </a:r>
           </a:p>
         </p:txBody>
@@ -4982,22 +4978,13 @@
           <a:p>
             <a:pPr algn="ctr"/>
             <a:r>
-              <a:rPr lang="fr-FR" sz="1200" dirty="0" smtClean="0">
-                <a:solidFill>
-                  <a:srgbClr val="FDAD57"/>
-                </a:solidFill>
-                <a:latin typeface="Arial Nova" panose="020B0504020202020204" pitchFamily="34" charset="0"/>
-              </a:rPr>
-              <a:t>Transformateur Alimentation 24 </a:t>
-            </a:r>
-            <a:r>
               <a:rPr lang="fr-FR" sz="1200" dirty="0">
                 <a:solidFill>
                   <a:srgbClr val="FDAD57"/>
                 </a:solidFill>
                 <a:latin typeface="Arial Nova" panose="020B0504020202020204" pitchFamily="34" charset="0"/>
               </a:rPr>
-              <a:t>V</a:t>
+              <a:t>Transformateur Alimentation 24 V</a:t>
             </a:r>
           </a:p>
         </p:txBody>
@@ -7650,8 +7637,8 @@
           </a:fontRef>
         </p:style>
       </p:cxnSp>
-      <mc:AlternateContent xmlns:mc="http://schemas.openxmlformats.org/markup-compatibility/2006">
-        <mc:Choice xmlns:a14="http://schemas.microsoft.com/office/drawing/2010/main" Requires="a14">
+      <mc:AlternateContent xmlns:mc="http://schemas.openxmlformats.org/markup-compatibility/2006" xmlns:a14="http://schemas.microsoft.com/office/drawing/2010/main">
+        <mc:Choice Requires="a14">
           <p:sp>
             <p:nvSpPr>
               <p:cNvPr id="105" name="ZoneTexte 104"/>
@@ -7674,6 +7661,7 @@
               </a:bodyPr>
               <a:lstStyle/>
               <a:p>
+                <a:pPr/>
                 <a14:m>
                   <m:oMathPara xmlns:m="http://schemas.openxmlformats.org/officeDocument/2006/math">
                     <m:oMathParaPr>
@@ -7730,7 +7718,7 @@
             </p:txBody>
           </p:sp>
         </mc:Choice>
-        <mc:Fallback>
+        <mc:Fallback xmlns="">
           <p:sp>
             <p:nvSpPr>
               <p:cNvPr id="105" name="ZoneTexte 104"/>
@@ -7769,8 +7757,8 @@
           </p:sp>
         </mc:Fallback>
       </mc:AlternateContent>
-      <mc:AlternateContent xmlns:mc="http://schemas.openxmlformats.org/markup-compatibility/2006">
-        <mc:Choice xmlns:a14="http://schemas.microsoft.com/office/drawing/2010/main" Requires="a14">
+      <mc:AlternateContent xmlns:mc="http://schemas.openxmlformats.org/markup-compatibility/2006" xmlns:a14="http://schemas.microsoft.com/office/drawing/2010/main">
+        <mc:Choice Requires="a14">
           <p:sp>
             <p:nvSpPr>
               <p:cNvPr id="106" name="ZoneTexte 105"/>
@@ -7793,6 +7781,7 @@
               </a:bodyPr>
               <a:lstStyle/>
               <a:p>
+                <a:pPr/>
                 <a14:m>
                   <m:oMathPara xmlns:m="http://schemas.openxmlformats.org/officeDocument/2006/math">
                     <m:oMathParaPr>
@@ -7849,7 +7838,7 @@
             </p:txBody>
           </p:sp>
         </mc:Choice>
-        <mc:Fallback>
+        <mc:Fallback xmlns="">
           <p:sp>
             <p:nvSpPr>
               <p:cNvPr id="106" name="ZoneTexte 105"/>
@@ -7888,8 +7877,8 @@
           </p:sp>
         </mc:Fallback>
       </mc:AlternateContent>
-      <mc:AlternateContent xmlns:mc="http://schemas.openxmlformats.org/markup-compatibility/2006">
-        <mc:Choice xmlns:a14="http://schemas.microsoft.com/office/drawing/2010/main" Requires="a14">
+      <mc:AlternateContent xmlns:mc="http://schemas.openxmlformats.org/markup-compatibility/2006" xmlns:a14="http://schemas.microsoft.com/office/drawing/2010/main">
+        <mc:Choice Requires="a14">
           <p:sp>
             <p:nvSpPr>
               <p:cNvPr id="107" name="ZoneTexte 106"/>
@@ -7912,6 +7901,7 @@
               </a:bodyPr>
               <a:lstStyle/>
               <a:p>
+                <a:pPr/>
                 <a14:m>
                   <m:oMathPara xmlns:m="http://schemas.openxmlformats.org/officeDocument/2006/math">
                     <m:oMathParaPr>
@@ -8015,14 +8005,14 @@
                     </m:oMath>
                   </m:oMathPara>
                 </a14:m>
-                <a:endParaRPr lang="fr-FR" sz="1050" b="0" dirty="0" smtClean="0">
+                <a:endParaRPr lang="fr-FR" sz="1050" b="0" dirty="0">
                   <a:ea typeface="Cambria Math" panose="02040503050406030204" pitchFamily="18" charset="0"/>
                 </a:endParaRPr>
               </a:p>
             </p:txBody>
           </p:sp>
         </mc:Choice>
-        <mc:Fallback>
+        <mc:Fallback xmlns="">
           <p:sp>
             <p:nvSpPr>
               <p:cNvPr id="107" name="ZoneTexte 106"/>
@@ -8061,8 +8051,8 @@
           </p:sp>
         </mc:Fallback>
       </mc:AlternateContent>
-      <mc:AlternateContent xmlns:mc="http://schemas.openxmlformats.org/markup-compatibility/2006">
-        <mc:Choice xmlns:a14="http://schemas.microsoft.com/office/drawing/2010/main" Requires="a14">
+      <mc:AlternateContent xmlns:mc="http://schemas.openxmlformats.org/markup-compatibility/2006" xmlns:a14="http://schemas.microsoft.com/office/drawing/2010/main">
+        <mc:Choice Requires="a14">
           <p:sp>
             <p:nvSpPr>
               <p:cNvPr id="108" name="ZoneTexte 107"/>
@@ -8085,6 +8075,7 @@
               </a:bodyPr>
               <a:lstStyle/>
               <a:p>
+                <a:pPr/>
                 <a14:m>
                   <m:oMathPara xmlns:m="http://schemas.openxmlformats.org/officeDocument/2006/math">
                     <m:oMathParaPr>
@@ -8188,14 +8179,14 @@
                     </m:oMath>
                   </m:oMathPara>
                 </a14:m>
-                <a:endParaRPr lang="fr-FR" sz="1050" b="0" dirty="0" smtClean="0">
+                <a:endParaRPr lang="fr-FR" sz="1050" b="0" dirty="0">
                   <a:ea typeface="Cambria Math" panose="02040503050406030204" pitchFamily="18" charset="0"/>
                 </a:endParaRPr>
               </a:p>
             </p:txBody>
           </p:sp>
         </mc:Choice>
-        <mc:Fallback>
+        <mc:Fallback xmlns="">
           <p:sp>
             <p:nvSpPr>
               <p:cNvPr id="108" name="ZoneTexte 107"/>
@@ -8301,10 +8292,9 @@
           <a:lstStyle/>
           <a:p>
             <a:r>
-              <a:rPr lang="fr-FR" sz="1050" dirty="0" smtClean="0"/>
+              <a:rPr lang="fr-FR" sz="1050" dirty="0"/>
               <a:t>Prise secteur</a:t>
             </a:r>
-            <a:endParaRPr lang="fr-FR" sz="1050" dirty="0"/>
           </a:p>
         </p:txBody>
       </p:sp>
@@ -8382,10 +8372,9 @@
           <a:lstStyle/>
           <a:p>
             <a:r>
-              <a:rPr lang="fr-FR" dirty="0" smtClean="0"/>
+              <a:rPr lang="fr-FR" dirty="0"/>
               <a:t>Robot à câbles RC4</a:t>
             </a:r>
-            <a:endParaRPr lang="fr-FR" dirty="0"/>
           </a:p>
         </p:txBody>
       </p:sp>
@@ -13063,202 +13052,6 @@
         <mc:Choice Requires="a14">
           <p:sp>
             <p:nvSpPr>
-              <p:cNvPr id="2" name="ZoneTexte 1">
-                <a:extLst>
-                  <a:ext uri="{FF2B5EF4-FFF2-40B4-BE49-F238E27FC236}">
-                    <a16:creationId xmlns:a16="http://schemas.microsoft.com/office/drawing/2014/main" id="{CE9B1931-07DA-0F46-7F7A-32594AF6DF26}"/>
-                  </a:ext>
-                </a:extLst>
-              </p:cNvPr>
-              <p:cNvSpPr txBox="1"/>
-              <p:nvPr/>
-            </p:nvSpPr>
-            <p:spPr>
-              <a:xfrm>
-                <a:off x="4492269" y="3596097"/>
-                <a:ext cx="1161960" cy="646331"/>
-              </a:xfrm>
-              <a:prstGeom prst="rect">
-                <a:avLst/>
-              </a:prstGeom>
-              <a:noFill/>
-            </p:spPr>
-            <p:txBody>
-              <a:bodyPr wrap="square" rtlCol="0">
-                <a:spAutoFit/>
-              </a:bodyPr>
-              <a:lstStyle/>
-              <a:p>
-                <a:pPr algn="ctr"/>
-                <a:r>
-                  <a:rPr lang="fr-FR" sz="1200" b="1" dirty="0">
-                    <a:solidFill>
-                      <a:srgbClr val="FFB25A"/>
-                    </a:solidFill>
-                    <a:latin typeface="Arial Nova" panose="020B0504020202020204" pitchFamily="34" charset="0"/>
-                  </a:rPr>
-                  <a:t> xx V </a:t>
-                </a:r>
-                <a14:m>
-                  <m:oMath xmlns:m="http://schemas.openxmlformats.org/officeDocument/2006/math">
-                    <m:r>
-                      <a:rPr lang="fr-FR" sz="1200" b="1" i="0" smtClean="0">
-                        <a:solidFill>
-                          <a:srgbClr val="FFB25A"/>
-                        </a:solidFill>
-                        <a:latin typeface="Cambria Math" panose="02040503050406030204" pitchFamily="18" charset="0"/>
-                        <a:ea typeface="Cambria Math" panose="02040503050406030204" pitchFamily="18" charset="0"/>
-                        <a:cs typeface="Calibri" panose="020F0502020204030204" pitchFamily="34" charset="0"/>
-                      </a:rPr>
-                      <m:t>=</m:t>
-                    </m:r>
-                  </m:oMath>
-                </a14:m>
-                <a:endParaRPr lang="fr-FR" sz="1200" b="1" dirty="0">
-                  <a:solidFill>
-                    <a:srgbClr val="FFB25A"/>
-                  </a:solidFill>
-                  <a:latin typeface="Arial Nova" panose="020B0504020202020204" pitchFamily="34" charset="0"/>
-                  <a:ea typeface="Cambria Math" panose="02040503050406030204" pitchFamily="18" charset="0"/>
-                  <a:cs typeface="Calibri" panose="020F0502020204030204" pitchFamily="34" charset="0"/>
-                </a:endParaRPr>
-              </a:p>
-              <a:p>
-                <a:pPr algn="ctr"/>
-                <a14:m>
-                  <m:oMathPara xmlns:m="http://schemas.openxmlformats.org/officeDocument/2006/math">
-                    <m:oMathParaPr>
-                      <m:jc m:val="centerGroup"/>
-                    </m:oMathParaPr>
-                    <m:oMath xmlns:m="http://schemas.openxmlformats.org/officeDocument/2006/math">
-                      <m:sSub>
-                        <m:sSubPr>
-                          <m:ctrlPr>
-                            <a:rPr lang="fr-FR" sz="1200" b="1" i="1" smtClean="0">
-                              <a:solidFill>
-                                <a:srgbClr val="FFB25A"/>
-                              </a:solidFill>
-                              <a:latin typeface="Cambria Math" panose="02040503050406030204" pitchFamily="18" charset="0"/>
-                              <a:ea typeface="Cambria Math" panose="02040503050406030204" pitchFamily="18" charset="0"/>
-                            </a:rPr>
-                          </m:ctrlPr>
-                        </m:sSubPr>
-                        <m:e>
-                          <m:r>
-                            <a:rPr lang="fr-FR" sz="1200" b="1" i="1" smtClean="0">
-                              <a:solidFill>
-                                <a:srgbClr val="FFB25A"/>
-                              </a:solidFill>
-                              <a:latin typeface="Cambria Math" panose="02040503050406030204" pitchFamily="18" charset="0"/>
-                              <a:ea typeface="Cambria Math" panose="02040503050406030204" pitchFamily="18" charset="0"/>
-                            </a:rPr>
-                            <m:t>𝓟</m:t>
-                          </m:r>
-                        </m:e>
-                        <m:sub>
-                          <m:r>
-                            <a:rPr lang="fr-FR" sz="1200" b="1" i="1" smtClean="0">
-                              <a:solidFill>
-                                <a:srgbClr val="FFB25A"/>
-                              </a:solidFill>
-                              <a:latin typeface="Cambria Math" panose="02040503050406030204" pitchFamily="18" charset="0"/>
-                              <a:ea typeface="Cambria Math" panose="02040503050406030204" pitchFamily="18" charset="0"/>
-                            </a:rPr>
-                            <m:t>𝒆𝒍𝒆𝒄</m:t>
-                          </m:r>
-                        </m:sub>
-                      </m:sSub>
-                      <m:r>
-                        <a:rPr lang="fr-FR" sz="1200" b="1" i="1" smtClean="0">
-                          <a:solidFill>
-                            <a:srgbClr val="FFB25A"/>
-                          </a:solidFill>
-                          <a:latin typeface="Cambria Math" panose="02040503050406030204" pitchFamily="18" charset="0"/>
-                          <a:ea typeface="Cambria Math" panose="02040503050406030204" pitchFamily="18" charset="0"/>
-                        </a:rPr>
-                        <m:t>=</m:t>
-                      </m:r>
-                      <m:r>
-                        <a:rPr lang="fr-FR" sz="1200" b="1" i="1" smtClean="0">
-                          <a:solidFill>
-                            <a:srgbClr val="FFB25A"/>
-                          </a:solidFill>
-                          <a:latin typeface="Cambria Math" panose="02040503050406030204" pitchFamily="18" charset="0"/>
-                          <a:ea typeface="Cambria Math" panose="02040503050406030204" pitchFamily="18" charset="0"/>
-                        </a:rPr>
-                        <m:t>𝑼𝑰</m:t>
-                      </m:r>
-                    </m:oMath>
-                  </m:oMathPara>
-                </a14:m>
-                <a:endParaRPr lang="fr-FR" sz="1200" b="1" dirty="0">
-                  <a:solidFill>
-                    <a:srgbClr val="FFB25A"/>
-                  </a:solidFill>
-                  <a:latin typeface="Arial Nova" panose="020B0504020202020204" pitchFamily="34" charset="0"/>
-                </a:endParaRPr>
-              </a:p>
-              <a:p>
-                <a:pPr algn="ctr"/>
-                <a:endParaRPr lang="fr-FR" sz="1200" b="1" dirty="0">
-                  <a:solidFill>
-                    <a:srgbClr val="FFB25A"/>
-                  </a:solidFill>
-                  <a:latin typeface="Arial Nova" panose="020B0504020202020204" pitchFamily="34" charset="0"/>
-                </a:endParaRPr>
-              </a:p>
-            </p:txBody>
-          </p:sp>
-        </mc:Choice>
-        <mc:Fallback xmlns="">
-          <p:sp>
-            <p:nvSpPr>
-              <p:cNvPr id="2" name="ZoneTexte 1">
-                <a:extLst>
-                  <a:ext uri="{FF2B5EF4-FFF2-40B4-BE49-F238E27FC236}">
-                    <a16:creationId xmlns:a16="http://schemas.microsoft.com/office/drawing/2014/main" id="{CE9B1931-07DA-0F46-7F7A-32594AF6DF26}"/>
-                  </a:ext>
-                </a:extLst>
-              </p:cNvPr>
-              <p:cNvSpPr txBox="1">
-                <a:spLocks noRot="1" noChangeAspect="1" noMove="1" noResize="1" noEditPoints="1" noAdjustHandles="1" noChangeArrowheads="1" noChangeShapeType="1" noTextEdit="1"/>
-              </p:cNvSpPr>
-              <p:nvPr/>
-            </p:nvSpPr>
-            <p:spPr>
-              <a:xfrm>
-                <a:off x="4492269" y="3596097"/>
-                <a:ext cx="1161960" cy="646331"/>
-              </a:xfrm>
-              <a:prstGeom prst="rect">
-                <a:avLst/>
-              </a:prstGeom>
-              <a:blipFill>
-                <a:blip r:embed="rId2"/>
-                <a:stretch>
-                  <a:fillRect t="-943"/>
-                </a:stretch>
-              </a:blipFill>
-            </p:spPr>
-            <p:txBody>
-              <a:bodyPr/>
-              <a:lstStyle/>
-              <a:p>
-                <a:r>
-                  <a:rPr lang="fr-FR">
-                    <a:noFill/>
-                  </a:rPr>
-                  <a:t> </a:t>
-                </a:r>
-              </a:p>
-            </p:txBody>
-          </p:sp>
-        </mc:Fallback>
-      </mc:AlternateContent>
-      <mc:AlternateContent xmlns:mc="http://schemas.openxmlformats.org/markup-compatibility/2006">
-        <mc:Choice xmlns:a14="http://schemas.microsoft.com/office/drawing/2010/main" Requires="a14">
-          <p:sp>
-            <p:nvSpPr>
               <p:cNvPr id="4" name="Titre 3">
                 <a:extLst>
                   <a:ext uri="{FF2B5EF4-FFF2-40B4-BE49-F238E27FC236}">
@@ -13279,12 +13072,8 @@
               <a:lstStyle/>
               <a:p>
                 <a:r>
-                  <a:rPr lang="fr-FR" dirty="0" smtClean="0"/>
-                  <a:t>I3D – Chaine </a:t>
-                </a:r>
-                <a:r>
                   <a:rPr lang="fr-FR" dirty="0"/>
-                  <a:t>fonctionnelle de l’axe </a:t>
+                  <a:t>I3D – Chaine fonctionnelle de l’axe </a:t>
                 </a:r>
                 <a14:m>
                   <m:oMath xmlns:m="http://schemas.openxmlformats.org/officeDocument/2006/math">
@@ -13320,7 +13109,7 @@
             </p:txBody>
           </p:sp>
         </mc:Choice>
-        <mc:Fallback>
+        <mc:Fallback xmlns="">
           <p:sp>
             <p:nvSpPr>
               <p:cNvPr id="4" name="Titre 3">
@@ -13360,999 +13149,12 @@
           </p:sp>
         </mc:Fallback>
       </mc:AlternateContent>
-      <p:sp>
-        <p:nvSpPr>
-          <p:cNvPr id="6" name="Rectangle : coins arrondis 5">
-            <a:extLst>
-              <a:ext uri="{FF2B5EF4-FFF2-40B4-BE49-F238E27FC236}">
-                <a16:creationId xmlns:a16="http://schemas.microsoft.com/office/drawing/2014/main" id="{F7822C3A-6752-03D9-8DF8-C9BF49763BD8}"/>
-              </a:ext>
-            </a:extLst>
-          </p:cNvPr>
-          <p:cNvSpPr/>
-          <p:nvPr/>
-        </p:nvSpPr>
-        <p:spPr>
-          <a:xfrm>
-            <a:off x="1056905" y="1330378"/>
-            <a:ext cx="1440000" cy="540000"/>
-          </a:xfrm>
-          <a:prstGeom prst="roundRect">
-            <a:avLst>
-              <a:gd name="adj" fmla="val 11914"/>
-            </a:avLst>
-          </a:prstGeom>
-          <a:noFill/>
-          <a:ln w="19050">
-            <a:solidFill>
-              <a:srgbClr val="004F77"/>
-            </a:solidFill>
-          </a:ln>
-        </p:spPr>
-        <p:style>
-          <a:lnRef idx="2">
-            <a:schemeClr val="accent1">
-              <a:shade val="50000"/>
-            </a:schemeClr>
-          </a:lnRef>
-          <a:fillRef idx="1">
-            <a:schemeClr val="accent1"/>
-          </a:fillRef>
-          <a:effectRef idx="0">
-            <a:schemeClr val="accent1"/>
-          </a:effectRef>
-          <a:fontRef idx="minor">
-            <a:schemeClr val="lt1"/>
-          </a:fontRef>
-        </p:style>
-        <p:txBody>
-          <a:bodyPr rtlCol="0" anchor="ctr"/>
-          <a:lstStyle/>
-          <a:p>
-            <a:pPr algn="ctr"/>
-            <a:r>
-              <a:rPr lang="fr-FR" sz="1400" dirty="0">
-                <a:solidFill>
-                  <a:srgbClr val="004F77"/>
-                </a:solidFill>
-                <a:latin typeface="Arial Nova" panose="020B0504020202020204" pitchFamily="34" charset="0"/>
-              </a:rPr>
-              <a:t>Acquérir</a:t>
-            </a:r>
-          </a:p>
-        </p:txBody>
-      </p:sp>
-      <p:sp>
-        <p:nvSpPr>
-          <p:cNvPr id="7" name="Rectangle : coins arrondis 6">
-            <a:extLst>
-              <a:ext uri="{FF2B5EF4-FFF2-40B4-BE49-F238E27FC236}">
-                <a16:creationId xmlns:a16="http://schemas.microsoft.com/office/drawing/2014/main" id="{FEC70D79-FF53-E1E6-8F5D-7DB4552BDEB8}"/>
-              </a:ext>
-            </a:extLst>
-          </p:cNvPr>
-          <p:cNvSpPr/>
-          <p:nvPr/>
-        </p:nvSpPr>
-        <p:spPr>
-          <a:xfrm>
-            <a:off x="1056905" y="2105524"/>
-            <a:ext cx="1440000" cy="859876"/>
-          </a:xfrm>
-          <a:prstGeom prst="roundRect">
-            <a:avLst>
-              <a:gd name="adj" fmla="val 11914"/>
-            </a:avLst>
-          </a:prstGeom>
-          <a:solidFill>
-            <a:srgbClr val="DFE3EB"/>
-          </a:solidFill>
-          <a:ln w="19050">
-            <a:solidFill>
-              <a:srgbClr val="DFE3EB"/>
-            </a:solidFill>
-          </a:ln>
-        </p:spPr>
-        <p:style>
-          <a:lnRef idx="2">
-            <a:schemeClr val="accent1">
-              <a:shade val="50000"/>
-            </a:schemeClr>
-          </a:lnRef>
-          <a:fillRef idx="1">
-            <a:schemeClr val="accent1"/>
-          </a:fillRef>
-          <a:effectRef idx="0">
-            <a:schemeClr val="accent1"/>
-          </a:effectRef>
-          <a:fontRef idx="minor">
-            <a:schemeClr val="lt1"/>
-          </a:fontRef>
-        </p:style>
-        <p:txBody>
-          <a:bodyPr lIns="0" tIns="0" rIns="0" bIns="0" rtlCol="0" anchor="ctr"/>
-          <a:lstStyle/>
-          <a:p>
-            <a:pPr algn="ctr"/>
-            <a:r>
-              <a:rPr lang="fr-FR" sz="800" dirty="0">
-                <a:solidFill>
-                  <a:srgbClr val="004F77"/>
-                </a:solidFill>
-                <a:latin typeface="Arial Nova" panose="020B0504020202020204" pitchFamily="34" charset="0"/>
-              </a:rPr>
-              <a:t>Détecteur fin de course</a:t>
-            </a:r>
-          </a:p>
-          <a:p>
-            <a:pPr algn="ctr"/>
-            <a:r>
-              <a:rPr lang="fr-FR" sz="800" dirty="0">
-                <a:solidFill>
-                  <a:srgbClr val="004F77"/>
-                </a:solidFill>
-                <a:latin typeface="Arial Nova" panose="020B0504020202020204" pitchFamily="34" charset="0"/>
-              </a:rPr>
-              <a:t>Info de position issue du pilote moteur</a:t>
-            </a:r>
-          </a:p>
-          <a:p>
-            <a:pPr algn="ctr"/>
-            <a:r>
-              <a:rPr lang="fr-FR" sz="800" dirty="0">
-                <a:solidFill>
-                  <a:srgbClr val="004F77"/>
-                </a:solidFill>
-                <a:latin typeface="Arial Nova" panose="020B0504020202020204" pitchFamily="34" charset="0"/>
-              </a:rPr>
-              <a:t>Codeur incrémental </a:t>
-            </a:r>
-          </a:p>
-          <a:p>
-            <a:pPr algn="ctr"/>
-            <a:r>
-              <a:rPr lang="fr-FR" sz="800" dirty="0">
-                <a:solidFill>
-                  <a:srgbClr val="004F77"/>
-                </a:solidFill>
-                <a:latin typeface="Arial Nova" panose="020B0504020202020204" pitchFamily="34" charset="0"/>
-              </a:rPr>
-              <a:t>Camera</a:t>
-            </a:r>
-          </a:p>
-          <a:p>
-            <a:pPr algn="ctr"/>
-            <a:r>
-              <a:rPr lang="fr-FR" sz="800" dirty="0">
-                <a:solidFill>
-                  <a:srgbClr val="004F77"/>
-                </a:solidFill>
-                <a:latin typeface="Arial Nova" panose="020B0504020202020204" pitchFamily="34" charset="0"/>
-              </a:rPr>
-              <a:t>Accéléromètre</a:t>
-            </a:r>
-          </a:p>
-        </p:txBody>
-      </p:sp>
-      <p:sp>
-        <p:nvSpPr>
-          <p:cNvPr id="8" name="Rectangle : coins arrondis 7">
-            <a:extLst>
-              <a:ext uri="{FF2B5EF4-FFF2-40B4-BE49-F238E27FC236}">
-                <a16:creationId xmlns:a16="http://schemas.microsoft.com/office/drawing/2014/main" id="{492C39D7-C7C7-3458-7E55-FC4FCBD955B0}"/>
-              </a:ext>
-            </a:extLst>
-          </p:cNvPr>
-          <p:cNvSpPr/>
-          <p:nvPr/>
-        </p:nvSpPr>
-        <p:spPr>
-          <a:xfrm>
-            <a:off x="3229319" y="1328842"/>
-            <a:ext cx="1440000" cy="540000"/>
-          </a:xfrm>
-          <a:prstGeom prst="roundRect">
-            <a:avLst>
-              <a:gd name="adj" fmla="val 11914"/>
-            </a:avLst>
-          </a:prstGeom>
-          <a:noFill/>
-          <a:ln w="19050">
-            <a:solidFill>
-              <a:srgbClr val="004F77"/>
-            </a:solidFill>
-          </a:ln>
-        </p:spPr>
-        <p:style>
-          <a:lnRef idx="2">
-            <a:schemeClr val="accent1">
-              <a:shade val="50000"/>
-            </a:schemeClr>
-          </a:lnRef>
-          <a:fillRef idx="1">
-            <a:schemeClr val="accent1"/>
-          </a:fillRef>
-          <a:effectRef idx="0">
-            <a:schemeClr val="accent1"/>
-          </a:effectRef>
-          <a:fontRef idx="minor">
-            <a:schemeClr val="lt1"/>
-          </a:fontRef>
-        </p:style>
-        <p:txBody>
-          <a:bodyPr rtlCol="0" anchor="ctr"/>
-          <a:lstStyle/>
-          <a:p>
-            <a:pPr algn="ctr"/>
-            <a:r>
-              <a:rPr lang="fr-FR" sz="1400" dirty="0">
-                <a:solidFill>
-                  <a:srgbClr val="0C7391"/>
-                </a:solidFill>
-                <a:latin typeface="Arial Nova" panose="020B0504020202020204" pitchFamily="34" charset="0"/>
-              </a:rPr>
-              <a:t>Traiter</a:t>
-            </a:r>
-          </a:p>
-        </p:txBody>
-      </p:sp>
-      <p:sp>
-        <p:nvSpPr>
-          <p:cNvPr id="9" name="Rectangle : coins arrondis 8">
-            <a:extLst>
-              <a:ext uri="{FF2B5EF4-FFF2-40B4-BE49-F238E27FC236}">
-                <a16:creationId xmlns:a16="http://schemas.microsoft.com/office/drawing/2014/main" id="{5E73C37F-4A2D-AB41-B3A3-7332F9A357A2}"/>
-              </a:ext>
-            </a:extLst>
-          </p:cNvPr>
-          <p:cNvSpPr/>
-          <p:nvPr/>
-        </p:nvSpPr>
-        <p:spPr>
-          <a:xfrm>
-            <a:off x="3218894" y="2121703"/>
-            <a:ext cx="1440000" cy="540000"/>
-          </a:xfrm>
-          <a:prstGeom prst="roundRect">
-            <a:avLst>
-              <a:gd name="adj" fmla="val 11914"/>
-            </a:avLst>
-          </a:prstGeom>
-          <a:solidFill>
-            <a:srgbClr val="E4EBF0"/>
-          </a:solidFill>
-          <a:ln w="19050">
-            <a:solidFill>
-              <a:srgbClr val="E4EBF0"/>
-            </a:solidFill>
-          </a:ln>
-        </p:spPr>
-        <p:style>
-          <a:lnRef idx="2">
-            <a:schemeClr val="accent1">
-              <a:shade val="50000"/>
-            </a:schemeClr>
-          </a:lnRef>
-          <a:fillRef idx="1">
-            <a:schemeClr val="accent1"/>
-          </a:fillRef>
-          <a:effectRef idx="0">
-            <a:schemeClr val="accent1"/>
-          </a:effectRef>
-          <a:fontRef idx="minor">
-            <a:schemeClr val="lt1"/>
-          </a:fontRef>
-        </p:style>
-        <p:txBody>
-          <a:bodyPr rtlCol="0" anchor="ctr"/>
-          <a:lstStyle/>
-          <a:p>
-            <a:pPr algn="ctr"/>
-            <a:r>
-              <a:rPr lang="fr-FR" sz="1200" dirty="0">
-                <a:solidFill>
-                  <a:srgbClr val="0C7391"/>
-                </a:solidFill>
-                <a:latin typeface="Arial Nova" panose="020B0504020202020204" pitchFamily="34" charset="0"/>
-              </a:rPr>
-              <a:t>Carte </a:t>
-            </a:r>
-            <a:r>
-              <a:rPr lang="fr-FR" sz="1200" dirty="0" err="1">
-                <a:solidFill>
-                  <a:srgbClr val="0C7391"/>
-                </a:solidFill>
-                <a:latin typeface="Arial Nova" panose="020B0504020202020204" pitchFamily="34" charset="0"/>
-              </a:rPr>
-              <a:t>eMOTRONIC</a:t>
-            </a:r>
-            <a:endParaRPr lang="fr-FR" sz="1200" dirty="0">
-              <a:solidFill>
-                <a:srgbClr val="0C7391"/>
-              </a:solidFill>
-              <a:latin typeface="Arial Nova" panose="020B0504020202020204" pitchFamily="34" charset="0"/>
-            </a:endParaRPr>
-          </a:p>
-        </p:txBody>
-      </p:sp>
-      <p:sp>
-        <p:nvSpPr>
-          <p:cNvPr id="10" name="Rectangle : coins arrondis 9">
-            <a:extLst>
-              <a:ext uri="{FF2B5EF4-FFF2-40B4-BE49-F238E27FC236}">
-                <a16:creationId xmlns:a16="http://schemas.microsoft.com/office/drawing/2014/main" id="{8BE8DB55-CD2C-9609-869B-BFB5FBA5A6D3}"/>
-              </a:ext>
-            </a:extLst>
-          </p:cNvPr>
-          <p:cNvSpPr/>
-          <p:nvPr/>
-        </p:nvSpPr>
-        <p:spPr>
-          <a:xfrm>
-            <a:off x="5389319" y="1306501"/>
-            <a:ext cx="1440000" cy="576000"/>
-          </a:xfrm>
-          <a:prstGeom prst="roundRect">
-            <a:avLst>
-              <a:gd name="adj" fmla="val 11914"/>
-            </a:avLst>
-          </a:prstGeom>
-          <a:noFill/>
-          <a:ln w="19050">
-            <a:solidFill>
-              <a:srgbClr val="08A559"/>
-            </a:solidFill>
-          </a:ln>
-        </p:spPr>
-        <p:style>
-          <a:lnRef idx="2">
-            <a:schemeClr val="accent1">
-              <a:shade val="50000"/>
-            </a:schemeClr>
-          </a:lnRef>
-          <a:fillRef idx="1">
-            <a:schemeClr val="accent1"/>
-          </a:fillRef>
-          <a:effectRef idx="0">
-            <a:schemeClr val="accent1"/>
-          </a:effectRef>
-          <a:fontRef idx="minor">
-            <a:schemeClr val="lt1"/>
-          </a:fontRef>
-        </p:style>
-        <p:txBody>
-          <a:bodyPr rtlCol="0" anchor="ctr"/>
-          <a:lstStyle/>
-          <a:p>
-            <a:pPr algn="ctr"/>
-            <a:r>
-              <a:rPr lang="fr-FR" sz="1400" dirty="0">
-                <a:solidFill>
-                  <a:srgbClr val="08A559"/>
-                </a:solidFill>
-                <a:latin typeface="Arial Nova" panose="020B0504020202020204" pitchFamily="34" charset="0"/>
-              </a:rPr>
-              <a:t>Communiquer</a:t>
-            </a:r>
-          </a:p>
-        </p:txBody>
-      </p:sp>
-      <p:sp>
-        <p:nvSpPr>
-          <p:cNvPr id="11" name="Rectangle : coins arrondis 10">
-            <a:extLst>
-              <a:ext uri="{FF2B5EF4-FFF2-40B4-BE49-F238E27FC236}">
-                <a16:creationId xmlns:a16="http://schemas.microsoft.com/office/drawing/2014/main" id="{E7C50B13-9945-267C-9C0F-3901C1922B55}"/>
-              </a:ext>
-            </a:extLst>
-          </p:cNvPr>
-          <p:cNvSpPr/>
-          <p:nvPr/>
-        </p:nvSpPr>
-        <p:spPr>
-          <a:xfrm>
-            <a:off x="5389319" y="2100470"/>
-            <a:ext cx="1406281" cy="534390"/>
-          </a:xfrm>
-          <a:prstGeom prst="roundRect">
-            <a:avLst>
-              <a:gd name="adj" fmla="val 11914"/>
-            </a:avLst>
-          </a:prstGeom>
-          <a:solidFill>
-            <a:srgbClr val="E8F3E8"/>
-          </a:solidFill>
-          <a:ln w="19050">
-            <a:solidFill>
-              <a:srgbClr val="E8F3E8"/>
-            </a:solidFill>
-          </a:ln>
-        </p:spPr>
-        <p:style>
-          <a:lnRef idx="2">
-            <a:schemeClr val="accent1">
-              <a:shade val="50000"/>
-            </a:schemeClr>
-          </a:lnRef>
-          <a:fillRef idx="1">
-            <a:schemeClr val="accent1"/>
-          </a:fillRef>
-          <a:effectRef idx="0">
-            <a:schemeClr val="accent1"/>
-          </a:effectRef>
-          <a:fontRef idx="minor">
-            <a:schemeClr val="lt1"/>
-          </a:fontRef>
-        </p:style>
-        <p:txBody>
-          <a:bodyPr rtlCol="0" anchor="ctr"/>
-          <a:lstStyle/>
-          <a:p>
-            <a:pPr algn="ctr"/>
-            <a:r>
-              <a:rPr lang="fr-FR" sz="1200" dirty="0">
-                <a:solidFill>
-                  <a:srgbClr val="08A559"/>
-                </a:solidFill>
-                <a:latin typeface="Arial Nova" panose="020B0504020202020204" pitchFamily="34" charset="0"/>
-              </a:rPr>
-              <a:t>Carte </a:t>
-            </a:r>
-            <a:r>
-              <a:rPr lang="fr-FR" sz="1200" dirty="0" err="1">
-                <a:solidFill>
-                  <a:srgbClr val="08A559"/>
-                </a:solidFill>
-                <a:latin typeface="Arial Nova" panose="020B0504020202020204" pitchFamily="34" charset="0"/>
-              </a:rPr>
-              <a:t>eMOTRONIC</a:t>
-            </a:r>
-            <a:endParaRPr lang="fr-FR" sz="1200" dirty="0">
-              <a:solidFill>
-                <a:srgbClr val="08A559"/>
-              </a:solidFill>
-              <a:latin typeface="Arial Nova" panose="020B0504020202020204" pitchFamily="34" charset="0"/>
-            </a:endParaRPr>
-          </a:p>
-        </p:txBody>
-      </p:sp>
-      <p:sp>
-        <p:nvSpPr>
-          <p:cNvPr id="12" name="Rectangle : coins arrondis 11">
-            <a:extLst>
-              <a:ext uri="{FF2B5EF4-FFF2-40B4-BE49-F238E27FC236}">
-                <a16:creationId xmlns:a16="http://schemas.microsoft.com/office/drawing/2014/main" id="{8CFBB7BE-C306-859A-CF41-F04DD9BC455C}"/>
-              </a:ext>
-            </a:extLst>
-          </p:cNvPr>
-          <p:cNvSpPr/>
-          <p:nvPr/>
-        </p:nvSpPr>
-        <p:spPr>
-          <a:xfrm>
-            <a:off x="1056905" y="3323232"/>
-            <a:ext cx="1440000" cy="540000"/>
-          </a:xfrm>
-          <a:prstGeom prst="roundRect">
-            <a:avLst>
-              <a:gd name="adj" fmla="val 11914"/>
-            </a:avLst>
-          </a:prstGeom>
-          <a:noFill/>
-          <a:ln w="19050">
-            <a:solidFill>
-              <a:srgbClr val="FDAD57"/>
-            </a:solidFill>
-          </a:ln>
-        </p:spPr>
-        <p:style>
-          <a:lnRef idx="2">
-            <a:schemeClr val="accent1">
-              <a:shade val="50000"/>
-            </a:schemeClr>
-          </a:lnRef>
-          <a:fillRef idx="1">
-            <a:schemeClr val="accent1"/>
-          </a:fillRef>
-          <a:effectRef idx="0">
-            <a:schemeClr val="accent1"/>
-          </a:effectRef>
-          <a:fontRef idx="minor">
-            <a:schemeClr val="lt1"/>
-          </a:fontRef>
-        </p:style>
-        <p:txBody>
-          <a:bodyPr rtlCol="0" anchor="ctr"/>
-          <a:lstStyle/>
-          <a:p>
-            <a:pPr algn="ctr"/>
-            <a:r>
-              <a:rPr lang="fr-FR" sz="1400" dirty="0">
-                <a:solidFill>
-                  <a:srgbClr val="FDAD57"/>
-                </a:solidFill>
-                <a:latin typeface="Arial Nova" panose="020B0504020202020204" pitchFamily="34" charset="0"/>
-              </a:rPr>
-              <a:t>Alimenter</a:t>
-            </a:r>
-          </a:p>
-        </p:txBody>
-      </p:sp>
-      <p:sp>
-        <p:nvSpPr>
-          <p:cNvPr id="13" name="Rectangle : coins arrondis 12">
-            <a:extLst>
-              <a:ext uri="{FF2B5EF4-FFF2-40B4-BE49-F238E27FC236}">
-                <a16:creationId xmlns:a16="http://schemas.microsoft.com/office/drawing/2014/main" id="{D364B3FD-91A8-1B5F-5FD3-55E164E3B9AE}"/>
-              </a:ext>
-            </a:extLst>
-          </p:cNvPr>
-          <p:cNvSpPr/>
-          <p:nvPr/>
-        </p:nvSpPr>
-        <p:spPr>
-          <a:xfrm>
-            <a:off x="1056905" y="4017987"/>
-            <a:ext cx="1440000" cy="540000"/>
-          </a:xfrm>
-          <a:prstGeom prst="roundRect">
-            <a:avLst>
-              <a:gd name="adj" fmla="val 11914"/>
-            </a:avLst>
-          </a:prstGeom>
-          <a:solidFill>
-            <a:srgbClr val="FEE6CC"/>
-          </a:solidFill>
-          <a:ln w="19050">
-            <a:solidFill>
-              <a:srgbClr val="FEE6CC"/>
-            </a:solidFill>
-          </a:ln>
-        </p:spPr>
-        <p:style>
-          <a:lnRef idx="2">
-            <a:schemeClr val="accent1">
-              <a:shade val="50000"/>
-            </a:schemeClr>
-          </a:lnRef>
-          <a:fillRef idx="1">
-            <a:schemeClr val="accent1"/>
-          </a:fillRef>
-          <a:effectRef idx="0">
-            <a:schemeClr val="accent1"/>
-          </a:effectRef>
-          <a:fontRef idx="minor">
-            <a:schemeClr val="lt1"/>
-          </a:fontRef>
-        </p:style>
-        <p:txBody>
-          <a:bodyPr rtlCol="0" anchor="ctr"/>
-          <a:lstStyle/>
-          <a:p>
-            <a:pPr algn="ctr"/>
-            <a:r>
-              <a:rPr lang="fr-FR" sz="1200" dirty="0">
-                <a:solidFill>
-                  <a:srgbClr val="FDAD57"/>
-                </a:solidFill>
-                <a:latin typeface="Arial Nova" panose="020B0504020202020204" pitchFamily="34" charset="0"/>
-              </a:rPr>
-              <a:t>Alimentation</a:t>
-            </a:r>
-          </a:p>
-        </p:txBody>
-      </p:sp>
-      <p:sp>
-        <p:nvSpPr>
-          <p:cNvPr id="14" name="Rectangle : coins arrondis 13">
-            <a:extLst>
-              <a:ext uri="{FF2B5EF4-FFF2-40B4-BE49-F238E27FC236}">
-                <a16:creationId xmlns:a16="http://schemas.microsoft.com/office/drawing/2014/main" id="{96A2B729-7EE6-8CA6-72B2-5A16AA5A785A}"/>
-              </a:ext>
-            </a:extLst>
-          </p:cNvPr>
-          <p:cNvSpPr/>
-          <p:nvPr/>
-        </p:nvSpPr>
-        <p:spPr>
-          <a:xfrm>
-            <a:off x="3218894" y="3318469"/>
-            <a:ext cx="1440000" cy="540000"/>
-          </a:xfrm>
-          <a:prstGeom prst="roundRect">
-            <a:avLst>
-              <a:gd name="adj" fmla="val 11914"/>
-            </a:avLst>
-          </a:prstGeom>
-          <a:noFill/>
-          <a:ln w="19050">
-            <a:solidFill>
-              <a:srgbClr val="0C7391"/>
-            </a:solidFill>
-          </a:ln>
-        </p:spPr>
-        <p:style>
-          <a:lnRef idx="2">
-            <a:schemeClr val="accent1">
-              <a:shade val="50000"/>
-            </a:schemeClr>
-          </a:lnRef>
-          <a:fillRef idx="1">
-            <a:schemeClr val="accent1"/>
-          </a:fillRef>
-          <a:effectRef idx="0">
-            <a:schemeClr val="accent1"/>
-          </a:effectRef>
-          <a:fontRef idx="minor">
-            <a:schemeClr val="lt1"/>
-          </a:fontRef>
-        </p:style>
-        <p:txBody>
-          <a:bodyPr rtlCol="0" anchor="ctr"/>
-          <a:lstStyle/>
-          <a:p>
-            <a:pPr algn="ctr"/>
-            <a:r>
-              <a:rPr lang="fr-FR" sz="1400" dirty="0">
-                <a:solidFill>
-                  <a:srgbClr val="0C7391"/>
-                </a:solidFill>
-                <a:latin typeface="Arial Nova" panose="020B0504020202020204" pitchFamily="34" charset="0"/>
-              </a:rPr>
-              <a:t>Distribuer</a:t>
-            </a:r>
-          </a:p>
-        </p:txBody>
-      </p:sp>
-      <p:sp>
-        <p:nvSpPr>
-          <p:cNvPr id="15" name="Rectangle : coins arrondis 14">
-            <a:extLst>
-              <a:ext uri="{FF2B5EF4-FFF2-40B4-BE49-F238E27FC236}">
-                <a16:creationId xmlns:a16="http://schemas.microsoft.com/office/drawing/2014/main" id="{3841B1B6-C546-170C-78BF-906D65F5DAA8}"/>
-              </a:ext>
-            </a:extLst>
-          </p:cNvPr>
-          <p:cNvSpPr/>
-          <p:nvPr/>
-        </p:nvSpPr>
-        <p:spPr>
-          <a:xfrm>
-            <a:off x="3229319" y="4003689"/>
-            <a:ext cx="1440000" cy="572255"/>
-          </a:xfrm>
-          <a:prstGeom prst="roundRect">
-            <a:avLst>
-              <a:gd name="adj" fmla="val 11914"/>
-            </a:avLst>
-          </a:prstGeom>
-          <a:solidFill>
-            <a:srgbClr val="9EC7D3"/>
-          </a:solidFill>
-          <a:ln w="19050">
-            <a:solidFill>
-              <a:srgbClr val="9EC7D3"/>
-            </a:solidFill>
-          </a:ln>
-        </p:spPr>
-        <p:style>
-          <a:lnRef idx="2">
-            <a:schemeClr val="accent1">
-              <a:shade val="50000"/>
-            </a:schemeClr>
-          </a:lnRef>
-          <a:fillRef idx="1">
-            <a:schemeClr val="accent1"/>
-          </a:fillRef>
-          <a:effectRef idx="0">
-            <a:schemeClr val="accent1"/>
-          </a:effectRef>
-          <a:fontRef idx="minor">
-            <a:schemeClr val="lt1"/>
-          </a:fontRef>
-        </p:style>
-        <p:txBody>
-          <a:bodyPr rtlCol="0" anchor="ctr"/>
-          <a:lstStyle/>
-          <a:p>
-            <a:pPr algn="ctr"/>
-            <a:r>
-              <a:rPr lang="fr-FR" sz="1100" dirty="0">
-                <a:solidFill>
-                  <a:srgbClr val="0C7391"/>
-                </a:solidFill>
-                <a:latin typeface="Arial Nova" panose="020B0504020202020204" pitchFamily="34" charset="0"/>
-              </a:rPr>
-              <a:t>Carte </a:t>
-            </a:r>
-            <a:r>
-              <a:rPr lang="fr-FR" sz="1100" dirty="0" err="1">
-                <a:solidFill>
-                  <a:srgbClr val="0C7391"/>
-                </a:solidFill>
-                <a:latin typeface="Arial Nova" panose="020B0504020202020204" pitchFamily="34" charset="0"/>
-              </a:rPr>
-              <a:t>eMOTRONIC</a:t>
-            </a:r>
-            <a:endParaRPr lang="fr-FR" dirty="0">
-              <a:solidFill>
-                <a:srgbClr val="0C7391"/>
-              </a:solidFill>
-              <a:latin typeface="Arial Nova" panose="020B0504020202020204" pitchFamily="34" charset="0"/>
-            </a:endParaRPr>
-          </a:p>
-        </p:txBody>
-      </p:sp>
-      <p:sp>
-        <p:nvSpPr>
-          <p:cNvPr id="16" name="Rectangle : coins arrondis 15">
-            <a:extLst>
-              <a:ext uri="{FF2B5EF4-FFF2-40B4-BE49-F238E27FC236}">
-                <a16:creationId xmlns:a16="http://schemas.microsoft.com/office/drawing/2014/main" id="{B8181AD4-9AB8-CA7B-EFBF-8B9CD4369264}"/>
-              </a:ext>
-            </a:extLst>
-          </p:cNvPr>
-          <p:cNvSpPr/>
-          <p:nvPr/>
-        </p:nvSpPr>
-        <p:spPr>
-          <a:xfrm>
-            <a:off x="5380883" y="3323232"/>
-            <a:ext cx="1440000" cy="540000"/>
-          </a:xfrm>
-          <a:prstGeom prst="roundRect">
-            <a:avLst>
-              <a:gd name="adj" fmla="val 11914"/>
-            </a:avLst>
-          </a:prstGeom>
-          <a:noFill/>
-          <a:ln w="19050">
-            <a:solidFill>
-              <a:srgbClr val="68348B"/>
-            </a:solidFill>
-          </a:ln>
-        </p:spPr>
-        <p:style>
-          <a:lnRef idx="2">
-            <a:schemeClr val="accent1">
-              <a:shade val="50000"/>
-            </a:schemeClr>
-          </a:lnRef>
-          <a:fillRef idx="1">
-            <a:schemeClr val="accent1"/>
-          </a:fillRef>
-          <a:effectRef idx="0">
-            <a:schemeClr val="accent1"/>
-          </a:effectRef>
-          <a:fontRef idx="minor">
-            <a:schemeClr val="lt1"/>
-          </a:fontRef>
-        </p:style>
-        <p:txBody>
-          <a:bodyPr rtlCol="0" anchor="ctr"/>
-          <a:lstStyle/>
-          <a:p>
-            <a:pPr algn="ctr"/>
-            <a:r>
-              <a:rPr lang="fr-FR" sz="1400" dirty="0">
-                <a:solidFill>
-                  <a:srgbClr val="68348B"/>
-                </a:solidFill>
-                <a:latin typeface="Arial Nova" panose="020B0504020202020204" pitchFamily="34" charset="0"/>
-              </a:rPr>
-              <a:t>Convertir</a:t>
-            </a:r>
-          </a:p>
-        </p:txBody>
-      </p:sp>
-      <p:sp>
-        <p:nvSpPr>
-          <p:cNvPr id="17" name="Rectangle : coins arrondis 16">
-            <a:extLst>
-              <a:ext uri="{FF2B5EF4-FFF2-40B4-BE49-F238E27FC236}">
-                <a16:creationId xmlns:a16="http://schemas.microsoft.com/office/drawing/2014/main" id="{7E462E27-42D7-734B-5E6F-B78EF40987B6}"/>
-              </a:ext>
-            </a:extLst>
-          </p:cNvPr>
-          <p:cNvSpPr/>
-          <p:nvPr/>
-        </p:nvSpPr>
-        <p:spPr>
-          <a:xfrm>
-            <a:off x="5389319" y="4003690"/>
-            <a:ext cx="1440000" cy="540000"/>
-          </a:xfrm>
-          <a:prstGeom prst="roundRect">
-            <a:avLst>
-              <a:gd name="adj" fmla="val 11914"/>
-            </a:avLst>
-          </a:prstGeom>
-          <a:solidFill>
-            <a:srgbClr val="C3AED1"/>
-          </a:solidFill>
-          <a:ln w="19050">
-            <a:solidFill>
-              <a:srgbClr val="C3AED1"/>
-            </a:solidFill>
-          </a:ln>
-        </p:spPr>
-        <p:style>
-          <a:lnRef idx="2">
-            <a:schemeClr val="accent1">
-              <a:shade val="50000"/>
-            </a:schemeClr>
-          </a:lnRef>
-          <a:fillRef idx="1">
-            <a:schemeClr val="accent1"/>
-          </a:fillRef>
-          <a:effectRef idx="0">
-            <a:schemeClr val="accent1"/>
-          </a:effectRef>
-          <a:fontRef idx="minor">
-            <a:schemeClr val="lt1"/>
-          </a:fontRef>
-        </p:style>
-        <p:txBody>
-          <a:bodyPr rtlCol="0" anchor="ctr"/>
-          <a:lstStyle/>
-          <a:p>
-            <a:pPr algn="ctr"/>
-            <a:r>
-              <a:rPr lang="fr-FR" sz="1200" dirty="0">
-                <a:solidFill>
-                  <a:srgbClr val="68348B"/>
-                </a:solidFill>
-                <a:latin typeface="Arial Nova" panose="020B0504020202020204" pitchFamily="34" charset="0"/>
-              </a:rPr>
-              <a:t>Moteur pas à pas</a:t>
-            </a:r>
-          </a:p>
-        </p:txBody>
-      </p:sp>
-      <p:sp>
-        <p:nvSpPr>
-          <p:cNvPr id="18" name="Rectangle : coins arrondis 17">
-            <a:extLst>
-              <a:ext uri="{FF2B5EF4-FFF2-40B4-BE49-F238E27FC236}">
-                <a16:creationId xmlns:a16="http://schemas.microsoft.com/office/drawing/2014/main" id="{AA76E29F-1BCE-DD76-499C-CE8F3E850A8E}"/>
-              </a:ext>
-            </a:extLst>
-          </p:cNvPr>
-          <p:cNvSpPr/>
-          <p:nvPr/>
-        </p:nvSpPr>
-        <p:spPr>
-          <a:xfrm>
-            <a:off x="7542872" y="3326339"/>
-            <a:ext cx="1365662" cy="534390"/>
-          </a:xfrm>
-          <a:prstGeom prst="roundRect">
-            <a:avLst>
-              <a:gd name="adj" fmla="val 11914"/>
-            </a:avLst>
-          </a:prstGeom>
-          <a:noFill/>
-          <a:ln w="19050">
-            <a:solidFill>
-              <a:srgbClr val="EE685D"/>
-            </a:solidFill>
-          </a:ln>
-        </p:spPr>
-        <p:style>
-          <a:lnRef idx="2">
-            <a:schemeClr val="accent1">
-              <a:shade val="50000"/>
-            </a:schemeClr>
-          </a:lnRef>
-          <a:fillRef idx="1">
-            <a:schemeClr val="accent1"/>
-          </a:fillRef>
-          <a:effectRef idx="0">
-            <a:schemeClr val="accent1"/>
-          </a:effectRef>
-          <a:fontRef idx="minor">
-            <a:schemeClr val="lt1"/>
-          </a:fontRef>
-        </p:style>
-        <p:txBody>
-          <a:bodyPr rtlCol="0" anchor="ctr"/>
-          <a:lstStyle/>
-          <a:p>
-            <a:pPr algn="ctr"/>
-            <a:r>
-              <a:rPr lang="fr-FR" sz="1400" dirty="0">
-                <a:solidFill>
-                  <a:srgbClr val="EE685D"/>
-                </a:solidFill>
-                <a:latin typeface="Arial Nova" panose="020B0504020202020204" pitchFamily="34" charset="0"/>
-              </a:rPr>
-              <a:t>Transmettre</a:t>
-            </a:r>
-          </a:p>
-        </p:txBody>
-      </p:sp>
-      <p:sp>
-        <p:nvSpPr>
-          <p:cNvPr id="19" name="Rectangle : coins arrondis 18">
-            <a:extLst>
-              <a:ext uri="{FF2B5EF4-FFF2-40B4-BE49-F238E27FC236}">
-                <a16:creationId xmlns:a16="http://schemas.microsoft.com/office/drawing/2014/main" id="{A66FC087-C9BC-9FD1-6C13-AD7571852AD4}"/>
-              </a:ext>
-            </a:extLst>
-          </p:cNvPr>
-          <p:cNvSpPr/>
-          <p:nvPr/>
-        </p:nvSpPr>
-        <p:spPr>
-          <a:xfrm>
-            <a:off x="7549319" y="3983186"/>
-            <a:ext cx="1365662" cy="652851"/>
-          </a:xfrm>
-          <a:prstGeom prst="roundRect">
-            <a:avLst>
-              <a:gd name="adj" fmla="val 11914"/>
-            </a:avLst>
-          </a:prstGeom>
-          <a:solidFill>
-            <a:srgbClr val="F7B8B3"/>
-          </a:solidFill>
-          <a:ln w="19050">
-            <a:solidFill>
-              <a:srgbClr val="F7B8B3"/>
-            </a:solidFill>
-          </a:ln>
-        </p:spPr>
-        <p:style>
-          <a:lnRef idx="2">
-            <a:schemeClr val="accent1">
-              <a:shade val="50000"/>
-            </a:schemeClr>
-          </a:lnRef>
-          <a:fillRef idx="1">
-            <a:schemeClr val="accent1"/>
-          </a:fillRef>
-          <a:effectRef idx="0">
-            <a:schemeClr val="accent1"/>
-          </a:effectRef>
-          <a:fontRef idx="minor">
-            <a:schemeClr val="lt1"/>
-          </a:fontRef>
-        </p:style>
-        <p:txBody>
-          <a:bodyPr rtlCol="0" anchor="ctr"/>
-          <a:lstStyle/>
-          <a:p>
-            <a:pPr algn="ctr"/>
-            <a:r>
-              <a:rPr lang="fr-FR" sz="900" dirty="0">
-                <a:solidFill>
-                  <a:srgbClr val="EE685D"/>
-                </a:solidFill>
-                <a:latin typeface="Arial Nova" panose="020B0504020202020204" pitchFamily="34" charset="0"/>
-              </a:rPr>
-              <a:t>Poulie courroie</a:t>
-            </a:r>
-          </a:p>
-          <a:p>
-            <a:pPr algn="ctr"/>
-            <a:r>
-              <a:rPr lang="fr-FR" sz="900" dirty="0">
-                <a:solidFill>
-                  <a:srgbClr val="EE685D"/>
-                </a:solidFill>
-                <a:latin typeface="Arial Nova" panose="020B0504020202020204" pitchFamily="34" charset="0"/>
-              </a:rPr>
-              <a:t>Parallélogramme indéformables</a:t>
-            </a:r>
-          </a:p>
-        </p:txBody>
-      </p:sp>
       <p:pic>
         <p:nvPicPr>
-          <p:cNvPr id="20" name="Image 19">
-            <a:extLst>
-              <a:ext uri="{FF2B5EF4-FFF2-40B4-BE49-F238E27FC236}">
-                <a16:creationId xmlns:a16="http://schemas.microsoft.com/office/drawing/2014/main" id="{7282EFC0-8E54-A4E0-6953-44E98A7B8B60}"/>
+          <p:cNvPr id="5" name="Image 4">
+            <a:extLst>
+              <a:ext uri="{FF2B5EF4-FFF2-40B4-BE49-F238E27FC236}">
+                <a16:creationId xmlns:a16="http://schemas.microsoft.com/office/drawing/2014/main" id="{B8345992-3C76-2616-3097-82F05E9F5CD8}"/>
               </a:ext>
             </a:extLst>
           </p:cNvPr>
@@ -14369,112 +13171,24 @@
         </p:blipFill>
         <p:spPr>
           <a:xfrm>
-            <a:off x="2624826" y="1384349"/>
-            <a:ext cx="434918" cy="152010"/>
+            <a:off x="0" y="1056322"/>
+            <a:ext cx="12192000" cy="4745356"/>
           </a:xfrm>
           <a:prstGeom prst="rect">
             <a:avLst/>
           </a:prstGeom>
         </p:spPr>
       </p:pic>
-      <p:cxnSp>
-        <p:nvCxnSpPr>
-          <p:cNvPr id="21" name="Connecteur droit avec flèche 20">
-            <a:extLst>
-              <a:ext uri="{FF2B5EF4-FFF2-40B4-BE49-F238E27FC236}">
-                <a16:creationId xmlns:a16="http://schemas.microsoft.com/office/drawing/2014/main" id="{BE599621-6A35-D218-9184-0073520A41FC}"/>
-              </a:ext>
-            </a:extLst>
-          </p:cNvPr>
-          <p:cNvCxnSpPr>
-            <a:cxnSpLocks/>
-          </p:cNvCxnSpPr>
-          <p:nvPr/>
-        </p:nvCxnSpPr>
-        <p:spPr>
-          <a:xfrm flipV="1">
-            <a:off x="2496905" y="1608451"/>
-            <a:ext cx="720000" cy="1536"/>
-          </a:xfrm>
-          <a:prstGeom prst="straightConnector1">
-            <a:avLst/>
-          </a:prstGeom>
-          <a:ln w="25400" cap="rnd">
-            <a:solidFill>
-              <a:srgbClr val="004F77"/>
-            </a:solidFill>
-            <a:tailEnd type="triangle" w="med" len="lg"/>
-          </a:ln>
-        </p:spPr>
-        <p:style>
-          <a:lnRef idx="1">
-            <a:schemeClr val="accent1"/>
-          </a:lnRef>
-          <a:fillRef idx="0">
-            <a:schemeClr val="accent1"/>
-          </a:fillRef>
-          <a:effectRef idx="0">
-            <a:schemeClr val="accent1"/>
-          </a:effectRef>
-          <a:fontRef idx="minor">
-            <a:schemeClr val="tx1"/>
-          </a:fontRef>
-        </p:style>
-      </p:cxnSp>
-      <p:cxnSp>
-        <p:nvCxnSpPr>
-          <p:cNvPr id="22" name="Connecteur droit avec flèche 21">
-            <a:extLst>
-              <a:ext uri="{FF2B5EF4-FFF2-40B4-BE49-F238E27FC236}">
-                <a16:creationId xmlns:a16="http://schemas.microsoft.com/office/drawing/2014/main" id="{25CB3708-D27C-9C0F-920D-E2174EF1D3C1}"/>
-              </a:ext>
-            </a:extLst>
-          </p:cNvPr>
-          <p:cNvCxnSpPr/>
-          <p:nvPr/>
-        </p:nvCxnSpPr>
-        <p:spPr>
-          <a:xfrm flipV="1">
-            <a:off x="4669319" y="1594501"/>
-            <a:ext cx="720000" cy="1536"/>
-          </a:xfrm>
-          <a:prstGeom prst="straightConnector1">
-            <a:avLst/>
-          </a:prstGeom>
-          <a:ln w="25400" cap="rnd">
-            <a:solidFill>
-              <a:srgbClr val="004F77"/>
-            </a:solidFill>
-            <a:tailEnd type="triangle" w="med" len="lg"/>
-          </a:ln>
-        </p:spPr>
-        <p:style>
-          <a:lnRef idx="1">
-            <a:schemeClr val="accent1"/>
-          </a:lnRef>
-          <a:fillRef idx="0">
-            <a:schemeClr val="accent1"/>
-          </a:fillRef>
-          <a:effectRef idx="0">
-            <a:schemeClr val="accent1"/>
-          </a:effectRef>
-          <a:fontRef idx="minor">
-            <a:schemeClr val="tx1"/>
-          </a:fontRef>
-        </p:style>
-      </p:cxnSp>
       <p:pic>
         <p:nvPicPr>
-          <p:cNvPr id="23" name="Image 22">
-            <a:extLst>
-              <a:ext uri="{FF2B5EF4-FFF2-40B4-BE49-F238E27FC236}">
-                <a16:creationId xmlns:a16="http://schemas.microsoft.com/office/drawing/2014/main" id="{6B85577F-75F2-AC91-9B29-7674830D4F93}"/>
-              </a:ext>
-            </a:extLst>
-          </p:cNvPr>
-          <p:cNvPicPr>
-            <a:picLocks noChangeAspect="1"/>
-          </p:cNvPicPr>
+          <p:cNvPr id="30" name="Image 29">
+            <a:extLst>
+              <a:ext uri="{FF2B5EF4-FFF2-40B4-BE49-F238E27FC236}">
+                <a16:creationId xmlns:a16="http://schemas.microsoft.com/office/drawing/2014/main" id="{4ADC918F-90C7-E93D-A8FB-8D4CD2DA19A9}"/>
+              </a:ext>
+            </a:extLst>
+          </p:cNvPr>
+          <p:cNvPicPr/>
           <p:nvPr/>
         </p:nvPicPr>
         <p:blipFill>
@@ -14485,3297 +13199,8 @@
         </p:blipFill>
         <p:spPr>
           <a:xfrm>
-            <a:off x="4838894" y="1199142"/>
-            <a:ext cx="360000" cy="360000"/>
-          </a:xfrm>
-          <a:prstGeom prst="rect">
-            <a:avLst/>
-          </a:prstGeom>
-        </p:spPr>
-      </p:pic>
-      <p:cxnSp>
-        <p:nvCxnSpPr>
-          <p:cNvPr id="24" name="Connecteur droit avec flèche 23">
-            <a:extLst>
-              <a:ext uri="{FF2B5EF4-FFF2-40B4-BE49-F238E27FC236}">
-                <a16:creationId xmlns:a16="http://schemas.microsoft.com/office/drawing/2014/main" id="{4D3E9C84-1558-D9D2-B9AE-51FFDFD2ACAC}"/>
-              </a:ext>
-            </a:extLst>
-          </p:cNvPr>
-          <p:cNvCxnSpPr>
-            <a:cxnSpLocks/>
-          </p:cNvCxnSpPr>
-          <p:nvPr/>
-        </p:nvCxnSpPr>
-        <p:spPr>
-          <a:xfrm flipV="1">
-            <a:off x="2509319" y="3591696"/>
-            <a:ext cx="720000" cy="1536"/>
-          </a:xfrm>
-          <a:prstGeom prst="straightConnector1">
-            <a:avLst/>
-          </a:prstGeom>
-          <a:ln w="25400" cap="rnd">
-            <a:solidFill>
-              <a:srgbClr val="FDAD57"/>
-            </a:solidFill>
-            <a:tailEnd type="triangle" w="med" len="lg"/>
-          </a:ln>
-        </p:spPr>
-        <p:style>
-          <a:lnRef idx="1">
-            <a:schemeClr val="accent1"/>
-          </a:lnRef>
-          <a:fillRef idx="0">
-            <a:schemeClr val="accent1"/>
-          </a:fillRef>
-          <a:effectRef idx="0">
-            <a:schemeClr val="accent1"/>
-          </a:effectRef>
-          <a:fontRef idx="minor">
-            <a:schemeClr val="tx1"/>
-          </a:fontRef>
-        </p:style>
-      </p:cxnSp>
-      <p:grpSp>
-        <p:nvGrpSpPr>
-          <p:cNvPr id="25" name="Groupe 24">
-            <a:extLst>
-              <a:ext uri="{FF2B5EF4-FFF2-40B4-BE49-F238E27FC236}">
-                <a16:creationId xmlns:a16="http://schemas.microsoft.com/office/drawing/2014/main" id="{F7A18018-C728-6B01-3037-0421AF781FBB}"/>
-              </a:ext>
-            </a:extLst>
-          </p:cNvPr>
-          <p:cNvGrpSpPr/>
-          <p:nvPr/>
-        </p:nvGrpSpPr>
-        <p:grpSpPr>
-          <a:xfrm>
-            <a:off x="1596905" y="3760610"/>
-            <a:ext cx="360000" cy="360000"/>
-            <a:chOff x="4197400" y="3547713"/>
-            <a:chExt cx="1800000" cy="1800000"/>
-          </a:xfrm>
-        </p:grpSpPr>
-        <p:sp>
-          <p:nvSpPr>
-            <p:cNvPr id="26" name="Ellipse 25">
-              <a:extLst>
-                <a:ext uri="{FF2B5EF4-FFF2-40B4-BE49-F238E27FC236}">
-                  <a16:creationId xmlns:a16="http://schemas.microsoft.com/office/drawing/2014/main" id="{AF615AC5-8CF6-FF34-1EF7-5C5D2FE5B9E8}"/>
-                </a:ext>
-              </a:extLst>
-            </p:cNvPr>
-            <p:cNvSpPr/>
-            <p:nvPr/>
-          </p:nvSpPr>
-          <p:spPr>
-            <a:xfrm>
-              <a:off x="4197400" y="3547713"/>
-              <a:ext cx="1800000" cy="1800000"/>
-            </a:xfrm>
-            <a:prstGeom prst="ellipse">
-              <a:avLst/>
-            </a:prstGeom>
-            <a:solidFill>
-              <a:srgbClr val="FFB25A"/>
-            </a:solidFill>
-            <a:ln>
-              <a:noFill/>
-            </a:ln>
-          </p:spPr>
-          <p:style>
-            <a:lnRef idx="2">
-              <a:schemeClr val="accent1">
-                <a:shade val="50000"/>
-              </a:schemeClr>
-            </a:lnRef>
-            <a:fillRef idx="1">
-              <a:schemeClr val="accent1"/>
-            </a:fillRef>
-            <a:effectRef idx="0">
-              <a:schemeClr val="accent1"/>
-            </a:effectRef>
-            <a:fontRef idx="minor">
-              <a:schemeClr val="lt1"/>
-            </a:fontRef>
-          </p:style>
-          <p:txBody>
-            <a:bodyPr rtlCol="0" anchor="ctr"/>
-            <a:lstStyle/>
-            <a:p>
-              <a:pPr algn="ctr"/>
-              <a:endParaRPr lang="fr-FR"/>
-            </a:p>
-          </p:txBody>
-        </p:sp>
-        <p:pic>
-          <p:nvPicPr>
-            <p:cNvPr id="27" name="Image 26">
-              <a:extLst>
-                <a:ext uri="{FF2B5EF4-FFF2-40B4-BE49-F238E27FC236}">
-                  <a16:creationId xmlns:a16="http://schemas.microsoft.com/office/drawing/2014/main" id="{D99F6707-A222-D5E1-C4A9-E878E9F04E6C}"/>
-                </a:ext>
-              </a:extLst>
-            </p:cNvPr>
-            <p:cNvPicPr>
-              <a:picLocks noChangeAspect="1"/>
-            </p:cNvPicPr>
-            <p:nvPr/>
-          </p:nvPicPr>
-          <p:blipFill>
-            <a:blip r:embed="rId6"/>
-            <a:stretch>
-              <a:fillRect/>
-            </a:stretch>
-          </p:blipFill>
-          <p:spPr>
-            <a:xfrm>
-              <a:off x="4526157" y="3876470"/>
-              <a:ext cx="1142486" cy="1142486"/>
-            </a:xfrm>
-            <a:prstGeom prst="rect">
-              <a:avLst/>
-            </a:prstGeom>
-          </p:spPr>
-        </p:pic>
-      </p:grpSp>
-      <p:pic>
-        <p:nvPicPr>
-          <p:cNvPr id="28" name="Image 27">
-            <a:extLst>
-              <a:ext uri="{FF2B5EF4-FFF2-40B4-BE49-F238E27FC236}">
-                <a16:creationId xmlns:a16="http://schemas.microsoft.com/office/drawing/2014/main" id="{35145E60-25D8-7A86-65AE-7F3729EC7848}"/>
-              </a:ext>
-            </a:extLst>
-          </p:cNvPr>
-          <p:cNvPicPr>
-            <a:picLocks noChangeAspect="1"/>
-          </p:cNvPicPr>
-          <p:nvPr/>
-        </p:nvPicPr>
-        <p:blipFill>
-          <a:blip r:embed="rId7"/>
-          <a:stretch>
-            <a:fillRect/>
-          </a:stretch>
-        </p:blipFill>
-        <p:spPr>
-          <a:xfrm>
-            <a:off x="498044" y="3446765"/>
-            <a:ext cx="360000" cy="360000"/>
-          </a:xfrm>
-          <a:prstGeom prst="rect">
-            <a:avLst/>
-          </a:prstGeom>
-        </p:spPr>
-      </p:pic>
-      <p:pic>
-        <p:nvPicPr>
-          <p:cNvPr id="29" name="Image 28">
-            <a:extLst>
-              <a:ext uri="{FF2B5EF4-FFF2-40B4-BE49-F238E27FC236}">
-                <a16:creationId xmlns:a16="http://schemas.microsoft.com/office/drawing/2014/main" id="{3C7DD139-EB5F-1D13-171E-251FB77C6B32}"/>
-              </a:ext>
-            </a:extLst>
-          </p:cNvPr>
-          <p:cNvPicPr>
-            <a:picLocks noChangeAspect="1"/>
-          </p:cNvPicPr>
-          <p:nvPr/>
-        </p:nvPicPr>
-        <p:blipFill>
-          <a:blip r:embed="rId7"/>
-          <a:stretch>
-            <a:fillRect/>
-          </a:stretch>
-        </p:blipFill>
-        <p:spPr>
-          <a:xfrm>
-            <a:off x="2676905" y="3173953"/>
-            <a:ext cx="360000" cy="360000"/>
-          </a:xfrm>
-          <a:prstGeom prst="rect">
-            <a:avLst/>
-          </a:prstGeom>
-        </p:spPr>
-      </p:pic>
-      <p:cxnSp>
-        <p:nvCxnSpPr>
-          <p:cNvPr id="34" name="Connecteur droit avec flèche 33">
-            <a:extLst>
-              <a:ext uri="{FF2B5EF4-FFF2-40B4-BE49-F238E27FC236}">
-                <a16:creationId xmlns:a16="http://schemas.microsoft.com/office/drawing/2014/main" id="{6E52C4D0-B55B-30AA-F92B-6E09F0A4D9C9}"/>
-              </a:ext>
-            </a:extLst>
-          </p:cNvPr>
-          <p:cNvCxnSpPr>
-            <a:cxnSpLocks/>
-          </p:cNvCxnSpPr>
-          <p:nvPr/>
-        </p:nvCxnSpPr>
-        <p:spPr>
-          <a:xfrm flipV="1">
-            <a:off x="4669319" y="3578864"/>
-            <a:ext cx="720000" cy="1536"/>
-          </a:xfrm>
-          <a:prstGeom prst="straightConnector1">
-            <a:avLst/>
-          </a:prstGeom>
-          <a:ln w="25400" cap="rnd">
-            <a:solidFill>
-              <a:srgbClr val="0C7391"/>
-            </a:solidFill>
-            <a:tailEnd type="triangle" w="med" len="lg"/>
-          </a:ln>
-        </p:spPr>
-        <p:style>
-          <a:lnRef idx="1">
-            <a:schemeClr val="accent1"/>
-          </a:lnRef>
-          <a:fillRef idx="0">
-            <a:schemeClr val="accent1"/>
-          </a:fillRef>
-          <a:effectRef idx="0">
-            <a:schemeClr val="accent1"/>
-          </a:effectRef>
-          <a:fontRef idx="minor">
-            <a:schemeClr val="tx1"/>
-          </a:fontRef>
-        </p:style>
-      </p:cxnSp>
-      <p:pic>
-        <p:nvPicPr>
-          <p:cNvPr id="35" name="Image 34">
-            <a:extLst>
-              <a:ext uri="{FF2B5EF4-FFF2-40B4-BE49-F238E27FC236}">
-                <a16:creationId xmlns:a16="http://schemas.microsoft.com/office/drawing/2014/main" id="{F31071D2-3D9A-9512-E018-EA9EA1D5A07B}"/>
-              </a:ext>
-            </a:extLst>
-          </p:cNvPr>
-          <p:cNvPicPr>
-            <a:picLocks noChangeAspect="1"/>
-          </p:cNvPicPr>
-          <p:nvPr/>
-        </p:nvPicPr>
-        <p:blipFill>
-          <a:blip r:embed="rId7"/>
-          <a:stretch>
-            <a:fillRect/>
-          </a:stretch>
-        </p:blipFill>
-        <p:spPr>
-          <a:xfrm>
-            <a:off x="4838894" y="3173953"/>
-            <a:ext cx="360000" cy="360000"/>
-          </a:xfrm>
-          <a:prstGeom prst="rect">
-            <a:avLst/>
-          </a:prstGeom>
-        </p:spPr>
-      </p:pic>
-      <p:cxnSp>
-        <p:nvCxnSpPr>
-          <p:cNvPr id="39" name="Connecteur droit avec flèche 38">
-            <a:extLst>
-              <a:ext uri="{FF2B5EF4-FFF2-40B4-BE49-F238E27FC236}">
-                <a16:creationId xmlns:a16="http://schemas.microsoft.com/office/drawing/2014/main" id="{75B4C387-2DFC-8DD6-0817-E4B93F7F3F85}"/>
-              </a:ext>
-            </a:extLst>
-          </p:cNvPr>
-          <p:cNvCxnSpPr>
-            <a:cxnSpLocks/>
-          </p:cNvCxnSpPr>
-          <p:nvPr/>
-        </p:nvCxnSpPr>
-        <p:spPr>
-          <a:xfrm flipV="1">
-            <a:off x="6829319" y="3588469"/>
-            <a:ext cx="720000" cy="1536"/>
-          </a:xfrm>
-          <a:prstGeom prst="straightConnector1">
-            <a:avLst/>
-          </a:prstGeom>
-          <a:ln w="25400" cap="rnd">
-            <a:solidFill>
-              <a:srgbClr val="68348B"/>
-            </a:solidFill>
-            <a:tailEnd type="triangle" w="med" len="lg"/>
-          </a:ln>
-        </p:spPr>
-        <p:style>
-          <a:lnRef idx="1">
-            <a:schemeClr val="accent1"/>
-          </a:lnRef>
-          <a:fillRef idx="0">
-            <a:schemeClr val="accent1"/>
-          </a:fillRef>
-          <a:effectRef idx="0">
-            <a:schemeClr val="accent1"/>
-          </a:effectRef>
-          <a:fontRef idx="minor">
-            <a:schemeClr val="tx1"/>
-          </a:fontRef>
-        </p:style>
-      </p:cxnSp>
-      <p:pic>
-        <p:nvPicPr>
-          <p:cNvPr id="43" name="Image 42">
-            <a:extLst>
-              <a:ext uri="{FF2B5EF4-FFF2-40B4-BE49-F238E27FC236}">
-                <a16:creationId xmlns:a16="http://schemas.microsoft.com/office/drawing/2014/main" id="{F1B5964F-3473-92A5-6A3A-F03DA766A90A}"/>
-              </a:ext>
-            </a:extLst>
-          </p:cNvPr>
-          <p:cNvPicPr>
-            <a:picLocks noChangeAspect="1"/>
-          </p:cNvPicPr>
-          <p:nvPr/>
-        </p:nvPicPr>
-        <p:blipFill>
-          <a:blip r:embed="rId8"/>
-          <a:stretch>
-            <a:fillRect/>
-          </a:stretch>
-        </p:blipFill>
-        <p:spPr>
-          <a:xfrm>
-            <a:off x="6993108" y="3199220"/>
-            <a:ext cx="360000" cy="360000"/>
-          </a:xfrm>
-          <a:prstGeom prst="rect">
-            <a:avLst/>
-          </a:prstGeom>
-        </p:spPr>
-      </p:pic>
-      <p:cxnSp>
-        <p:nvCxnSpPr>
-          <p:cNvPr id="44" name="Connecteur : en angle 43">
-            <a:extLst>
-              <a:ext uri="{FF2B5EF4-FFF2-40B4-BE49-F238E27FC236}">
-                <a16:creationId xmlns:a16="http://schemas.microsoft.com/office/drawing/2014/main" id="{2C5943AA-979A-103D-FC4E-264A925A4FF0}"/>
-              </a:ext>
-            </a:extLst>
-          </p:cNvPr>
-          <p:cNvCxnSpPr>
-            <a:cxnSpLocks/>
-            <a:stCxn id="10" idx="3"/>
-            <a:endCxn id="45" idx="3"/>
-          </p:cNvCxnSpPr>
-          <p:nvPr/>
-        </p:nvCxnSpPr>
-        <p:spPr>
-          <a:xfrm flipH="1">
-            <a:off x="6795600" y="1594501"/>
-            <a:ext cx="33719" cy="1346496"/>
-          </a:xfrm>
-          <a:prstGeom prst="bentConnector3">
-            <a:avLst>
-              <a:gd name="adj1" fmla="val -1067152"/>
-            </a:avLst>
-          </a:prstGeom>
-          <a:ln w="25400">
-            <a:solidFill>
-              <a:srgbClr val="08A559"/>
-            </a:solidFill>
-            <a:headEnd type="none"/>
-            <a:tailEnd type="triangle"/>
-          </a:ln>
-        </p:spPr>
-        <p:style>
-          <a:lnRef idx="1">
-            <a:schemeClr val="accent1"/>
-          </a:lnRef>
-          <a:fillRef idx="0">
-            <a:schemeClr val="accent1"/>
-          </a:fillRef>
-          <a:effectRef idx="0">
-            <a:schemeClr val="accent1"/>
-          </a:effectRef>
-          <a:fontRef idx="minor">
-            <a:schemeClr val="tx1"/>
-          </a:fontRef>
-        </p:style>
-      </p:cxnSp>
-      <p:sp>
-        <p:nvSpPr>
-          <p:cNvPr id="45" name="Rectangle : coins arrondis 44">
-            <a:extLst>
-              <a:ext uri="{FF2B5EF4-FFF2-40B4-BE49-F238E27FC236}">
-                <a16:creationId xmlns:a16="http://schemas.microsoft.com/office/drawing/2014/main" id="{4EDA86AC-B60C-0765-FBC6-4E7119B8D620}"/>
-              </a:ext>
-            </a:extLst>
-          </p:cNvPr>
-          <p:cNvSpPr/>
-          <p:nvPr/>
-        </p:nvSpPr>
-        <p:spPr>
-          <a:xfrm>
-            <a:off x="5389319" y="2775318"/>
-            <a:ext cx="1406281" cy="331358"/>
-          </a:xfrm>
-          <a:prstGeom prst="roundRect">
-            <a:avLst>
-              <a:gd name="adj" fmla="val 11914"/>
-            </a:avLst>
-          </a:prstGeom>
-          <a:solidFill>
-            <a:srgbClr val="08A559"/>
-          </a:solidFill>
-          <a:ln w="19050">
-            <a:noFill/>
-          </a:ln>
-        </p:spPr>
-        <p:style>
-          <a:lnRef idx="2">
-            <a:schemeClr val="accent1">
-              <a:shade val="50000"/>
-            </a:schemeClr>
-          </a:lnRef>
-          <a:fillRef idx="1">
-            <a:schemeClr val="accent1"/>
-          </a:fillRef>
-          <a:effectRef idx="0">
-            <a:schemeClr val="accent1"/>
-          </a:effectRef>
-          <a:fontRef idx="minor">
-            <a:schemeClr val="lt1"/>
-          </a:fontRef>
-        </p:style>
-        <p:txBody>
-          <a:bodyPr rtlCol="0" anchor="ctr"/>
-          <a:lstStyle/>
-          <a:p>
-            <a:pPr algn="ctr"/>
-            <a:r>
-              <a:rPr lang="fr-FR" sz="1200" dirty="0">
-                <a:solidFill>
-                  <a:schemeClr val="bg1"/>
-                </a:solidFill>
-                <a:latin typeface="Arial Nova" panose="020B0504020202020204" pitchFamily="34" charset="0"/>
-              </a:rPr>
-              <a:t>Ordres (PWM)</a:t>
-            </a:r>
-          </a:p>
-        </p:txBody>
-      </p:sp>
-      <p:cxnSp>
-        <p:nvCxnSpPr>
-          <p:cNvPr id="46" name="Connecteur : en angle 45">
-            <a:extLst>
-              <a:ext uri="{FF2B5EF4-FFF2-40B4-BE49-F238E27FC236}">
-                <a16:creationId xmlns:a16="http://schemas.microsoft.com/office/drawing/2014/main" id="{C9DF5005-6531-4D0B-0B32-A0A73479B4F0}"/>
-              </a:ext>
-            </a:extLst>
-          </p:cNvPr>
-          <p:cNvCxnSpPr>
-            <a:cxnSpLocks/>
-            <a:stCxn id="45" idx="1"/>
-            <a:endCxn id="14" idx="0"/>
-          </p:cNvCxnSpPr>
-          <p:nvPr/>
-        </p:nvCxnSpPr>
-        <p:spPr>
-          <a:xfrm rot="10800000" flipV="1">
-            <a:off x="3938895" y="2940997"/>
-            <a:ext cx="1450425" cy="377472"/>
-          </a:xfrm>
-          <a:prstGeom prst="bentConnector2">
-            <a:avLst/>
-          </a:prstGeom>
-          <a:ln w="25400">
-            <a:solidFill>
-              <a:srgbClr val="08A559"/>
-            </a:solidFill>
-            <a:headEnd type="none"/>
-            <a:tailEnd type="triangle"/>
-          </a:ln>
-        </p:spPr>
-        <p:style>
-          <a:lnRef idx="1">
-            <a:schemeClr val="accent1"/>
-          </a:lnRef>
-          <a:fillRef idx="0">
-            <a:schemeClr val="accent1"/>
-          </a:fillRef>
-          <a:effectRef idx="0">
-            <a:schemeClr val="accent1"/>
-          </a:effectRef>
-          <a:fontRef idx="minor">
-            <a:schemeClr val="tx1"/>
-          </a:fontRef>
-        </p:style>
-      </p:cxnSp>
-      <p:pic>
-        <p:nvPicPr>
-          <p:cNvPr id="47" name="Image 46">
-            <a:extLst>
-              <a:ext uri="{FF2B5EF4-FFF2-40B4-BE49-F238E27FC236}">
-                <a16:creationId xmlns:a16="http://schemas.microsoft.com/office/drawing/2014/main" id="{5684C887-250C-3EE4-51A9-97E49BAEEC44}"/>
-              </a:ext>
-            </a:extLst>
-          </p:cNvPr>
-          <p:cNvPicPr>
-            <a:picLocks noChangeAspect="1"/>
-          </p:cNvPicPr>
-          <p:nvPr/>
-        </p:nvPicPr>
-        <p:blipFill>
-          <a:blip r:embed="rId5"/>
-          <a:stretch>
-            <a:fillRect/>
-          </a:stretch>
-        </p:blipFill>
-        <p:spPr>
-          <a:xfrm>
-            <a:off x="6903108" y="2723464"/>
-            <a:ext cx="180000" cy="180000"/>
-          </a:xfrm>
-          <a:prstGeom prst="rect">
-            <a:avLst/>
-          </a:prstGeom>
-        </p:spPr>
-      </p:pic>
-      <p:pic>
-        <p:nvPicPr>
-          <p:cNvPr id="48" name="Image 47">
-            <a:extLst>
-              <a:ext uri="{FF2B5EF4-FFF2-40B4-BE49-F238E27FC236}">
-                <a16:creationId xmlns:a16="http://schemas.microsoft.com/office/drawing/2014/main" id="{A2DBB512-E0D6-1DCF-AD42-945E61453018}"/>
-              </a:ext>
-            </a:extLst>
-          </p:cNvPr>
-          <p:cNvPicPr>
-            <a:picLocks noChangeAspect="1"/>
-          </p:cNvPicPr>
-          <p:nvPr/>
-        </p:nvPicPr>
-        <p:blipFill>
-          <a:blip r:embed="rId5"/>
-          <a:stretch>
-            <a:fillRect/>
-          </a:stretch>
-        </p:blipFill>
-        <p:spPr>
-          <a:xfrm>
-            <a:off x="3705152" y="2999093"/>
-            <a:ext cx="180000" cy="180000"/>
-          </a:xfrm>
-          <a:prstGeom prst="rect">
-            <a:avLst/>
-          </a:prstGeom>
-        </p:spPr>
-      </p:pic>
-      <p:sp>
-        <p:nvSpPr>
-          <p:cNvPr id="49" name="Rectangle : coins arrondis 48">
-            <a:extLst>
-              <a:ext uri="{FF2B5EF4-FFF2-40B4-BE49-F238E27FC236}">
-                <a16:creationId xmlns:a16="http://schemas.microsoft.com/office/drawing/2014/main" id="{41C8C10B-28B1-AAD9-17B3-48F680D32BCC}"/>
-              </a:ext>
-            </a:extLst>
-          </p:cNvPr>
-          <p:cNvSpPr/>
-          <p:nvPr/>
-        </p:nvSpPr>
-        <p:spPr>
-          <a:xfrm>
-            <a:off x="9634981" y="3314700"/>
-            <a:ext cx="1365662" cy="1194790"/>
-          </a:xfrm>
-          <a:prstGeom prst="roundRect">
-            <a:avLst>
-              <a:gd name="adj" fmla="val 11914"/>
-            </a:avLst>
-          </a:prstGeom>
-          <a:solidFill>
-            <a:srgbClr val="B2CAD6"/>
-          </a:solidFill>
-          <a:ln w="19050">
-            <a:solidFill>
-              <a:srgbClr val="B2CAD6"/>
-            </a:solidFill>
-          </a:ln>
-        </p:spPr>
-        <p:style>
-          <a:lnRef idx="2">
-            <a:schemeClr val="accent1">
-              <a:shade val="50000"/>
-            </a:schemeClr>
-          </a:lnRef>
-          <a:fillRef idx="1">
-            <a:schemeClr val="accent1"/>
-          </a:fillRef>
-          <a:effectRef idx="0">
-            <a:schemeClr val="accent1"/>
-          </a:effectRef>
-          <a:fontRef idx="minor">
-            <a:schemeClr val="lt1"/>
-          </a:fontRef>
-        </p:style>
-        <p:txBody>
-          <a:bodyPr rtlCol="0" anchor="ctr"/>
-          <a:lstStyle/>
-          <a:p>
-            <a:pPr algn="ctr"/>
-            <a:r>
-              <a:rPr lang="fr-FR" sz="1200" dirty="0">
-                <a:solidFill>
-                  <a:srgbClr val="0D587E"/>
-                </a:solidFill>
-                <a:latin typeface="Arial Nova" panose="020B0504020202020204" pitchFamily="34" charset="0"/>
-              </a:rPr>
-              <a:t>Tête d’impression</a:t>
-            </a:r>
-          </a:p>
-        </p:txBody>
-      </p:sp>
-      <p:cxnSp>
-        <p:nvCxnSpPr>
-          <p:cNvPr id="50" name="Connecteur droit avec flèche 49">
-            <a:extLst>
-              <a:ext uri="{FF2B5EF4-FFF2-40B4-BE49-F238E27FC236}">
-                <a16:creationId xmlns:a16="http://schemas.microsoft.com/office/drawing/2014/main" id="{505D6021-1B16-1674-733B-C648AC112904}"/>
-              </a:ext>
-            </a:extLst>
-          </p:cNvPr>
-          <p:cNvCxnSpPr>
-            <a:cxnSpLocks/>
-          </p:cNvCxnSpPr>
-          <p:nvPr/>
-        </p:nvCxnSpPr>
-        <p:spPr>
-          <a:xfrm flipV="1">
-            <a:off x="8911620" y="3588469"/>
-            <a:ext cx="720000" cy="1536"/>
-          </a:xfrm>
-          <a:prstGeom prst="straightConnector1">
-            <a:avLst/>
-          </a:prstGeom>
-          <a:ln w="25400" cap="rnd">
-            <a:solidFill>
-              <a:srgbClr val="68348B"/>
-            </a:solidFill>
-            <a:tailEnd type="triangle" w="med" len="lg"/>
-          </a:ln>
-        </p:spPr>
-        <p:style>
-          <a:lnRef idx="1">
-            <a:schemeClr val="accent1"/>
-          </a:lnRef>
-          <a:fillRef idx="0">
-            <a:schemeClr val="accent1"/>
-          </a:fillRef>
-          <a:effectRef idx="0">
-            <a:schemeClr val="accent1"/>
-          </a:effectRef>
-          <a:fontRef idx="minor">
-            <a:schemeClr val="tx1"/>
-          </a:fontRef>
-        </p:style>
-      </p:cxnSp>
-      <p:grpSp>
-        <p:nvGrpSpPr>
-          <p:cNvPr id="52" name="Groupe 51">
-            <a:extLst>
-              <a:ext uri="{FF2B5EF4-FFF2-40B4-BE49-F238E27FC236}">
-                <a16:creationId xmlns:a16="http://schemas.microsoft.com/office/drawing/2014/main" id="{C3681FD9-BFE4-7350-1964-9C093DDF1B5E}"/>
-              </a:ext>
-            </a:extLst>
-          </p:cNvPr>
-          <p:cNvGrpSpPr/>
-          <p:nvPr/>
-        </p:nvGrpSpPr>
-        <p:grpSpPr>
-          <a:xfrm>
-            <a:off x="3770117" y="1810931"/>
-            <a:ext cx="360000" cy="360000"/>
-            <a:chOff x="6138169" y="4069439"/>
-            <a:chExt cx="1800000" cy="1800000"/>
-          </a:xfrm>
-        </p:grpSpPr>
-        <p:sp>
-          <p:nvSpPr>
-            <p:cNvPr id="53" name="Ellipse 52">
-              <a:extLst>
-                <a:ext uri="{FF2B5EF4-FFF2-40B4-BE49-F238E27FC236}">
-                  <a16:creationId xmlns:a16="http://schemas.microsoft.com/office/drawing/2014/main" id="{599396A5-DEE6-FF8C-4576-A72DC9E6130D}"/>
-                </a:ext>
-              </a:extLst>
-            </p:cNvPr>
-            <p:cNvSpPr/>
-            <p:nvPr/>
-          </p:nvSpPr>
-          <p:spPr>
-            <a:xfrm>
-              <a:off x="6138169" y="4069439"/>
-              <a:ext cx="1800000" cy="1800000"/>
-            </a:xfrm>
-            <a:prstGeom prst="ellipse">
-              <a:avLst/>
-            </a:prstGeom>
-            <a:solidFill>
-              <a:srgbClr val="00547F"/>
-            </a:solidFill>
-            <a:ln>
-              <a:noFill/>
-            </a:ln>
-          </p:spPr>
-          <p:style>
-            <a:lnRef idx="2">
-              <a:schemeClr val="accent1">
-                <a:shade val="50000"/>
-              </a:schemeClr>
-            </a:lnRef>
-            <a:fillRef idx="1">
-              <a:schemeClr val="accent1"/>
-            </a:fillRef>
-            <a:effectRef idx="0">
-              <a:schemeClr val="accent1"/>
-            </a:effectRef>
-            <a:fontRef idx="minor">
-              <a:schemeClr val="lt1"/>
-            </a:fontRef>
-          </p:style>
-          <p:txBody>
-            <a:bodyPr rtlCol="0" anchor="ctr"/>
-            <a:lstStyle/>
-            <a:p>
-              <a:pPr algn="ctr"/>
-              <a:endParaRPr lang="fr-FR"/>
-            </a:p>
-          </p:txBody>
-        </p:sp>
-        <p:pic>
-          <p:nvPicPr>
-            <p:cNvPr id="54" name="Image 53">
-              <a:extLst>
-                <a:ext uri="{FF2B5EF4-FFF2-40B4-BE49-F238E27FC236}">
-                  <a16:creationId xmlns:a16="http://schemas.microsoft.com/office/drawing/2014/main" id="{F05DEF27-F929-BD20-2E07-1628A11DB346}"/>
-                </a:ext>
-              </a:extLst>
-            </p:cNvPr>
-            <p:cNvPicPr>
-              <a:picLocks noChangeAspect="1"/>
-            </p:cNvPicPr>
-            <p:nvPr/>
-          </p:nvPicPr>
-          <p:blipFill>
-            <a:blip r:embed="rId9"/>
-            <a:stretch>
-              <a:fillRect/>
-            </a:stretch>
-          </p:blipFill>
-          <p:spPr>
-            <a:xfrm>
-              <a:off x="6243433" y="4174703"/>
-              <a:ext cx="1589472" cy="1589472"/>
-            </a:xfrm>
-            <a:prstGeom prst="rect">
-              <a:avLst/>
-            </a:prstGeom>
-          </p:spPr>
-        </p:pic>
-      </p:grpSp>
-      <p:cxnSp>
-        <p:nvCxnSpPr>
-          <p:cNvPr id="55" name="Connecteur droit avec flèche 54">
-            <a:extLst>
-              <a:ext uri="{FF2B5EF4-FFF2-40B4-BE49-F238E27FC236}">
-                <a16:creationId xmlns:a16="http://schemas.microsoft.com/office/drawing/2014/main" id="{CEC25A5B-4B64-B67F-296D-04E6B189266D}"/>
-              </a:ext>
-            </a:extLst>
-          </p:cNvPr>
-          <p:cNvCxnSpPr/>
-          <p:nvPr/>
-        </p:nvCxnSpPr>
-        <p:spPr>
-          <a:xfrm flipV="1">
-            <a:off x="6829319" y="1516430"/>
-            <a:ext cx="720000" cy="1536"/>
-          </a:xfrm>
-          <a:prstGeom prst="straightConnector1">
-            <a:avLst/>
-          </a:prstGeom>
-          <a:ln w="25400">
-            <a:solidFill>
-              <a:srgbClr val="08A559"/>
-            </a:solidFill>
-            <a:headEnd type="none"/>
-            <a:tailEnd type="triangle"/>
-          </a:ln>
-        </p:spPr>
-        <p:style>
-          <a:lnRef idx="1">
-            <a:schemeClr val="accent1"/>
-          </a:lnRef>
-          <a:fillRef idx="0">
-            <a:schemeClr val="accent1"/>
-          </a:fillRef>
-          <a:effectRef idx="0">
-            <a:schemeClr val="accent1"/>
-          </a:effectRef>
-          <a:fontRef idx="minor">
-            <a:schemeClr val="tx1"/>
-          </a:fontRef>
-        </p:style>
-      </p:cxnSp>
-      <p:pic>
-        <p:nvPicPr>
-          <p:cNvPr id="56" name="Image 55">
-            <a:extLst>
-              <a:ext uri="{FF2B5EF4-FFF2-40B4-BE49-F238E27FC236}">
-                <a16:creationId xmlns:a16="http://schemas.microsoft.com/office/drawing/2014/main" id="{16A8AD74-A603-AD54-1D93-18C13D944352}"/>
-              </a:ext>
-            </a:extLst>
-          </p:cNvPr>
-          <p:cNvPicPr>
-            <a:picLocks noChangeAspect="1"/>
-          </p:cNvPicPr>
-          <p:nvPr/>
-        </p:nvPicPr>
-        <p:blipFill>
-          <a:blip r:embed="rId4"/>
-          <a:stretch>
-            <a:fillRect/>
-          </a:stretch>
-        </p:blipFill>
-        <p:spPr>
-          <a:xfrm>
-            <a:off x="4547143" y="4123553"/>
-            <a:ext cx="288000" cy="100660"/>
-          </a:xfrm>
-          <a:prstGeom prst="rect">
-            <a:avLst/>
-          </a:prstGeom>
-        </p:spPr>
-      </p:pic>
-      <p:grpSp>
-        <p:nvGrpSpPr>
-          <p:cNvPr id="57" name="Groupe 56">
-            <a:extLst>
-              <a:ext uri="{FF2B5EF4-FFF2-40B4-BE49-F238E27FC236}">
-                <a16:creationId xmlns:a16="http://schemas.microsoft.com/office/drawing/2014/main" id="{CA7F3E2C-9FA7-42D8-DEF0-9439478A5709}"/>
-              </a:ext>
-            </a:extLst>
-          </p:cNvPr>
-          <p:cNvGrpSpPr/>
-          <p:nvPr/>
-        </p:nvGrpSpPr>
-        <p:grpSpPr>
-          <a:xfrm rot="5400000" flipV="1">
-            <a:off x="10181964" y="3934713"/>
-            <a:ext cx="835963" cy="1617775"/>
-            <a:chOff x="9150640" y="2423323"/>
-            <a:chExt cx="835963" cy="2135794"/>
-          </a:xfrm>
-        </p:grpSpPr>
-        <p:sp>
-          <p:nvSpPr>
-            <p:cNvPr id="58" name="Flèche : virage 57">
-              <a:extLst>
-                <a:ext uri="{FF2B5EF4-FFF2-40B4-BE49-F238E27FC236}">
-                  <a16:creationId xmlns:a16="http://schemas.microsoft.com/office/drawing/2014/main" id="{A404FB7A-E23C-BD6A-6263-4B2DE2013DB7}"/>
-                </a:ext>
-              </a:extLst>
-            </p:cNvPr>
-            <p:cNvSpPr/>
-            <p:nvPr/>
-          </p:nvSpPr>
-          <p:spPr>
-            <a:xfrm rot="5400000">
-              <a:off x="8500725" y="3073238"/>
-              <a:ext cx="2135794" cy="835963"/>
-            </a:xfrm>
-            <a:prstGeom prst="bentArrow">
-              <a:avLst>
-                <a:gd name="adj1" fmla="val 31434"/>
-                <a:gd name="adj2" fmla="val 25000"/>
-                <a:gd name="adj3" fmla="val 17852"/>
-                <a:gd name="adj4" fmla="val 20160"/>
-              </a:avLst>
-            </a:prstGeom>
-            <a:solidFill>
-              <a:srgbClr val="B2CAD6"/>
-            </a:solidFill>
-            <a:ln>
-              <a:noFill/>
-            </a:ln>
-          </p:spPr>
-          <p:style>
-            <a:lnRef idx="2">
-              <a:schemeClr val="accent1">
-                <a:shade val="50000"/>
-              </a:schemeClr>
-            </a:lnRef>
-            <a:fillRef idx="1">
-              <a:schemeClr val="accent1"/>
-            </a:fillRef>
-            <a:effectRef idx="0">
-              <a:schemeClr val="accent1"/>
-            </a:effectRef>
-            <a:fontRef idx="minor">
-              <a:schemeClr val="lt1"/>
-            </a:fontRef>
-          </p:style>
-          <p:txBody>
-            <a:bodyPr rtlCol="0" anchor="ctr"/>
-            <a:lstStyle/>
-            <a:p>
-              <a:pPr algn="ctr"/>
-              <a:endParaRPr lang="fr-FR" dirty="0">
-                <a:solidFill>
-                  <a:schemeClr val="tx1"/>
-                </a:solidFill>
-              </a:endParaRPr>
-            </a:p>
-          </p:txBody>
-        </p:sp>
-        <p:sp>
-          <p:nvSpPr>
-            <p:cNvPr id="59" name="ZoneTexte 58">
-              <a:extLst>
-                <a:ext uri="{FF2B5EF4-FFF2-40B4-BE49-F238E27FC236}">
-                  <a16:creationId xmlns:a16="http://schemas.microsoft.com/office/drawing/2014/main" id="{D9969D2B-BFBA-54A7-C4C5-06DFD5138BC1}"/>
-                </a:ext>
-              </a:extLst>
-            </p:cNvPr>
-            <p:cNvSpPr txBox="1"/>
-            <p:nvPr/>
-          </p:nvSpPr>
-          <p:spPr>
-            <a:xfrm rot="16200000">
-              <a:off x="8815678" y="3247763"/>
-              <a:ext cx="1918043" cy="369332"/>
-            </a:xfrm>
-            <a:prstGeom prst="rect">
-              <a:avLst/>
-            </a:prstGeom>
-            <a:noFill/>
-            <a:ln>
-              <a:noFill/>
-            </a:ln>
-          </p:spPr>
-          <p:txBody>
-            <a:bodyPr wrap="square" rtlCol="0">
-              <a:spAutoFit/>
-            </a:bodyPr>
-            <a:lstStyle/>
-            <a:p>
-              <a:r>
-                <a:rPr lang="fr-FR" sz="900" dirty="0">
-                  <a:solidFill>
-                    <a:schemeClr val="bg1"/>
-                  </a:solidFill>
-                  <a:latin typeface="Arial Nova" panose="020B0504020202020204" pitchFamily="34" charset="0"/>
-                </a:rPr>
-                <a:t>Tête d’impression en mouvement</a:t>
-              </a:r>
-            </a:p>
-          </p:txBody>
-        </p:sp>
-      </p:grpSp>
-      <p:grpSp>
-        <p:nvGrpSpPr>
-          <p:cNvPr id="60" name="Groupe 59">
-            <a:extLst>
-              <a:ext uri="{FF2B5EF4-FFF2-40B4-BE49-F238E27FC236}">
-                <a16:creationId xmlns:a16="http://schemas.microsoft.com/office/drawing/2014/main" id="{32A82909-C4F5-9AA0-D150-C388F421C774}"/>
-              </a:ext>
-            </a:extLst>
-          </p:cNvPr>
-          <p:cNvGrpSpPr/>
-          <p:nvPr/>
-        </p:nvGrpSpPr>
-        <p:grpSpPr>
-          <a:xfrm>
-            <a:off x="8594944" y="2722269"/>
-            <a:ext cx="1566153" cy="577809"/>
-            <a:chOff x="9058474" y="2836569"/>
-            <a:chExt cx="1566153" cy="577809"/>
-          </a:xfrm>
-        </p:grpSpPr>
-        <p:sp>
-          <p:nvSpPr>
-            <p:cNvPr id="61" name="Flèche : virage 60">
-              <a:extLst>
-                <a:ext uri="{FF2B5EF4-FFF2-40B4-BE49-F238E27FC236}">
-                  <a16:creationId xmlns:a16="http://schemas.microsoft.com/office/drawing/2014/main" id="{FED08932-ADD7-D2A1-8E5A-D62CEEB1B93F}"/>
-                </a:ext>
-              </a:extLst>
-            </p:cNvPr>
-            <p:cNvSpPr/>
-            <p:nvPr/>
-          </p:nvSpPr>
-          <p:spPr>
-            <a:xfrm rot="5400000">
-              <a:off x="9563593" y="2353345"/>
-              <a:ext cx="572849" cy="1549218"/>
-            </a:xfrm>
-            <a:prstGeom prst="bentArrow">
-              <a:avLst>
-                <a:gd name="adj1" fmla="val 38639"/>
-                <a:gd name="adj2" fmla="val 38302"/>
-                <a:gd name="adj3" fmla="val 16744"/>
-                <a:gd name="adj4" fmla="val 20160"/>
-              </a:avLst>
-            </a:prstGeom>
-            <a:solidFill>
-              <a:srgbClr val="B2CAD6"/>
-            </a:solidFill>
-            <a:ln>
-              <a:noFill/>
-            </a:ln>
-          </p:spPr>
-          <p:style>
-            <a:lnRef idx="2">
-              <a:schemeClr val="accent1">
-                <a:shade val="50000"/>
-              </a:schemeClr>
-            </a:lnRef>
-            <a:fillRef idx="1">
-              <a:schemeClr val="accent1"/>
-            </a:fillRef>
-            <a:effectRef idx="0">
-              <a:schemeClr val="accent1"/>
-            </a:effectRef>
-            <a:fontRef idx="minor">
-              <a:schemeClr val="lt1"/>
-            </a:fontRef>
-          </p:style>
-          <p:txBody>
-            <a:bodyPr rtlCol="0" anchor="ctr"/>
-            <a:lstStyle/>
-            <a:p>
-              <a:pPr algn="ctr"/>
-              <a:endParaRPr lang="fr-FR" dirty="0">
-                <a:solidFill>
-                  <a:schemeClr val="tx1"/>
-                </a:solidFill>
-              </a:endParaRPr>
-            </a:p>
-          </p:txBody>
-        </p:sp>
-        <p:sp>
-          <p:nvSpPr>
-            <p:cNvPr id="62" name="ZoneTexte 61">
-              <a:extLst>
-                <a:ext uri="{FF2B5EF4-FFF2-40B4-BE49-F238E27FC236}">
-                  <a16:creationId xmlns:a16="http://schemas.microsoft.com/office/drawing/2014/main" id="{2C25BFE2-5262-D3BC-BDD8-923C0B8002AD}"/>
-                </a:ext>
-              </a:extLst>
-            </p:cNvPr>
-            <p:cNvSpPr txBox="1"/>
-            <p:nvPr/>
-          </p:nvSpPr>
-          <p:spPr>
-            <a:xfrm>
-              <a:off x="9058474" y="2836569"/>
-              <a:ext cx="1473718" cy="215444"/>
-            </a:xfrm>
-            <a:prstGeom prst="rect">
-              <a:avLst/>
-            </a:prstGeom>
-            <a:noFill/>
-            <a:ln>
-              <a:noFill/>
-            </a:ln>
-          </p:spPr>
-          <p:txBody>
-            <a:bodyPr wrap="square" rtlCol="0">
-              <a:spAutoFit/>
-            </a:bodyPr>
-            <a:lstStyle/>
-            <a:p>
-              <a:r>
-                <a:rPr lang="fr-FR" sz="800" dirty="0">
-                  <a:solidFill>
-                    <a:schemeClr val="bg1"/>
-                  </a:solidFill>
-                  <a:latin typeface="Arial Nova" panose="020B0504020202020204" pitchFamily="34" charset="0"/>
-                </a:rPr>
-                <a:t>Tête d’impression à l’arrêt</a:t>
-              </a:r>
-            </a:p>
-          </p:txBody>
-        </p:sp>
-      </p:grpSp>
-      <mc:AlternateContent xmlns:mc="http://schemas.openxmlformats.org/markup-compatibility/2006" xmlns:a14="http://schemas.microsoft.com/office/drawing/2010/main">
-        <mc:Choice Requires="a14">
-          <p:sp>
-            <p:nvSpPr>
-              <p:cNvPr id="64" name="ZoneTexte 63">
-                <a:extLst>
-                  <a:ext uri="{FF2B5EF4-FFF2-40B4-BE49-F238E27FC236}">
-                    <a16:creationId xmlns:a16="http://schemas.microsoft.com/office/drawing/2014/main" id="{A29D106A-C634-EC49-818B-7FFD6B86043E}"/>
-                  </a:ext>
-                </a:extLst>
-              </p:cNvPr>
-              <p:cNvSpPr txBox="1"/>
-              <p:nvPr/>
-            </p:nvSpPr>
-            <p:spPr>
-              <a:xfrm>
-                <a:off x="170158" y="3784816"/>
-                <a:ext cx="1161960" cy="276999"/>
-              </a:xfrm>
-              <a:prstGeom prst="rect">
-                <a:avLst/>
-              </a:prstGeom>
-              <a:noFill/>
-            </p:spPr>
-            <p:txBody>
-              <a:bodyPr wrap="square" rtlCol="0">
-                <a:spAutoFit/>
-              </a:bodyPr>
-              <a:lstStyle/>
-              <a:p>
-                <a:pPr algn="ctr"/>
-                <a:r>
-                  <a:rPr lang="fr-FR" sz="1200" b="1" dirty="0">
-                    <a:solidFill>
-                      <a:srgbClr val="FFB25A"/>
-                    </a:solidFill>
-                    <a:latin typeface="Arial Nova" panose="020B0504020202020204" pitchFamily="34" charset="0"/>
-                  </a:rPr>
-                  <a:t>230 V </a:t>
-                </a:r>
-                <a14:m>
-                  <m:oMath xmlns:m="http://schemas.openxmlformats.org/officeDocument/2006/math">
-                    <m:r>
-                      <a:rPr lang="fr-FR" sz="1200" b="1" i="1" smtClean="0">
-                        <a:solidFill>
-                          <a:srgbClr val="FFB25A"/>
-                        </a:solidFill>
-                        <a:latin typeface="Cambria Math" panose="02040503050406030204" pitchFamily="18" charset="0"/>
-                        <a:ea typeface="Cambria Math" panose="02040503050406030204" pitchFamily="18" charset="0"/>
-                        <a:cs typeface="Calibri" panose="020F0502020204030204" pitchFamily="34" charset="0"/>
-                      </a:rPr>
-                      <m:t>~</m:t>
-                    </m:r>
-                  </m:oMath>
-                </a14:m>
-                <a:endParaRPr lang="fr-FR" sz="1200" b="1" dirty="0">
-                  <a:solidFill>
-                    <a:srgbClr val="FFB25A"/>
-                  </a:solidFill>
-                  <a:latin typeface="Arial Nova" panose="020B0504020202020204" pitchFamily="34" charset="0"/>
-                </a:endParaRPr>
-              </a:p>
-            </p:txBody>
-          </p:sp>
-        </mc:Choice>
-        <mc:Fallback xmlns="">
-          <p:sp>
-            <p:nvSpPr>
-              <p:cNvPr id="64" name="ZoneTexte 63">
-                <a:extLst>
-                  <a:ext uri="{FF2B5EF4-FFF2-40B4-BE49-F238E27FC236}">
-                    <a16:creationId xmlns:a16="http://schemas.microsoft.com/office/drawing/2014/main" id="{A29D106A-C634-EC49-818B-7FFD6B86043E}"/>
-                  </a:ext>
-                </a:extLst>
-              </p:cNvPr>
-              <p:cNvSpPr txBox="1">
-                <a:spLocks noRot="1" noChangeAspect="1" noMove="1" noResize="1" noEditPoints="1" noAdjustHandles="1" noChangeArrowheads="1" noChangeShapeType="1" noTextEdit="1"/>
-              </p:cNvSpPr>
-              <p:nvPr/>
-            </p:nvSpPr>
-            <p:spPr>
-              <a:xfrm>
-                <a:off x="170158" y="3784816"/>
-                <a:ext cx="1161960" cy="276999"/>
-              </a:xfrm>
-              <a:prstGeom prst="rect">
-                <a:avLst/>
-              </a:prstGeom>
-              <a:blipFill>
-                <a:blip r:embed="rId10"/>
-                <a:stretch>
-                  <a:fillRect t="-2222" b="-17778"/>
-                </a:stretch>
-              </a:blipFill>
-            </p:spPr>
-            <p:txBody>
-              <a:bodyPr/>
-              <a:lstStyle/>
-              <a:p>
-                <a:r>
-                  <a:rPr lang="fr-FR">
-                    <a:noFill/>
-                  </a:rPr>
-                  <a:t> </a:t>
-                </a:r>
-              </a:p>
-            </p:txBody>
-          </p:sp>
-        </mc:Fallback>
-      </mc:AlternateContent>
-      <mc:AlternateContent xmlns:mc="http://schemas.openxmlformats.org/markup-compatibility/2006" xmlns:a14="http://schemas.microsoft.com/office/drawing/2010/main">
-        <mc:Choice Requires="a14">
-          <p:sp>
-            <p:nvSpPr>
-              <p:cNvPr id="65" name="ZoneTexte 64">
-                <a:extLst>
-                  <a:ext uri="{FF2B5EF4-FFF2-40B4-BE49-F238E27FC236}">
-                    <a16:creationId xmlns:a16="http://schemas.microsoft.com/office/drawing/2014/main" id="{98529472-463C-B655-7D36-3F43A14EC5EF}"/>
-                  </a:ext>
-                </a:extLst>
-              </p:cNvPr>
-              <p:cNvSpPr txBox="1"/>
-              <p:nvPr/>
-            </p:nvSpPr>
-            <p:spPr>
-              <a:xfrm>
-                <a:off x="2282648" y="3611652"/>
-                <a:ext cx="1161960" cy="646331"/>
-              </a:xfrm>
-              <a:prstGeom prst="rect">
-                <a:avLst/>
-              </a:prstGeom>
-              <a:noFill/>
-            </p:spPr>
-            <p:txBody>
-              <a:bodyPr wrap="square" rtlCol="0">
-                <a:spAutoFit/>
-              </a:bodyPr>
-              <a:lstStyle/>
-              <a:p>
-                <a:pPr algn="ctr"/>
-                <a:r>
-                  <a:rPr lang="fr-FR" sz="1200" b="1" dirty="0">
-                    <a:solidFill>
-                      <a:srgbClr val="FFB25A"/>
-                    </a:solidFill>
-                    <a:latin typeface="Arial Nova" panose="020B0504020202020204" pitchFamily="34" charset="0"/>
-                  </a:rPr>
-                  <a:t> xx V </a:t>
-                </a:r>
-                <a14:m>
-                  <m:oMath xmlns:m="http://schemas.openxmlformats.org/officeDocument/2006/math">
-                    <m:r>
-                      <a:rPr lang="fr-FR" sz="1200" b="1" i="0" smtClean="0">
-                        <a:solidFill>
-                          <a:srgbClr val="FFB25A"/>
-                        </a:solidFill>
-                        <a:latin typeface="Cambria Math" panose="02040503050406030204" pitchFamily="18" charset="0"/>
-                        <a:ea typeface="Cambria Math" panose="02040503050406030204" pitchFamily="18" charset="0"/>
-                        <a:cs typeface="Calibri" panose="020F0502020204030204" pitchFamily="34" charset="0"/>
-                      </a:rPr>
-                      <m:t>=</m:t>
-                    </m:r>
-                  </m:oMath>
-                </a14:m>
-                <a:endParaRPr lang="fr-FR" sz="1200" b="1" dirty="0">
-                  <a:solidFill>
-                    <a:srgbClr val="FFB25A"/>
-                  </a:solidFill>
-                  <a:latin typeface="Arial Nova" panose="020B0504020202020204" pitchFamily="34" charset="0"/>
-                  <a:ea typeface="Cambria Math" panose="02040503050406030204" pitchFamily="18" charset="0"/>
-                  <a:cs typeface="Calibri" panose="020F0502020204030204" pitchFamily="34" charset="0"/>
-                </a:endParaRPr>
-              </a:p>
-              <a:p>
-                <a:pPr algn="ctr"/>
-                <a14:m>
-                  <m:oMathPara xmlns:m="http://schemas.openxmlformats.org/officeDocument/2006/math">
-                    <m:oMathParaPr>
-                      <m:jc m:val="centerGroup"/>
-                    </m:oMathParaPr>
-                    <m:oMath xmlns:m="http://schemas.openxmlformats.org/officeDocument/2006/math">
-                      <m:sSub>
-                        <m:sSubPr>
-                          <m:ctrlPr>
-                            <a:rPr lang="fr-FR" sz="1200" b="1" i="1" smtClean="0">
-                              <a:solidFill>
-                                <a:srgbClr val="FFB25A"/>
-                              </a:solidFill>
-                              <a:latin typeface="Cambria Math" panose="02040503050406030204" pitchFamily="18" charset="0"/>
-                              <a:ea typeface="Cambria Math" panose="02040503050406030204" pitchFamily="18" charset="0"/>
-                            </a:rPr>
-                          </m:ctrlPr>
-                        </m:sSubPr>
-                        <m:e>
-                          <m:r>
-                            <a:rPr lang="fr-FR" sz="1200" b="1" i="1" smtClean="0">
-                              <a:solidFill>
-                                <a:srgbClr val="FFB25A"/>
-                              </a:solidFill>
-                              <a:latin typeface="Cambria Math" panose="02040503050406030204" pitchFamily="18" charset="0"/>
-                              <a:ea typeface="Cambria Math" panose="02040503050406030204" pitchFamily="18" charset="0"/>
-                            </a:rPr>
-                            <m:t>𝓟</m:t>
-                          </m:r>
-                        </m:e>
-                        <m:sub>
-                          <m:r>
-                            <a:rPr lang="fr-FR" sz="1200" b="1" i="1" smtClean="0">
-                              <a:solidFill>
-                                <a:srgbClr val="FFB25A"/>
-                              </a:solidFill>
-                              <a:latin typeface="Cambria Math" panose="02040503050406030204" pitchFamily="18" charset="0"/>
-                              <a:ea typeface="Cambria Math" panose="02040503050406030204" pitchFamily="18" charset="0"/>
-                            </a:rPr>
-                            <m:t>𝒆𝒍𝒆𝒄</m:t>
-                          </m:r>
-                        </m:sub>
-                      </m:sSub>
-                      <m:r>
-                        <a:rPr lang="fr-FR" sz="1200" b="1" i="1" smtClean="0">
-                          <a:solidFill>
-                            <a:srgbClr val="FFB25A"/>
-                          </a:solidFill>
-                          <a:latin typeface="Cambria Math" panose="02040503050406030204" pitchFamily="18" charset="0"/>
-                          <a:ea typeface="Cambria Math" panose="02040503050406030204" pitchFamily="18" charset="0"/>
-                        </a:rPr>
-                        <m:t>=</m:t>
-                      </m:r>
-                      <m:r>
-                        <a:rPr lang="fr-FR" sz="1200" b="1" i="1" smtClean="0">
-                          <a:solidFill>
-                            <a:srgbClr val="FFB25A"/>
-                          </a:solidFill>
-                          <a:latin typeface="Cambria Math" panose="02040503050406030204" pitchFamily="18" charset="0"/>
-                          <a:ea typeface="Cambria Math" panose="02040503050406030204" pitchFamily="18" charset="0"/>
-                        </a:rPr>
-                        <m:t>𝑼𝑰</m:t>
-                      </m:r>
-                    </m:oMath>
-                  </m:oMathPara>
-                </a14:m>
-                <a:endParaRPr lang="fr-FR" sz="1200" b="1" dirty="0">
-                  <a:solidFill>
-                    <a:srgbClr val="FFB25A"/>
-                  </a:solidFill>
-                  <a:latin typeface="Arial Nova" panose="020B0504020202020204" pitchFamily="34" charset="0"/>
-                </a:endParaRPr>
-              </a:p>
-              <a:p>
-                <a:pPr algn="ctr"/>
-                <a:endParaRPr lang="fr-FR" sz="1200" b="1" dirty="0">
-                  <a:solidFill>
-                    <a:srgbClr val="FFB25A"/>
-                  </a:solidFill>
-                  <a:latin typeface="Arial Nova" panose="020B0504020202020204" pitchFamily="34" charset="0"/>
-                </a:endParaRPr>
-              </a:p>
-            </p:txBody>
-          </p:sp>
-        </mc:Choice>
-        <mc:Fallback xmlns="">
-          <p:sp>
-            <p:nvSpPr>
-              <p:cNvPr id="65" name="ZoneTexte 64">
-                <a:extLst>
-                  <a:ext uri="{FF2B5EF4-FFF2-40B4-BE49-F238E27FC236}">
-                    <a16:creationId xmlns:a16="http://schemas.microsoft.com/office/drawing/2014/main" id="{98529472-463C-B655-7D36-3F43A14EC5EF}"/>
-                  </a:ext>
-                </a:extLst>
-              </p:cNvPr>
-              <p:cNvSpPr txBox="1">
-                <a:spLocks noRot="1" noChangeAspect="1" noMove="1" noResize="1" noEditPoints="1" noAdjustHandles="1" noChangeArrowheads="1" noChangeShapeType="1" noTextEdit="1"/>
-              </p:cNvSpPr>
-              <p:nvPr/>
-            </p:nvSpPr>
-            <p:spPr>
-              <a:xfrm>
-                <a:off x="2282648" y="3611652"/>
-                <a:ext cx="1161960" cy="646331"/>
-              </a:xfrm>
-              <a:prstGeom prst="rect">
-                <a:avLst/>
-              </a:prstGeom>
-              <a:blipFill>
-                <a:blip r:embed="rId11"/>
-                <a:stretch>
-                  <a:fillRect/>
-                </a:stretch>
-              </a:blipFill>
-            </p:spPr>
-            <p:txBody>
-              <a:bodyPr/>
-              <a:lstStyle/>
-              <a:p>
-                <a:r>
-                  <a:rPr lang="fr-FR">
-                    <a:noFill/>
-                  </a:rPr>
-                  <a:t> </a:t>
-                </a:r>
-              </a:p>
-            </p:txBody>
-          </p:sp>
-        </mc:Fallback>
-      </mc:AlternateContent>
-      <p:pic>
-        <p:nvPicPr>
-          <p:cNvPr id="75" name="Image 74">
-            <a:extLst>
-              <a:ext uri="{FF2B5EF4-FFF2-40B4-BE49-F238E27FC236}">
-                <a16:creationId xmlns:a16="http://schemas.microsoft.com/office/drawing/2014/main" id="{C3984323-3DB7-9552-D8F6-CC335C936535}"/>
-              </a:ext>
-            </a:extLst>
-          </p:cNvPr>
-          <p:cNvPicPr>
-            <a:picLocks noChangeAspect="1"/>
-          </p:cNvPicPr>
-          <p:nvPr/>
-        </p:nvPicPr>
-        <p:blipFill>
-          <a:blip r:embed="rId4"/>
-          <a:stretch>
-            <a:fillRect/>
-          </a:stretch>
-        </p:blipFill>
-        <p:spPr>
-          <a:xfrm>
-            <a:off x="7071699" y="4642941"/>
-            <a:ext cx="288000" cy="100660"/>
-          </a:xfrm>
-          <a:prstGeom prst="rect">
-            <a:avLst/>
-          </a:prstGeom>
-        </p:spPr>
-      </p:pic>
-      <p:grpSp>
-        <p:nvGrpSpPr>
-          <p:cNvPr id="79" name="Groupe 78">
-            <a:extLst>
-              <a:ext uri="{FF2B5EF4-FFF2-40B4-BE49-F238E27FC236}">
-                <a16:creationId xmlns:a16="http://schemas.microsoft.com/office/drawing/2014/main" id="{E5E8BA72-62F0-623B-BB03-9C97E1215258}"/>
-              </a:ext>
-            </a:extLst>
-          </p:cNvPr>
-          <p:cNvGrpSpPr/>
-          <p:nvPr/>
-        </p:nvGrpSpPr>
-        <p:grpSpPr>
-          <a:xfrm rot="5400000">
-            <a:off x="7557744" y="1266359"/>
-            <a:ext cx="540000" cy="540000"/>
-            <a:chOff x="8494276" y="748802"/>
-            <a:chExt cx="1800000" cy="1800000"/>
-          </a:xfrm>
-        </p:grpSpPr>
-        <p:sp>
-          <p:nvSpPr>
-            <p:cNvPr id="80" name="Ellipse 79">
-              <a:extLst>
-                <a:ext uri="{FF2B5EF4-FFF2-40B4-BE49-F238E27FC236}">
-                  <a16:creationId xmlns:a16="http://schemas.microsoft.com/office/drawing/2014/main" id="{8797782F-D293-857F-9535-3AEEA223291C}"/>
-                </a:ext>
-              </a:extLst>
-            </p:cNvPr>
-            <p:cNvSpPr/>
-            <p:nvPr/>
-          </p:nvSpPr>
-          <p:spPr>
-            <a:xfrm>
-              <a:off x="8494276" y="748802"/>
-              <a:ext cx="1800000" cy="1800000"/>
-            </a:xfrm>
-            <a:prstGeom prst="ellipse">
-              <a:avLst/>
-            </a:prstGeom>
-            <a:solidFill>
-              <a:srgbClr val="08AF5E"/>
-            </a:solidFill>
-            <a:ln>
-              <a:noFill/>
-            </a:ln>
-          </p:spPr>
-          <p:style>
-            <a:lnRef idx="2">
-              <a:schemeClr val="accent1">
-                <a:shade val="50000"/>
-              </a:schemeClr>
-            </a:lnRef>
-            <a:fillRef idx="1">
-              <a:schemeClr val="accent1"/>
-            </a:fillRef>
-            <a:effectRef idx="0">
-              <a:schemeClr val="accent1"/>
-            </a:effectRef>
-            <a:fontRef idx="minor">
-              <a:schemeClr val="lt1"/>
-            </a:fontRef>
-          </p:style>
-          <p:txBody>
-            <a:bodyPr rtlCol="0" anchor="ctr"/>
-            <a:lstStyle/>
-            <a:p>
-              <a:pPr algn="ctr"/>
-              <a:endParaRPr lang="fr-FR" dirty="0"/>
-            </a:p>
-          </p:txBody>
-        </p:sp>
-        <p:pic>
-          <p:nvPicPr>
-            <p:cNvPr id="81" name="Image 80">
-              <a:extLst>
-                <a:ext uri="{FF2B5EF4-FFF2-40B4-BE49-F238E27FC236}">
-                  <a16:creationId xmlns:a16="http://schemas.microsoft.com/office/drawing/2014/main" id="{3C056DE1-E9CB-4E8C-3E56-45F4E72EDF5E}"/>
-                </a:ext>
-              </a:extLst>
-            </p:cNvPr>
-            <p:cNvPicPr>
-              <a:picLocks noChangeAspect="1"/>
-            </p:cNvPicPr>
-            <p:nvPr/>
-          </p:nvPicPr>
-          <p:blipFill>
-            <a:blip r:embed="rId12"/>
-            <a:stretch>
-              <a:fillRect/>
-            </a:stretch>
-          </p:blipFill>
-          <p:spPr>
-            <a:xfrm>
-              <a:off x="8943232" y="938192"/>
-              <a:ext cx="902088" cy="1440000"/>
-            </a:xfrm>
-            <a:prstGeom prst="rect">
-              <a:avLst/>
-            </a:prstGeom>
-          </p:spPr>
-        </p:pic>
-      </p:grpSp>
-      <p:grpSp>
-        <p:nvGrpSpPr>
-          <p:cNvPr id="87" name="Groupe 86">
-            <a:extLst>
-              <a:ext uri="{FF2B5EF4-FFF2-40B4-BE49-F238E27FC236}">
-                <a16:creationId xmlns:a16="http://schemas.microsoft.com/office/drawing/2014/main" id="{E9153400-DF88-441B-1F32-AE824AB4C9D0}"/>
-              </a:ext>
-            </a:extLst>
-          </p:cNvPr>
-          <p:cNvGrpSpPr/>
-          <p:nvPr/>
-        </p:nvGrpSpPr>
-        <p:grpSpPr>
-          <a:xfrm>
-            <a:off x="1114347" y="1755686"/>
-            <a:ext cx="360000" cy="360000"/>
-            <a:chOff x="262758" y="2633974"/>
-            <a:chExt cx="720000" cy="720000"/>
-          </a:xfrm>
-        </p:grpSpPr>
-        <p:sp>
-          <p:nvSpPr>
-            <p:cNvPr id="88" name="Ellipse 87">
-              <a:extLst>
-                <a:ext uri="{FF2B5EF4-FFF2-40B4-BE49-F238E27FC236}">
-                  <a16:creationId xmlns:a16="http://schemas.microsoft.com/office/drawing/2014/main" id="{903AB8DF-F4D2-7C8B-5ECC-CCE645EB9C9A}"/>
-                </a:ext>
-              </a:extLst>
-            </p:cNvPr>
-            <p:cNvSpPr/>
-            <p:nvPr/>
-          </p:nvSpPr>
-          <p:spPr>
-            <a:xfrm>
-              <a:off x="262758" y="2633974"/>
-              <a:ext cx="720000" cy="720000"/>
-            </a:xfrm>
-            <a:prstGeom prst="ellipse">
-              <a:avLst/>
-            </a:prstGeom>
-            <a:solidFill>
-              <a:srgbClr val="00547F"/>
-            </a:solidFill>
-            <a:ln>
-              <a:noFill/>
-            </a:ln>
-          </p:spPr>
-          <p:style>
-            <a:lnRef idx="2">
-              <a:schemeClr val="accent1">
-                <a:shade val="50000"/>
-              </a:schemeClr>
-            </a:lnRef>
-            <a:fillRef idx="1">
-              <a:schemeClr val="accent1"/>
-            </a:fillRef>
-            <a:effectRef idx="0">
-              <a:schemeClr val="accent1"/>
-            </a:effectRef>
-            <a:fontRef idx="minor">
-              <a:schemeClr val="lt1"/>
-            </a:fontRef>
-          </p:style>
-          <p:txBody>
-            <a:bodyPr rtlCol="0" anchor="ctr"/>
-            <a:lstStyle/>
-            <a:p>
-              <a:pPr algn="ctr"/>
-              <a:endParaRPr lang="fr-FR"/>
-            </a:p>
-          </p:txBody>
-        </p:sp>
-        <p:pic>
-          <p:nvPicPr>
-            <p:cNvPr id="89" name="Image 88">
-              <a:extLst>
-                <a:ext uri="{FF2B5EF4-FFF2-40B4-BE49-F238E27FC236}">
-                  <a16:creationId xmlns:a16="http://schemas.microsoft.com/office/drawing/2014/main" id="{D2C60E2E-75A4-B407-4649-EE5EC0440686}"/>
-                </a:ext>
-              </a:extLst>
-            </p:cNvPr>
-            <p:cNvPicPr>
-              <a:picLocks noChangeAspect="1"/>
-            </p:cNvPicPr>
-            <p:nvPr/>
-          </p:nvPicPr>
-          <p:blipFill>
-            <a:blip r:embed="rId13"/>
-            <a:stretch>
-              <a:fillRect/>
-            </a:stretch>
-          </p:blipFill>
-          <p:spPr>
-            <a:xfrm>
-              <a:off x="363558" y="2734774"/>
-              <a:ext cx="518400" cy="518400"/>
-            </a:xfrm>
-            <a:prstGeom prst="rect">
-              <a:avLst/>
-            </a:prstGeom>
-          </p:spPr>
-        </p:pic>
-      </p:grpSp>
-      <p:grpSp>
-        <p:nvGrpSpPr>
-          <p:cNvPr id="93" name="Groupe 92">
-            <a:extLst>
-              <a:ext uri="{FF2B5EF4-FFF2-40B4-BE49-F238E27FC236}">
-                <a16:creationId xmlns:a16="http://schemas.microsoft.com/office/drawing/2014/main" id="{633A414C-079F-72BC-C836-01640E3DA896}"/>
-              </a:ext>
-            </a:extLst>
-          </p:cNvPr>
-          <p:cNvGrpSpPr/>
-          <p:nvPr/>
-        </p:nvGrpSpPr>
-        <p:grpSpPr>
-          <a:xfrm>
-            <a:off x="748984" y="1355079"/>
-            <a:ext cx="360000" cy="360000"/>
-            <a:chOff x="5404964" y="4396133"/>
-            <a:chExt cx="1800000" cy="1800000"/>
-          </a:xfrm>
-        </p:grpSpPr>
-        <p:sp>
-          <p:nvSpPr>
-            <p:cNvPr id="94" name="Ellipse 93">
-              <a:extLst>
-                <a:ext uri="{FF2B5EF4-FFF2-40B4-BE49-F238E27FC236}">
-                  <a16:creationId xmlns:a16="http://schemas.microsoft.com/office/drawing/2014/main" id="{7DA91EB8-E9B2-6DC6-B932-B3F8200FCB4C}"/>
-                </a:ext>
-              </a:extLst>
-            </p:cNvPr>
-            <p:cNvSpPr/>
-            <p:nvPr/>
-          </p:nvSpPr>
-          <p:spPr>
-            <a:xfrm>
-              <a:off x="5404964" y="4396133"/>
-              <a:ext cx="1800000" cy="1800000"/>
-            </a:xfrm>
-            <a:prstGeom prst="ellipse">
-              <a:avLst/>
-            </a:prstGeom>
-            <a:solidFill>
-              <a:srgbClr val="00517A"/>
-            </a:solidFill>
-            <a:ln>
-              <a:noFill/>
-            </a:ln>
-          </p:spPr>
-          <p:style>
-            <a:lnRef idx="2">
-              <a:schemeClr val="accent1">
-                <a:shade val="50000"/>
-              </a:schemeClr>
-            </a:lnRef>
-            <a:fillRef idx="1">
-              <a:schemeClr val="accent1"/>
-            </a:fillRef>
-            <a:effectRef idx="0">
-              <a:schemeClr val="accent1"/>
-            </a:effectRef>
-            <a:fontRef idx="minor">
-              <a:schemeClr val="lt1"/>
-            </a:fontRef>
-          </p:style>
-          <p:txBody>
-            <a:bodyPr rtlCol="0" anchor="ctr"/>
-            <a:lstStyle/>
-            <a:p>
-              <a:pPr algn="ctr"/>
-              <a:endParaRPr lang="fr-FR"/>
-            </a:p>
-          </p:txBody>
-        </p:sp>
-        <p:pic>
-          <p:nvPicPr>
-            <p:cNvPr id="95" name="Image 94">
-              <a:extLst>
-                <a:ext uri="{FF2B5EF4-FFF2-40B4-BE49-F238E27FC236}">
-                  <a16:creationId xmlns:a16="http://schemas.microsoft.com/office/drawing/2014/main" id="{C57FF404-E034-F790-1839-6255F70696F2}"/>
-                </a:ext>
-              </a:extLst>
-            </p:cNvPr>
-            <p:cNvPicPr>
-              <a:picLocks noChangeAspect="1"/>
-            </p:cNvPicPr>
-            <p:nvPr/>
-          </p:nvPicPr>
-          <p:blipFill>
-            <a:blip r:embed="rId2"/>
-            <a:stretch>
-              <a:fillRect/>
-            </a:stretch>
-          </p:blipFill>
-          <p:spPr>
-            <a:xfrm>
-              <a:off x="5543445" y="4536296"/>
-              <a:ext cx="1358232" cy="1440000"/>
-            </a:xfrm>
-            <a:prstGeom prst="rect">
-              <a:avLst/>
-            </a:prstGeom>
-          </p:spPr>
-        </p:pic>
-      </p:grpSp>
-      <p:grpSp>
-        <p:nvGrpSpPr>
-          <p:cNvPr id="102" name="Groupe 101">
-            <a:extLst>
-              <a:ext uri="{FF2B5EF4-FFF2-40B4-BE49-F238E27FC236}">
-                <a16:creationId xmlns:a16="http://schemas.microsoft.com/office/drawing/2014/main" id="{E31DA6A4-FC36-37BB-DD67-889B787CE436}"/>
-              </a:ext>
-            </a:extLst>
-          </p:cNvPr>
-          <p:cNvGrpSpPr/>
-          <p:nvPr/>
-        </p:nvGrpSpPr>
-        <p:grpSpPr>
-          <a:xfrm>
-            <a:off x="7482844" y="4360641"/>
-            <a:ext cx="288000" cy="288000"/>
-            <a:chOff x="5404964" y="4396133"/>
-            <a:chExt cx="1800000" cy="1800000"/>
-          </a:xfrm>
-        </p:grpSpPr>
-        <p:sp>
-          <p:nvSpPr>
-            <p:cNvPr id="106" name="Ellipse 105">
-              <a:extLst>
-                <a:ext uri="{FF2B5EF4-FFF2-40B4-BE49-F238E27FC236}">
-                  <a16:creationId xmlns:a16="http://schemas.microsoft.com/office/drawing/2014/main" id="{6B23EFC2-53E7-FF97-9D84-20FD6FA31F4A}"/>
-                </a:ext>
-              </a:extLst>
-            </p:cNvPr>
-            <p:cNvSpPr/>
-            <p:nvPr/>
-          </p:nvSpPr>
-          <p:spPr>
-            <a:xfrm>
-              <a:off x="5404964" y="4396133"/>
-              <a:ext cx="1800000" cy="1800000"/>
-            </a:xfrm>
-            <a:prstGeom prst="ellipse">
-              <a:avLst/>
-            </a:prstGeom>
-            <a:solidFill>
-              <a:srgbClr val="00517A"/>
-            </a:solidFill>
-            <a:ln>
-              <a:noFill/>
-            </a:ln>
-          </p:spPr>
-          <p:style>
-            <a:lnRef idx="2">
-              <a:schemeClr val="accent1">
-                <a:shade val="50000"/>
-              </a:schemeClr>
-            </a:lnRef>
-            <a:fillRef idx="1">
-              <a:schemeClr val="accent1"/>
-            </a:fillRef>
-            <a:effectRef idx="0">
-              <a:schemeClr val="accent1"/>
-            </a:effectRef>
-            <a:fontRef idx="minor">
-              <a:schemeClr val="lt1"/>
-            </a:fontRef>
-          </p:style>
-          <p:txBody>
-            <a:bodyPr rtlCol="0" anchor="ctr"/>
-            <a:lstStyle/>
-            <a:p>
-              <a:pPr algn="ctr"/>
-              <a:endParaRPr lang="fr-FR"/>
-            </a:p>
-          </p:txBody>
-        </p:sp>
-        <p:pic>
-          <p:nvPicPr>
-            <p:cNvPr id="107" name="Image 106">
-              <a:extLst>
-                <a:ext uri="{FF2B5EF4-FFF2-40B4-BE49-F238E27FC236}">
-                  <a16:creationId xmlns:a16="http://schemas.microsoft.com/office/drawing/2014/main" id="{C61D1169-B2D8-2A3E-5B42-0FC2EAC1DF7F}"/>
-                </a:ext>
-              </a:extLst>
-            </p:cNvPr>
-            <p:cNvPicPr>
-              <a:picLocks noChangeAspect="1"/>
-            </p:cNvPicPr>
-            <p:nvPr/>
-          </p:nvPicPr>
-          <p:blipFill>
-            <a:blip r:embed="rId2"/>
-            <a:stretch>
-              <a:fillRect/>
-            </a:stretch>
-          </p:blipFill>
-          <p:spPr>
-            <a:xfrm>
-              <a:off x="5543445" y="4536296"/>
-              <a:ext cx="1358232" cy="1440000"/>
-            </a:xfrm>
-            <a:prstGeom prst="rect">
-              <a:avLst/>
-            </a:prstGeom>
-          </p:spPr>
-        </p:pic>
-      </p:grpSp>
-      <p:pic>
-        <p:nvPicPr>
-          <p:cNvPr id="110" name="Image 109">
-            <a:extLst>
-              <a:ext uri="{FF2B5EF4-FFF2-40B4-BE49-F238E27FC236}">
-                <a16:creationId xmlns:a16="http://schemas.microsoft.com/office/drawing/2014/main" id="{85C6EE0C-C52A-6134-EB1B-6F3C57492332}"/>
-              </a:ext>
-            </a:extLst>
-          </p:cNvPr>
-          <p:cNvPicPr>
-            <a:picLocks noChangeAspect="1"/>
-          </p:cNvPicPr>
-          <p:nvPr/>
-        </p:nvPicPr>
-        <p:blipFill>
-          <a:blip r:embed="rId14"/>
-          <a:stretch>
-            <a:fillRect/>
-          </a:stretch>
-        </p:blipFill>
-        <p:spPr>
-          <a:xfrm>
-            <a:off x="9082791" y="3441988"/>
-            <a:ext cx="288000" cy="105516"/>
-          </a:xfrm>
-          <a:prstGeom prst="rect">
-            <a:avLst/>
-          </a:prstGeom>
-        </p:spPr>
-      </p:pic>
-      <p:grpSp>
-        <p:nvGrpSpPr>
-          <p:cNvPr id="113" name="Groupe 112">
-            <a:extLst>
-              <a:ext uri="{FF2B5EF4-FFF2-40B4-BE49-F238E27FC236}">
-                <a16:creationId xmlns:a16="http://schemas.microsoft.com/office/drawing/2014/main" id="{52C089C3-9AA9-094F-E8FA-BEC6C5F80797}"/>
-              </a:ext>
-            </a:extLst>
-          </p:cNvPr>
-          <p:cNvGrpSpPr/>
-          <p:nvPr/>
-        </p:nvGrpSpPr>
-        <p:grpSpPr>
-          <a:xfrm>
-            <a:off x="398883" y="5155235"/>
-            <a:ext cx="6954225" cy="770947"/>
-            <a:chOff x="1363795" y="4921533"/>
-            <a:chExt cx="6954225" cy="770947"/>
-          </a:xfrm>
-        </p:grpSpPr>
-        <p:sp>
-          <p:nvSpPr>
-            <p:cNvPr id="72" name="Rectangle 71">
-              <a:extLst>
-                <a:ext uri="{FF2B5EF4-FFF2-40B4-BE49-F238E27FC236}">
-                  <a16:creationId xmlns:a16="http://schemas.microsoft.com/office/drawing/2014/main" id="{22DFAA51-C6D3-9FCC-9035-87E9C9207526}"/>
-                </a:ext>
-              </a:extLst>
-            </p:cNvPr>
-            <p:cNvSpPr/>
-            <p:nvPr/>
-          </p:nvSpPr>
-          <p:spPr>
-            <a:xfrm>
-              <a:off x="1363795" y="4921533"/>
-              <a:ext cx="6954225" cy="770947"/>
-            </a:xfrm>
-            <a:prstGeom prst="rect">
-              <a:avLst/>
-            </a:prstGeom>
-            <a:solidFill>
-              <a:srgbClr val="DFE3EB"/>
-            </a:solidFill>
-            <a:ln>
-              <a:noFill/>
-            </a:ln>
-          </p:spPr>
-          <p:style>
-            <a:lnRef idx="2">
-              <a:schemeClr val="accent1">
-                <a:shade val="50000"/>
-              </a:schemeClr>
-            </a:lnRef>
-            <a:fillRef idx="1">
-              <a:schemeClr val="accent1"/>
-            </a:fillRef>
-            <a:effectRef idx="0">
-              <a:schemeClr val="accent1"/>
-            </a:effectRef>
-            <a:fontRef idx="minor">
-              <a:schemeClr val="lt1"/>
-            </a:fontRef>
-          </p:style>
-          <p:txBody>
-            <a:bodyPr rtlCol="0" anchor="ctr"/>
-            <a:lstStyle/>
-            <a:p>
-              <a:pPr marL="449263" algn="just">
-                <a:lnSpc>
-                  <a:spcPct val="150000"/>
-                </a:lnSpc>
-              </a:pPr>
-              <a:r>
-                <a:rPr lang="fr-FR" sz="1400" dirty="0">
-                  <a:solidFill>
-                    <a:srgbClr val="00547F"/>
-                  </a:solidFill>
-                </a:rPr>
-                <a:t>Les détecteurs de fin de course permettent l’initialisation des codeurs. </a:t>
-              </a:r>
-            </a:p>
-            <a:p>
-              <a:pPr marL="449263" algn="just">
-                <a:lnSpc>
-                  <a:spcPct val="150000"/>
-                </a:lnSpc>
-              </a:pPr>
-              <a:r>
-                <a:rPr lang="fr-FR" sz="1400" dirty="0">
-                  <a:solidFill>
-                    <a:srgbClr val="00547F"/>
-                  </a:solidFill>
-                </a:rPr>
-                <a:t>Tous les autres capteurs sont à but pédagogique</a:t>
-              </a:r>
-            </a:p>
-          </p:txBody>
-        </p:sp>
-        <p:grpSp>
-          <p:nvGrpSpPr>
-            <p:cNvPr id="90" name="Groupe 89">
-              <a:extLst>
-                <a:ext uri="{FF2B5EF4-FFF2-40B4-BE49-F238E27FC236}">
-                  <a16:creationId xmlns:a16="http://schemas.microsoft.com/office/drawing/2014/main" id="{39CA4F3A-0CC6-5041-12E4-236CABBCDF7A}"/>
-                </a:ext>
-              </a:extLst>
-            </p:cNvPr>
-            <p:cNvGrpSpPr/>
-            <p:nvPr/>
-          </p:nvGrpSpPr>
-          <p:grpSpPr>
-            <a:xfrm>
-              <a:off x="1484641" y="5053530"/>
-              <a:ext cx="288000" cy="288000"/>
-              <a:chOff x="262758" y="1884674"/>
-              <a:chExt cx="720000" cy="720000"/>
-            </a:xfrm>
-          </p:grpSpPr>
-          <p:sp>
-            <p:nvSpPr>
-              <p:cNvPr id="111" name="Ellipse 110">
-                <a:extLst>
-                  <a:ext uri="{FF2B5EF4-FFF2-40B4-BE49-F238E27FC236}">
-                    <a16:creationId xmlns:a16="http://schemas.microsoft.com/office/drawing/2014/main" id="{5430EF8A-90C1-B3D1-26FF-6D15AFB32F38}"/>
-                  </a:ext>
-                </a:extLst>
-              </p:cNvPr>
-              <p:cNvSpPr/>
-              <p:nvPr/>
-            </p:nvSpPr>
-            <p:spPr>
-              <a:xfrm>
-                <a:off x="262758" y="1884674"/>
-                <a:ext cx="720000" cy="720000"/>
-              </a:xfrm>
-              <a:prstGeom prst="ellipse">
-                <a:avLst/>
-              </a:prstGeom>
-              <a:solidFill>
-                <a:srgbClr val="00547F"/>
-              </a:solidFill>
-              <a:ln>
-                <a:noFill/>
-              </a:ln>
-            </p:spPr>
-            <p:style>
-              <a:lnRef idx="2">
-                <a:schemeClr val="accent1">
-                  <a:shade val="50000"/>
-                </a:schemeClr>
-              </a:lnRef>
-              <a:fillRef idx="1">
-                <a:schemeClr val="accent1"/>
-              </a:fillRef>
-              <a:effectRef idx="0">
-                <a:schemeClr val="accent1"/>
-              </a:effectRef>
-              <a:fontRef idx="minor">
-                <a:schemeClr val="lt1"/>
-              </a:fontRef>
-            </p:style>
-            <p:txBody>
-              <a:bodyPr rtlCol="0" anchor="ctr"/>
-              <a:lstStyle/>
-              <a:p>
-                <a:pPr algn="ctr"/>
-                <a:endParaRPr lang="fr-FR"/>
-              </a:p>
-            </p:txBody>
-          </p:sp>
-          <p:pic>
-            <p:nvPicPr>
-              <p:cNvPr id="112" name="Image 111">
-                <a:extLst>
-                  <a:ext uri="{FF2B5EF4-FFF2-40B4-BE49-F238E27FC236}">
-                    <a16:creationId xmlns:a16="http://schemas.microsoft.com/office/drawing/2014/main" id="{6A5B490D-606A-9BCA-4A3E-4EB37ACA7C32}"/>
-                  </a:ext>
-                </a:extLst>
-              </p:cNvPr>
-              <p:cNvPicPr>
-                <a:picLocks noChangeAspect="1"/>
-              </p:cNvPicPr>
-              <p:nvPr/>
-            </p:nvPicPr>
-            <p:blipFill>
-              <a:blip r:embed="rId13"/>
-              <a:stretch>
-                <a:fillRect/>
-              </a:stretch>
-            </p:blipFill>
-            <p:spPr>
-              <a:xfrm>
-                <a:off x="363558" y="1985474"/>
-                <a:ext cx="518400" cy="518400"/>
-              </a:xfrm>
-              <a:prstGeom prst="rect">
-                <a:avLst/>
-              </a:prstGeom>
-            </p:spPr>
-          </p:pic>
-        </p:grpSp>
-      </p:grpSp>
-      <p:grpSp>
-        <p:nvGrpSpPr>
-          <p:cNvPr id="77" name="Groupe 76">
-            <a:extLst>
-              <a:ext uri="{FF2B5EF4-FFF2-40B4-BE49-F238E27FC236}">
-                <a16:creationId xmlns:a16="http://schemas.microsoft.com/office/drawing/2014/main" id="{9CDF59BC-42DC-DD41-E34E-EC7B75083584}"/>
-              </a:ext>
-            </a:extLst>
-          </p:cNvPr>
-          <p:cNvGrpSpPr/>
-          <p:nvPr/>
-        </p:nvGrpSpPr>
-        <p:grpSpPr>
-          <a:xfrm>
-            <a:off x="5906707" y="3772483"/>
-            <a:ext cx="360000" cy="360000"/>
-            <a:chOff x="3860760" y="1901279"/>
-            <a:chExt cx="1800000" cy="1800000"/>
-          </a:xfrm>
-        </p:grpSpPr>
-        <p:sp>
-          <p:nvSpPr>
-            <p:cNvPr id="78" name="Ellipse 77">
-              <a:extLst>
-                <a:ext uri="{FF2B5EF4-FFF2-40B4-BE49-F238E27FC236}">
-                  <a16:creationId xmlns:a16="http://schemas.microsoft.com/office/drawing/2014/main" id="{6B0394B1-1632-6B29-6963-92BFE6D0DFC6}"/>
-                </a:ext>
-              </a:extLst>
-            </p:cNvPr>
-            <p:cNvSpPr/>
-            <p:nvPr/>
-          </p:nvSpPr>
-          <p:spPr>
-            <a:xfrm>
-              <a:off x="3860760" y="1901279"/>
-              <a:ext cx="1800000" cy="1800000"/>
-            </a:xfrm>
-            <a:prstGeom prst="ellipse">
-              <a:avLst/>
-            </a:prstGeom>
-            <a:solidFill>
-              <a:srgbClr val="68348B"/>
-            </a:solidFill>
-            <a:ln>
-              <a:noFill/>
-            </a:ln>
-          </p:spPr>
-          <p:style>
-            <a:lnRef idx="2">
-              <a:schemeClr val="accent1">
-                <a:shade val="50000"/>
-              </a:schemeClr>
-            </a:lnRef>
-            <a:fillRef idx="1">
-              <a:schemeClr val="accent1"/>
-            </a:fillRef>
-            <a:effectRef idx="0">
-              <a:schemeClr val="accent1"/>
-            </a:effectRef>
-            <a:fontRef idx="minor">
-              <a:schemeClr val="lt1"/>
-            </a:fontRef>
-          </p:style>
-          <p:txBody>
-            <a:bodyPr rtlCol="0" anchor="ctr"/>
-            <a:lstStyle/>
-            <a:p>
-              <a:pPr algn="ctr"/>
-              <a:endParaRPr lang="fr-FR"/>
-            </a:p>
-          </p:txBody>
-        </p:sp>
-        <p:pic>
-          <p:nvPicPr>
-            <p:cNvPr id="82" name="Image 81">
-              <a:extLst>
-                <a:ext uri="{FF2B5EF4-FFF2-40B4-BE49-F238E27FC236}">
-                  <a16:creationId xmlns:a16="http://schemas.microsoft.com/office/drawing/2014/main" id="{A5B85197-F869-89C0-B588-DF9B0AB63C30}"/>
-                </a:ext>
-              </a:extLst>
-            </p:cNvPr>
-            <p:cNvPicPr>
-              <a:picLocks noChangeAspect="1"/>
-            </p:cNvPicPr>
-            <p:nvPr/>
-          </p:nvPicPr>
-          <p:blipFill>
-            <a:blip r:embed="rId15"/>
-            <a:stretch>
-              <a:fillRect/>
-            </a:stretch>
-          </p:blipFill>
-          <p:spPr>
-            <a:xfrm>
-              <a:off x="4141609" y="2182128"/>
-              <a:ext cx="1238302" cy="1238302"/>
-            </a:xfrm>
-            <a:prstGeom prst="rect">
-              <a:avLst/>
-            </a:prstGeom>
-          </p:spPr>
-        </p:pic>
-      </p:grpSp>
-      <p:grpSp>
-        <p:nvGrpSpPr>
-          <p:cNvPr id="103" name="Groupe 102">
-            <a:extLst>
-              <a:ext uri="{FF2B5EF4-FFF2-40B4-BE49-F238E27FC236}">
-                <a16:creationId xmlns:a16="http://schemas.microsoft.com/office/drawing/2014/main" id="{58AD15BE-FF0B-AB8F-1B32-BB8FEEBA2DEA}"/>
-              </a:ext>
-            </a:extLst>
-          </p:cNvPr>
-          <p:cNvGrpSpPr/>
-          <p:nvPr/>
-        </p:nvGrpSpPr>
-        <p:grpSpPr>
-          <a:xfrm>
-            <a:off x="4230625" y="3701815"/>
-            <a:ext cx="360000" cy="360000"/>
-            <a:chOff x="4235640" y="2696679"/>
-            <a:chExt cx="1800000" cy="1800000"/>
-          </a:xfrm>
-        </p:grpSpPr>
-        <p:sp>
-          <p:nvSpPr>
-            <p:cNvPr id="104" name="Ellipse 103">
-              <a:extLst>
-                <a:ext uri="{FF2B5EF4-FFF2-40B4-BE49-F238E27FC236}">
-                  <a16:creationId xmlns:a16="http://schemas.microsoft.com/office/drawing/2014/main" id="{617E9B91-42CB-D7A6-CB9D-2F41FFC4BB96}"/>
-                </a:ext>
-              </a:extLst>
-            </p:cNvPr>
-            <p:cNvSpPr/>
-            <p:nvPr/>
-          </p:nvSpPr>
-          <p:spPr>
-            <a:xfrm>
-              <a:off x="4235640" y="2696679"/>
-              <a:ext cx="1800000" cy="1800000"/>
-            </a:xfrm>
-            <a:prstGeom prst="ellipse">
-              <a:avLst/>
-            </a:prstGeom>
-            <a:solidFill>
-              <a:srgbClr val="0C7391"/>
-            </a:solidFill>
-            <a:ln>
-              <a:noFill/>
-            </a:ln>
-          </p:spPr>
-          <p:style>
-            <a:lnRef idx="2">
-              <a:schemeClr val="accent1">
-                <a:shade val="50000"/>
-              </a:schemeClr>
-            </a:lnRef>
-            <a:fillRef idx="1">
-              <a:schemeClr val="accent1"/>
-            </a:fillRef>
-            <a:effectRef idx="0">
-              <a:schemeClr val="accent1"/>
-            </a:effectRef>
-            <a:fontRef idx="minor">
-              <a:schemeClr val="lt1"/>
-            </a:fontRef>
-          </p:style>
-          <p:txBody>
-            <a:bodyPr rtlCol="0" anchor="ctr"/>
-            <a:lstStyle/>
-            <a:p>
-              <a:pPr algn="ctr"/>
-              <a:endParaRPr lang="fr-FR" dirty="0"/>
-            </a:p>
-          </p:txBody>
-        </p:sp>
-        <p:pic>
-          <p:nvPicPr>
-            <p:cNvPr id="105" name="Image 104">
-              <a:extLst>
-                <a:ext uri="{FF2B5EF4-FFF2-40B4-BE49-F238E27FC236}">
-                  <a16:creationId xmlns:a16="http://schemas.microsoft.com/office/drawing/2014/main" id="{99E60331-B84D-5566-9183-29714B6CECF8}"/>
-                </a:ext>
-              </a:extLst>
-            </p:cNvPr>
-            <p:cNvPicPr>
-              <a:picLocks noChangeAspect="1"/>
-            </p:cNvPicPr>
-            <p:nvPr/>
-          </p:nvPicPr>
-          <p:blipFill>
-            <a:blip r:embed="rId16"/>
-            <a:stretch>
-              <a:fillRect/>
-            </a:stretch>
-          </p:blipFill>
-          <p:spPr>
-            <a:xfrm>
-              <a:off x="4451640" y="3100228"/>
-              <a:ext cx="1368000" cy="992903"/>
-            </a:xfrm>
-            <a:prstGeom prst="rect">
-              <a:avLst/>
-            </a:prstGeom>
-          </p:spPr>
-        </p:pic>
-      </p:grpSp>
-      <p:grpSp>
-        <p:nvGrpSpPr>
-          <p:cNvPr id="115" name="Groupe 114">
-            <a:extLst>
-              <a:ext uri="{FF2B5EF4-FFF2-40B4-BE49-F238E27FC236}">
-                <a16:creationId xmlns:a16="http://schemas.microsoft.com/office/drawing/2014/main" id="{C37448ED-B1B8-F1BB-24B8-35C8774FD58E}"/>
-              </a:ext>
-            </a:extLst>
-          </p:cNvPr>
-          <p:cNvGrpSpPr/>
-          <p:nvPr/>
-        </p:nvGrpSpPr>
-        <p:grpSpPr>
-          <a:xfrm>
-            <a:off x="8333456" y="3750042"/>
-            <a:ext cx="360000" cy="360000"/>
-            <a:chOff x="3533664" y="4396133"/>
-            <a:chExt cx="1800000" cy="1800000"/>
-          </a:xfrm>
-        </p:grpSpPr>
-        <p:sp>
-          <p:nvSpPr>
-            <p:cNvPr id="116" name="Ellipse 115">
-              <a:extLst>
-                <a:ext uri="{FF2B5EF4-FFF2-40B4-BE49-F238E27FC236}">
-                  <a16:creationId xmlns:a16="http://schemas.microsoft.com/office/drawing/2014/main" id="{D02DCB71-A1A5-A680-8ADE-2B15DC7B03FD}"/>
-                </a:ext>
-              </a:extLst>
-            </p:cNvPr>
-            <p:cNvSpPr/>
-            <p:nvPr/>
-          </p:nvSpPr>
-          <p:spPr>
-            <a:xfrm>
-              <a:off x="3533664" y="4396133"/>
-              <a:ext cx="1800000" cy="1800000"/>
-            </a:xfrm>
-            <a:prstGeom prst="ellipse">
-              <a:avLst/>
-            </a:prstGeom>
-            <a:solidFill>
-              <a:srgbClr val="EF7268"/>
-            </a:solidFill>
-            <a:ln>
-              <a:noFill/>
-            </a:ln>
-          </p:spPr>
-          <p:style>
-            <a:lnRef idx="2">
-              <a:schemeClr val="accent1">
-                <a:shade val="50000"/>
-              </a:schemeClr>
-            </a:lnRef>
-            <a:fillRef idx="1">
-              <a:schemeClr val="accent1"/>
-            </a:fillRef>
-            <a:effectRef idx="0">
-              <a:schemeClr val="accent1"/>
-            </a:effectRef>
-            <a:fontRef idx="minor">
-              <a:schemeClr val="lt1"/>
-            </a:fontRef>
-          </p:style>
-          <p:txBody>
-            <a:bodyPr rtlCol="0" anchor="ctr"/>
-            <a:lstStyle/>
-            <a:p>
-              <a:pPr algn="ctr"/>
-              <a:endParaRPr lang="fr-FR" dirty="0"/>
-            </a:p>
-          </p:txBody>
-        </p:sp>
-        <p:pic>
-          <p:nvPicPr>
-            <p:cNvPr id="117" name="Image 116">
-              <a:extLst>
-                <a:ext uri="{FF2B5EF4-FFF2-40B4-BE49-F238E27FC236}">
-                  <a16:creationId xmlns:a16="http://schemas.microsoft.com/office/drawing/2014/main" id="{E8BA0F34-A665-1C51-9583-4F502F07E582}"/>
-                </a:ext>
-              </a:extLst>
-            </p:cNvPr>
-            <p:cNvPicPr>
-              <a:picLocks noChangeAspect="1"/>
-            </p:cNvPicPr>
-            <p:nvPr/>
-          </p:nvPicPr>
-          <p:blipFill>
-            <a:blip r:embed="rId17"/>
-            <a:stretch>
-              <a:fillRect/>
-            </a:stretch>
-          </p:blipFill>
-          <p:spPr>
-            <a:xfrm>
-              <a:off x="3681584" y="4594762"/>
-              <a:ext cx="1427962" cy="1471564"/>
-            </a:xfrm>
-            <a:prstGeom prst="rect">
-              <a:avLst/>
-            </a:prstGeom>
-          </p:spPr>
-        </p:pic>
-      </p:grpSp>
-      <p:grpSp>
-        <p:nvGrpSpPr>
-          <p:cNvPr id="118" name="Groupe 117">
-            <a:extLst>
-              <a:ext uri="{FF2B5EF4-FFF2-40B4-BE49-F238E27FC236}">
-                <a16:creationId xmlns:a16="http://schemas.microsoft.com/office/drawing/2014/main" id="{E55F3AFE-1A84-6740-3805-9C8EC7B9125C}"/>
-              </a:ext>
-            </a:extLst>
-          </p:cNvPr>
-          <p:cNvGrpSpPr/>
-          <p:nvPr/>
-        </p:nvGrpSpPr>
-        <p:grpSpPr>
-          <a:xfrm>
-            <a:off x="7616680" y="3750042"/>
-            <a:ext cx="360000" cy="360000"/>
-            <a:chOff x="6192322" y="2195517"/>
-            <a:chExt cx="1800000" cy="1800000"/>
-          </a:xfrm>
-        </p:grpSpPr>
-        <p:sp>
-          <p:nvSpPr>
-            <p:cNvPr id="119" name="Ellipse 118">
-              <a:extLst>
-                <a:ext uri="{FF2B5EF4-FFF2-40B4-BE49-F238E27FC236}">
-                  <a16:creationId xmlns:a16="http://schemas.microsoft.com/office/drawing/2014/main" id="{8E2965FF-928C-E39B-4210-C99288C7F448}"/>
-                </a:ext>
-              </a:extLst>
-            </p:cNvPr>
-            <p:cNvSpPr/>
-            <p:nvPr/>
-          </p:nvSpPr>
-          <p:spPr>
-            <a:xfrm>
-              <a:off x="6192322" y="2195517"/>
-              <a:ext cx="1800000" cy="1800000"/>
-            </a:xfrm>
-            <a:prstGeom prst="ellipse">
-              <a:avLst/>
-            </a:prstGeom>
-            <a:solidFill>
-              <a:srgbClr val="EF7268"/>
-            </a:solidFill>
-            <a:ln>
-              <a:noFill/>
-            </a:ln>
-          </p:spPr>
-          <p:style>
-            <a:lnRef idx="2">
-              <a:schemeClr val="accent1">
-                <a:shade val="50000"/>
-              </a:schemeClr>
-            </a:lnRef>
-            <a:fillRef idx="1">
-              <a:schemeClr val="accent1"/>
-            </a:fillRef>
-            <a:effectRef idx="0">
-              <a:schemeClr val="accent1"/>
-            </a:effectRef>
-            <a:fontRef idx="minor">
-              <a:schemeClr val="lt1"/>
-            </a:fontRef>
-          </p:style>
-          <p:txBody>
-            <a:bodyPr rtlCol="0" anchor="ctr"/>
-            <a:lstStyle/>
-            <a:p>
-              <a:pPr algn="ctr"/>
-              <a:endParaRPr lang="fr-FR" dirty="0"/>
-            </a:p>
-          </p:txBody>
-        </p:sp>
-        <p:pic>
-          <p:nvPicPr>
-            <p:cNvPr id="120" name="Image 119">
-              <a:extLst>
-                <a:ext uri="{FF2B5EF4-FFF2-40B4-BE49-F238E27FC236}">
-                  <a16:creationId xmlns:a16="http://schemas.microsoft.com/office/drawing/2014/main" id="{006F33AE-825F-0D7E-E36C-D0A1C34D8E12}"/>
-                </a:ext>
-              </a:extLst>
-            </p:cNvPr>
-            <p:cNvPicPr>
-              <a:picLocks noChangeAspect="1"/>
-            </p:cNvPicPr>
-            <p:nvPr/>
-          </p:nvPicPr>
-          <p:blipFill>
-            <a:blip r:embed="rId18"/>
-            <a:stretch>
-              <a:fillRect/>
-            </a:stretch>
-          </p:blipFill>
-          <p:spPr>
-            <a:xfrm>
-              <a:off x="6364515" y="2367710"/>
-              <a:ext cx="1455614" cy="1455614"/>
-            </a:xfrm>
-            <a:prstGeom prst="rect">
-              <a:avLst/>
-            </a:prstGeom>
-          </p:spPr>
-        </p:pic>
-      </p:grpSp>
-      <p:grpSp>
-        <p:nvGrpSpPr>
-          <p:cNvPr id="121" name="Groupe 120">
-            <a:extLst>
-              <a:ext uri="{FF2B5EF4-FFF2-40B4-BE49-F238E27FC236}">
-                <a16:creationId xmlns:a16="http://schemas.microsoft.com/office/drawing/2014/main" id="{D06A32A6-C63E-58CE-DCA1-07EA891DA9D7}"/>
-              </a:ext>
-            </a:extLst>
-          </p:cNvPr>
-          <p:cNvGrpSpPr/>
-          <p:nvPr/>
-        </p:nvGrpSpPr>
-        <p:grpSpPr>
-          <a:xfrm>
-            <a:off x="1314267" y="975815"/>
-            <a:ext cx="360000" cy="360000"/>
-            <a:chOff x="10216711" y="4835236"/>
-            <a:chExt cx="1800000" cy="1800000"/>
-          </a:xfrm>
-        </p:grpSpPr>
-        <p:sp>
-          <p:nvSpPr>
-            <p:cNvPr id="122" name="Ellipse 121">
-              <a:extLst>
-                <a:ext uri="{FF2B5EF4-FFF2-40B4-BE49-F238E27FC236}">
-                  <a16:creationId xmlns:a16="http://schemas.microsoft.com/office/drawing/2014/main" id="{6DCFB929-90D4-CBEA-1530-9D132B0A4ACA}"/>
-                </a:ext>
-              </a:extLst>
-            </p:cNvPr>
-            <p:cNvSpPr/>
-            <p:nvPr/>
-          </p:nvSpPr>
-          <p:spPr>
-            <a:xfrm>
-              <a:off x="10216711" y="4835236"/>
-              <a:ext cx="1800000" cy="1800000"/>
-            </a:xfrm>
-            <a:prstGeom prst="ellipse">
-              <a:avLst/>
-            </a:prstGeom>
-            <a:solidFill>
-              <a:srgbClr val="00547F"/>
-            </a:solidFill>
-            <a:ln>
-              <a:noFill/>
-            </a:ln>
-          </p:spPr>
-          <p:style>
-            <a:lnRef idx="2">
-              <a:schemeClr val="accent1">
-                <a:shade val="50000"/>
-              </a:schemeClr>
-            </a:lnRef>
-            <a:fillRef idx="1">
-              <a:schemeClr val="accent1"/>
-            </a:fillRef>
-            <a:effectRef idx="0">
-              <a:schemeClr val="accent1"/>
-            </a:effectRef>
-            <a:fontRef idx="minor">
-              <a:schemeClr val="lt1"/>
-            </a:fontRef>
-          </p:style>
-          <p:txBody>
-            <a:bodyPr rtlCol="0" anchor="ctr"/>
-            <a:lstStyle/>
-            <a:p>
-              <a:pPr algn="ctr"/>
-              <a:endParaRPr lang="fr-FR"/>
-            </a:p>
-          </p:txBody>
-        </p:sp>
-        <p:pic>
-          <p:nvPicPr>
-            <p:cNvPr id="123" name="Image 122">
-              <a:extLst>
-                <a:ext uri="{FF2B5EF4-FFF2-40B4-BE49-F238E27FC236}">
-                  <a16:creationId xmlns:a16="http://schemas.microsoft.com/office/drawing/2014/main" id="{2F81BE4E-954B-2631-2541-B385CCA65BEB}"/>
-                </a:ext>
-              </a:extLst>
-            </p:cNvPr>
-            <p:cNvPicPr>
-              <a:picLocks noChangeAspect="1"/>
-            </p:cNvPicPr>
-            <p:nvPr/>
-          </p:nvPicPr>
-          <p:blipFill>
-            <a:blip r:embed="rId19"/>
-            <a:stretch>
-              <a:fillRect/>
-            </a:stretch>
-          </p:blipFill>
-          <p:spPr>
-            <a:xfrm flipH="1">
-              <a:off x="10382764" y="5000716"/>
-              <a:ext cx="1467894" cy="1467894"/>
-            </a:xfrm>
-            <a:prstGeom prst="rect">
-              <a:avLst/>
-            </a:prstGeom>
-          </p:spPr>
-        </p:pic>
-      </p:grpSp>
-      <p:grpSp>
-        <p:nvGrpSpPr>
-          <p:cNvPr id="124" name="Groupe 123">
-            <a:extLst>
-              <a:ext uri="{FF2B5EF4-FFF2-40B4-BE49-F238E27FC236}">
-                <a16:creationId xmlns:a16="http://schemas.microsoft.com/office/drawing/2014/main" id="{41F7FDC7-7975-E851-D653-543945A81A70}"/>
-              </a:ext>
-            </a:extLst>
-          </p:cNvPr>
-          <p:cNvGrpSpPr/>
-          <p:nvPr/>
-        </p:nvGrpSpPr>
-        <p:grpSpPr>
-          <a:xfrm>
-            <a:off x="934347" y="982729"/>
-            <a:ext cx="360000" cy="360000"/>
-            <a:chOff x="7467428" y="2677562"/>
-            <a:chExt cx="1800000" cy="1800000"/>
-          </a:xfrm>
-        </p:grpSpPr>
-        <p:sp>
-          <p:nvSpPr>
-            <p:cNvPr id="125" name="Ellipse 124">
-              <a:extLst>
-                <a:ext uri="{FF2B5EF4-FFF2-40B4-BE49-F238E27FC236}">
-                  <a16:creationId xmlns:a16="http://schemas.microsoft.com/office/drawing/2014/main" id="{34A32B8F-E7BD-F58A-DCD1-D23AD528CD80}"/>
-                </a:ext>
-              </a:extLst>
-            </p:cNvPr>
-            <p:cNvSpPr/>
-            <p:nvPr/>
-          </p:nvSpPr>
-          <p:spPr>
-            <a:xfrm>
-              <a:off x="7467428" y="2677562"/>
-              <a:ext cx="1800000" cy="1800000"/>
-            </a:xfrm>
-            <a:prstGeom prst="ellipse">
-              <a:avLst/>
-            </a:prstGeom>
-            <a:solidFill>
-              <a:srgbClr val="00517A"/>
-            </a:solidFill>
-            <a:ln>
-              <a:noFill/>
-            </a:ln>
-          </p:spPr>
-          <p:style>
-            <a:lnRef idx="2">
-              <a:schemeClr val="accent1">
-                <a:shade val="50000"/>
-              </a:schemeClr>
-            </a:lnRef>
-            <a:fillRef idx="1">
-              <a:schemeClr val="accent1"/>
-            </a:fillRef>
-            <a:effectRef idx="0">
-              <a:schemeClr val="accent1"/>
-            </a:effectRef>
-            <a:fontRef idx="minor">
-              <a:schemeClr val="lt1"/>
-            </a:fontRef>
-          </p:style>
-          <p:txBody>
-            <a:bodyPr rtlCol="0" anchor="ctr"/>
-            <a:lstStyle/>
-            <a:p>
-              <a:pPr algn="ctr"/>
-              <a:endParaRPr lang="fr-FR" dirty="0"/>
-            </a:p>
-          </p:txBody>
-        </p:sp>
-        <p:pic>
-          <p:nvPicPr>
-            <p:cNvPr id="126" name="Image 125">
-              <a:extLst>
-                <a:ext uri="{FF2B5EF4-FFF2-40B4-BE49-F238E27FC236}">
-                  <a16:creationId xmlns:a16="http://schemas.microsoft.com/office/drawing/2014/main" id="{4913C011-044B-4F17-4976-2A5D4D107DB2}"/>
-                </a:ext>
-              </a:extLst>
-            </p:cNvPr>
-            <p:cNvPicPr>
-              <a:picLocks noChangeAspect="1"/>
-            </p:cNvPicPr>
-            <p:nvPr/>
-          </p:nvPicPr>
-          <p:blipFill>
-            <a:blip r:embed="rId20"/>
-            <a:stretch>
-              <a:fillRect/>
-            </a:stretch>
-          </p:blipFill>
-          <p:spPr>
-            <a:xfrm>
-              <a:off x="7567027" y="2784504"/>
-              <a:ext cx="1592444" cy="1592444"/>
-            </a:xfrm>
-            <a:prstGeom prst="rect">
-              <a:avLst/>
-            </a:prstGeom>
-          </p:spPr>
-        </p:pic>
-      </p:grpSp>
-      <p:grpSp>
-        <p:nvGrpSpPr>
-          <p:cNvPr id="127" name="Groupe 126">
-            <a:extLst>
-              <a:ext uri="{FF2B5EF4-FFF2-40B4-BE49-F238E27FC236}">
-                <a16:creationId xmlns:a16="http://schemas.microsoft.com/office/drawing/2014/main" id="{05AD0AAD-BA57-A328-1C1A-FA8CC814DA79}"/>
-              </a:ext>
-            </a:extLst>
-          </p:cNvPr>
-          <p:cNvGrpSpPr/>
-          <p:nvPr/>
-        </p:nvGrpSpPr>
-        <p:grpSpPr>
-          <a:xfrm>
-            <a:off x="2436565" y="1780222"/>
-            <a:ext cx="360000" cy="360000"/>
-            <a:chOff x="8493814" y="3375317"/>
-            <a:chExt cx="1800000" cy="1800000"/>
-          </a:xfrm>
-        </p:grpSpPr>
-        <p:sp>
-          <p:nvSpPr>
-            <p:cNvPr id="128" name="Ellipse 127">
-              <a:extLst>
-                <a:ext uri="{FF2B5EF4-FFF2-40B4-BE49-F238E27FC236}">
-                  <a16:creationId xmlns:a16="http://schemas.microsoft.com/office/drawing/2014/main" id="{B597B9C0-BD7D-805D-F2A4-0E0749172DC9}"/>
-                </a:ext>
-              </a:extLst>
-            </p:cNvPr>
-            <p:cNvSpPr/>
-            <p:nvPr/>
-          </p:nvSpPr>
-          <p:spPr>
-            <a:xfrm>
-              <a:off x="8493814" y="3375317"/>
-              <a:ext cx="1800000" cy="1800000"/>
-            </a:xfrm>
-            <a:prstGeom prst="ellipse">
-              <a:avLst/>
-            </a:prstGeom>
-            <a:solidFill>
-              <a:srgbClr val="00517A"/>
-            </a:solidFill>
-            <a:ln>
-              <a:noFill/>
-            </a:ln>
-          </p:spPr>
-          <p:style>
-            <a:lnRef idx="2">
-              <a:schemeClr val="accent1">
-                <a:shade val="50000"/>
-              </a:schemeClr>
-            </a:lnRef>
-            <a:fillRef idx="1">
-              <a:schemeClr val="accent1"/>
-            </a:fillRef>
-            <a:effectRef idx="0">
-              <a:schemeClr val="accent1"/>
-            </a:effectRef>
-            <a:fontRef idx="minor">
-              <a:schemeClr val="lt1"/>
-            </a:fontRef>
-          </p:style>
-          <p:txBody>
-            <a:bodyPr rtlCol="0" anchor="ctr"/>
-            <a:lstStyle/>
-            <a:p>
-              <a:pPr algn="ctr"/>
-              <a:endParaRPr lang="fr-FR" dirty="0"/>
-            </a:p>
-          </p:txBody>
-        </p:sp>
-        <p:pic>
-          <p:nvPicPr>
-            <p:cNvPr id="129" name="Image 128">
-              <a:extLst>
-                <a:ext uri="{FF2B5EF4-FFF2-40B4-BE49-F238E27FC236}">
-                  <a16:creationId xmlns:a16="http://schemas.microsoft.com/office/drawing/2014/main" id="{50E41E25-A595-736E-C376-396BA43580A1}"/>
-                </a:ext>
-              </a:extLst>
-            </p:cNvPr>
-            <p:cNvPicPr>
-              <a:picLocks noChangeAspect="1"/>
-            </p:cNvPicPr>
-            <p:nvPr/>
-          </p:nvPicPr>
-          <p:blipFill>
-            <a:blip r:embed="rId21"/>
-            <a:stretch>
-              <a:fillRect/>
-            </a:stretch>
-          </p:blipFill>
-          <p:spPr>
-            <a:xfrm>
-              <a:off x="8673814" y="3583777"/>
-              <a:ext cx="1440000" cy="1440000"/>
-            </a:xfrm>
-            <a:prstGeom prst="rect">
-              <a:avLst/>
-            </a:prstGeom>
-          </p:spPr>
-        </p:pic>
-      </p:grpSp>
-      <p:grpSp>
-        <p:nvGrpSpPr>
-          <p:cNvPr id="130" name="Groupe 129">
-            <a:extLst>
-              <a:ext uri="{FF2B5EF4-FFF2-40B4-BE49-F238E27FC236}">
-                <a16:creationId xmlns:a16="http://schemas.microsoft.com/office/drawing/2014/main" id="{2286C7EB-E60B-D281-2206-B28BF2BD081C}"/>
-              </a:ext>
-            </a:extLst>
-          </p:cNvPr>
-          <p:cNvGrpSpPr/>
-          <p:nvPr/>
-        </p:nvGrpSpPr>
-        <p:grpSpPr>
-          <a:xfrm>
-            <a:off x="10111936" y="3317985"/>
-            <a:ext cx="360000" cy="360000"/>
-            <a:chOff x="10216711" y="4835236"/>
-            <a:chExt cx="1800000" cy="1800000"/>
-          </a:xfrm>
-        </p:grpSpPr>
-        <p:sp>
-          <p:nvSpPr>
-            <p:cNvPr id="131" name="Ellipse 130">
-              <a:extLst>
-                <a:ext uri="{FF2B5EF4-FFF2-40B4-BE49-F238E27FC236}">
-                  <a16:creationId xmlns:a16="http://schemas.microsoft.com/office/drawing/2014/main" id="{CC77FAC8-C766-3626-01E3-C38435F6A774}"/>
-                </a:ext>
-              </a:extLst>
-            </p:cNvPr>
-            <p:cNvSpPr/>
-            <p:nvPr/>
-          </p:nvSpPr>
-          <p:spPr>
-            <a:xfrm>
-              <a:off x="10216711" y="4835236"/>
-              <a:ext cx="1800000" cy="1800000"/>
-            </a:xfrm>
-            <a:prstGeom prst="ellipse">
-              <a:avLst/>
-            </a:prstGeom>
-            <a:solidFill>
-              <a:srgbClr val="00547F"/>
-            </a:solidFill>
-            <a:ln>
-              <a:noFill/>
-            </a:ln>
-          </p:spPr>
-          <p:style>
-            <a:lnRef idx="2">
-              <a:schemeClr val="accent1">
-                <a:shade val="50000"/>
-              </a:schemeClr>
-            </a:lnRef>
-            <a:fillRef idx="1">
-              <a:schemeClr val="accent1"/>
-            </a:fillRef>
-            <a:effectRef idx="0">
-              <a:schemeClr val="accent1"/>
-            </a:effectRef>
-            <a:fontRef idx="minor">
-              <a:schemeClr val="lt1"/>
-            </a:fontRef>
-          </p:style>
-          <p:txBody>
-            <a:bodyPr rtlCol="0" anchor="ctr"/>
-            <a:lstStyle/>
-            <a:p>
-              <a:pPr algn="ctr"/>
-              <a:endParaRPr lang="fr-FR"/>
-            </a:p>
-          </p:txBody>
-        </p:sp>
-        <p:pic>
-          <p:nvPicPr>
-            <p:cNvPr id="132" name="Image 131">
-              <a:extLst>
-                <a:ext uri="{FF2B5EF4-FFF2-40B4-BE49-F238E27FC236}">
-                  <a16:creationId xmlns:a16="http://schemas.microsoft.com/office/drawing/2014/main" id="{C68D4194-6743-0F93-7BC1-19FE31DF87E1}"/>
-                </a:ext>
-              </a:extLst>
-            </p:cNvPr>
-            <p:cNvPicPr>
-              <a:picLocks noChangeAspect="1"/>
-            </p:cNvPicPr>
-            <p:nvPr/>
-          </p:nvPicPr>
-          <p:blipFill>
-            <a:blip r:embed="rId19"/>
-            <a:stretch>
-              <a:fillRect/>
-            </a:stretch>
-          </p:blipFill>
-          <p:spPr>
-            <a:xfrm flipH="1">
-              <a:off x="10382764" y="5000716"/>
-              <a:ext cx="1467894" cy="1467894"/>
-            </a:xfrm>
-            <a:prstGeom prst="rect">
-              <a:avLst/>
-            </a:prstGeom>
-          </p:spPr>
-        </p:pic>
-      </p:grpSp>
-      <p:grpSp>
-        <p:nvGrpSpPr>
-          <p:cNvPr id="133" name="Groupe 132">
-            <a:extLst>
-              <a:ext uri="{FF2B5EF4-FFF2-40B4-BE49-F238E27FC236}">
-                <a16:creationId xmlns:a16="http://schemas.microsoft.com/office/drawing/2014/main" id="{67289F2D-1F2E-652F-9323-598374868352}"/>
-              </a:ext>
-            </a:extLst>
-          </p:cNvPr>
-          <p:cNvGrpSpPr/>
-          <p:nvPr/>
-        </p:nvGrpSpPr>
-        <p:grpSpPr>
-          <a:xfrm>
-            <a:off x="10517733" y="3325677"/>
-            <a:ext cx="360000" cy="360000"/>
-            <a:chOff x="7467428" y="2677562"/>
-            <a:chExt cx="1800000" cy="1800000"/>
-          </a:xfrm>
-        </p:grpSpPr>
-        <p:sp>
-          <p:nvSpPr>
-            <p:cNvPr id="134" name="Ellipse 133">
-              <a:extLst>
-                <a:ext uri="{FF2B5EF4-FFF2-40B4-BE49-F238E27FC236}">
-                  <a16:creationId xmlns:a16="http://schemas.microsoft.com/office/drawing/2014/main" id="{48F9EECD-5AA4-0E2C-A765-5051CEA0D745}"/>
-                </a:ext>
-              </a:extLst>
-            </p:cNvPr>
-            <p:cNvSpPr/>
-            <p:nvPr/>
-          </p:nvSpPr>
-          <p:spPr>
-            <a:xfrm>
-              <a:off x="7467428" y="2677562"/>
-              <a:ext cx="1800000" cy="1800000"/>
-            </a:xfrm>
-            <a:prstGeom prst="ellipse">
-              <a:avLst/>
-            </a:prstGeom>
-            <a:solidFill>
-              <a:srgbClr val="00517A"/>
-            </a:solidFill>
-            <a:ln>
-              <a:noFill/>
-            </a:ln>
-          </p:spPr>
-          <p:style>
-            <a:lnRef idx="2">
-              <a:schemeClr val="accent1">
-                <a:shade val="50000"/>
-              </a:schemeClr>
-            </a:lnRef>
-            <a:fillRef idx="1">
-              <a:schemeClr val="accent1"/>
-            </a:fillRef>
-            <a:effectRef idx="0">
-              <a:schemeClr val="accent1"/>
-            </a:effectRef>
-            <a:fontRef idx="minor">
-              <a:schemeClr val="lt1"/>
-            </a:fontRef>
-          </p:style>
-          <p:txBody>
-            <a:bodyPr rtlCol="0" anchor="ctr"/>
-            <a:lstStyle/>
-            <a:p>
-              <a:pPr algn="ctr"/>
-              <a:endParaRPr lang="fr-FR" dirty="0"/>
-            </a:p>
-          </p:txBody>
-        </p:sp>
-        <p:pic>
-          <p:nvPicPr>
-            <p:cNvPr id="135" name="Image 134">
-              <a:extLst>
-                <a:ext uri="{FF2B5EF4-FFF2-40B4-BE49-F238E27FC236}">
-                  <a16:creationId xmlns:a16="http://schemas.microsoft.com/office/drawing/2014/main" id="{B2735AE2-03E5-0CB9-0BB7-7340D8EFC2A1}"/>
-                </a:ext>
-              </a:extLst>
-            </p:cNvPr>
-            <p:cNvPicPr>
-              <a:picLocks noChangeAspect="1"/>
-            </p:cNvPicPr>
-            <p:nvPr/>
-          </p:nvPicPr>
-          <p:blipFill>
-            <a:blip r:embed="rId20"/>
-            <a:stretch>
-              <a:fillRect/>
-            </a:stretch>
-          </p:blipFill>
-          <p:spPr>
-            <a:xfrm>
-              <a:off x="7567027" y="2784504"/>
-              <a:ext cx="1592444" cy="1592444"/>
-            </a:xfrm>
-            <a:prstGeom prst="rect">
-              <a:avLst/>
-            </a:prstGeom>
-          </p:spPr>
-        </p:pic>
-      </p:grpSp>
-      <p:cxnSp>
-        <p:nvCxnSpPr>
-          <p:cNvPr id="3" name="Connecteur : en angle 2">
-            <a:extLst>
-              <a:ext uri="{FF2B5EF4-FFF2-40B4-BE49-F238E27FC236}">
-                <a16:creationId xmlns:a16="http://schemas.microsoft.com/office/drawing/2014/main" id="{AA27AC90-662E-BAC2-579B-0C9FBD7535F9}"/>
-              </a:ext>
-            </a:extLst>
-          </p:cNvPr>
-          <p:cNvCxnSpPr>
-            <a:cxnSpLocks/>
-            <a:stCxn id="17" idx="2"/>
-          </p:cNvCxnSpPr>
-          <p:nvPr/>
-        </p:nvCxnSpPr>
-        <p:spPr>
-          <a:xfrm rot="5400000" flipH="1">
-            <a:off x="2186113" y="620484"/>
-            <a:ext cx="2793998" cy="5052414"/>
-          </a:xfrm>
-          <a:prstGeom prst="bentConnector4">
-            <a:avLst>
-              <a:gd name="adj1" fmla="val -8182"/>
-              <a:gd name="adj2" fmla="val 113766"/>
-            </a:avLst>
-          </a:prstGeom>
-          <a:ln w="25400" cap="rnd">
-            <a:solidFill>
-              <a:srgbClr val="004F77"/>
-            </a:solidFill>
-            <a:tailEnd type="triangle" w="med" len="lg"/>
-          </a:ln>
-        </p:spPr>
-        <p:style>
-          <a:lnRef idx="1">
-            <a:schemeClr val="accent1"/>
-          </a:lnRef>
-          <a:fillRef idx="0">
-            <a:schemeClr val="accent1"/>
-          </a:fillRef>
-          <a:effectRef idx="0">
-            <a:schemeClr val="accent1"/>
-          </a:effectRef>
-          <a:fontRef idx="minor">
-            <a:schemeClr val="tx1"/>
-          </a:fontRef>
-        </p:style>
-      </p:cxnSp>
-      <p:cxnSp>
-        <p:nvCxnSpPr>
-          <p:cNvPr id="37" name="Connecteur : en angle 36">
-            <a:extLst>
-              <a:ext uri="{FF2B5EF4-FFF2-40B4-BE49-F238E27FC236}">
-                <a16:creationId xmlns:a16="http://schemas.microsoft.com/office/drawing/2014/main" id="{ACA503E6-976B-D586-F3E7-2F63C859C483}"/>
-              </a:ext>
-            </a:extLst>
-          </p:cNvPr>
-          <p:cNvCxnSpPr>
-            <a:cxnSpLocks/>
-            <a:stCxn id="107" idx="2"/>
-            <a:endCxn id="94" idx="2"/>
-          </p:cNvCxnSpPr>
-          <p:nvPr/>
-        </p:nvCxnSpPr>
-        <p:spPr>
-          <a:xfrm rot="5400000" flipH="1">
-            <a:off x="2642128" y="-358065"/>
-            <a:ext cx="3078388" cy="6864676"/>
-          </a:xfrm>
-          <a:prstGeom prst="bentConnector4">
-            <a:avLst>
-              <a:gd name="adj1" fmla="val -7426"/>
-              <a:gd name="adj2" fmla="val 107030"/>
-            </a:avLst>
-          </a:prstGeom>
-          <a:ln w="25400" cap="rnd">
-            <a:solidFill>
-              <a:srgbClr val="004F77"/>
-            </a:solidFill>
-            <a:tailEnd type="triangle" w="med" len="lg"/>
-          </a:ln>
-        </p:spPr>
-        <p:style>
-          <a:lnRef idx="1">
-            <a:schemeClr val="accent1"/>
-          </a:lnRef>
-          <a:fillRef idx="0">
-            <a:schemeClr val="accent1"/>
-          </a:fillRef>
-          <a:effectRef idx="0">
-            <a:schemeClr val="accent1"/>
-          </a:effectRef>
-          <a:fontRef idx="minor">
-            <a:schemeClr val="tx1"/>
-          </a:fontRef>
-        </p:style>
-      </p:cxnSp>
-      <p:cxnSp>
-        <p:nvCxnSpPr>
-          <p:cNvPr id="70" name="Connecteur : en angle 69">
-            <a:extLst>
-              <a:ext uri="{FF2B5EF4-FFF2-40B4-BE49-F238E27FC236}">
-                <a16:creationId xmlns:a16="http://schemas.microsoft.com/office/drawing/2014/main" id="{CC4F027C-53EF-44D4-17E7-77E8D55FFCF3}"/>
-              </a:ext>
-            </a:extLst>
-          </p:cNvPr>
-          <p:cNvCxnSpPr>
-            <a:cxnSpLocks/>
-            <a:stCxn id="131" idx="0"/>
-            <a:endCxn id="123" idx="0"/>
-          </p:cNvCxnSpPr>
-          <p:nvPr/>
-        </p:nvCxnSpPr>
-        <p:spPr>
-          <a:xfrm rot="16200000" flipV="1">
-            <a:off x="4738565" y="-2235387"/>
-            <a:ext cx="2309074" cy="8797669"/>
-          </a:xfrm>
-          <a:prstGeom prst="bentConnector3">
-            <a:avLst>
-              <a:gd name="adj1" fmla="val 106967"/>
-            </a:avLst>
-          </a:prstGeom>
-          <a:ln w="25400" cap="rnd">
-            <a:solidFill>
-              <a:srgbClr val="004F77"/>
-            </a:solidFill>
-            <a:tailEnd type="triangle" w="med" len="lg"/>
-          </a:ln>
-        </p:spPr>
-        <p:style>
-          <a:lnRef idx="1">
-            <a:schemeClr val="accent1"/>
-          </a:lnRef>
-          <a:fillRef idx="0">
-            <a:schemeClr val="accent1"/>
-          </a:fillRef>
-          <a:effectRef idx="0">
-            <a:schemeClr val="accent1"/>
-          </a:effectRef>
-          <a:fontRef idx="minor">
-            <a:schemeClr val="tx1"/>
-          </a:fontRef>
-        </p:style>
-      </p:cxnSp>
-      <p:cxnSp>
-        <p:nvCxnSpPr>
-          <p:cNvPr id="86" name="Connecteur : en angle 85">
-            <a:extLst>
-              <a:ext uri="{FF2B5EF4-FFF2-40B4-BE49-F238E27FC236}">
-                <a16:creationId xmlns:a16="http://schemas.microsoft.com/office/drawing/2014/main" id="{FF62F8F4-26D5-C1C0-F968-0D9C8E6202CE}"/>
-              </a:ext>
-            </a:extLst>
-          </p:cNvPr>
-          <p:cNvCxnSpPr>
-            <a:cxnSpLocks/>
-            <a:endCxn id="126" idx="0"/>
-          </p:cNvCxnSpPr>
-          <p:nvPr/>
-        </p:nvCxnSpPr>
-        <p:spPr>
-          <a:xfrm rot="10800000">
-            <a:off x="1113513" y="1004117"/>
-            <a:ext cx="9583391" cy="2312528"/>
-          </a:xfrm>
-          <a:prstGeom prst="bentConnector4">
-            <a:avLst>
-              <a:gd name="adj1" fmla="val -129"/>
-              <a:gd name="adj2" fmla="val 109885"/>
-            </a:avLst>
-          </a:prstGeom>
-          <a:ln w="25400" cap="rnd">
-            <a:solidFill>
-              <a:srgbClr val="004F77"/>
-            </a:solidFill>
-            <a:tailEnd type="triangle" w="med" len="lg"/>
-          </a:ln>
-        </p:spPr>
-        <p:style>
-          <a:lnRef idx="1">
-            <a:schemeClr val="accent1"/>
-          </a:lnRef>
-          <a:fillRef idx="0">
-            <a:schemeClr val="accent1"/>
-          </a:fillRef>
-          <a:effectRef idx="0">
-            <a:schemeClr val="accent1"/>
-          </a:effectRef>
-          <a:fontRef idx="minor">
-            <a:schemeClr val="tx1"/>
-          </a:fontRef>
-        </p:style>
-      </p:cxnSp>
-      <p:pic>
-        <p:nvPicPr>
-          <p:cNvPr id="97" name="Image 96">
-            <a:extLst>
-              <a:ext uri="{FF2B5EF4-FFF2-40B4-BE49-F238E27FC236}">
-                <a16:creationId xmlns:a16="http://schemas.microsoft.com/office/drawing/2014/main" id="{8DF50777-D213-0DD6-8E57-5C0488497C2F}"/>
-              </a:ext>
-            </a:extLst>
-          </p:cNvPr>
-          <p:cNvPicPr>
-            <a:picLocks noChangeAspect="1"/>
-          </p:cNvPicPr>
-          <p:nvPr/>
-        </p:nvPicPr>
-        <p:blipFill>
-          <a:blip r:embed="rId4"/>
-          <a:stretch>
-            <a:fillRect/>
-          </a:stretch>
-        </p:blipFill>
-        <p:spPr>
-          <a:xfrm rot="5400000">
-            <a:off x="10051477" y="2188574"/>
-            <a:ext cx="288000" cy="100660"/>
-          </a:xfrm>
-          <a:prstGeom prst="rect">
-            <a:avLst/>
-          </a:prstGeom>
-        </p:spPr>
-      </p:pic>
-      <p:pic>
-        <p:nvPicPr>
-          <p:cNvPr id="98" name="Image 97">
-            <a:extLst>
-              <a:ext uri="{FF2B5EF4-FFF2-40B4-BE49-F238E27FC236}">
-                <a16:creationId xmlns:a16="http://schemas.microsoft.com/office/drawing/2014/main" id="{24FD3C5D-FF5E-2EAC-8A1E-ABB221A8714D}"/>
-              </a:ext>
-            </a:extLst>
-          </p:cNvPr>
-          <p:cNvPicPr>
-            <a:picLocks noChangeAspect="1"/>
-          </p:cNvPicPr>
-          <p:nvPr/>
-        </p:nvPicPr>
-        <p:blipFill>
-          <a:blip r:embed="rId4"/>
-          <a:stretch>
-            <a:fillRect/>
-          </a:stretch>
-        </p:blipFill>
-        <p:spPr>
-          <a:xfrm rot="5400000">
-            <a:off x="10502500" y="2188574"/>
-            <a:ext cx="288000" cy="100660"/>
-          </a:xfrm>
-          <a:prstGeom prst="rect">
-            <a:avLst/>
-          </a:prstGeom>
-        </p:spPr>
-      </p:pic>
-      <p:pic>
-        <p:nvPicPr>
-          <p:cNvPr id="108" name="Image 107"/>
-          <p:cNvPicPr/>
-          <p:nvPr/>
-        </p:nvPicPr>
-        <p:blipFill>
-          <a:blip r:embed="rId22"/>
-          <a:stretch>
-            <a:fillRect/>
-          </a:stretch>
-        </p:blipFill>
-        <p:spPr>
-          <a:xfrm>
-            <a:off x="10763033" y="126588"/>
-            <a:ext cx="1231114" cy="2279542"/>
+            <a:off x="7722652" y="1245870"/>
+            <a:ext cx="987007" cy="1827550"/>
           </a:xfrm>
           <a:prstGeom prst="rect">
             <a:avLst/>
@@ -17835,11 +13260,7 @@
           <a:p>
             <a:r>
               <a:rPr lang="fr-FR" dirty="0"/>
-              <a:t>I3D – Chaine </a:t>
-            </a:r>
-            <a:r>
-              <a:rPr lang="fr-FR" dirty="0"/>
-              <a:t>fonctionnelle de la tête chauffante</a:t>
+              <a:t>I3D – Chaine fonctionnelle de la tête chauffante</a:t>
             </a:r>
           </a:p>
         </p:txBody>
@@ -21515,11 +16936,7 @@
           <a:p>
             <a:r>
               <a:rPr lang="fr-FR" dirty="0"/>
-              <a:t>BGR – Axe </a:t>
-            </a:r>
-            <a:r>
-              <a:rPr lang="fr-FR" dirty="0"/>
-              <a:t>optique</a:t>
+              <a:t>BGR – Axe optique</a:t>
             </a:r>
           </a:p>
         </p:txBody>
@@ -22058,22 +17475,13 @@
           <a:p>
             <a:pPr algn="ctr"/>
             <a:r>
-              <a:rPr lang="fr-FR" sz="1200" dirty="0" smtClean="0">
-                <a:solidFill>
-                  <a:srgbClr val="FDAD57"/>
-                </a:solidFill>
-                <a:latin typeface="Arial Nova" panose="020B0504020202020204" pitchFamily="34" charset="0"/>
-              </a:rPr>
-              <a:t>Transformateur Alimentation </a:t>
-            </a:r>
-            <a:r>
               <a:rPr lang="fr-FR" sz="1200" dirty="0">
                 <a:solidFill>
                   <a:srgbClr val="FDAD57"/>
                 </a:solidFill>
                 <a:latin typeface="Arial Nova" panose="020B0504020202020204" pitchFamily="34" charset="0"/>
               </a:rPr>
-              <a:t>24 V</a:t>
+              <a:t>Transformateur Alimentation 24 V</a:t>
             </a:r>
           </a:p>
         </p:txBody>
@@ -24800,8 +20208,8 @@
           </a:prstGeom>
         </p:spPr>
       </p:pic>
-      <mc:AlternateContent xmlns:mc="http://schemas.openxmlformats.org/markup-compatibility/2006">
-        <mc:Choice xmlns:a14="http://schemas.microsoft.com/office/drawing/2010/main" Requires="a14">
+      <mc:AlternateContent xmlns:mc="http://schemas.openxmlformats.org/markup-compatibility/2006" xmlns:a14="http://schemas.microsoft.com/office/drawing/2010/main">
+        <mc:Choice Requires="a14">
           <p:sp>
             <p:nvSpPr>
               <p:cNvPr id="91" name="ZoneTexte 90"/>
@@ -24824,6 +20232,7 @@
               </a:bodyPr>
               <a:lstStyle/>
               <a:p>
+                <a:pPr/>
                 <a14:m>
                   <m:oMathPara xmlns:m="http://schemas.openxmlformats.org/officeDocument/2006/math">
                     <m:oMathParaPr>
@@ -24880,7 +20289,7 @@
             </p:txBody>
           </p:sp>
         </mc:Choice>
-        <mc:Fallback>
+        <mc:Fallback xmlns="">
           <p:sp>
             <p:nvSpPr>
               <p:cNvPr id="91" name="ZoneTexte 90"/>
@@ -24919,8 +20328,8 @@
           </p:sp>
         </mc:Fallback>
       </mc:AlternateContent>
-      <mc:AlternateContent xmlns:mc="http://schemas.openxmlformats.org/markup-compatibility/2006">
-        <mc:Choice xmlns:a14="http://schemas.microsoft.com/office/drawing/2010/main" Requires="a14">
+      <mc:AlternateContent xmlns:mc="http://schemas.openxmlformats.org/markup-compatibility/2006" xmlns:a14="http://schemas.microsoft.com/office/drawing/2010/main">
+        <mc:Choice Requires="a14">
           <p:sp>
             <p:nvSpPr>
               <p:cNvPr id="92" name="ZoneTexte 91"/>
@@ -24943,6 +20352,7 @@
               </a:bodyPr>
               <a:lstStyle/>
               <a:p>
+                <a:pPr/>
                 <a14:m>
                   <m:oMathPara xmlns:m="http://schemas.openxmlformats.org/officeDocument/2006/math">
                     <m:oMathParaPr>
@@ -24999,7 +20409,7 @@
             </p:txBody>
           </p:sp>
         </mc:Choice>
-        <mc:Fallback>
+        <mc:Fallback xmlns="">
           <p:sp>
             <p:nvSpPr>
               <p:cNvPr id="92" name="ZoneTexte 91"/>
@@ -25038,8 +20448,8 @@
           </p:sp>
         </mc:Fallback>
       </mc:AlternateContent>
-      <mc:AlternateContent xmlns:mc="http://schemas.openxmlformats.org/markup-compatibility/2006">
-        <mc:Choice xmlns:a14="http://schemas.microsoft.com/office/drawing/2010/main" Requires="a14">
+      <mc:AlternateContent xmlns:mc="http://schemas.openxmlformats.org/markup-compatibility/2006" xmlns:a14="http://schemas.microsoft.com/office/drawing/2010/main">
+        <mc:Choice Requires="a14">
           <p:sp>
             <p:nvSpPr>
               <p:cNvPr id="93" name="ZoneTexte 92"/>
@@ -25062,6 +20472,7 @@
               </a:bodyPr>
               <a:lstStyle/>
               <a:p>
+                <a:pPr/>
                 <a14:m>
                   <m:oMathPara xmlns:m="http://schemas.openxmlformats.org/officeDocument/2006/math">
                     <m:oMathParaPr>
@@ -25165,14 +20576,14 @@
                     </m:oMath>
                   </m:oMathPara>
                 </a14:m>
-                <a:endParaRPr lang="fr-FR" sz="1050" b="0" dirty="0" smtClean="0">
+                <a:endParaRPr lang="fr-FR" sz="1050" b="0" dirty="0">
                   <a:ea typeface="Cambria Math" panose="02040503050406030204" pitchFamily="18" charset="0"/>
                 </a:endParaRPr>
               </a:p>
             </p:txBody>
           </p:sp>
         </mc:Choice>
-        <mc:Fallback>
+        <mc:Fallback xmlns="">
           <p:sp>
             <p:nvSpPr>
               <p:cNvPr id="93" name="ZoneTexte 92"/>
@@ -25211,8 +20622,8 @@
           </p:sp>
         </mc:Fallback>
       </mc:AlternateContent>
-      <mc:AlternateContent xmlns:mc="http://schemas.openxmlformats.org/markup-compatibility/2006">
-        <mc:Choice xmlns:a14="http://schemas.microsoft.com/office/drawing/2010/main" Requires="a14">
+      <mc:AlternateContent xmlns:mc="http://schemas.openxmlformats.org/markup-compatibility/2006" xmlns:a14="http://schemas.microsoft.com/office/drawing/2010/main">
+        <mc:Choice Requires="a14">
           <p:sp>
             <p:nvSpPr>
               <p:cNvPr id="94" name="ZoneTexte 93"/>
@@ -25235,6 +20646,7 @@
               </a:bodyPr>
               <a:lstStyle/>
               <a:p>
+                <a:pPr/>
                 <a14:m>
                   <m:oMathPara xmlns:m="http://schemas.openxmlformats.org/officeDocument/2006/math">
                     <m:oMathParaPr>
@@ -25338,14 +20750,14 @@
                     </m:oMath>
                   </m:oMathPara>
                 </a14:m>
-                <a:endParaRPr lang="fr-FR" sz="1050" b="0" dirty="0" smtClean="0">
+                <a:endParaRPr lang="fr-FR" sz="1050" b="0" dirty="0">
                   <a:ea typeface="Cambria Math" panose="02040503050406030204" pitchFamily="18" charset="0"/>
                 </a:endParaRPr>
               </a:p>
             </p:txBody>
           </p:sp>
         </mc:Choice>
-        <mc:Fallback>
+        <mc:Fallback xmlns="">
           <p:sp>
             <p:nvSpPr>
               <p:cNvPr id="94" name="ZoneTexte 93"/>
@@ -25481,10 +20893,9 @@
           <a:lstStyle/>
           <a:p>
             <a:r>
-              <a:rPr lang="fr-FR" sz="1050" dirty="0" smtClean="0"/>
+              <a:rPr lang="fr-FR" sz="1050" dirty="0"/>
               <a:t>Prise secteur</a:t>
             </a:r>
-            <a:endParaRPr lang="fr-FR" sz="1050" dirty="0"/>
           </a:p>
         </p:txBody>
       </p:sp>
@@ -25562,12 +20973,8 @@
           <a:lstStyle/>
           <a:p>
             <a:r>
-              <a:rPr lang="fr-FR" dirty="0" smtClean="0"/>
-              <a:t>Bras Beta – Axe </a:t>
-            </a:r>
-            <a:r>
               <a:rPr lang="fr-FR" dirty="0"/>
-              <a:t>de Rotation</a:t>
+              <a:t>Bras Beta – Axe de Rotation</a:t>
             </a:r>
           </a:p>
         </p:txBody>
@@ -26144,12 +21551,6 @@
               </a:rPr>
               <a:t>Transformateur Alimentation xx V</a:t>
             </a:r>
-            <a:endParaRPr lang="fr-FR" sz="1200" dirty="0">
-              <a:solidFill>
-                <a:srgbClr val="FDAD57"/>
-              </a:solidFill>
-              <a:latin typeface="Arial Nova" panose="020B0504020202020204" pitchFamily="34" charset="0"/>
-            </a:endParaRPr>
           </a:p>
         </p:txBody>
       </p:sp>
@@ -29100,10 +24501,9 @@
           <a:lstStyle/>
           <a:p>
             <a:r>
-              <a:rPr lang="fr-FR" sz="1050" dirty="0" smtClean="0"/>
+              <a:rPr lang="fr-FR" sz="1050" dirty="0"/>
               <a:t>Prise secteur</a:t>
             </a:r>
-            <a:endParaRPr lang="fr-FR" sz="1050" dirty="0"/>
           </a:p>
         </p:txBody>
       </p:sp>
@@ -29193,11 +24593,7 @@
           <a:p>
             <a:r>
               <a:rPr lang="fr-FR" dirty="0"/>
-              <a:t>Bras Beta – Axe </a:t>
-            </a:r>
-            <a:r>
-              <a:rPr lang="fr-FR" dirty="0"/>
-              <a:t>de translation</a:t>
+              <a:t>Bras Beta – Axe de translation</a:t>
             </a:r>
           </a:p>
         </p:txBody>
@@ -29766,22 +25162,13 @@
           <a:p>
             <a:pPr algn="ctr"/>
             <a:r>
-              <a:rPr lang="fr-FR" sz="1200" dirty="0" smtClean="0">
-                <a:solidFill>
-                  <a:srgbClr val="FDAD57"/>
-                </a:solidFill>
-                <a:latin typeface="Arial Nova" panose="020B0504020202020204" pitchFamily="34" charset="0"/>
-              </a:rPr>
-              <a:t>Transformateur Alimentation xx </a:t>
-            </a:r>
-            <a:r>
               <a:rPr lang="fr-FR" sz="1200" dirty="0">
                 <a:solidFill>
                   <a:srgbClr val="FDAD57"/>
                 </a:solidFill>
                 <a:latin typeface="Arial Nova" panose="020B0504020202020204" pitchFamily="34" charset="0"/>
               </a:rPr>
-              <a:t>V</a:t>
+              <a:t>Transformateur Alimentation xx V</a:t>
             </a:r>
           </a:p>
         </p:txBody>
@@ -32930,10 +28317,9 @@
           <a:lstStyle/>
           <a:p>
             <a:r>
-              <a:rPr lang="fr-FR" dirty="0" smtClean="0"/>
+              <a:rPr lang="fr-FR" dirty="0"/>
               <a:t>Cheville NAO</a:t>
             </a:r>
-            <a:endParaRPr lang="fr-FR" dirty="0"/>
           </a:p>
         </p:txBody>
       </p:sp>
@@ -36496,7 +31882,7 @@
           <a:lstStyle/>
           <a:p>
             <a:r>
-              <a:rPr lang="fr-FR" dirty="0" err="1" smtClean="0"/>
+              <a:rPr lang="fr-FR" dirty="0" err="1"/>
               <a:t>Comax</a:t>
             </a:r>
             <a:endParaRPr lang="fr-FR" dirty="0"/>
@@ -41223,28 +36609,23 @@
           <a:p>
             <a:r>
               <a:rPr lang="fr-FR" sz="3200" dirty="0"/>
-              <a:t>Chaine fonctionnelle du </a:t>
-            </a:r>
-            <a:r>
-              <a:rPr lang="fr-FR" sz="3200" dirty="0" smtClean="0"/>
-              <a:t>MaxPID</a:t>
+              <a:t>Chaine fonctionnelle du MaxPID</a:t>
             </a:r>
             <a:br>
-              <a:rPr lang="fr-FR" sz="3200" dirty="0" smtClean="0"/>
+              <a:rPr lang="fr-FR" sz="3200" dirty="0"/>
             </a:br>
             <a:r>
-              <a:rPr lang="fr-FR" sz="3200" dirty="0" smtClean="0"/>
+              <a:rPr lang="fr-FR" sz="3200" dirty="0"/>
               <a:t>Attention, Différent du </a:t>
             </a:r>
             <a:r>
-              <a:rPr lang="fr-FR" sz="3200" dirty="0" err="1" smtClean="0"/>
+              <a:rPr lang="fr-FR" sz="3200" dirty="0" err="1"/>
               <a:t>Maxid</a:t>
             </a:r>
             <a:r>
-              <a:rPr lang="fr-FR" sz="3200" dirty="0" smtClean="0"/>
+              <a:rPr lang="fr-FR" sz="3200" dirty="0"/>
               <a:t>-E</a:t>
             </a:r>
-            <a:endParaRPr lang="fr-FR" sz="3200" dirty="0"/>
           </a:p>
         </p:txBody>
       </p:sp>
@@ -44079,27 +39460,17 @@
               </a:rPr>
               <a:t>Le codeur est indispensable pour réaliser l’asservissement en position du moteur. </a:t>
             </a:r>
-            <a:endParaRPr lang="fr-FR" sz="1400" dirty="0" smtClean="0">
-              <a:solidFill>
-                <a:srgbClr val="00547F"/>
-              </a:solidFill>
-            </a:endParaRPr>
           </a:p>
           <a:p>
             <a:pPr marL="449263" algn="just"/>
             <a:r>
-              <a:rPr lang="fr-FR" sz="1400" dirty="0" smtClean="0">
+              <a:rPr lang="fr-FR" sz="1400" dirty="0">
                 <a:solidFill>
                   <a:srgbClr val="00547F"/>
                 </a:solidFill>
               </a:rPr>
               <a:t>Il n’y a pas forcément de réducteur ou de codeur sur un MCC</a:t>
             </a:r>
-            <a:endParaRPr lang="fr-FR" sz="1400" dirty="0">
-              <a:solidFill>
-                <a:srgbClr val="00547F"/>
-              </a:solidFill>
-            </a:endParaRPr>
           </a:p>
         </p:txBody>
       </p:sp>

--- a/ChainesPuissance.pptx
+++ b/ChainesPuissance.pptx
@@ -22,7 +22,7 @@
     <p:sldId id="271" r:id="rId13"/>
   </p:sldIdLst>
   <p:sldSz cx="12192000" cy="6858000"/>
-  <p:notesSz cx="6858000" cy="9144000"/>
+  <p:notesSz cx="7315200" cy="9601200"/>
   <p:defaultTextStyle>
     <a:defPPr>
       <a:defRPr lang="en-US"/>
@@ -175,17 +175,17 @@
         <p:spPr>
           <a:xfrm>
             <a:off x="0" y="0"/>
-            <a:ext cx="2971800" cy="458788"/>
+            <a:ext cx="3169920" cy="481727"/>
           </a:xfrm>
           <a:prstGeom prst="rect">
             <a:avLst/>
           </a:prstGeom>
         </p:spPr>
         <p:txBody>
-          <a:bodyPr vert="horz" lIns="91440" tIns="45720" rIns="91440" bIns="45720" rtlCol="0"/>
+          <a:bodyPr vert="horz" lIns="96661" tIns="48331" rIns="96661" bIns="48331" rtlCol="0"/>
           <a:lstStyle>
             <a:lvl1pPr algn="l">
-              <a:defRPr sz="1200"/>
+              <a:defRPr sz="1300"/>
             </a:lvl1pPr>
           </a:lstStyle>
           <a:p>
@@ -205,18 +205,18 @@
         </p:nvSpPr>
         <p:spPr>
           <a:xfrm>
-            <a:off x="3884613" y="0"/>
-            <a:ext cx="2971800" cy="458788"/>
+            <a:off x="4143587" y="0"/>
+            <a:ext cx="3169920" cy="481727"/>
           </a:xfrm>
           <a:prstGeom prst="rect">
             <a:avLst/>
           </a:prstGeom>
         </p:spPr>
         <p:txBody>
-          <a:bodyPr vert="horz" lIns="91440" tIns="45720" rIns="91440" bIns="45720" rtlCol="0"/>
+          <a:bodyPr vert="horz" lIns="96661" tIns="48331" rIns="96661" bIns="48331" rtlCol="0"/>
           <a:lstStyle>
             <a:lvl1pPr algn="r">
-              <a:defRPr sz="1200"/>
+              <a:defRPr sz="1300"/>
             </a:lvl1pPr>
           </a:lstStyle>
           <a:p>
@@ -240,8 +240,8 @@
         </p:nvSpPr>
         <p:spPr>
           <a:xfrm>
-            <a:off x="685800" y="1143000"/>
-            <a:ext cx="5486400" cy="3086100"/>
+            <a:off x="777875" y="1200150"/>
+            <a:ext cx="5759450" cy="3240088"/>
           </a:xfrm>
           <a:prstGeom prst="rect">
             <a:avLst/>
@@ -254,7 +254,7 @@
           </a:ln>
         </p:spPr>
         <p:txBody>
-          <a:bodyPr vert="horz" lIns="91440" tIns="45720" rIns="91440" bIns="45720" rtlCol="0" anchor="ctr"/>
+          <a:bodyPr vert="horz" lIns="96661" tIns="48331" rIns="96661" bIns="48331" rtlCol="0" anchor="ctr"/>
           <a:lstStyle/>
           <a:p>
             <a:endParaRPr lang="fr-FR"/>
@@ -273,15 +273,15 @@
         </p:nvSpPr>
         <p:spPr>
           <a:xfrm>
-            <a:off x="685800" y="4400550"/>
-            <a:ext cx="5486400" cy="3600450"/>
+            <a:off x="731520" y="4620577"/>
+            <a:ext cx="5852160" cy="3780473"/>
           </a:xfrm>
           <a:prstGeom prst="rect">
             <a:avLst/>
           </a:prstGeom>
         </p:spPr>
         <p:txBody>
-          <a:bodyPr vert="horz" lIns="91440" tIns="45720" rIns="91440" bIns="45720" rtlCol="0"/>
+          <a:bodyPr vert="horz" lIns="96661" tIns="48331" rIns="96661" bIns="48331" rtlCol="0"/>
           <a:lstStyle/>
           <a:p>
             <a:pPr lvl="0"/>
@@ -332,18 +332,18 @@
         </p:nvSpPr>
         <p:spPr>
           <a:xfrm>
-            <a:off x="0" y="8685213"/>
-            <a:ext cx="2971800" cy="458787"/>
+            <a:off x="0" y="9119474"/>
+            <a:ext cx="3169920" cy="481726"/>
           </a:xfrm>
           <a:prstGeom prst="rect">
             <a:avLst/>
           </a:prstGeom>
         </p:spPr>
         <p:txBody>
-          <a:bodyPr vert="horz" lIns="91440" tIns="45720" rIns="91440" bIns="45720" rtlCol="0" anchor="b"/>
+          <a:bodyPr vert="horz" lIns="96661" tIns="48331" rIns="96661" bIns="48331" rtlCol="0" anchor="b"/>
           <a:lstStyle>
             <a:lvl1pPr algn="l">
-              <a:defRPr sz="1200"/>
+              <a:defRPr sz="1300"/>
             </a:lvl1pPr>
           </a:lstStyle>
           <a:p>
@@ -363,18 +363,18 @@
         </p:nvSpPr>
         <p:spPr>
           <a:xfrm>
-            <a:off x="3884613" y="8685213"/>
-            <a:ext cx="2971800" cy="458787"/>
+            <a:off x="4143587" y="9119474"/>
+            <a:ext cx="3169920" cy="481726"/>
           </a:xfrm>
           <a:prstGeom prst="rect">
             <a:avLst/>
           </a:prstGeom>
         </p:spPr>
         <p:txBody>
-          <a:bodyPr vert="horz" lIns="91440" tIns="45720" rIns="91440" bIns="45720" rtlCol="0" anchor="b"/>
+          <a:bodyPr vert="horz" lIns="96661" tIns="48331" rIns="96661" bIns="48331" rtlCol="0" anchor="b"/>
           <a:lstStyle>
             <a:lvl1pPr algn="r">
-              <a:defRPr sz="1200"/>
+              <a:defRPr sz="1300"/>
             </a:lvl1pPr>
           </a:lstStyle>
           <a:p>
@@ -489,12 +489,12 @@
   <p:extLst>
     <p:ext uri="{620B2872-D7B9-4A21-9093-7833F8D536E1}">
       <p15:sldGuideLst xmlns:p15="http://schemas.microsoft.com/office/powerpoint/2012/main">
-        <p15:guide id="1" orient="horz" pos="2880" userDrawn="1">
+        <p15:guide id="1" orient="horz" pos="3024" userDrawn="1">
           <p15:clr>
             <a:srgbClr val="F26B43"/>
           </p15:clr>
         </p15:guide>
-        <p15:guide id="2" pos="2160" userDrawn="1">
+        <p15:guide id="2" pos="2304" userDrawn="1">
           <p15:clr>
             <a:srgbClr val="F26B43"/>
           </p15:clr>
@@ -21008,3505 +21008,6 @@
           </a:p>
         </p:txBody>
       </p:sp>
-      <p:sp>
-        <p:nvSpPr>
-          <p:cNvPr id="7" name="Rectangle : coins arrondis 6">
-            <a:extLst>
-              <a:ext uri="{FF2B5EF4-FFF2-40B4-BE49-F238E27FC236}">
-                <a16:creationId xmlns:a16="http://schemas.microsoft.com/office/drawing/2014/main" id="{D795C968-BC3C-1567-576F-53C8D60C7C59}"/>
-              </a:ext>
-            </a:extLst>
-          </p:cNvPr>
-          <p:cNvSpPr/>
-          <p:nvPr/>
-        </p:nvSpPr>
-        <p:spPr>
-          <a:xfrm>
-            <a:off x="1056905" y="1444678"/>
-            <a:ext cx="1440000" cy="540000"/>
-          </a:xfrm>
-          <a:prstGeom prst="roundRect">
-            <a:avLst>
-              <a:gd name="adj" fmla="val 11914"/>
-            </a:avLst>
-          </a:prstGeom>
-          <a:noFill/>
-          <a:ln w="19050">
-            <a:solidFill>
-              <a:srgbClr val="004F77"/>
-            </a:solidFill>
-          </a:ln>
-        </p:spPr>
-        <p:style>
-          <a:lnRef idx="2">
-            <a:schemeClr val="accent1">
-              <a:shade val="50000"/>
-            </a:schemeClr>
-          </a:lnRef>
-          <a:fillRef idx="1">
-            <a:schemeClr val="accent1"/>
-          </a:fillRef>
-          <a:effectRef idx="0">
-            <a:schemeClr val="accent1"/>
-          </a:effectRef>
-          <a:fontRef idx="minor">
-            <a:schemeClr val="lt1"/>
-          </a:fontRef>
-        </p:style>
-        <p:txBody>
-          <a:bodyPr rtlCol="0" anchor="ctr"/>
-          <a:lstStyle/>
-          <a:p>
-            <a:pPr algn="ctr"/>
-            <a:r>
-              <a:rPr lang="fr-FR" sz="1400" dirty="0">
-                <a:solidFill>
-                  <a:srgbClr val="004F77"/>
-                </a:solidFill>
-                <a:latin typeface="Arial Nova" panose="020B0504020202020204" pitchFamily="34" charset="0"/>
-              </a:rPr>
-              <a:t>Acquérir</a:t>
-            </a:r>
-          </a:p>
-        </p:txBody>
-      </p:sp>
-      <p:sp>
-        <p:nvSpPr>
-          <p:cNvPr id="8" name="Rectangle : coins arrondis 7">
-            <a:extLst>
-              <a:ext uri="{FF2B5EF4-FFF2-40B4-BE49-F238E27FC236}">
-                <a16:creationId xmlns:a16="http://schemas.microsoft.com/office/drawing/2014/main" id="{918DF59A-E2E4-2A2C-37EB-73D1E5D62C34}"/>
-              </a:ext>
-            </a:extLst>
-          </p:cNvPr>
-          <p:cNvSpPr/>
-          <p:nvPr/>
-        </p:nvSpPr>
-        <p:spPr>
-          <a:xfrm>
-            <a:off x="1056905" y="2219824"/>
-            <a:ext cx="1440000" cy="720000"/>
-          </a:xfrm>
-          <a:prstGeom prst="roundRect">
-            <a:avLst>
-              <a:gd name="adj" fmla="val 11914"/>
-            </a:avLst>
-          </a:prstGeom>
-          <a:solidFill>
-            <a:srgbClr val="DFE3EB"/>
-          </a:solidFill>
-          <a:ln w="19050">
-            <a:solidFill>
-              <a:srgbClr val="DFE3EB"/>
-            </a:solidFill>
-          </a:ln>
-        </p:spPr>
-        <p:style>
-          <a:lnRef idx="2">
-            <a:schemeClr val="accent1">
-              <a:shade val="50000"/>
-            </a:schemeClr>
-          </a:lnRef>
-          <a:fillRef idx="1">
-            <a:schemeClr val="accent1"/>
-          </a:fillRef>
-          <a:effectRef idx="0">
-            <a:schemeClr val="accent1"/>
-          </a:effectRef>
-          <a:fontRef idx="minor">
-            <a:schemeClr val="lt1"/>
-          </a:fontRef>
-        </p:style>
-        <p:txBody>
-          <a:bodyPr rtlCol="0" anchor="ctr"/>
-          <a:lstStyle/>
-          <a:p>
-            <a:pPr algn="ctr"/>
-            <a:r>
-              <a:rPr lang="fr-FR" sz="1050" dirty="0">
-                <a:solidFill>
-                  <a:srgbClr val="004F77"/>
-                </a:solidFill>
-                <a:latin typeface="Arial Nova" panose="020B0504020202020204" pitchFamily="34" charset="0"/>
-              </a:rPr>
-              <a:t>Codeur incrémental</a:t>
-            </a:r>
-          </a:p>
-          <a:p>
-            <a:pPr algn="ctr"/>
-            <a:r>
-              <a:rPr lang="fr-FR" sz="1050" dirty="0">
-                <a:solidFill>
-                  <a:srgbClr val="004F77"/>
-                </a:solidFill>
-                <a:latin typeface="Arial Nova" panose="020B0504020202020204" pitchFamily="34" charset="0"/>
-              </a:rPr>
-              <a:t>Détecteur à contact</a:t>
-            </a:r>
-          </a:p>
-        </p:txBody>
-      </p:sp>
-      <p:sp>
-        <p:nvSpPr>
-          <p:cNvPr id="9" name="Rectangle : coins arrondis 8">
-            <a:extLst>
-              <a:ext uri="{FF2B5EF4-FFF2-40B4-BE49-F238E27FC236}">
-                <a16:creationId xmlns:a16="http://schemas.microsoft.com/office/drawing/2014/main" id="{3A21C11E-BCE9-7FD2-3DC9-AEBB72B36909}"/>
-              </a:ext>
-            </a:extLst>
-          </p:cNvPr>
-          <p:cNvSpPr/>
-          <p:nvPr/>
-        </p:nvSpPr>
-        <p:spPr>
-          <a:xfrm>
-            <a:off x="3229319" y="1443142"/>
-            <a:ext cx="1440000" cy="540000"/>
-          </a:xfrm>
-          <a:prstGeom prst="roundRect">
-            <a:avLst>
-              <a:gd name="adj" fmla="val 11914"/>
-            </a:avLst>
-          </a:prstGeom>
-          <a:noFill/>
-          <a:ln w="19050">
-            <a:solidFill>
-              <a:srgbClr val="004F77"/>
-            </a:solidFill>
-          </a:ln>
-        </p:spPr>
-        <p:style>
-          <a:lnRef idx="2">
-            <a:schemeClr val="accent1">
-              <a:shade val="50000"/>
-            </a:schemeClr>
-          </a:lnRef>
-          <a:fillRef idx="1">
-            <a:schemeClr val="accent1"/>
-          </a:fillRef>
-          <a:effectRef idx="0">
-            <a:schemeClr val="accent1"/>
-          </a:effectRef>
-          <a:fontRef idx="minor">
-            <a:schemeClr val="lt1"/>
-          </a:fontRef>
-        </p:style>
-        <p:txBody>
-          <a:bodyPr rtlCol="0" anchor="ctr"/>
-          <a:lstStyle/>
-          <a:p>
-            <a:pPr algn="ctr"/>
-            <a:r>
-              <a:rPr lang="fr-FR" sz="1400" dirty="0">
-                <a:solidFill>
-                  <a:srgbClr val="0C7391"/>
-                </a:solidFill>
-                <a:latin typeface="Arial Nova" panose="020B0504020202020204" pitchFamily="34" charset="0"/>
-              </a:rPr>
-              <a:t>Traiter</a:t>
-            </a:r>
-          </a:p>
-        </p:txBody>
-      </p:sp>
-      <p:sp>
-        <p:nvSpPr>
-          <p:cNvPr id="10" name="Rectangle : coins arrondis 9">
-            <a:extLst>
-              <a:ext uri="{FF2B5EF4-FFF2-40B4-BE49-F238E27FC236}">
-                <a16:creationId xmlns:a16="http://schemas.microsoft.com/office/drawing/2014/main" id="{9E563B7E-4153-DECA-AFFC-7C7EB26DF1B2}"/>
-              </a:ext>
-            </a:extLst>
-          </p:cNvPr>
-          <p:cNvSpPr/>
-          <p:nvPr/>
-        </p:nvSpPr>
-        <p:spPr>
-          <a:xfrm>
-            <a:off x="3218894" y="2236003"/>
-            <a:ext cx="1440000" cy="540000"/>
-          </a:xfrm>
-          <a:prstGeom prst="roundRect">
-            <a:avLst>
-              <a:gd name="adj" fmla="val 11914"/>
-            </a:avLst>
-          </a:prstGeom>
-          <a:solidFill>
-            <a:srgbClr val="E4EBF0"/>
-          </a:solidFill>
-          <a:ln w="19050">
-            <a:solidFill>
-              <a:srgbClr val="E4EBF0"/>
-            </a:solidFill>
-          </a:ln>
-        </p:spPr>
-        <p:style>
-          <a:lnRef idx="2">
-            <a:schemeClr val="accent1">
-              <a:shade val="50000"/>
-            </a:schemeClr>
-          </a:lnRef>
-          <a:fillRef idx="1">
-            <a:schemeClr val="accent1"/>
-          </a:fillRef>
-          <a:effectRef idx="0">
-            <a:schemeClr val="accent1"/>
-          </a:effectRef>
-          <a:fontRef idx="minor">
-            <a:schemeClr val="lt1"/>
-          </a:fontRef>
-        </p:style>
-        <p:txBody>
-          <a:bodyPr rtlCol="0" anchor="ctr"/>
-          <a:lstStyle/>
-          <a:p>
-            <a:pPr algn="ctr"/>
-            <a:r>
-              <a:rPr lang="fr-FR" sz="1200" dirty="0">
-                <a:solidFill>
-                  <a:srgbClr val="0C7391"/>
-                </a:solidFill>
-                <a:latin typeface="Arial Nova" panose="020B0504020202020204" pitchFamily="34" charset="0"/>
-              </a:rPr>
-              <a:t>Microcontrôleur </a:t>
-            </a:r>
-            <a:r>
-              <a:rPr lang="fr-FR" sz="1200" dirty="0" err="1">
-                <a:solidFill>
-                  <a:srgbClr val="0C7391"/>
-                </a:solidFill>
-                <a:latin typeface="Arial Nova" panose="020B0504020202020204" pitchFamily="34" charset="0"/>
-              </a:rPr>
-              <a:t>myRIO</a:t>
-            </a:r>
-            <a:endParaRPr lang="fr-FR" sz="1200" dirty="0">
-              <a:solidFill>
-                <a:srgbClr val="0C7391"/>
-              </a:solidFill>
-              <a:latin typeface="Arial Nova" panose="020B0504020202020204" pitchFamily="34" charset="0"/>
-            </a:endParaRPr>
-          </a:p>
-        </p:txBody>
-      </p:sp>
-      <p:sp>
-        <p:nvSpPr>
-          <p:cNvPr id="11" name="Rectangle : coins arrondis 10">
-            <a:extLst>
-              <a:ext uri="{FF2B5EF4-FFF2-40B4-BE49-F238E27FC236}">
-                <a16:creationId xmlns:a16="http://schemas.microsoft.com/office/drawing/2014/main" id="{6B1F36CD-C30E-4C5F-385C-9C8A21F267DC}"/>
-              </a:ext>
-            </a:extLst>
-          </p:cNvPr>
-          <p:cNvSpPr/>
-          <p:nvPr/>
-        </p:nvSpPr>
-        <p:spPr>
-          <a:xfrm>
-            <a:off x="5389319" y="1420801"/>
-            <a:ext cx="1440000" cy="576000"/>
-          </a:xfrm>
-          <a:prstGeom prst="roundRect">
-            <a:avLst>
-              <a:gd name="adj" fmla="val 11914"/>
-            </a:avLst>
-          </a:prstGeom>
-          <a:noFill/>
-          <a:ln w="19050">
-            <a:solidFill>
-              <a:srgbClr val="08A559"/>
-            </a:solidFill>
-          </a:ln>
-        </p:spPr>
-        <p:style>
-          <a:lnRef idx="2">
-            <a:schemeClr val="accent1">
-              <a:shade val="50000"/>
-            </a:schemeClr>
-          </a:lnRef>
-          <a:fillRef idx="1">
-            <a:schemeClr val="accent1"/>
-          </a:fillRef>
-          <a:effectRef idx="0">
-            <a:schemeClr val="accent1"/>
-          </a:effectRef>
-          <a:fontRef idx="minor">
-            <a:schemeClr val="lt1"/>
-          </a:fontRef>
-        </p:style>
-        <p:txBody>
-          <a:bodyPr rtlCol="0" anchor="ctr"/>
-          <a:lstStyle/>
-          <a:p>
-            <a:pPr algn="ctr"/>
-            <a:r>
-              <a:rPr lang="fr-FR" sz="1400" dirty="0">
-                <a:solidFill>
-                  <a:srgbClr val="08A559"/>
-                </a:solidFill>
-                <a:latin typeface="Arial Nova" panose="020B0504020202020204" pitchFamily="34" charset="0"/>
-              </a:rPr>
-              <a:t>Communiquer</a:t>
-            </a:r>
-          </a:p>
-        </p:txBody>
-      </p:sp>
-      <p:sp>
-        <p:nvSpPr>
-          <p:cNvPr id="12" name="Rectangle : coins arrondis 11">
-            <a:extLst>
-              <a:ext uri="{FF2B5EF4-FFF2-40B4-BE49-F238E27FC236}">
-                <a16:creationId xmlns:a16="http://schemas.microsoft.com/office/drawing/2014/main" id="{8D7359E7-9FDC-08FD-DC9D-0F15683BC326}"/>
-              </a:ext>
-            </a:extLst>
-          </p:cNvPr>
-          <p:cNvSpPr/>
-          <p:nvPr/>
-        </p:nvSpPr>
-        <p:spPr>
-          <a:xfrm>
-            <a:off x="5389319" y="2214770"/>
-            <a:ext cx="1406281" cy="534390"/>
-          </a:xfrm>
-          <a:prstGeom prst="roundRect">
-            <a:avLst>
-              <a:gd name="adj" fmla="val 11914"/>
-            </a:avLst>
-          </a:prstGeom>
-          <a:solidFill>
-            <a:srgbClr val="E8F3E8"/>
-          </a:solidFill>
-          <a:ln w="19050">
-            <a:solidFill>
-              <a:srgbClr val="E8F3E8"/>
-            </a:solidFill>
-          </a:ln>
-        </p:spPr>
-        <p:style>
-          <a:lnRef idx="2">
-            <a:schemeClr val="accent1">
-              <a:shade val="50000"/>
-            </a:schemeClr>
-          </a:lnRef>
-          <a:fillRef idx="1">
-            <a:schemeClr val="accent1"/>
-          </a:fillRef>
-          <a:effectRef idx="0">
-            <a:schemeClr val="accent1"/>
-          </a:effectRef>
-          <a:fontRef idx="minor">
-            <a:schemeClr val="lt1"/>
-          </a:fontRef>
-        </p:style>
-        <p:txBody>
-          <a:bodyPr rtlCol="0" anchor="ctr"/>
-          <a:lstStyle/>
-          <a:p>
-            <a:pPr algn="ctr"/>
-            <a:r>
-              <a:rPr lang="fr-FR" sz="1200" dirty="0">
-                <a:solidFill>
-                  <a:srgbClr val="08A559"/>
-                </a:solidFill>
-                <a:latin typeface="Arial Nova" panose="020B0504020202020204" pitchFamily="34" charset="0"/>
-              </a:rPr>
-              <a:t>Microcontrôleur </a:t>
-            </a:r>
-            <a:r>
-              <a:rPr lang="fr-FR" sz="1200" dirty="0" err="1">
-                <a:solidFill>
-                  <a:srgbClr val="08A559"/>
-                </a:solidFill>
-                <a:latin typeface="Arial Nova" panose="020B0504020202020204" pitchFamily="34" charset="0"/>
-              </a:rPr>
-              <a:t>myRIO</a:t>
-            </a:r>
-            <a:endParaRPr lang="fr-FR" sz="1200" dirty="0">
-              <a:solidFill>
-                <a:srgbClr val="08A559"/>
-              </a:solidFill>
-              <a:latin typeface="Arial Nova" panose="020B0504020202020204" pitchFamily="34" charset="0"/>
-            </a:endParaRPr>
-          </a:p>
-        </p:txBody>
-      </p:sp>
-      <p:sp>
-        <p:nvSpPr>
-          <p:cNvPr id="13" name="Rectangle : coins arrondis 12">
-            <a:extLst>
-              <a:ext uri="{FF2B5EF4-FFF2-40B4-BE49-F238E27FC236}">
-                <a16:creationId xmlns:a16="http://schemas.microsoft.com/office/drawing/2014/main" id="{2BFEBEF7-705E-46FD-8C4B-5178E5ACBDB2}"/>
-              </a:ext>
-            </a:extLst>
-          </p:cNvPr>
-          <p:cNvSpPr/>
-          <p:nvPr/>
-        </p:nvSpPr>
-        <p:spPr>
-          <a:xfrm>
-            <a:off x="1056905" y="3437532"/>
-            <a:ext cx="1440000" cy="540000"/>
-          </a:xfrm>
-          <a:prstGeom prst="roundRect">
-            <a:avLst>
-              <a:gd name="adj" fmla="val 11914"/>
-            </a:avLst>
-          </a:prstGeom>
-          <a:noFill/>
-          <a:ln w="19050">
-            <a:solidFill>
-              <a:srgbClr val="FDAD57"/>
-            </a:solidFill>
-          </a:ln>
-        </p:spPr>
-        <p:style>
-          <a:lnRef idx="2">
-            <a:schemeClr val="accent1">
-              <a:shade val="50000"/>
-            </a:schemeClr>
-          </a:lnRef>
-          <a:fillRef idx="1">
-            <a:schemeClr val="accent1"/>
-          </a:fillRef>
-          <a:effectRef idx="0">
-            <a:schemeClr val="accent1"/>
-          </a:effectRef>
-          <a:fontRef idx="minor">
-            <a:schemeClr val="lt1"/>
-          </a:fontRef>
-        </p:style>
-        <p:txBody>
-          <a:bodyPr rtlCol="0" anchor="ctr"/>
-          <a:lstStyle/>
-          <a:p>
-            <a:pPr algn="ctr"/>
-            <a:r>
-              <a:rPr lang="fr-FR" sz="1400" dirty="0">
-                <a:solidFill>
-                  <a:srgbClr val="FDAD57"/>
-                </a:solidFill>
-                <a:latin typeface="Arial Nova" panose="020B0504020202020204" pitchFamily="34" charset="0"/>
-              </a:rPr>
-              <a:t>Alimenter</a:t>
-            </a:r>
-          </a:p>
-        </p:txBody>
-      </p:sp>
-      <p:sp>
-        <p:nvSpPr>
-          <p:cNvPr id="14" name="Rectangle : coins arrondis 13">
-            <a:extLst>
-              <a:ext uri="{FF2B5EF4-FFF2-40B4-BE49-F238E27FC236}">
-                <a16:creationId xmlns:a16="http://schemas.microsoft.com/office/drawing/2014/main" id="{3344F7B6-ACF1-41A6-1551-1E76B212FBE0}"/>
-              </a:ext>
-            </a:extLst>
-          </p:cNvPr>
-          <p:cNvSpPr/>
-          <p:nvPr/>
-        </p:nvSpPr>
-        <p:spPr>
-          <a:xfrm>
-            <a:off x="1056905" y="4132287"/>
-            <a:ext cx="1440000" cy="540000"/>
-          </a:xfrm>
-          <a:prstGeom prst="roundRect">
-            <a:avLst>
-              <a:gd name="adj" fmla="val 11914"/>
-            </a:avLst>
-          </a:prstGeom>
-          <a:solidFill>
-            <a:srgbClr val="FEE6CC"/>
-          </a:solidFill>
-          <a:ln w="19050">
-            <a:solidFill>
-              <a:srgbClr val="FEE6CC"/>
-            </a:solidFill>
-          </a:ln>
-        </p:spPr>
-        <p:style>
-          <a:lnRef idx="2">
-            <a:schemeClr val="accent1">
-              <a:shade val="50000"/>
-            </a:schemeClr>
-          </a:lnRef>
-          <a:fillRef idx="1">
-            <a:schemeClr val="accent1"/>
-          </a:fillRef>
-          <a:effectRef idx="0">
-            <a:schemeClr val="accent1"/>
-          </a:effectRef>
-          <a:fontRef idx="minor">
-            <a:schemeClr val="lt1"/>
-          </a:fontRef>
-        </p:style>
-        <p:txBody>
-          <a:bodyPr rtlCol="0" anchor="ctr"/>
-          <a:lstStyle/>
-          <a:p>
-            <a:pPr algn="ctr"/>
-            <a:r>
-              <a:rPr lang="fr-FR" sz="1200" dirty="0">
-                <a:solidFill>
-                  <a:srgbClr val="FDAD57"/>
-                </a:solidFill>
-                <a:latin typeface="Arial Nova" panose="020B0504020202020204" pitchFamily="34" charset="0"/>
-              </a:rPr>
-              <a:t>Transformateur Alimentation xx V</a:t>
-            </a:r>
-          </a:p>
-        </p:txBody>
-      </p:sp>
-      <p:sp>
-        <p:nvSpPr>
-          <p:cNvPr id="15" name="Rectangle : coins arrondis 14">
-            <a:extLst>
-              <a:ext uri="{FF2B5EF4-FFF2-40B4-BE49-F238E27FC236}">
-                <a16:creationId xmlns:a16="http://schemas.microsoft.com/office/drawing/2014/main" id="{5993B93C-6358-CDBD-8425-B3C1FF36002B}"/>
-              </a:ext>
-            </a:extLst>
-          </p:cNvPr>
-          <p:cNvSpPr/>
-          <p:nvPr/>
-        </p:nvSpPr>
-        <p:spPr>
-          <a:xfrm>
-            <a:off x="3218894" y="3432769"/>
-            <a:ext cx="1440000" cy="540000"/>
-          </a:xfrm>
-          <a:prstGeom prst="roundRect">
-            <a:avLst>
-              <a:gd name="adj" fmla="val 11914"/>
-            </a:avLst>
-          </a:prstGeom>
-          <a:noFill/>
-          <a:ln w="19050">
-            <a:solidFill>
-              <a:srgbClr val="0C7391"/>
-            </a:solidFill>
-          </a:ln>
-        </p:spPr>
-        <p:style>
-          <a:lnRef idx="2">
-            <a:schemeClr val="accent1">
-              <a:shade val="50000"/>
-            </a:schemeClr>
-          </a:lnRef>
-          <a:fillRef idx="1">
-            <a:schemeClr val="accent1"/>
-          </a:fillRef>
-          <a:effectRef idx="0">
-            <a:schemeClr val="accent1"/>
-          </a:effectRef>
-          <a:fontRef idx="minor">
-            <a:schemeClr val="lt1"/>
-          </a:fontRef>
-        </p:style>
-        <p:txBody>
-          <a:bodyPr rtlCol="0" anchor="ctr"/>
-          <a:lstStyle/>
-          <a:p>
-            <a:pPr algn="ctr"/>
-            <a:r>
-              <a:rPr lang="fr-FR" sz="1400" dirty="0">
-                <a:solidFill>
-                  <a:srgbClr val="0C7391"/>
-                </a:solidFill>
-                <a:latin typeface="Arial Nova" panose="020B0504020202020204" pitchFamily="34" charset="0"/>
-              </a:rPr>
-              <a:t>Distribuer</a:t>
-            </a:r>
-          </a:p>
-        </p:txBody>
-      </p:sp>
-      <p:sp>
-        <p:nvSpPr>
-          <p:cNvPr id="16" name="Rectangle : coins arrondis 15">
-            <a:extLst>
-              <a:ext uri="{FF2B5EF4-FFF2-40B4-BE49-F238E27FC236}">
-                <a16:creationId xmlns:a16="http://schemas.microsoft.com/office/drawing/2014/main" id="{856C1EFC-E8DC-74F6-4C1B-12FC3721C149}"/>
-              </a:ext>
-            </a:extLst>
-          </p:cNvPr>
-          <p:cNvSpPr/>
-          <p:nvPr/>
-        </p:nvSpPr>
-        <p:spPr>
-          <a:xfrm>
-            <a:off x="3229319" y="4117990"/>
-            <a:ext cx="1440000" cy="540000"/>
-          </a:xfrm>
-          <a:prstGeom prst="roundRect">
-            <a:avLst>
-              <a:gd name="adj" fmla="val 11914"/>
-            </a:avLst>
-          </a:prstGeom>
-          <a:solidFill>
-            <a:srgbClr val="9EC7D3"/>
-          </a:solidFill>
-          <a:ln w="19050">
-            <a:solidFill>
-              <a:srgbClr val="9EC7D3"/>
-            </a:solidFill>
-          </a:ln>
-        </p:spPr>
-        <p:style>
-          <a:lnRef idx="2">
-            <a:schemeClr val="accent1">
-              <a:shade val="50000"/>
-            </a:schemeClr>
-          </a:lnRef>
-          <a:fillRef idx="1">
-            <a:schemeClr val="accent1"/>
-          </a:fillRef>
-          <a:effectRef idx="0">
-            <a:schemeClr val="accent1"/>
-          </a:effectRef>
-          <a:fontRef idx="minor">
-            <a:schemeClr val="lt1"/>
-          </a:fontRef>
-        </p:style>
-        <p:txBody>
-          <a:bodyPr rtlCol="0" anchor="ctr"/>
-          <a:lstStyle/>
-          <a:p>
-            <a:pPr algn="ctr"/>
-            <a:r>
-              <a:rPr lang="fr-FR" sz="1200" dirty="0">
-                <a:solidFill>
-                  <a:srgbClr val="0C7391"/>
-                </a:solidFill>
-                <a:latin typeface="Arial Nova" panose="020B0504020202020204" pitchFamily="34" charset="0"/>
-              </a:rPr>
-              <a:t>Hacheur </a:t>
-            </a:r>
-          </a:p>
-          <a:p>
-            <a:pPr algn="ctr"/>
-            <a:r>
-              <a:rPr lang="fr-FR" sz="1200" dirty="0">
-                <a:solidFill>
-                  <a:srgbClr val="0C7391"/>
-                </a:solidFill>
-                <a:latin typeface="Arial Nova" panose="020B0504020202020204" pitchFamily="34" charset="0"/>
-              </a:rPr>
-              <a:t>(Variateur)</a:t>
-            </a:r>
-          </a:p>
-        </p:txBody>
-      </p:sp>
-      <p:sp>
-        <p:nvSpPr>
-          <p:cNvPr id="17" name="Rectangle : coins arrondis 16">
-            <a:extLst>
-              <a:ext uri="{FF2B5EF4-FFF2-40B4-BE49-F238E27FC236}">
-                <a16:creationId xmlns:a16="http://schemas.microsoft.com/office/drawing/2014/main" id="{21644A1E-F74F-36B4-98E8-8D6D6DB0F7F6}"/>
-              </a:ext>
-            </a:extLst>
-          </p:cNvPr>
-          <p:cNvSpPr/>
-          <p:nvPr/>
-        </p:nvSpPr>
-        <p:spPr>
-          <a:xfrm>
-            <a:off x="5380883" y="3437532"/>
-            <a:ext cx="1440000" cy="540000"/>
-          </a:xfrm>
-          <a:prstGeom prst="roundRect">
-            <a:avLst>
-              <a:gd name="adj" fmla="val 11914"/>
-            </a:avLst>
-          </a:prstGeom>
-          <a:noFill/>
-          <a:ln w="19050">
-            <a:solidFill>
-              <a:srgbClr val="68348B"/>
-            </a:solidFill>
-          </a:ln>
-        </p:spPr>
-        <p:style>
-          <a:lnRef idx="2">
-            <a:schemeClr val="accent1">
-              <a:shade val="50000"/>
-            </a:schemeClr>
-          </a:lnRef>
-          <a:fillRef idx="1">
-            <a:schemeClr val="accent1"/>
-          </a:fillRef>
-          <a:effectRef idx="0">
-            <a:schemeClr val="accent1"/>
-          </a:effectRef>
-          <a:fontRef idx="minor">
-            <a:schemeClr val="lt1"/>
-          </a:fontRef>
-        </p:style>
-        <p:txBody>
-          <a:bodyPr rtlCol="0" anchor="ctr"/>
-          <a:lstStyle/>
-          <a:p>
-            <a:pPr algn="ctr"/>
-            <a:r>
-              <a:rPr lang="fr-FR" sz="1400" dirty="0">
-                <a:solidFill>
-                  <a:srgbClr val="68348B"/>
-                </a:solidFill>
-                <a:latin typeface="Arial Nova" panose="020B0504020202020204" pitchFamily="34" charset="0"/>
-              </a:rPr>
-              <a:t>Convertir</a:t>
-            </a:r>
-          </a:p>
-        </p:txBody>
-      </p:sp>
-      <p:sp>
-        <p:nvSpPr>
-          <p:cNvPr id="18" name="Rectangle : coins arrondis 17">
-            <a:extLst>
-              <a:ext uri="{FF2B5EF4-FFF2-40B4-BE49-F238E27FC236}">
-                <a16:creationId xmlns:a16="http://schemas.microsoft.com/office/drawing/2014/main" id="{F864AAD2-5EF5-FD75-22C6-0D8871D20678}"/>
-              </a:ext>
-            </a:extLst>
-          </p:cNvPr>
-          <p:cNvSpPr/>
-          <p:nvPr/>
-        </p:nvSpPr>
-        <p:spPr>
-          <a:xfrm>
-            <a:off x="5389319" y="4117990"/>
-            <a:ext cx="1440000" cy="540000"/>
-          </a:xfrm>
-          <a:prstGeom prst="roundRect">
-            <a:avLst>
-              <a:gd name="adj" fmla="val 11914"/>
-            </a:avLst>
-          </a:prstGeom>
-          <a:solidFill>
-            <a:srgbClr val="C3AED1"/>
-          </a:solidFill>
-          <a:ln w="19050">
-            <a:solidFill>
-              <a:srgbClr val="C3AED1"/>
-            </a:solidFill>
-          </a:ln>
-        </p:spPr>
-        <p:style>
-          <a:lnRef idx="2">
-            <a:schemeClr val="accent1">
-              <a:shade val="50000"/>
-            </a:schemeClr>
-          </a:lnRef>
-          <a:fillRef idx="1">
-            <a:schemeClr val="accent1"/>
-          </a:fillRef>
-          <a:effectRef idx="0">
-            <a:schemeClr val="accent1"/>
-          </a:effectRef>
-          <a:fontRef idx="minor">
-            <a:schemeClr val="lt1"/>
-          </a:fontRef>
-        </p:style>
-        <p:txBody>
-          <a:bodyPr rtlCol="0" anchor="ctr"/>
-          <a:lstStyle/>
-          <a:p>
-            <a:pPr algn="ctr"/>
-            <a:r>
-              <a:rPr lang="fr-FR" sz="1200" dirty="0">
-                <a:solidFill>
-                  <a:srgbClr val="68348B"/>
-                </a:solidFill>
-                <a:latin typeface="Arial Nova" panose="020B0504020202020204" pitchFamily="34" charset="0"/>
-              </a:rPr>
-              <a:t>Moteur CC</a:t>
-            </a:r>
-          </a:p>
-        </p:txBody>
-      </p:sp>
-      <p:sp>
-        <p:nvSpPr>
-          <p:cNvPr id="19" name="Rectangle : coins arrondis 18">
-            <a:extLst>
-              <a:ext uri="{FF2B5EF4-FFF2-40B4-BE49-F238E27FC236}">
-                <a16:creationId xmlns:a16="http://schemas.microsoft.com/office/drawing/2014/main" id="{3741D88A-AC67-EEAF-67D1-02578FD98C8E}"/>
-              </a:ext>
-            </a:extLst>
-          </p:cNvPr>
-          <p:cNvSpPr/>
-          <p:nvPr/>
-        </p:nvSpPr>
-        <p:spPr>
-          <a:xfrm>
-            <a:off x="7542872" y="3440639"/>
-            <a:ext cx="1365662" cy="534390"/>
-          </a:xfrm>
-          <a:prstGeom prst="roundRect">
-            <a:avLst>
-              <a:gd name="adj" fmla="val 11914"/>
-            </a:avLst>
-          </a:prstGeom>
-          <a:noFill/>
-          <a:ln w="19050">
-            <a:solidFill>
-              <a:srgbClr val="EE685D"/>
-            </a:solidFill>
-          </a:ln>
-        </p:spPr>
-        <p:style>
-          <a:lnRef idx="2">
-            <a:schemeClr val="accent1">
-              <a:shade val="50000"/>
-            </a:schemeClr>
-          </a:lnRef>
-          <a:fillRef idx="1">
-            <a:schemeClr val="accent1"/>
-          </a:fillRef>
-          <a:effectRef idx="0">
-            <a:schemeClr val="accent1"/>
-          </a:effectRef>
-          <a:fontRef idx="minor">
-            <a:schemeClr val="lt1"/>
-          </a:fontRef>
-        </p:style>
-        <p:txBody>
-          <a:bodyPr rtlCol="0" anchor="ctr"/>
-          <a:lstStyle/>
-          <a:p>
-            <a:pPr algn="ctr"/>
-            <a:r>
-              <a:rPr lang="fr-FR" sz="1400" dirty="0">
-                <a:solidFill>
-                  <a:srgbClr val="EE685D"/>
-                </a:solidFill>
-                <a:latin typeface="Arial Nova" panose="020B0504020202020204" pitchFamily="34" charset="0"/>
-              </a:rPr>
-              <a:t>Transmettre</a:t>
-            </a:r>
-          </a:p>
-        </p:txBody>
-      </p:sp>
-      <p:sp>
-        <p:nvSpPr>
-          <p:cNvPr id="20" name="Rectangle : coins arrondis 19">
-            <a:extLst>
-              <a:ext uri="{FF2B5EF4-FFF2-40B4-BE49-F238E27FC236}">
-                <a16:creationId xmlns:a16="http://schemas.microsoft.com/office/drawing/2014/main" id="{D98A4E40-D360-EF0F-69D4-37438F82647F}"/>
-              </a:ext>
-            </a:extLst>
-          </p:cNvPr>
-          <p:cNvSpPr/>
-          <p:nvPr/>
-        </p:nvSpPr>
-        <p:spPr>
-          <a:xfrm>
-            <a:off x="7549319" y="4097487"/>
-            <a:ext cx="1365662" cy="534390"/>
-          </a:xfrm>
-          <a:prstGeom prst="roundRect">
-            <a:avLst>
-              <a:gd name="adj" fmla="val 11914"/>
-            </a:avLst>
-          </a:prstGeom>
-          <a:solidFill>
-            <a:srgbClr val="F7B8B3"/>
-          </a:solidFill>
-          <a:ln w="19050">
-            <a:solidFill>
-              <a:srgbClr val="F7B8B3"/>
-            </a:solidFill>
-          </a:ln>
-        </p:spPr>
-        <p:style>
-          <a:lnRef idx="2">
-            <a:schemeClr val="accent1">
-              <a:shade val="50000"/>
-            </a:schemeClr>
-          </a:lnRef>
-          <a:fillRef idx="1">
-            <a:schemeClr val="accent1"/>
-          </a:fillRef>
-          <a:effectRef idx="0">
-            <a:schemeClr val="accent1"/>
-          </a:effectRef>
-          <a:fontRef idx="minor">
-            <a:schemeClr val="lt1"/>
-          </a:fontRef>
-        </p:style>
-        <p:txBody>
-          <a:bodyPr rtlCol="0" anchor="ctr"/>
-          <a:lstStyle/>
-          <a:p>
-            <a:pPr algn="ctr"/>
-            <a:r>
-              <a:rPr lang="fr-FR" sz="1100" dirty="0">
-                <a:solidFill>
-                  <a:srgbClr val="EE685D"/>
-                </a:solidFill>
-                <a:latin typeface="Arial Nova" panose="020B0504020202020204" pitchFamily="34" charset="0"/>
-              </a:rPr>
-              <a:t>Train épicycloïdal</a:t>
-            </a:r>
-          </a:p>
-          <a:p>
-            <a:pPr algn="ctr"/>
-            <a:r>
-              <a:rPr lang="fr-FR" sz="1100" dirty="0">
-                <a:solidFill>
-                  <a:srgbClr val="EE685D"/>
-                </a:solidFill>
-                <a:latin typeface="Arial Nova" panose="020B0504020202020204" pitchFamily="34" charset="0"/>
-              </a:rPr>
-              <a:t>+ Train simple</a:t>
-            </a:r>
-          </a:p>
-        </p:txBody>
-      </p:sp>
-      <p:grpSp>
-        <p:nvGrpSpPr>
-          <p:cNvPr id="21" name="Groupe 20">
-            <a:extLst>
-              <a:ext uri="{FF2B5EF4-FFF2-40B4-BE49-F238E27FC236}">
-                <a16:creationId xmlns:a16="http://schemas.microsoft.com/office/drawing/2014/main" id="{3A27BA98-37D0-071E-0034-A8F152781DA2}"/>
-              </a:ext>
-            </a:extLst>
-          </p:cNvPr>
-          <p:cNvGrpSpPr/>
-          <p:nvPr/>
-        </p:nvGrpSpPr>
-        <p:grpSpPr>
-          <a:xfrm>
-            <a:off x="1304511" y="1903819"/>
-            <a:ext cx="360000" cy="360000"/>
-            <a:chOff x="5404964" y="4396133"/>
-            <a:chExt cx="1800000" cy="1800000"/>
-          </a:xfrm>
-        </p:grpSpPr>
-        <p:sp>
-          <p:nvSpPr>
-            <p:cNvPr id="22" name="Ellipse 21">
-              <a:extLst>
-                <a:ext uri="{FF2B5EF4-FFF2-40B4-BE49-F238E27FC236}">
-                  <a16:creationId xmlns:a16="http://schemas.microsoft.com/office/drawing/2014/main" id="{AF6059D3-A447-3650-DBB0-E43A01137737}"/>
-                </a:ext>
-              </a:extLst>
-            </p:cNvPr>
-            <p:cNvSpPr/>
-            <p:nvPr/>
-          </p:nvSpPr>
-          <p:spPr>
-            <a:xfrm>
-              <a:off x="5404964" y="4396133"/>
-              <a:ext cx="1800000" cy="1800000"/>
-            </a:xfrm>
-            <a:prstGeom prst="ellipse">
-              <a:avLst/>
-            </a:prstGeom>
-            <a:solidFill>
-              <a:srgbClr val="00517A"/>
-            </a:solidFill>
-            <a:ln>
-              <a:noFill/>
-            </a:ln>
-          </p:spPr>
-          <p:style>
-            <a:lnRef idx="2">
-              <a:schemeClr val="accent1">
-                <a:shade val="50000"/>
-              </a:schemeClr>
-            </a:lnRef>
-            <a:fillRef idx="1">
-              <a:schemeClr val="accent1"/>
-            </a:fillRef>
-            <a:effectRef idx="0">
-              <a:schemeClr val="accent1"/>
-            </a:effectRef>
-            <a:fontRef idx="minor">
-              <a:schemeClr val="lt1"/>
-            </a:fontRef>
-          </p:style>
-          <p:txBody>
-            <a:bodyPr rtlCol="0" anchor="ctr"/>
-            <a:lstStyle/>
-            <a:p>
-              <a:pPr algn="ctr"/>
-              <a:endParaRPr lang="fr-FR"/>
-            </a:p>
-          </p:txBody>
-        </p:sp>
-        <p:pic>
-          <p:nvPicPr>
-            <p:cNvPr id="23" name="Image 22">
-              <a:extLst>
-                <a:ext uri="{FF2B5EF4-FFF2-40B4-BE49-F238E27FC236}">
-                  <a16:creationId xmlns:a16="http://schemas.microsoft.com/office/drawing/2014/main" id="{A6CDBBC0-D3DC-F349-2C16-BF936D04FE5D}"/>
-                </a:ext>
-              </a:extLst>
-            </p:cNvPr>
-            <p:cNvPicPr>
-              <a:picLocks noChangeAspect="1"/>
-            </p:cNvPicPr>
-            <p:nvPr/>
-          </p:nvPicPr>
-          <p:blipFill>
-            <a:blip r:embed="rId2"/>
-            <a:stretch>
-              <a:fillRect/>
-            </a:stretch>
-          </p:blipFill>
-          <p:spPr>
-            <a:xfrm>
-              <a:off x="5543445" y="4536296"/>
-              <a:ext cx="1358232" cy="1440000"/>
-            </a:xfrm>
-            <a:prstGeom prst="rect">
-              <a:avLst/>
-            </a:prstGeom>
-          </p:spPr>
-        </p:pic>
-      </p:grpSp>
-      <p:pic>
-        <p:nvPicPr>
-          <p:cNvPr id="26" name="Image 25">
-            <a:extLst>
-              <a:ext uri="{FF2B5EF4-FFF2-40B4-BE49-F238E27FC236}">
-                <a16:creationId xmlns:a16="http://schemas.microsoft.com/office/drawing/2014/main" id="{1D2C4C8B-0FCC-A2FF-CBCF-FF9739D62F86}"/>
-              </a:ext>
-            </a:extLst>
-          </p:cNvPr>
-          <p:cNvPicPr>
-            <a:picLocks noChangeAspect="1"/>
-          </p:cNvPicPr>
-          <p:nvPr/>
-        </p:nvPicPr>
-        <p:blipFill>
-          <a:blip r:embed="rId3"/>
-          <a:stretch>
-            <a:fillRect/>
-          </a:stretch>
-        </p:blipFill>
-        <p:spPr>
-          <a:xfrm>
-            <a:off x="2624826" y="1498649"/>
-            <a:ext cx="434918" cy="152010"/>
-          </a:xfrm>
-          <a:prstGeom prst="rect">
-            <a:avLst/>
-          </a:prstGeom>
-        </p:spPr>
-      </p:pic>
-      <p:cxnSp>
-        <p:nvCxnSpPr>
-          <p:cNvPr id="28" name="Connecteur droit avec flèche 27">
-            <a:extLst>
-              <a:ext uri="{FF2B5EF4-FFF2-40B4-BE49-F238E27FC236}">
-                <a16:creationId xmlns:a16="http://schemas.microsoft.com/office/drawing/2014/main" id="{56F184E9-809A-A3C9-1755-4F6B9B443CD7}"/>
-              </a:ext>
-            </a:extLst>
-          </p:cNvPr>
-          <p:cNvCxnSpPr>
-            <a:cxnSpLocks/>
-          </p:cNvCxnSpPr>
-          <p:nvPr/>
-        </p:nvCxnSpPr>
-        <p:spPr>
-          <a:xfrm flipV="1">
-            <a:off x="2496905" y="1722751"/>
-            <a:ext cx="720000" cy="1536"/>
-          </a:xfrm>
-          <a:prstGeom prst="straightConnector1">
-            <a:avLst/>
-          </a:prstGeom>
-          <a:ln w="25400" cap="rnd">
-            <a:solidFill>
-              <a:srgbClr val="004F77"/>
-            </a:solidFill>
-            <a:tailEnd type="triangle" w="med" len="lg"/>
-          </a:ln>
-        </p:spPr>
-        <p:style>
-          <a:lnRef idx="1">
-            <a:schemeClr val="accent1"/>
-          </a:lnRef>
-          <a:fillRef idx="0">
-            <a:schemeClr val="accent1"/>
-          </a:fillRef>
-          <a:effectRef idx="0">
-            <a:schemeClr val="accent1"/>
-          </a:effectRef>
-          <a:fontRef idx="minor">
-            <a:schemeClr val="tx1"/>
-          </a:fontRef>
-        </p:style>
-      </p:cxnSp>
-      <p:cxnSp>
-        <p:nvCxnSpPr>
-          <p:cNvPr id="32" name="Connecteur droit avec flèche 31">
-            <a:extLst>
-              <a:ext uri="{FF2B5EF4-FFF2-40B4-BE49-F238E27FC236}">
-                <a16:creationId xmlns:a16="http://schemas.microsoft.com/office/drawing/2014/main" id="{2516F913-F563-E2BC-304C-4BAEAEFA830A}"/>
-              </a:ext>
-            </a:extLst>
-          </p:cNvPr>
-          <p:cNvCxnSpPr/>
-          <p:nvPr/>
-        </p:nvCxnSpPr>
-        <p:spPr>
-          <a:xfrm flipV="1">
-            <a:off x="4669319" y="1708801"/>
-            <a:ext cx="720000" cy="1536"/>
-          </a:xfrm>
-          <a:prstGeom prst="straightConnector1">
-            <a:avLst/>
-          </a:prstGeom>
-          <a:ln w="25400" cap="rnd">
-            <a:solidFill>
-              <a:srgbClr val="004F77"/>
-            </a:solidFill>
-            <a:tailEnd type="triangle" w="med" len="lg"/>
-          </a:ln>
-        </p:spPr>
-        <p:style>
-          <a:lnRef idx="1">
-            <a:schemeClr val="accent1"/>
-          </a:lnRef>
-          <a:fillRef idx="0">
-            <a:schemeClr val="accent1"/>
-          </a:fillRef>
-          <a:effectRef idx="0">
-            <a:schemeClr val="accent1"/>
-          </a:effectRef>
-          <a:fontRef idx="minor">
-            <a:schemeClr val="tx1"/>
-          </a:fontRef>
-        </p:style>
-      </p:cxnSp>
-      <p:pic>
-        <p:nvPicPr>
-          <p:cNvPr id="34" name="Image 33">
-            <a:extLst>
-              <a:ext uri="{FF2B5EF4-FFF2-40B4-BE49-F238E27FC236}">
-                <a16:creationId xmlns:a16="http://schemas.microsoft.com/office/drawing/2014/main" id="{86B36458-367E-9E5B-68A4-0C26D4E0FCB4}"/>
-              </a:ext>
-            </a:extLst>
-          </p:cNvPr>
-          <p:cNvPicPr>
-            <a:picLocks noChangeAspect="1"/>
-          </p:cNvPicPr>
-          <p:nvPr/>
-        </p:nvPicPr>
-        <p:blipFill>
-          <a:blip r:embed="rId4"/>
-          <a:stretch>
-            <a:fillRect/>
-          </a:stretch>
-        </p:blipFill>
-        <p:spPr>
-          <a:xfrm>
-            <a:off x="4838894" y="1313442"/>
-            <a:ext cx="360000" cy="360000"/>
-          </a:xfrm>
-          <a:prstGeom prst="rect">
-            <a:avLst/>
-          </a:prstGeom>
-        </p:spPr>
-      </p:pic>
-      <p:cxnSp>
-        <p:nvCxnSpPr>
-          <p:cNvPr id="35" name="Connecteur droit avec flèche 34">
-            <a:extLst>
-              <a:ext uri="{FF2B5EF4-FFF2-40B4-BE49-F238E27FC236}">
-                <a16:creationId xmlns:a16="http://schemas.microsoft.com/office/drawing/2014/main" id="{2A759AA0-F3FD-C26A-60D8-97778FA4410F}"/>
-              </a:ext>
-            </a:extLst>
-          </p:cNvPr>
-          <p:cNvCxnSpPr>
-            <a:cxnSpLocks/>
-          </p:cNvCxnSpPr>
-          <p:nvPr/>
-        </p:nvCxnSpPr>
-        <p:spPr>
-          <a:xfrm flipV="1">
-            <a:off x="2509319" y="3705996"/>
-            <a:ext cx="720000" cy="1536"/>
-          </a:xfrm>
-          <a:prstGeom prst="straightConnector1">
-            <a:avLst/>
-          </a:prstGeom>
-          <a:ln w="25400" cap="rnd">
-            <a:solidFill>
-              <a:srgbClr val="FDAD57"/>
-            </a:solidFill>
-            <a:tailEnd type="triangle" w="med" len="lg"/>
-          </a:ln>
-        </p:spPr>
-        <p:style>
-          <a:lnRef idx="1">
-            <a:schemeClr val="accent1"/>
-          </a:lnRef>
-          <a:fillRef idx="0">
-            <a:schemeClr val="accent1"/>
-          </a:fillRef>
-          <a:effectRef idx="0">
-            <a:schemeClr val="accent1"/>
-          </a:effectRef>
-          <a:fontRef idx="minor">
-            <a:schemeClr val="tx1"/>
-          </a:fontRef>
-        </p:style>
-      </p:cxnSp>
-      <p:grpSp>
-        <p:nvGrpSpPr>
-          <p:cNvPr id="36" name="Groupe 35">
-            <a:extLst>
-              <a:ext uri="{FF2B5EF4-FFF2-40B4-BE49-F238E27FC236}">
-                <a16:creationId xmlns:a16="http://schemas.microsoft.com/office/drawing/2014/main" id="{C432E140-C791-725B-4BEE-162F12959100}"/>
-              </a:ext>
-            </a:extLst>
-          </p:cNvPr>
-          <p:cNvGrpSpPr/>
-          <p:nvPr/>
-        </p:nvGrpSpPr>
-        <p:grpSpPr>
-          <a:xfrm>
-            <a:off x="1596905" y="3874910"/>
-            <a:ext cx="360000" cy="360000"/>
-            <a:chOff x="4197400" y="3547713"/>
-            <a:chExt cx="1800000" cy="1800000"/>
-          </a:xfrm>
-        </p:grpSpPr>
-        <p:sp>
-          <p:nvSpPr>
-            <p:cNvPr id="37" name="Ellipse 36">
-              <a:extLst>
-                <a:ext uri="{FF2B5EF4-FFF2-40B4-BE49-F238E27FC236}">
-                  <a16:creationId xmlns:a16="http://schemas.microsoft.com/office/drawing/2014/main" id="{F72BB05F-3C81-6BD0-8528-132F98B4087C}"/>
-                </a:ext>
-              </a:extLst>
-            </p:cNvPr>
-            <p:cNvSpPr/>
-            <p:nvPr/>
-          </p:nvSpPr>
-          <p:spPr>
-            <a:xfrm>
-              <a:off x="4197400" y="3547713"/>
-              <a:ext cx="1800000" cy="1800000"/>
-            </a:xfrm>
-            <a:prstGeom prst="ellipse">
-              <a:avLst/>
-            </a:prstGeom>
-            <a:solidFill>
-              <a:srgbClr val="FFB25A"/>
-            </a:solidFill>
-            <a:ln>
-              <a:noFill/>
-            </a:ln>
-          </p:spPr>
-          <p:style>
-            <a:lnRef idx="2">
-              <a:schemeClr val="accent1">
-                <a:shade val="50000"/>
-              </a:schemeClr>
-            </a:lnRef>
-            <a:fillRef idx="1">
-              <a:schemeClr val="accent1"/>
-            </a:fillRef>
-            <a:effectRef idx="0">
-              <a:schemeClr val="accent1"/>
-            </a:effectRef>
-            <a:fontRef idx="minor">
-              <a:schemeClr val="lt1"/>
-            </a:fontRef>
-          </p:style>
-          <p:txBody>
-            <a:bodyPr rtlCol="0" anchor="ctr"/>
-            <a:lstStyle/>
-            <a:p>
-              <a:pPr algn="ctr"/>
-              <a:endParaRPr lang="fr-FR"/>
-            </a:p>
-          </p:txBody>
-        </p:sp>
-        <p:pic>
-          <p:nvPicPr>
-            <p:cNvPr id="38" name="Image 37">
-              <a:extLst>
-                <a:ext uri="{FF2B5EF4-FFF2-40B4-BE49-F238E27FC236}">
-                  <a16:creationId xmlns:a16="http://schemas.microsoft.com/office/drawing/2014/main" id="{0241FA1B-C23B-A98A-6FA9-9AD3F149F46F}"/>
-                </a:ext>
-              </a:extLst>
-            </p:cNvPr>
-            <p:cNvPicPr>
-              <a:picLocks noChangeAspect="1"/>
-            </p:cNvPicPr>
-            <p:nvPr/>
-          </p:nvPicPr>
-          <p:blipFill>
-            <a:blip r:embed="rId5"/>
-            <a:stretch>
-              <a:fillRect/>
-            </a:stretch>
-          </p:blipFill>
-          <p:spPr>
-            <a:xfrm>
-              <a:off x="4526157" y="3876470"/>
-              <a:ext cx="1142486" cy="1142486"/>
-            </a:xfrm>
-            <a:prstGeom prst="rect">
-              <a:avLst/>
-            </a:prstGeom>
-          </p:spPr>
-        </p:pic>
-      </p:grpSp>
-      <p:pic>
-        <p:nvPicPr>
-          <p:cNvPr id="40" name="Image 39">
-            <a:extLst>
-              <a:ext uri="{FF2B5EF4-FFF2-40B4-BE49-F238E27FC236}">
-                <a16:creationId xmlns:a16="http://schemas.microsoft.com/office/drawing/2014/main" id="{807256A2-2D51-482D-5FEB-74F10613D366}"/>
-              </a:ext>
-            </a:extLst>
-          </p:cNvPr>
-          <p:cNvPicPr>
-            <a:picLocks noChangeAspect="1"/>
-          </p:cNvPicPr>
-          <p:nvPr/>
-        </p:nvPicPr>
-        <p:blipFill>
-          <a:blip r:embed="rId6"/>
-          <a:stretch>
-            <a:fillRect/>
-          </a:stretch>
-        </p:blipFill>
-        <p:spPr>
-          <a:xfrm>
-            <a:off x="2676905" y="3288253"/>
-            <a:ext cx="360000" cy="360000"/>
-          </a:xfrm>
-          <a:prstGeom prst="rect">
-            <a:avLst/>
-          </a:prstGeom>
-        </p:spPr>
-      </p:pic>
-      <p:grpSp>
-        <p:nvGrpSpPr>
-          <p:cNvPr id="44" name="Groupe 43">
-            <a:extLst>
-              <a:ext uri="{FF2B5EF4-FFF2-40B4-BE49-F238E27FC236}">
-                <a16:creationId xmlns:a16="http://schemas.microsoft.com/office/drawing/2014/main" id="{04E9D792-DC23-45E0-4C57-F4C8652B27B7}"/>
-              </a:ext>
-            </a:extLst>
-          </p:cNvPr>
-          <p:cNvGrpSpPr/>
-          <p:nvPr/>
-        </p:nvGrpSpPr>
-        <p:grpSpPr>
-          <a:xfrm>
-            <a:off x="3769319" y="3882769"/>
-            <a:ext cx="360000" cy="360000"/>
-            <a:chOff x="6955958" y="3325976"/>
-            <a:chExt cx="1800000" cy="1800000"/>
-          </a:xfrm>
-        </p:grpSpPr>
-        <p:sp>
-          <p:nvSpPr>
-            <p:cNvPr id="45" name="Ellipse 44">
-              <a:extLst>
-                <a:ext uri="{FF2B5EF4-FFF2-40B4-BE49-F238E27FC236}">
-                  <a16:creationId xmlns:a16="http://schemas.microsoft.com/office/drawing/2014/main" id="{2023547D-7AD8-2476-352E-2003CAAE25E0}"/>
-                </a:ext>
-              </a:extLst>
-            </p:cNvPr>
-            <p:cNvSpPr/>
-            <p:nvPr/>
-          </p:nvSpPr>
-          <p:spPr>
-            <a:xfrm>
-              <a:off x="6955958" y="3325976"/>
-              <a:ext cx="1800000" cy="1800000"/>
-            </a:xfrm>
-            <a:prstGeom prst="ellipse">
-              <a:avLst/>
-            </a:prstGeom>
-            <a:solidFill>
-              <a:srgbClr val="0C7391"/>
-            </a:solidFill>
-            <a:ln>
-              <a:noFill/>
-            </a:ln>
-          </p:spPr>
-          <p:style>
-            <a:lnRef idx="2">
-              <a:schemeClr val="accent1">
-                <a:shade val="50000"/>
-              </a:schemeClr>
-            </a:lnRef>
-            <a:fillRef idx="1">
-              <a:schemeClr val="accent1"/>
-            </a:fillRef>
-            <a:effectRef idx="0">
-              <a:schemeClr val="accent1"/>
-            </a:effectRef>
-            <a:fontRef idx="minor">
-              <a:schemeClr val="lt1"/>
-            </a:fontRef>
-          </p:style>
-          <p:txBody>
-            <a:bodyPr rtlCol="0" anchor="ctr"/>
-            <a:lstStyle/>
-            <a:p>
-              <a:pPr algn="ctr"/>
-              <a:endParaRPr lang="fr-FR" dirty="0"/>
-            </a:p>
-          </p:txBody>
-        </p:sp>
-        <p:pic>
-          <p:nvPicPr>
-            <p:cNvPr id="46" name="Image 45">
-              <a:extLst>
-                <a:ext uri="{FF2B5EF4-FFF2-40B4-BE49-F238E27FC236}">
-                  <a16:creationId xmlns:a16="http://schemas.microsoft.com/office/drawing/2014/main" id="{B4A8BA83-645D-52A3-AEB7-1179427FDCF1}"/>
-                </a:ext>
-              </a:extLst>
-            </p:cNvPr>
-            <p:cNvPicPr>
-              <a:picLocks noChangeAspect="1"/>
-            </p:cNvPicPr>
-            <p:nvPr/>
-          </p:nvPicPr>
-          <p:blipFill>
-            <a:blip r:embed="rId7"/>
-            <a:stretch>
-              <a:fillRect/>
-            </a:stretch>
-          </p:blipFill>
-          <p:spPr>
-            <a:xfrm>
-              <a:off x="7212124" y="3645024"/>
-              <a:ext cx="1394286" cy="1161904"/>
-            </a:xfrm>
-            <a:prstGeom prst="rect">
-              <a:avLst/>
-            </a:prstGeom>
-          </p:spPr>
-        </p:pic>
-        <p:pic>
-          <p:nvPicPr>
-            <p:cNvPr id="47" name="Image 46">
-              <a:extLst>
-                <a:ext uri="{FF2B5EF4-FFF2-40B4-BE49-F238E27FC236}">
-                  <a16:creationId xmlns:a16="http://schemas.microsoft.com/office/drawing/2014/main" id="{302262FB-10CE-F782-72FE-6FD5D16DF450}"/>
-                </a:ext>
-              </a:extLst>
-            </p:cNvPr>
-            <p:cNvPicPr>
-              <a:picLocks noChangeAspect="1"/>
-            </p:cNvPicPr>
-            <p:nvPr/>
-          </p:nvPicPr>
-          <p:blipFill>
-            <a:blip r:embed="rId8"/>
-            <a:stretch>
-              <a:fillRect/>
-            </a:stretch>
-          </p:blipFill>
-          <p:spPr>
-            <a:xfrm>
-              <a:off x="7909267" y="4072626"/>
-              <a:ext cx="246640" cy="173418"/>
-            </a:xfrm>
-            <a:prstGeom prst="rect">
-              <a:avLst/>
-            </a:prstGeom>
-          </p:spPr>
-        </p:pic>
-      </p:grpSp>
-      <p:cxnSp>
-        <p:nvCxnSpPr>
-          <p:cNvPr id="48" name="Connecteur droit avec flèche 47">
-            <a:extLst>
-              <a:ext uri="{FF2B5EF4-FFF2-40B4-BE49-F238E27FC236}">
-                <a16:creationId xmlns:a16="http://schemas.microsoft.com/office/drawing/2014/main" id="{ADC9AE2C-B971-B403-6BD3-1FBC1C8BCEB1}"/>
-              </a:ext>
-            </a:extLst>
-          </p:cNvPr>
-          <p:cNvCxnSpPr>
-            <a:cxnSpLocks/>
-          </p:cNvCxnSpPr>
-          <p:nvPr/>
-        </p:nvCxnSpPr>
-        <p:spPr>
-          <a:xfrm flipV="1">
-            <a:off x="4669319" y="3693164"/>
-            <a:ext cx="720000" cy="1536"/>
-          </a:xfrm>
-          <a:prstGeom prst="straightConnector1">
-            <a:avLst/>
-          </a:prstGeom>
-          <a:ln w="25400" cap="rnd">
-            <a:solidFill>
-              <a:srgbClr val="0C7391"/>
-            </a:solidFill>
-            <a:tailEnd type="triangle" w="med" len="lg"/>
-          </a:ln>
-        </p:spPr>
-        <p:style>
-          <a:lnRef idx="1">
-            <a:schemeClr val="accent1"/>
-          </a:lnRef>
-          <a:fillRef idx="0">
-            <a:schemeClr val="accent1"/>
-          </a:fillRef>
-          <a:effectRef idx="0">
-            <a:schemeClr val="accent1"/>
-          </a:effectRef>
-          <a:fontRef idx="minor">
-            <a:schemeClr val="tx1"/>
-          </a:fontRef>
-        </p:style>
-      </p:cxnSp>
-      <p:pic>
-        <p:nvPicPr>
-          <p:cNvPr id="49" name="Image 48">
-            <a:extLst>
-              <a:ext uri="{FF2B5EF4-FFF2-40B4-BE49-F238E27FC236}">
-                <a16:creationId xmlns:a16="http://schemas.microsoft.com/office/drawing/2014/main" id="{D668B20D-2AB0-DB7C-B49B-C67635DB8BBA}"/>
-              </a:ext>
-            </a:extLst>
-          </p:cNvPr>
-          <p:cNvPicPr>
-            <a:picLocks noChangeAspect="1"/>
-          </p:cNvPicPr>
-          <p:nvPr/>
-        </p:nvPicPr>
-        <p:blipFill>
-          <a:blip r:embed="rId6"/>
-          <a:stretch>
-            <a:fillRect/>
-          </a:stretch>
-        </p:blipFill>
-        <p:spPr>
-          <a:xfrm>
-            <a:off x="4838894" y="3288253"/>
-            <a:ext cx="360000" cy="360000"/>
-          </a:xfrm>
-          <a:prstGeom prst="rect">
-            <a:avLst/>
-          </a:prstGeom>
-        </p:spPr>
-      </p:pic>
-      <p:grpSp>
-        <p:nvGrpSpPr>
-          <p:cNvPr id="50" name="Groupe 49">
-            <a:extLst>
-              <a:ext uri="{FF2B5EF4-FFF2-40B4-BE49-F238E27FC236}">
-                <a16:creationId xmlns:a16="http://schemas.microsoft.com/office/drawing/2014/main" id="{3BAC2AD8-68D0-64B3-8925-A4804B8ADC35}"/>
-              </a:ext>
-            </a:extLst>
-          </p:cNvPr>
-          <p:cNvGrpSpPr/>
-          <p:nvPr/>
-        </p:nvGrpSpPr>
-        <p:grpSpPr>
-          <a:xfrm>
-            <a:off x="5910458" y="3883180"/>
-            <a:ext cx="360000" cy="360000"/>
-            <a:chOff x="5775745" y="3144183"/>
-            <a:chExt cx="1800000" cy="1800000"/>
-          </a:xfrm>
-        </p:grpSpPr>
-        <p:sp>
-          <p:nvSpPr>
-            <p:cNvPr id="51" name="Ellipse 50">
-              <a:extLst>
-                <a:ext uri="{FF2B5EF4-FFF2-40B4-BE49-F238E27FC236}">
-                  <a16:creationId xmlns:a16="http://schemas.microsoft.com/office/drawing/2014/main" id="{04F8E12C-8382-F1EC-C191-3370BC42A0F6}"/>
-                </a:ext>
-              </a:extLst>
-            </p:cNvPr>
-            <p:cNvSpPr/>
-            <p:nvPr/>
-          </p:nvSpPr>
-          <p:spPr>
-            <a:xfrm>
-              <a:off x="5775745" y="3144183"/>
-              <a:ext cx="1800000" cy="1800000"/>
-            </a:xfrm>
-            <a:prstGeom prst="ellipse">
-              <a:avLst/>
-            </a:prstGeom>
-            <a:solidFill>
-              <a:srgbClr val="68348B"/>
-            </a:solidFill>
-            <a:ln>
-              <a:noFill/>
-            </a:ln>
-          </p:spPr>
-          <p:style>
-            <a:lnRef idx="2">
-              <a:schemeClr val="accent1">
-                <a:shade val="50000"/>
-              </a:schemeClr>
-            </a:lnRef>
-            <a:fillRef idx="1">
-              <a:schemeClr val="accent1"/>
-            </a:fillRef>
-            <a:effectRef idx="0">
-              <a:schemeClr val="accent1"/>
-            </a:effectRef>
-            <a:fontRef idx="minor">
-              <a:schemeClr val="lt1"/>
-            </a:fontRef>
-          </p:style>
-          <p:txBody>
-            <a:bodyPr rtlCol="0" anchor="ctr"/>
-            <a:lstStyle/>
-            <a:p>
-              <a:pPr algn="ctr"/>
-              <a:endParaRPr lang="fr-FR"/>
-            </a:p>
-          </p:txBody>
-        </p:sp>
-        <p:pic>
-          <p:nvPicPr>
-            <p:cNvPr id="52" name="Image 51">
-              <a:extLst>
-                <a:ext uri="{FF2B5EF4-FFF2-40B4-BE49-F238E27FC236}">
-                  <a16:creationId xmlns:a16="http://schemas.microsoft.com/office/drawing/2014/main" id="{F009B8D4-CDD9-2923-1B15-FB51E1B49293}"/>
-                </a:ext>
-              </a:extLst>
-            </p:cNvPr>
-            <p:cNvPicPr>
-              <a:picLocks noChangeAspect="1"/>
-            </p:cNvPicPr>
-            <p:nvPr/>
-          </p:nvPicPr>
-          <p:blipFill>
-            <a:blip r:embed="rId9"/>
-            <a:stretch>
-              <a:fillRect/>
-            </a:stretch>
-          </p:blipFill>
-          <p:spPr>
-            <a:xfrm>
-              <a:off x="5903821" y="3513485"/>
-              <a:ext cx="1543848" cy="1061396"/>
-            </a:xfrm>
-            <a:prstGeom prst="rect">
-              <a:avLst/>
-            </a:prstGeom>
-          </p:spPr>
-        </p:pic>
-      </p:grpSp>
-      <p:cxnSp>
-        <p:nvCxnSpPr>
-          <p:cNvPr id="53" name="Connecteur droit avec flèche 52">
-            <a:extLst>
-              <a:ext uri="{FF2B5EF4-FFF2-40B4-BE49-F238E27FC236}">
-                <a16:creationId xmlns:a16="http://schemas.microsoft.com/office/drawing/2014/main" id="{D8550244-CF3E-46CD-9FB3-D08544E1F6C9}"/>
-              </a:ext>
-            </a:extLst>
-          </p:cNvPr>
-          <p:cNvCxnSpPr>
-            <a:cxnSpLocks/>
-          </p:cNvCxnSpPr>
-          <p:nvPr/>
-        </p:nvCxnSpPr>
-        <p:spPr>
-          <a:xfrm flipV="1">
-            <a:off x="6829319" y="3702769"/>
-            <a:ext cx="720000" cy="1536"/>
-          </a:xfrm>
-          <a:prstGeom prst="straightConnector1">
-            <a:avLst/>
-          </a:prstGeom>
-          <a:ln w="25400" cap="rnd">
-            <a:solidFill>
-              <a:srgbClr val="68348B"/>
-            </a:solidFill>
-            <a:tailEnd type="triangle" w="med" len="lg"/>
-          </a:ln>
-        </p:spPr>
-        <p:style>
-          <a:lnRef idx="1">
-            <a:schemeClr val="accent1"/>
-          </a:lnRef>
-          <a:fillRef idx="0">
-            <a:schemeClr val="accent1"/>
-          </a:fillRef>
-          <a:effectRef idx="0">
-            <a:schemeClr val="accent1"/>
-          </a:effectRef>
-          <a:fontRef idx="minor">
-            <a:schemeClr val="tx1"/>
-          </a:fontRef>
-        </p:style>
-      </p:cxnSp>
-      <p:grpSp>
-        <p:nvGrpSpPr>
-          <p:cNvPr id="55" name="Groupe 54">
-            <a:extLst>
-              <a:ext uri="{FF2B5EF4-FFF2-40B4-BE49-F238E27FC236}">
-                <a16:creationId xmlns:a16="http://schemas.microsoft.com/office/drawing/2014/main" id="{4FEA3EBC-91ED-BDE9-6607-868717EB421F}"/>
-              </a:ext>
-            </a:extLst>
-          </p:cNvPr>
-          <p:cNvGrpSpPr/>
-          <p:nvPr/>
-        </p:nvGrpSpPr>
-        <p:grpSpPr>
-          <a:xfrm>
-            <a:off x="8045703" y="3852099"/>
-            <a:ext cx="360000" cy="360000"/>
-            <a:chOff x="5447928" y="2816932"/>
-            <a:chExt cx="1800000" cy="1800000"/>
-          </a:xfrm>
-        </p:grpSpPr>
-        <p:sp>
-          <p:nvSpPr>
-            <p:cNvPr id="56" name="Ellipse 55">
-              <a:extLst>
-                <a:ext uri="{FF2B5EF4-FFF2-40B4-BE49-F238E27FC236}">
-                  <a16:creationId xmlns:a16="http://schemas.microsoft.com/office/drawing/2014/main" id="{639C7740-E0F1-0D34-A959-EEBB5084D37B}"/>
-                </a:ext>
-              </a:extLst>
-            </p:cNvPr>
-            <p:cNvSpPr/>
-            <p:nvPr/>
-          </p:nvSpPr>
-          <p:spPr>
-            <a:xfrm>
-              <a:off x="5447928" y="2816932"/>
-              <a:ext cx="1800000" cy="1800000"/>
-            </a:xfrm>
-            <a:prstGeom prst="ellipse">
-              <a:avLst/>
-            </a:prstGeom>
-            <a:solidFill>
-              <a:srgbClr val="EF7268"/>
-            </a:solidFill>
-            <a:ln>
-              <a:noFill/>
-            </a:ln>
-          </p:spPr>
-          <p:style>
-            <a:lnRef idx="2">
-              <a:schemeClr val="accent1">
-                <a:shade val="50000"/>
-              </a:schemeClr>
-            </a:lnRef>
-            <a:fillRef idx="1">
-              <a:schemeClr val="accent1"/>
-            </a:fillRef>
-            <a:effectRef idx="0">
-              <a:schemeClr val="accent1"/>
-            </a:effectRef>
-            <a:fontRef idx="minor">
-              <a:schemeClr val="lt1"/>
-            </a:fontRef>
-          </p:style>
-          <p:txBody>
-            <a:bodyPr rtlCol="0" anchor="ctr"/>
-            <a:lstStyle/>
-            <a:p>
-              <a:pPr algn="ctr"/>
-              <a:endParaRPr lang="fr-FR" dirty="0"/>
-            </a:p>
-          </p:txBody>
-        </p:sp>
-        <p:pic>
-          <p:nvPicPr>
-            <p:cNvPr id="57" name="Image 56">
-              <a:extLst>
-                <a:ext uri="{FF2B5EF4-FFF2-40B4-BE49-F238E27FC236}">
-                  <a16:creationId xmlns:a16="http://schemas.microsoft.com/office/drawing/2014/main" id="{EC612269-D972-EB21-CF55-B36842D06495}"/>
-                </a:ext>
-              </a:extLst>
-            </p:cNvPr>
-            <p:cNvPicPr>
-              <a:picLocks noChangeAspect="1"/>
-            </p:cNvPicPr>
-            <p:nvPr/>
-          </p:nvPicPr>
-          <p:blipFill>
-            <a:blip r:embed="rId10"/>
-            <a:stretch>
-              <a:fillRect/>
-            </a:stretch>
-          </p:blipFill>
-          <p:spPr>
-            <a:xfrm flipH="1">
-              <a:off x="5627848" y="2996852"/>
-              <a:ext cx="1440160" cy="1440160"/>
-            </a:xfrm>
-            <a:prstGeom prst="rect">
-              <a:avLst/>
-            </a:prstGeom>
-          </p:spPr>
-        </p:pic>
-      </p:grpSp>
-      <p:pic>
-        <p:nvPicPr>
-          <p:cNvPr id="59" name="Image 58">
-            <a:extLst>
-              <a:ext uri="{FF2B5EF4-FFF2-40B4-BE49-F238E27FC236}">
-                <a16:creationId xmlns:a16="http://schemas.microsoft.com/office/drawing/2014/main" id="{B3E9E472-684E-6072-F347-B28F08A29E23}"/>
-              </a:ext>
-            </a:extLst>
-          </p:cNvPr>
-          <p:cNvPicPr>
-            <a:picLocks noChangeAspect="1"/>
-          </p:cNvPicPr>
-          <p:nvPr/>
-        </p:nvPicPr>
-        <p:blipFill>
-          <a:blip r:embed="rId11"/>
-          <a:stretch>
-            <a:fillRect/>
-          </a:stretch>
-        </p:blipFill>
-        <p:spPr>
-          <a:xfrm>
-            <a:off x="6993108" y="3313520"/>
-            <a:ext cx="360000" cy="360000"/>
-          </a:xfrm>
-          <a:prstGeom prst="rect">
-            <a:avLst/>
-          </a:prstGeom>
-        </p:spPr>
-      </p:pic>
-      <p:cxnSp>
-        <p:nvCxnSpPr>
-          <p:cNvPr id="61" name="Connecteur : en angle 60">
-            <a:extLst>
-              <a:ext uri="{FF2B5EF4-FFF2-40B4-BE49-F238E27FC236}">
-                <a16:creationId xmlns:a16="http://schemas.microsoft.com/office/drawing/2014/main" id="{58F393DB-2637-6847-79EA-B747BDA4F0F5}"/>
-              </a:ext>
-            </a:extLst>
-          </p:cNvPr>
-          <p:cNvCxnSpPr>
-            <a:cxnSpLocks/>
-            <a:stCxn id="11" idx="3"/>
-            <a:endCxn id="64" idx="3"/>
-          </p:cNvCxnSpPr>
-          <p:nvPr/>
-        </p:nvCxnSpPr>
-        <p:spPr>
-          <a:xfrm flipH="1">
-            <a:off x="6795600" y="1708801"/>
-            <a:ext cx="33719" cy="1346496"/>
-          </a:xfrm>
-          <a:prstGeom prst="bentConnector3">
-            <a:avLst>
-              <a:gd name="adj1" fmla="val -1067152"/>
-            </a:avLst>
-          </a:prstGeom>
-          <a:ln w="25400">
-            <a:solidFill>
-              <a:srgbClr val="08A559"/>
-            </a:solidFill>
-            <a:headEnd type="none"/>
-            <a:tailEnd type="triangle"/>
-          </a:ln>
-        </p:spPr>
-        <p:style>
-          <a:lnRef idx="1">
-            <a:schemeClr val="accent1"/>
-          </a:lnRef>
-          <a:fillRef idx="0">
-            <a:schemeClr val="accent1"/>
-          </a:fillRef>
-          <a:effectRef idx="0">
-            <a:schemeClr val="accent1"/>
-          </a:effectRef>
-          <a:fontRef idx="minor">
-            <a:schemeClr val="tx1"/>
-          </a:fontRef>
-        </p:style>
-      </p:cxnSp>
-      <p:sp>
-        <p:nvSpPr>
-          <p:cNvPr id="64" name="Rectangle : coins arrondis 63">
-            <a:extLst>
-              <a:ext uri="{FF2B5EF4-FFF2-40B4-BE49-F238E27FC236}">
-                <a16:creationId xmlns:a16="http://schemas.microsoft.com/office/drawing/2014/main" id="{199A02DB-D17F-C7D0-AC86-EB38CD79A07D}"/>
-              </a:ext>
-            </a:extLst>
-          </p:cNvPr>
-          <p:cNvSpPr/>
-          <p:nvPr/>
-        </p:nvSpPr>
-        <p:spPr>
-          <a:xfrm>
-            <a:off x="5389319" y="2889618"/>
-            <a:ext cx="1406281" cy="331358"/>
-          </a:xfrm>
-          <a:prstGeom prst="roundRect">
-            <a:avLst>
-              <a:gd name="adj" fmla="val 11914"/>
-            </a:avLst>
-          </a:prstGeom>
-          <a:solidFill>
-            <a:srgbClr val="08A559"/>
-          </a:solidFill>
-          <a:ln w="19050">
-            <a:noFill/>
-          </a:ln>
-        </p:spPr>
-        <p:style>
-          <a:lnRef idx="2">
-            <a:schemeClr val="accent1">
-              <a:shade val="50000"/>
-            </a:schemeClr>
-          </a:lnRef>
-          <a:fillRef idx="1">
-            <a:schemeClr val="accent1"/>
-          </a:fillRef>
-          <a:effectRef idx="0">
-            <a:schemeClr val="accent1"/>
-          </a:effectRef>
-          <a:fontRef idx="minor">
-            <a:schemeClr val="lt1"/>
-          </a:fontRef>
-        </p:style>
-        <p:txBody>
-          <a:bodyPr rtlCol="0" anchor="ctr"/>
-          <a:lstStyle/>
-          <a:p>
-            <a:pPr algn="ctr"/>
-            <a:r>
-              <a:rPr lang="fr-FR" sz="1200" dirty="0">
-                <a:solidFill>
-                  <a:schemeClr val="bg1"/>
-                </a:solidFill>
-                <a:latin typeface="Arial Nova" panose="020B0504020202020204" pitchFamily="34" charset="0"/>
-              </a:rPr>
-              <a:t>Ordres (PWM)</a:t>
-            </a:r>
-          </a:p>
-        </p:txBody>
-      </p:sp>
-      <p:cxnSp>
-        <p:nvCxnSpPr>
-          <p:cNvPr id="67" name="Connecteur : en angle 66">
-            <a:extLst>
-              <a:ext uri="{FF2B5EF4-FFF2-40B4-BE49-F238E27FC236}">
-                <a16:creationId xmlns:a16="http://schemas.microsoft.com/office/drawing/2014/main" id="{415B66DC-5BA1-C73F-85C3-52531B5209A7}"/>
-              </a:ext>
-            </a:extLst>
-          </p:cNvPr>
-          <p:cNvCxnSpPr>
-            <a:cxnSpLocks/>
-            <a:stCxn id="64" idx="1"/>
-            <a:endCxn id="15" idx="0"/>
-          </p:cNvCxnSpPr>
-          <p:nvPr/>
-        </p:nvCxnSpPr>
-        <p:spPr>
-          <a:xfrm rot="10800000" flipV="1">
-            <a:off x="3938895" y="3055297"/>
-            <a:ext cx="1450425" cy="377472"/>
-          </a:xfrm>
-          <a:prstGeom prst="bentConnector2">
-            <a:avLst/>
-          </a:prstGeom>
-          <a:ln w="25400">
-            <a:solidFill>
-              <a:srgbClr val="08A559"/>
-            </a:solidFill>
-            <a:headEnd type="none"/>
-            <a:tailEnd type="triangle"/>
-          </a:ln>
-        </p:spPr>
-        <p:style>
-          <a:lnRef idx="1">
-            <a:schemeClr val="accent1"/>
-          </a:lnRef>
-          <a:fillRef idx="0">
-            <a:schemeClr val="accent1"/>
-          </a:fillRef>
-          <a:effectRef idx="0">
-            <a:schemeClr val="accent1"/>
-          </a:effectRef>
-          <a:fontRef idx="minor">
-            <a:schemeClr val="tx1"/>
-          </a:fontRef>
-        </p:style>
-      </p:cxnSp>
-      <p:pic>
-        <p:nvPicPr>
-          <p:cNvPr id="71" name="Image 70">
-            <a:extLst>
-              <a:ext uri="{FF2B5EF4-FFF2-40B4-BE49-F238E27FC236}">
-                <a16:creationId xmlns:a16="http://schemas.microsoft.com/office/drawing/2014/main" id="{A6A4AED6-2581-F94A-2A2C-968E1601F593}"/>
-              </a:ext>
-            </a:extLst>
-          </p:cNvPr>
-          <p:cNvPicPr>
-            <a:picLocks noChangeAspect="1"/>
-          </p:cNvPicPr>
-          <p:nvPr/>
-        </p:nvPicPr>
-        <p:blipFill>
-          <a:blip r:embed="rId4"/>
-          <a:stretch>
-            <a:fillRect/>
-          </a:stretch>
-        </p:blipFill>
-        <p:spPr>
-          <a:xfrm>
-            <a:off x="6903108" y="2837764"/>
-            <a:ext cx="180000" cy="180000"/>
-          </a:xfrm>
-          <a:prstGeom prst="rect">
-            <a:avLst/>
-          </a:prstGeom>
-        </p:spPr>
-      </p:pic>
-      <p:pic>
-        <p:nvPicPr>
-          <p:cNvPr id="72" name="Image 71">
-            <a:extLst>
-              <a:ext uri="{FF2B5EF4-FFF2-40B4-BE49-F238E27FC236}">
-                <a16:creationId xmlns:a16="http://schemas.microsoft.com/office/drawing/2014/main" id="{DD7FF158-FAA1-F881-E216-74F874CDD301}"/>
-              </a:ext>
-            </a:extLst>
-          </p:cNvPr>
-          <p:cNvPicPr>
-            <a:picLocks noChangeAspect="1"/>
-          </p:cNvPicPr>
-          <p:nvPr/>
-        </p:nvPicPr>
-        <p:blipFill>
-          <a:blip r:embed="rId4"/>
-          <a:stretch>
-            <a:fillRect/>
-          </a:stretch>
-        </p:blipFill>
-        <p:spPr>
-          <a:xfrm>
-            <a:off x="3705152" y="3113393"/>
-            <a:ext cx="180000" cy="180000"/>
-          </a:xfrm>
-          <a:prstGeom prst="rect">
-            <a:avLst/>
-          </a:prstGeom>
-        </p:spPr>
-      </p:pic>
-      <p:sp>
-        <p:nvSpPr>
-          <p:cNvPr id="73" name="Rectangle : coins arrondis 72">
-            <a:extLst>
-              <a:ext uri="{FF2B5EF4-FFF2-40B4-BE49-F238E27FC236}">
-                <a16:creationId xmlns:a16="http://schemas.microsoft.com/office/drawing/2014/main" id="{9855835A-A07D-9F88-33DC-F41928D86114}"/>
-              </a:ext>
-            </a:extLst>
-          </p:cNvPr>
-          <p:cNvSpPr/>
-          <p:nvPr/>
-        </p:nvSpPr>
-        <p:spPr>
-          <a:xfrm>
-            <a:off x="9634981" y="3429000"/>
-            <a:ext cx="1365662" cy="1194790"/>
-          </a:xfrm>
-          <a:prstGeom prst="roundRect">
-            <a:avLst>
-              <a:gd name="adj" fmla="val 11914"/>
-            </a:avLst>
-          </a:prstGeom>
-          <a:solidFill>
-            <a:srgbClr val="B2CAD6"/>
-          </a:solidFill>
-          <a:ln w="19050">
-            <a:solidFill>
-              <a:srgbClr val="B2CAD6"/>
-            </a:solidFill>
-          </a:ln>
-        </p:spPr>
-        <p:style>
-          <a:lnRef idx="2">
-            <a:schemeClr val="accent1">
-              <a:shade val="50000"/>
-            </a:schemeClr>
-          </a:lnRef>
-          <a:fillRef idx="1">
-            <a:schemeClr val="accent1"/>
-          </a:fillRef>
-          <a:effectRef idx="0">
-            <a:schemeClr val="accent1"/>
-          </a:effectRef>
-          <a:fontRef idx="minor">
-            <a:schemeClr val="lt1"/>
-          </a:fontRef>
-        </p:style>
-        <p:txBody>
-          <a:bodyPr rtlCol="0" anchor="ctr"/>
-          <a:lstStyle/>
-          <a:p>
-            <a:pPr algn="ctr"/>
-            <a:r>
-              <a:rPr lang="fr-FR" sz="1200" dirty="0">
-                <a:solidFill>
-                  <a:srgbClr val="0D587E"/>
-                </a:solidFill>
-                <a:latin typeface="Arial Nova" panose="020B0504020202020204" pitchFamily="34" charset="0"/>
-              </a:rPr>
-              <a:t>Axe de rotation R</a:t>
-            </a:r>
-          </a:p>
-        </p:txBody>
-      </p:sp>
-      <p:cxnSp>
-        <p:nvCxnSpPr>
-          <p:cNvPr id="74" name="Connecteur droit avec flèche 73">
-            <a:extLst>
-              <a:ext uri="{FF2B5EF4-FFF2-40B4-BE49-F238E27FC236}">
-                <a16:creationId xmlns:a16="http://schemas.microsoft.com/office/drawing/2014/main" id="{68CD29C3-A317-7C58-A7A7-665AAE50EA4D}"/>
-              </a:ext>
-            </a:extLst>
-          </p:cNvPr>
-          <p:cNvCxnSpPr>
-            <a:cxnSpLocks/>
-          </p:cNvCxnSpPr>
-          <p:nvPr/>
-        </p:nvCxnSpPr>
-        <p:spPr>
-          <a:xfrm flipV="1">
-            <a:off x="8911620" y="3702769"/>
-            <a:ext cx="720000" cy="1536"/>
-          </a:xfrm>
-          <a:prstGeom prst="straightConnector1">
-            <a:avLst/>
-          </a:prstGeom>
-          <a:ln w="25400" cap="rnd">
-            <a:solidFill>
-              <a:srgbClr val="68348B"/>
-            </a:solidFill>
-            <a:tailEnd type="triangle" w="med" len="lg"/>
-          </a:ln>
-        </p:spPr>
-        <p:style>
-          <a:lnRef idx="1">
-            <a:schemeClr val="accent1"/>
-          </a:lnRef>
-          <a:fillRef idx="0">
-            <a:schemeClr val="accent1"/>
-          </a:fillRef>
-          <a:effectRef idx="0">
-            <a:schemeClr val="accent1"/>
-          </a:effectRef>
-          <a:fontRef idx="minor">
-            <a:schemeClr val="tx1"/>
-          </a:fontRef>
-        </p:style>
-      </p:cxnSp>
-      <p:pic>
-        <p:nvPicPr>
-          <p:cNvPr id="75" name="Image 74">
-            <a:extLst>
-              <a:ext uri="{FF2B5EF4-FFF2-40B4-BE49-F238E27FC236}">
-                <a16:creationId xmlns:a16="http://schemas.microsoft.com/office/drawing/2014/main" id="{98FCC971-55C0-A51F-BCE7-08096E5E6682}"/>
-              </a:ext>
-            </a:extLst>
-          </p:cNvPr>
-          <p:cNvPicPr>
-            <a:picLocks noChangeAspect="1"/>
-          </p:cNvPicPr>
-          <p:nvPr/>
-        </p:nvPicPr>
-        <p:blipFill>
-          <a:blip r:embed="rId11"/>
-          <a:stretch>
-            <a:fillRect/>
-          </a:stretch>
-        </p:blipFill>
-        <p:spPr>
-          <a:xfrm>
-            <a:off x="9075409" y="3313520"/>
-            <a:ext cx="360000" cy="360000"/>
-          </a:xfrm>
-          <a:prstGeom prst="rect">
-            <a:avLst/>
-          </a:prstGeom>
-        </p:spPr>
-      </p:pic>
-      <p:grpSp>
-        <p:nvGrpSpPr>
-          <p:cNvPr id="2" name="Groupe 1">
-            <a:extLst>
-              <a:ext uri="{FF2B5EF4-FFF2-40B4-BE49-F238E27FC236}">
-                <a16:creationId xmlns:a16="http://schemas.microsoft.com/office/drawing/2014/main" id="{1AEE2739-FA72-6125-0769-C608C7018360}"/>
-              </a:ext>
-            </a:extLst>
-          </p:cNvPr>
-          <p:cNvGrpSpPr/>
-          <p:nvPr/>
-        </p:nvGrpSpPr>
-        <p:grpSpPr>
-          <a:xfrm>
-            <a:off x="3770117" y="1925231"/>
-            <a:ext cx="360000" cy="360000"/>
-            <a:chOff x="6138169" y="4069439"/>
-            <a:chExt cx="1800000" cy="1800000"/>
-          </a:xfrm>
-        </p:grpSpPr>
-        <p:sp>
-          <p:nvSpPr>
-            <p:cNvPr id="3" name="Ellipse 2">
-              <a:extLst>
-                <a:ext uri="{FF2B5EF4-FFF2-40B4-BE49-F238E27FC236}">
-                  <a16:creationId xmlns:a16="http://schemas.microsoft.com/office/drawing/2014/main" id="{DAE465F2-29FD-C750-3881-C65C18B6B9B8}"/>
-                </a:ext>
-              </a:extLst>
-            </p:cNvPr>
-            <p:cNvSpPr/>
-            <p:nvPr/>
-          </p:nvSpPr>
-          <p:spPr>
-            <a:xfrm>
-              <a:off x="6138169" y="4069439"/>
-              <a:ext cx="1800000" cy="1800000"/>
-            </a:xfrm>
-            <a:prstGeom prst="ellipse">
-              <a:avLst/>
-            </a:prstGeom>
-            <a:solidFill>
-              <a:srgbClr val="00547F"/>
-            </a:solidFill>
-            <a:ln>
-              <a:noFill/>
-            </a:ln>
-          </p:spPr>
-          <p:style>
-            <a:lnRef idx="2">
-              <a:schemeClr val="accent1">
-                <a:shade val="50000"/>
-              </a:schemeClr>
-            </a:lnRef>
-            <a:fillRef idx="1">
-              <a:schemeClr val="accent1"/>
-            </a:fillRef>
-            <a:effectRef idx="0">
-              <a:schemeClr val="accent1"/>
-            </a:effectRef>
-            <a:fontRef idx="minor">
-              <a:schemeClr val="lt1"/>
-            </a:fontRef>
-          </p:style>
-          <p:txBody>
-            <a:bodyPr rtlCol="0" anchor="ctr"/>
-            <a:lstStyle/>
-            <a:p>
-              <a:pPr algn="ctr"/>
-              <a:endParaRPr lang="fr-FR"/>
-            </a:p>
-          </p:txBody>
-        </p:sp>
-        <p:pic>
-          <p:nvPicPr>
-            <p:cNvPr id="5" name="Image 4">
-              <a:extLst>
-                <a:ext uri="{FF2B5EF4-FFF2-40B4-BE49-F238E27FC236}">
-                  <a16:creationId xmlns:a16="http://schemas.microsoft.com/office/drawing/2014/main" id="{685B92F1-168B-E462-1257-69B9BAF77BC1}"/>
-                </a:ext>
-              </a:extLst>
-            </p:cNvPr>
-            <p:cNvPicPr>
-              <a:picLocks noChangeAspect="1"/>
-            </p:cNvPicPr>
-            <p:nvPr/>
-          </p:nvPicPr>
-          <p:blipFill>
-            <a:blip r:embed="rId12"/>
-            <a:stretch>
-              <a:fillRect/>
-            </a:stretch>
-          </p:blipFill>
-          <p:spPr>
-            <a:xfrm>
-              <a:off x="6243433" y="4174703"/>
-              <a:ext cx="1589472" cy="1589472"/>
-            </a:xfrm>
-            <a:prstGeom prst="rect">
-              <a:avLst/>
-            </a:prstGeom>
-          </p:spPr>
-        </p:pic>
-      </p:grpSp>
-      <p:cxnSp>
-        <p:nvCxnSpPr>
-          <p:cNvPr id="24" name="Connecteur droit avec flèche 23">
-            <a:extLst>
-              <a:ext uri="{FF2B5EF4-FFF2-40B4-BE49-F238E27FC236}">
-                <a16:creationId xmlns:a16="http://schemas.microsoft.com/office/drawing/2014/main" id="{27BECE89-F3F2-3F30-E571-F3E0848510AD}"/>
-              </a:ext>
-            </a:extLst>
-          </p:cNvPr>
-          <p:cNvCxnSpPr/>
-          <p:nvPr/>
-        </p:nvCxnSpPr>
-        <p:spPr>
-          <a:xfrm flipV="1">
-            <a:off x="6829319" y="1630730"/>
-            <a:ext cx="720000" cy="1536"/>
-          </a:xfrm>
-          <a:prstGeom prst="straightConnector1">
-            <a:avLst/>
-          </a:prstGeom>
-          <a:ln w="25400">
-            <a:solidFill>
-              <a:srgbClr val="08A559"/>
-            </a:solidFill>
-            <a:headEnd type="none"/>
-            <a:tailEnd type="triangle"/>
-          </a:ln>
-        </p:spPr>
-        <p:style>
-          <a:lnRef idx="1">
-            <a:schemeClr val="accent1"/>
-          </a:lnRef>
-          <a:fillRef idx="0">
-            <a:schemeClr val="accent1"/>
-          </a:fillRef>
-          <a:effectRef idx="0">
-            <a:schemeClr val="accent1"/>
-          </a:effectRef>
-          <a:fontRef idx="minor">
-            <a:schemeClr val="tx1"/>
-          </a:fontRef>
-        </p:style>
-      </p:cxnSp>
-      <p:grpSp>
-        <p:nvGrpSpPr>
-          <p:cNvPr id="25" name="Groupe 24">
-            <a:extLst>
-              <a:ext uri="{FF2B5EF4-FFF2-40B4-BE49-F238E27FC236}">
-                <a16:creationId xmlns:a16="http://schemas.microsoft.com/office/drawing/2014/main" id="{8AD0427E-2818-D095-D897-37D9F82A7948}"/>
-              </a:ext>
-            </a:extLst>
-          </p:cNvPr>
-          <p:cNvGrpSpPr/>
-          <p:nvPr/>
-        </p:nvGrpSpPr>
-        <p:grpSpPr>
-          <a:xfrm>
-            <a:off x="7540883" y="1345899"/>
-            <a:ext cx="540000" cy="540000"/>
-            <a:chOff x="7851244" y="635246"/>
-            <a:chExt cx="1800000" cy="1800000"/>
-          </a:xfrm>
-        </p:grpSpPr>
-        <p:sp>
-          <p:nvSpPr>
-            <p:cNvPr id="27" name="Ellipse 26">
-              <a:extLst>
-                <a:ext uri="{FF2B5EF4-FFF2-40B4-BE49-F238E27FC236}">
-                  <a16:creationId xmlns:a16="http://schemas.microsoft.com/office/drawing/2014/main" id="{9AC082BF-BAFE-70DB-4372-ED574E1FDAB0}"/>
-                </a:ext>
-              </a:extLst>
-            </p:cNvPr>
-            <p:cNvSpPr/>
-            <p:nvPr/>
-          </p:nvSpPr>
-          <p:spPr>
-            <a:xfrm>
-              <a:off x="7851244" y="635246"/>
-              <a:ext cx="1800000" cy="1800000"/>
-            </a:xfrm>
-            <a:prstGeom prst="ellipse">
-              <a:avLst/>
-            </a:prstGeom>
-            <a:solidFill>
-              <a:srgbClr val="08AF5E"/>
-            </a:solidFill>
-            <a:ln>
-              <a:noFill/>
-            </a:ln>
-          </p:spPr>
-          <p:style>
-            <a:lnRef idx="2">
-              <a:schemeClr val="accent1">
-                <a:shade val="50000"/>
-              </a:schemeClr>
-            </a:lnRef>
-            <a:fillRef idx="1">
-              <a:schemeClr val="accent1"/>
-            </a:fillRef>
-            <a:effectRef idx="0">
-              <a:schemeClr val="accent1"/>
-            </a:effectRef>
-            <a:fontRef idx="minor">
-              <a:schemeClr val="lt1"/>
-            </a:fontRef>
-          </p:style>
-          <p:txBody>
-            <a:bodyPr rtlCol="0" anchor="ctr"/>
-            <a:lstStyle/>
-            <a:p>
-              <a:pPr algn="ctr"/>
-              <a:endParaRPr lang="fr-FR" dirty="0"/>
-            </a:p>
-          </p:txBody>
-        </p:sp>
-        <p:pic>
-          <p:nvPicPr>
-            <p:cNvPr id="29" name="Image 28">
-              <a:extLst>
-                <a:ext uri="{FF2B5EF4-FFF2-40B4-BE49-F238E27FC236}">
-                  <a16:creationId xmlns:a16="http://schemas.microsoft.com/office/drawing/2014/main" id="{78FC6610-C87F-EA08-508F-7863302FF762}"/>
-                </a:ext>
-              </a:extLst>
-            </p:cNvPr>
-            <p:cNvPicPr>
-              <a:picLocks noChangeAspect="1"/>
-            </p:cNvPicPr>
-            <p:nvPr/>
-          </p:nvPicPr>
-          <p:blipFill>
-            <a:blip r:embed="rId13"/>
-            <a:stretch>
-              <a:fillRect/>
-            </a:stretch>
-          </p:blipFill>
-          <p:spPr>
-            <a:xfrm>
-              <a:off x="8074192" y="879141"/>
-              <a:ext cx="1337198" cy="1264070"/>
-            </a:xfrm>
-            <a:prstGeom prst="rect">
-              <a:avLst/>
-            </a:prstGeom>
-          </p:spPr>
-        </p:pic>
-      </p:grpSp>
-      <p:grpSp>
-        <p:nvGrpSpPr>
-          <p:cNvPr id="31" name="Groupe 30">
-            <a:extLst>
-              <a:ext uri="{FF2B5EF4-FFF2-40B4-BE49-F238E27FC236}">
-                <a16:creationId xmlns:a16="http://schemas.microsoft.com/office/drawing/2014/main" id="{38DE34A1-309E-3092-6C78-2EC2C4982571}"/>
-              </a:ext>
-            </a:extLst>
-          </p:cNvPr>
-          <p:cNvGrpSpPr/>
-          <p:nvPr/>
-        </p:nvGrpSpPr>
-        <p:grpSpPr>
-          <a:xfrm rot="5400000" flipV="1">
-            <a:off x="10181964" y="4049013"/>
-            <a:ext cx="835963" cy="1617775"/>
-            <a:chOff x="9150640" y="2423323"/>
-            <a:chExt cx="835963" cy="2135794"/>
-          </a:xfrm>
-        </p:grpSpPr>
-        <p:sp>
-          <p:nvSpPr>
-            <p:cNvPr id="33" name="Flèche : virage 32">
-              <a:extLst>
-                <a:ext uri="{FF2B5EF4-FFF2-40B4-BE49-F238E27FC236}">
-                  <a16:creationId xmlns:a16="http://schemas.microsoft.com/office/drawing/2014/main" id="{04988C8D-4296-036F-48CD-BEABA954B0A6}"/>
-                </a:ext>
-              </a:extLst>
-            </p:cNvPr>
-            <p:cNvSpPr/>
-            <p:nvPr/>
-          </p:nvSpPr>
-          <p:spPr>
-            <a:xfrm rot="5400000">
-              <a:off x="8500725" y="3073238"/>
-              <a:ext cx="2135794" cy="835963"/>
-            </a:xfrm>
-            <a:prstGeom prst="bentArrow">
-              <a:avLst>
-                <a:gd name="adj1" fmla="val 31434"/>
-                <a:gd name="adj2" fmla="val 25000"/>
-                <a:gd name="adj3" fmla="val 17852"/>
-                <a:gd name="adj4" fmla="val 20160"/>
-              </a:avLst>
-            </a:prstGeom>
-            <a:solidFill>
-              <a:srgbClr val="B2CAD6"/>
-            </a:solidFill>
-            <a:ln>
-              <a:noFill/>
-            </a:ln>
-          </p:spPr>
-          <p:style>
-            <a:lnRef idx="2">
-              <a:schemeClr val="accent1">
-                <a:shade val="50000"/>
-              </a:schemeClr>
-            </a:lnRef>
-            <a:fillRef idx="1">
-              <a:schemeClr val="accent1"/>
-            </a:fillRef>
-            <a:effectRef idx="0">
-              <a:schemeClr val="accent1"/>
-            </a:effectRef>
-            <a:fontRef idx="minor">
-              <a:schemeClr val="lt1"/>
-            </a:fontRef>
-          </p:style>
-          <p:txBody>
-            <a:bodyPr rtlCol="0" anchor="ctr"/>
-            <a:lstStyle/>
-            <a:p>
-              <a:pPr algn="ctr"/>
-              <a:endParaRPr lang="fr-FR" dirty="0">
-                <a:solidFill>
-                  <a:schemeClr val="tx1"/>
-                </a:solidFill>
-              </a:endParaRPr>
-            </a:p>
-          </p:txBody>
-        </p:sp>
-        <p:sp>
-          <p:nvSpPr>
-            <p:cNvPr id="41" name="ZoneTexte 40">
-              <a:extLst>
-                <a:ext uri="{FF2B5EF4-FFF2-40B4-BE49-F238E27FC236}">
-                  <a16:creationId xmlns:a16="http://schemas.microsoft.com/office/drawing/2014/main" id="{0EAB7195-7F12-55FF-728F-9973D74F9553}"/>
-                </a:ext>
-              </a:extLst>
-            </p:cNvPr>
-            <p:cNvSpPr txBox="1"/>
-            <p:nvPr/>
-          </p:nvSpPr>
-          <p:spPr>
-            <a:xfrm rot="16200000">
-              <a:off x="8798745" y="3278541"/>
-              <a:ext cx="1918043" cy="307777"/>
-            </a:xfrm>
-            <a:prstGeom prst="rect">
-              <a:avLst/>
-            </a:prstGeom>
-            <a:noFill/>
-            <a:ln>
-              <a:noFill/>
-            </a:ln>
-          </p:spPr>
-          <p:txBody>
-            <a:bodyPr wrap="square" rtlCol="0">
-              <a:spAutoFit/>
-            </a:bodyPr>
-            <a:lstStyle/>
-            <a:p>
-              <a:r>
-                <a:rPr lang="fr-FR" sz="1400" dirty="0">
-                  <a:solidFill>
-                    <a:schemeClr val="bg1"/>
-                  </a:solidFill>
-                  <a:latin typeface="Arial Nova" panose="020B0504020202020204" pitchFamily="34" charset="0"/>
-                </a:rPr>
-                <a:t>Bras en rotation</a:t>
-              </a:r>
-            </a:p>
-          </p:txBody>
-        </p:sp>
-      </p:grpSp>
-      <p:grpSp>
-        <p:nvGrpSpPr>
-          <p:cNvPr id="42" name="Groupe 41">
-            <a:extLst>
-              <a:ext uri="{FF2B5EF4-FFF2-40B4-BE49-F238E27FC236}">
-                <a16:creationId xmlns:a16="http://schemas.microsoft.com/office/drawing/2014/main" id="{E35B4FFB-30FA-9F2D-8AAF-612988931FF4}"/>
-              </a:ext>
-            </a:extLst>
-          </p:cNvPr>
-          <p:cNvGrpSpPr/>
-          <p:nvPr/>
-        </p:nvGrpSpPr>
-        <p:grpSpPr>
-          <a:xfrm>
-            <a:off x="8611878" y="2802701"/>
-            <a:ext cx="1549219" cy="611677"/>
-            <a:chOff x="9075408" y="2802701"/>
-            <a:chExt cx="1549219" cy="611677"/>
-          </a:xfrm>
-        </p:grpSpPr>
-        <p:sp>
-          <p:nvSpPr>
-            <p:cNvPr id="43" name="Flèche : virage 42">
-              <a:extLst>
-                <a:ext uri="{FF2B5EF4-FFF2-40B4-BE49-F238E27FC236}">
-                  <a16:creationId xmlns:a16="http://schemas.microsoft.com/office/drawing/2014/main" id="{0138F1DD-36B1-33FD-3B41-493A2B0091E5}"/>
-                </a:ext>
-              </a:extLst>
-            </p:cNvPr>
-            <p:cNvSpPr/>
-            <p:nvPr/>
-          </p:nvSpPr>
-          <p:spPr>
-            <a:xfrm rot="5400000">
-              <a:off x="9563593" y="2353345"/>
-              <a:ext cx="572849" cy="1549218"/>
-            </a:xfrm>
-            <a:prstGeom prst="bentArrow">
-              <a:avLst>
-                <a:gd name="adj1" fmla="val 38639"/>
-                <a:gd name="adj2" fmla="val 38302"/>
-                <a:gd name="adj3" fmla="val 16744"/>
-                <a:gd name="adj4" fmla="val 20160"/>
-              </a:avLst>
-            </a:prstGeom>
-            <a:solidFill>
-              <a:srgbClr val="B2CAD6"/>
-            </a:solidFill>
-            <a:ln>
-              <a:noFill/>
-            </a:ln>
-          </p:spPr>
-          <p:style>
-            <a:lnRef idx="2">
-              <a:schemeClr val="accent1">
-                <a:shade val="50000"/>
-              </a:schemeClr>
-            </a:lnRef>
-            <a:fillRef idx="1">
-              <a:schemeClr val="accent1"/>
-            </a:fillRef>
-            <a:effectRef idx="0">
-              <a:schemeClr val="accent1"/>
-            </a:effectRef>
-            <a:fontRef idx="minor">
-              <a:schemeClr val="lt1"/>
-            </a:fontRef>
-          </p:style>
-          <p:txBody>
-            <a:bodyPr rtlCol="0" anchor="ctr"/>
-            <a:lstStyle/>
-            <a:p>
-              <a:pPr algn="ctr"/>
-              <a:endParaRPr lang="fr-FR" dirty="0">
-                <a:solidFill>
-                  <a:schemeClr val="tx1"/>
-                </a:solidFill>
-              </a:endParaRPr>
-            </a:p>
-          </p:txBody>
-        </p:sp>
-        <p:sp>
-          <p:nvSpPr>
-            <p:cNvPr id="54" name="ZoneTexte 53">
-              <a:extLst>
-                <a:ext uri="{FF2B5EF4-FFF2-40B4-BE49-F238E27FC236}">
-                  <a16:creationId xmlns:a16="http://schemas.microsoft.com/office/drawing/2014/main" id="{467AC060-C68E-2A43-8F56-FAB28245CB61}"/>
-                </a:ext>
-              </a:extLst>
-            </p:cNvPr>
-            <p:cNvSpPr txBox="1"/>
-            <p:nvPr/>
-          </p:nvSpPr>
-          <p:spPr>
-            <a:xfrm>
-              <a:off x="9075408" y="2802701"/>
-              <a:ext cx="1473718" cy="307777"/>
-            </a:xfrm>
-            <a:prstGeom prst="rect">
-              <a:avLst/>
-            </a:prstGeom>
-            <a:noFill/>
-            <a:ln>
-              <a:noFill/>
-            </a:ln>
-          </p:spPr>
-          <p:txBody>
-            <a:bodyPr wrap="square" rtlCol="0">
-              <a:spAutoFit/>
-            </a:bodyPr>
-            <a:lstStyle/>
-            <a:p>
-              <a:r>
-                <a:rPr lang="fr-FR" sz="1400" dirty="0">
-                  <a:solidFill>
-                    <a:schemeClr val="bg1"/>
-                  </a:solidFill>
-                  <a:latin typeface="Arial Nova" panose="020B0504020202020204" pitchFamily="34" charset="0"/>
-                </a:rPr>
-                <a:t>Bras à l’arrêt</a:t>
-              </a:r>
-            </a:p>
-          </p:txBody>
-        </p:sp>
-      </p:grpSp>
-      <p:grpSp>
-        <p:nvGrpSpPr>
-          <p:cNvPr id="58" name="Groupe 57">
-            <a:extLst>
-              <a:ext uri="{FF2B5EF4-FFF2-40B4-BE49-F238E27FC236}">
-                <a16:creationId xmlns:a16="http://schemas.microsoft.com/office/drawing/2014/main" id="{4A63B512-500C-D3F9-3D5E-72074BBB7EBC}"/>
-              </a:ext>
-            </a:extLst>
-          </p:cNvPr>
-          <p:cNvGrpSpPr/>
-          <p:nvPr/>
-        </p:nvGrpSpPr>
-        <p:grpSpPr>
-          <a:xfrm>
-            <a:off x="1900107" y="1908524"/>
-            <a:ext cx="360000" cy="360000"/>
-            <a:chOff x="9715662" y="4629628"/>
-            <a:chExt cx="1800000" cy="1800000"/>
-          </a:xfrm>
-        </p:grpSpPr>
-        <p:sp>
-          <p:nvSpPr>
-            <p:cNvPr id="60" name="Ellipse 59">
-              <a:extLst>
-                <a:ext uri="{FF2B5EF4-FFF2-40B4-BE49-F238E27FC236}">
-                  <a16:creationId xmlns:a16="http://schemas.microsoft.com/office/drawing/2014/main" id="{910F43DD-E82E-AB07-D0CA-7C80FA80BCDF}"/>
-                </a:ext>
-              </a:extLst>
-            </p:cNvPr>
-            <p:cNvSpPr/>
-            <p:nvPr/>
-          </p:nvSpPr>
-          <p:spPr>
-            <a:xfrm>
-              <a:off x="9715662" y="4629628"/>
-              <a:ext cx="1800000" cy="1800000"/>
-            </a:xfrm>
-            <a:prstGeom prst="ellipse">
-              <a:avLst/>
-            </a:prstGeom>
-            <a:solidFill>
-              <a:srgbClr val="00547F"/>
-            </a:solidFill>
-            <a:ln>
-              <a:noFill/>
-            </a:ln>
-          </p:spPr>
-          <p:style>
-            <a:lnRef idx="2">
-              <a:schemeClr val="accent1">
-                <a:shade val="50000"/>
-              </a:schemeClr>
-            </a:lnRef>
-            <a:fillRef idx="1">
-              <a:schemeClr val="accent1"/>
-            </a:fillRef>
-            <a:effectRef idx="0">
-              <a:schemeClr val="accent1"/>
-            </a:effectRef>
-            <a:fontRef idx="minor">
-              <a:schemeClr val="lt1"/>
-            </a:fontRef>
-          </p:style>
-          <p:txBody>
-            <a:bodyPr rtlCol="0" anchor="ctr"/>
-            <a:lstStyle/>
-            <a:p>
-              <a:pPr algn="ctr"/>
-              <a:endParaRPr lang="fr-FR"/>
-            </a:p>
-          </p:txBody>
-        </p:sp>
-        <p:pic>
-          <p:nvPicPr>
-            <p:cNvPr id="62" name="Image 61">
-              <a:extLst>
-                <a:ext uri="{FF2B5EF4-FFF2-40B4-BE49-F238E27FC236}">
-                  <a16:creationId xmlns:a16="http://schemas.microsoft.com/office/drawing/2014/main" id="{9E521C9A-A78C-1734-9575-1C6FDF0EFA57}"/>
-                </a:ext>
-              </a:extLst>
-            </p:cNvPr>
-            <p:cNvPicPr>
-              <a:picLocks noChangeAspect="1"/>
-            </p:cNvPicPr>
-            <p:nvPr/>
-          </p:nvPicPr>
-          <p:blipFill>
-            <a:blip r:embed="rId14"/>
-            <a:stretch>
-              <a:fillRect/>
-            </a:stretch>
-          </p:blipFill>
-          <p:spPr>
-            <a:xfrm>
-              <a:off x="9967662" y="4881628"/>
-              <a:ext cx="1296000" cy="1296000"/>
-            </a:xfrm>
-            <a:prstGeom prst="rect">
-              <a:avLst/>
-            </a:prstGeom>
-          </p:spPr>
-        </p:pic>
-      </p:grpSp>
-      <p:grpSp>
-        <p:nvGrpSpPr>
-          <p:cNvPr id="65" name="Groupe 64">
-            <a:extLst>
-              <a:ext uri="{FF2B5EF4-FFF2-40B4-BE49-F238E27FC236}">
-                <a16:creationId xmlns:a16="http://schemas.microsoft.com/office/drawing/2014/main" id="{2C238199-1F4A-5BE7-5261-C1004A830C71}"/>
-              </a:ext>
-            </a:extLst>
-          </p:cNvPr>
-          <p:cNvGrpSpPr/>
-          <p:nvPr/>
-        </p:nvGrpSpPr>
-        <p:grpSpPr>
-          <a:xfrm>
-            <a:off x="6452459" y="1931852"/>
-            <a:ext cx="360000" cy="360000"/>
-            <a:chOff x="10405167" y="4101988"/>
-            <a:chExt cx="1800000" cy="1800000"/>
-          </a:xfrm>
-        </p:grpSpPr>
-        <p:sp>
-          <p:nvSpPr>
-            <p:cNvPr id="66" name="Ellipse 65">
-              <a:extLst>
-                <a:ext uri="{FF2B5EF4-FFF2-40B4-BE49-F238E27FC236}">
-                  <a16:creationId xmlns:a16="http://schemas.microsoft.com/office/drawing/2014/main" id="{93CFD45D-1B44-5AAB-5ED4-B2F275782F01}"/>
-                </a:ext>
-              </a:extLst>
-            </p:cNvPr>
-            <p:cNvSpPr/>
-            <p:nvPr/>
-          </p:nvSpPr>
-          <p:spPr>
-            <a:xfrm>
-              <a:off x="10405167" y="4101988"/>
-              <a:ext cx="1800000" cy="1800000"/>
-            </a:xfrm>
-            <a:prstGeom prst="ellipse">
-              <a:avLst/>
-            </a:prstGeom>
-            <a:solidFill>
-              <a:srgbClr val="08AF5E"/>
-            </a:solidFill>
-            <a:ln>
-              <a:noFill/>
-            </a:ln>
-          </p:spPr>
-          <p:style>
-            <a:lnRef idx="2">
-              <a:schemeClr val="accent1">
-                <a:shade val="50000"/>
-              </a:schemeClr>
-            </a:lnRef>
-            <a:fillRef idx="1">
-              <a:schemeClr val="accent1"/>
-            </a:fillRef>
-            <a:effectRef idx="0">
-              <a:schemeClr val="accent1"/>
-            </a:effectRef>
-            <a:fontRef idx="minor">
-              <a:schemeClr val="lt1"/>
-            </a:fontRef>
-          </p:style>
-          <p:txBody>
-            <a:bodyPr rtlCol="0" anchor="ctr"/>
-            <a:lstStyle/>
-            <a:p>
-              <a:pPr algn="ctr"/>
-              <a:endParaRPr lang="fr-FR" dirty="0"/>
-            </a:p>
-          </p:txBody>
-        </p:sp>
-        <p:pic>
-          <p:nvPicPr>
-            <p:cNvPr id="68" name="Image 67">
-              <a:extLst>
-                <a:ext uri="{FF2B5EF4-FFF2-40B4-BE49-F238E27FC236}">
-                  <a16:creationId xmlns:a16="http://schemas.microsoft.com/office/drawing/2014/main" id="{33915D74-87CA-5B76-0A74-83E3DCEE8611}"/>
-                </a:ext>
-              </a:extLst>
-            </p:cNvPr>
-            <p:cNvPicPr>
-              <a:picLocks noChangeAspect="1"/>
-            </p:cNvPicPr>
-            <p:nvPr/>
-          </p:nvPicPr>
-          <p:blipFill>
-            <a:blip r:embed="rId15"/>
-            <a:stretch>
-              <a:fillRect/>
-            </a:stretch>
-          </p:blipFill>
-          <p:spPr>
-            <a:xfrm>
-              <a:off x="10456414" y="4137988"/>
-              <a:ext cx="1728000" cy="1728000"/>
-            </a:xfrm>
-            <a:prstGeom prst="rect">
-              <a:avLst/>
-            </a:prstGeom>
-          </p:spPr>
-        </p:pic>
-      </p:grpSp>
-      <p:grpSp>
-        <p:nvGrpSpPr>
-          <p:cNvPr id="86" name="Groupe 85">
-            <a:extLst>
-              <a:ext uri="{FF2B5EF4-FFF2-40B4-BE49-F238E27FC236}">
-                <a16:creationId xmlns:a16="http://schemas.microsoft.com/office/drawing/2014/main" id="{0F2F4DC1-8EA1-C967-ACDB-8B8835C2A512}"/>
-              </a:ext>
-            </a:extLst>
-          </p:cNvPr>
-          <p:cNvGrpSpPr/>
-          <p:nvPr/>
-        </p:nvGrpSpPr>
-        <p:grpSpPr>
-          <a:xfrm>
-            <a:off x="330445" y="1559561"/>
-            <a:ext cx="693018" cy="242466"/>
-            <a:chOff x="330445" y="1559561"/>
-            <a:chExt cx="693018" cy="242466"/>
-          </a:xfrm>
-        </p:grpSpPr>
-        <p:grpSp>
-          <p:nvGrpSpPr>
-            <p:cNvPr id="87" name="Groupe 86">
-              <a:extLst>
-                <a:ext uri="{FF2B5EF4-FFF2-40B4-BE49-F238E27FC236}">
-                  <a16:creationId xmlns:a16="http://schemas.microsoft.com/office/drawing/2014/main" id="{DB3286D5-A2B1-83BE-5455-C933528D079C}"/>
-                </a:ext>
-              </a:extLst>
-            </p:cNvPr>
-            <p:cNvGrpSpPr/>
-            <p:nvPr/>
-          </p:nvGrpSpPr>
-          <p:grpSpPr>
-            <a:xfrm>
-              <a:off x="538480" y="1559561"/>
-              <a:ext cx="484983" cy="242466"/>
-              <a:chOff x="6993109" y="4439920"/>
-              <a:chExt cx="363360" cy="199689"/>
-            </a:xfrm>
-            <a:solidFill>
-              <a:srgbClr val="C3AED1"/>
-            </a:solidFill>
-          </p:grpSpPr>
-          <p:sp>
-            <p:nvSpPr>
-              <p:cNvPr id="91" name="Flèche : droite rayée 90">
-                <a:extLst>
-                  <a:ext uri="{FF2B5EF4-FFF2-40B4-BE49-F238E27FC236}">
-                    <a16:creationId xmlns:a16="http://schemas.microsoft.com/office/drawing/2014/main" id="{2486FA3B-8B79-D8EC-A5E3-5E47AEE5472D}"/>
-                  </a:ext>
-                </a:extLst>
-              </p:cNvPr>
-              <p:cNvSpPr/>
-              <p:nvPr/>
-            </p:nvSpPr>
-            <p:spPr>
-              <a:xfrm>
-                <a:off x="6993109" y="4439920"/>
-                <a:ext cx="363360" cy="199689"/>
-              </a:xfrm>
-              <a:prstGeom prst="stripedRightArrow">
-                <a:avLst>
-                  <a:gd name="adj1" fmla="val 57350"/>
-                  <a:gd name="adj2" fmla="val 50000"/>
-                </a:avLst>
-              </a:prstGeom>
-              <a:grpFill/>
-              <a:ln>
-                <a:solidFill>
-                  <a:srgbClr val="68348B"/>
-                </a:solidFill>
-              </a:ln>
-            </p:spPr>
-            <p:style>
-              <a:lnRef idx="2">
-                <a:schemeClr val="accent1">
-                  <a:shade val="15000"/>
-                </a:schemeClr>
-              </a:lnRef>
-              <a:fillRef idx="1">
-                <a:schemeClr val="accent1"/>
-              </a:fillRef>
-              <a:effectRef idx="0">
-                <a:schemeClr val="accent1"/>
-              </a:effectRef>
-              <a:fontRef idx="minor">
-                <a:schemeClr val="lt1"/>
-              </a:fontRef>
-            </p:style>
-            <p:txBody>
-              <a:bodyPr rtlCol="0" anchor="ctr"/>
-              <a:lstStyle/>
-              <a:p>
-                <a:pPr algn="ctr"/>
-                <a:endParaRPr lang="fr-FR"/>
-              </a:p>
-            </p:txBody>
-          </p:sp>
-          <p:pic>
-            <p:nvPicPr>
-              <p:cNvPr id="92" name="Image 91">
-                <a:extLst>
-                  <a:ext uri="{FF2B5EF4-FFF2-40B4-BE49-F238E27FC236}">
-                    <a16:creationId xmlns:a16="http://schemas.microsoft.com/office/drawing/2014/main" id="{773D5493-FD01-EEBA-AC76-DBB4738A480B}"/>
-                  </a:ext>
-                </a:extLst>
-              </p:cNvPr>
-              <p:cNvPicPr>
-                <a:picLocks noChangeAspect="1"/>
-              </p:cNvPicPr>
-              <p:nvPr/>
-            </p:nvPicPr>
-            <p:blipFill>
-              <a:blip r:embed="rId3"/>
-              <a:stretch>
-                <a:fillRect/>
-              </a:stretch>
-            </p:blipFill>
-            <p:spPr>
-              <a:xfrm>
-                <a:off x="7039789" y="4494852"/>
-                <a:ext cx="256994" cy="89823"/>
-              </a:xfrm>
-              <a:prstGeom prst="rect">
-                <a:avLst/>
-              </a:prstGeom>
-              <a:grpFill/>
-              <a:ln>
-                <a:noFill/>
-              </a:ln>
-            </p:spPr>
-          </p:pic>
-        </p:grpSp>
-        <p:grpSp>
-          <p:nvGrpSpPr>
-            <p:cNvPr id="88" name="Groupe 87">
-              <a:extLst>
-                <a:ext uri="{FF2B5EF4-FFF2-40B4-BE49-F238E27FC236}">
-                  <a16:creationId xmlns:a16="http://schemas.microsoft.com/office/drawing/2014/main" id="{A4C883D4-4DD0-AC02-5F88-CBCFC87C9ACA}"/>
-                </a:ext>
-              </a:extLst>
-            </p:cNvPr>
-            <p:cNvGrpSpPr/>
-            <p:nvPr/>
-          </p:nvGrpSpPr>
-          <p:grpSpPr>
-            <a:xfrm>
-              <a:off x="330445" y="1590794"/>
-              <a:ext cx="180000" cy="180000"/>
-              <a:chOff x="5404964" y="4396133"/>
-              <a:chExt cx="1800000" cy="1800000"/>
-            </a:xfrm>
-          </p:grpSpPr>
-          <p:sp>
-            <p:nvSpPr>
-              <p:cNvPr id="89" name="Ellipse 88">
-                <a:extLst>
-                  <a:ext uri="{FF2B5EF4-FFF2-40B4-BE49-F238E27FC236}">
-                    <a16:creationId xmlns:a16="http://schemas.microsoft.com/office/drawing/2014/main" id="{14E26ADD-F5E6-F833-D440-F617AD54F8E9}"/>
-                  </a:ext>
-                </a:extLst>
-              </p:cNvPr>
-              <p:cNvSpPr/>
-              <p:nvPr/>
-            </p:nvSpPr>
-            <p:spPr>
-              <a:xfrm>
-                <a:off x="5404964" y="4396133"/>
-                <a:ext cx="1800000" cy="1800000"/>
-              </a:xfrm>
-              <a:prstGeom prst="ellipse">
-                <a:avLst/>
-              </a:prstGeom>
-              <a:solidFill>
-                <a:srgbClr val="68348B"/>
-              </a:solidFill>
-              <a:ln>
-                <a:noFill/>
-              </a:ln>
-            </p:spPr>
-            <p:style>
-              <a:lnRef idx="2">
-                <a:schemeClr val="accent1">
-                  <a:shade val="50000"/>
-                </a:schemeClr>
-              </a:lnRef>
-              <a:fillRef idx="1">
-                <a:schemeClr val="accent1"/>
-              </a:fillRef>
-              <a:effectRef idx="0">
-                <a:schemeClr val="accent1"/>
-              </a:effectRef>
-              <a:fontRef idx="minor">
-                <a:schemeClr val="lt1"/>
-              </a:fontRef>
-            </p:style>
-            <p:txBody>
-              <a:bodyPr rtlCol="0" anchor="ctr"/>
-              <a:lstStyle/>
-              <a:p>
-                <a:pPr algn="ctr"/>
-                <a:endParaRPr lang="fr-FR" dirty="0"/>
-              </a:p>
-            </p:txBody>
-          </p:sp>
-          <p:pic>
-            <p:nvPicPr>
-              <p:cNvPr id="90" name="Image 89">
-                <a:extLst>
-                  <a:ext uri="{FF2B5EF4-FFF2-40B4-BE49-F238E27FC236}">
-                    <a16:creationId xmlns:a16="http://schemas.microsoft.com/office/drawing/2014/main" id="{525AF2E3-A58C-0386-77FC-E5075690300B}"/>
-                  </a:ext>
-                </a:extLst>
-              </p:cNvPr>
-              <p:cNvPicPr>
-                <a:picLocks noChangeAspect="1"/>
-              </p:cNvPicPr>
-              <p:nvPr/>
-            </p:nvPicPr>
-            <p:blipFill>
-              <a:blip r:embed="rId2"/>
-              <a:stretch>
-                <a:fillRect/>
-              </a:stretch>
-            </p:blipFill>
-            <p:spPr>
-              <a:xfrm>
-                <a:off x="5543445" y="4536296"/>
-                <a:ext cx="1358232" cy="1440000"/>
-              </a:xfrm>
-              <a:prstGeom prst="rect">
-                <a:avLst/>
-              </a:prstGeom>
-            </p:spPr>
-          </p:pic>
-        </p:grpSp>
-      </p:grpSp>
-      <p:grpSp>
-        <p:nvGrpSpPr>
-          <p:cNvPr id="93" name="Groupe 92">
-            <a:extLst>
-              <a:ext uri="{FF2B5EF4-FFF2-40B4-BE49-F238E27FC236}">
-                <a16:creationId xmlns:a16="http://schemas.microsoft.com/office/drawing/2014/main" id="{DA8B86FD-19B1-17E6-2D01-09B360CE8A43}"/>
-              </a:ext>
-            </a:extLst>
-          </p:cNvPr>
-          <p:cNvGrpSpPr/>
-          <p:nvPr/>
-        </p:nvGrpSpPr>
-        <p:grpSpPr>
-          <a:xfrm>
-            <a:off x="6682382" y="4212662"/>
-            <a:ext cx="693018" cy="242466"/>
-            <a:chOff x="330445" y="1559561"/>
-            <a:chExt cx="693018" cy="242466"/>
-          </a:xfrm>
-        </p:grpSpPr>
-        <p:grpSp>
-          <p:nvGrpSpPr>
-            <p:cNvPr id="94" name="Groupe 93">
-              <a:extLst>
-                <a:ext uri="{FF2B5EF4-FFF2-40B4-BE49-F238E27FC236}">
-                  <a16:creationId xmlns:a16="http://schemas.microsoft.com/office/drawing/2014/main" id="{6DB94E70-DEFE-4956-D31B-55A2AAC9AC3E}"/>
-                </a:ext>
-              </a:extLst>
-            </p:cNvPr>
-            <p:cNvGrpSpPr/>
-            <p:nvPr/>
-          </p:nvGrpSpPr>
-          <p:grpSpPr>
-            <a:xfrm>
-              <a:off x="538480" y="1559561"/>
-              <a:ext cx="484983" cy="242466"/>
-              <a:chOff x="6993109" y="4439920"/>
-              <a:chExt cx="363360" cy="199689"/>
-            </a:xfrm>
-            <a:solidFill>
-              <a:srgbClr val="C3AED1"/>
-            </a:solidFill>
-          </p:grpSpPr>
-          <p:sp>
-            <p:nvSpPr>
-              <p:cNvPr id="98" name="Flèche : droite rayée 97">
-                <a:extLst>
-                  <a:ext uri="{FF2B5EF4-FFF2-40B4-BE49-F238E27FC236}">
-                    <a16:creationId xmlns:a16="http://schemas.microsoft.com/office/drawing/2014/main" id="{C054B956-D175-E452-CA57-F76F744B3F09}"/>
-                  </a:ext>
-                </a:extLst>
-              </p:cNvPr>
-              <p:cNvSpPr/>
-              <p:nvPr/>
-            </p:nvSpPr>
-            <p:spPr>
-              <a:xfrm>
-                <a:off x="6993109" y="4439920"/>
-                <a:ext cx="363360" cy="199689"/>
-              </a:xfrm>
-              <a:prstGeom prst="stripedRightArrow">
-                <a:avLst>
-                  <a:gd name="adj1" fmla="val 57350"/>
-                  <a:gd name="adj2" fmla="val 50000"/>
-                </a:avLst>
-              </a:prstGeom>
-              <a:grpFill/>
-              <a:ln>
-                <a:solidFill>
-                  <a:srgbClr val="68348B"/>
-                </a:solidFill>
-              </a:ln>
-            </p:spPr>
-            <p:style>
-              <a:lnRef idx="2">
-                <a:schemeClr val="accent1">
-                  <a:shade val="15000"/>
-                </a:schemeClr>
-              </a:lnRef>
-              <a:fillRef idx="1">
-                <a:schemeClr val="accent1"/>
-              </a:fillRef>
-              <a:effectRef idx="0">
-                <a:schemeClr val="accent1"/>
-              </a:effectRef>
-              <a:fontRef idx="minor">
-                <a:schemeClr val="lt1"/>
-              </a:fontRef>
-            </p:style>
-            <p:txBody>
-              <a:bodyPr rtlCol="0" anchor="ctr"/>
-              <a:lstStyle/>
-              <a:p>
-                <a:pPr algn="ctr"/>
-                <a:endParaRPr lang="fr-FR"/>
-              </a:p>
-            </p:txBody>
-          </p:sp>
-          <p:pic>
-            <p:nvPicPr>
-              <p:cNvPr id="99" name="Image 98">
-                <a:extLst>
-                  <a:ext uri="{FF2B5EF4-FFF2-40B4-BE49-F238E27FC236}">
-                    <a16:creationId xmlns:a16="http://schemas.microsoft.com/office/drawing/2014/main" id="{1688CE3A-82CA-A850-3799-C5F2E18843B9}"/>
-                  </a:ext>
-                </a:extLst>
-              </p:cNvPr>
-              <p:cNvPicPr>
-                <a:picLocks noChangeAspect="1"/>
-              </p:cNvPicPr>
-              <p:nvPr/>
-            </p:nvPicPr>
-            <p:blipFill>
-              <a:blip r:embed="rId3"/>
-              <a:stretch>
-                <a:fillRect/>
-              </a:stretch>
-            </p:blipFill>
-            <p:spPr>
-              <a:xfrm>
-                <a:off x="7039789" y="4494852"/>
-                <a:ext cx="256994" cy="89823"/>
-              </a:xfrm>
-              <a:prstGeom prst="rect">
-                <a:avLst/>
-              </a:prstGeom>
-              <a:grpFill/>
-              <a:ln>
-                <a:noFill/>
-              </a:ln>
-            </p:spPr>
-          </p:pic>
-        </p:grpSp>
-        <p:grpSp>
-          <p:nvGrpSpPr>
-            <p:cNvPr id="95" name="Groupe 94">
-              <a:extLst>
-                <a:ext uri="{FF2B5EF4-FFF2-40B4-BE49-F238E27FC236}">
-                  <a16:creationId xmlns:a16="http://schemas.microsoft.com/office/drawing/2014/main" id="{3B5F8AF9-D564-6EF3-347C-EE32140B023D}"/>
-                </a:ext>
-              </a:extLst>
-            </p:cNvPr>
-            <p:cNvGrpSpPr/>
-            <p:nvPr/>
-          </p:nvGrpSpPr>
-          <p:grpSpPr>
-            <a:xfrm>
-              <a:off x="330445" y="1590794"/>
-              <a:ext cx="180000" cy="180000"/>
-              <a:chOff x="5404964" y="4396133"/>
-              <a:chExt cx="1800000" cy="1800000"/>
-            </a:xfrm>
-          </p:grpSpPr>
-          <p:sp>
-            <p:nvSpPr>
-              <p:cNvPr id="96" name="Ellipse 95">
-                <a:extLst>
-                  <a:ext uri="{FF2B5EF4-FFF2-40B4-BE49-F238E27FC236}">
-                    <a16:creationId xmlns:a16="http://schemas.microsoft.com/office/drawing/2014/main" id="{7AE15749-E153-5691-11E2-4ED37C07FE7C}"/>
-                  </a:ext>
-                </a:extLst>
-              </p:cNvPr>
-              <p:cNvSpPr/>
-              <p:nvPr/>
-            </p:nvSpPr>
-            <p:spPr>
-              <a:xfrm>
-                <a:off x="5404964" y="4396133"/>
-                <a:ext cx="1800000" cy="1800000"/>
-              </a:xfrm>
-              <a:prstGeom prst="ellipse">
-                <a:avLst/>
-              </a:prstGeom>
-              <a:solidFill>
-                <a:srgbClr val="68348B"/>
-              </a:solidFill>
-              <a:ln>
-                <a:noFill/>
-              </a:ln>
-            </p:spPr>
-            <p:style>
-              <a:lnRef idx="2">
-                <a:schemeClr val="accent1">
-                  <a:shade val="50000"/>
-                </a:schemeClr>
-              </a:lnRef>
-              <a:fillRef idx="1">
-                <a:schemeClr val="accent1"/>
-              </a:fillRef>
-              <a:effectRef idx="0">
-                <a:schemeClr val="accent1"/>
-              </a:effectRef>
-              <a:fontRef idx="minor">
-                <a:schemeClr val="lt1"/>
-              </a:fontRef>
-            </p:style>
-            <p:txBody>
-              <a:bodyPr rtlCol="0" anchor="ctr"/>
-              <a:lstStyle/>
-              <a:p>
-                <a:pPr algn="ctr"/>
-                <a:endParaRPr lang="fr-FR" dirty="0"/>
-              </a:p>
-            </p:txBody>
-          </p:sp>
-          <p:pic>
-            <p:nvPicPr>
-              <p:cNvPr id="97" name="Image 96">
-                <a:extLst>
-                  <a:ext uri="{FF2B5EF4-FFF2-40B4-BE49-F238E27FC236}">
-                    <a16:creationId xmlns:a16="http://schemas.microsoft.com/office/drawing/2014/main" id="{77F36AA5-6124-5829-9BB2-CEC8C11D539D}"/>
-                  </a:ext>
-                </a:extLst>
-              </p:cNvPr>
-              <p:cNvPicPr>
-                <a:picLocks noChangeAspect="1"/>
-              </p:cNvPicPr>
-              <p:nvPr/>
-            </p:nvPicPr>
-            <p:blipFill>
-              <a:blip r:embed="rId2"/>
-              <a:stretch>
-                <a:fillRect/>
-              </a:stretch>
-            </p:blipFill>
-            <p:spPr>
-              <a:xfrm>
-                <a:off x="5543445" y="4536296"/>
-                <a:ext cx="1358232" cy="1440000"/>
-              </a:xfrm>
-              <a:prstGeom prst="rect">
-                <a:avLst/>
-              </a:prstGeom>
-            </p:spPr>
-          </p:pic>
-        </p:grpSp>
-      </p:grpSp>
-      <p:pic>
-        <p:nvPicPr>
-          <p:cNvPr id="100" name="Image 99">
-            <a:extLst>
-              <a:ext uri="{FF2B5EF4-FFF2-40B4-BE49-F238E27FC236}">
-                <a16:creationId xmlns:a16="http://schemas.microsoft.com/office/drawing/2014/main" id="{E3A983DC-8604-4428-90A0-1BAE06DE62C3}"/>
-              </a:ext>
-            </a:extLst>
-          </p:cNvPr>
-          <p:cNvPicPr>
-            <a:picLocks noChangeAspect="1"/>
-          </p:cNvPicPr>
-          <p:nvPr/>
-        </p:nvPicPr>
-        <p:blipFill>
-          <a:blip r:embed="rId6"/>
-          <a:stretch>
-            <a:fillRect/>
-          </a:stretch>
-        </p:blipFill>
-        <p:spPr>
-          <a:xfrm>
-            <a:off x="497333" y="3260167"/>
-            <a:ext cx="360000" cy="360000"/>
-          </a:xfrm>
-          <a:prstGeom prst="rect">
-            <a:avLst/>
-          </a:prstGeom>
-        </p:spPr>
-      </p:pic>
-      <p:cxnSp>
-        <p:nvCxnSpPr>
-          <p:cNvPr id="101" name="Connecteur droit avec flèche 100">
-            <a:extLst>
-              <a:ext uri="{FF2B5EF4-FFF2-40B4-BE49-F238E27FC236}">
-                <a16:creationId xmlns:a16="http://schemas.microsoft.com/office/drawing/2014/main" id="{2A759AA0-F3FD-C26A-60D8-97778FA4410F}"/>
-              </a:ext>
-            </a:extLst>
-          </p:cNvPr>
-          <p:cNvCxnSpPr>
-            <a:cxnSpLocks/>
-          </p:cNvCxnSpPr>
-          <p:nvPr/>
-        </p:nvCxnSpPr>
-        <p:spPr>
-          <a:xfrm flipV="1">
-            <a:off x="324302" y="3707196"/>
-            <a:ext cx="720000" cy="1536"/>
-          </a:xfrm>
-          <a:prstGeom prst="straightConnector1">
-            <a:avLst/>
-          </a:prstGeom>
-          <a:ln w="25400" cap="rnd">
-            <a:solidFill>
-              <a:srgbClr val="FDAD57"/>
-            </a:solidFill>
-            <a:tailEnd type="triangle" w="med" len="lg"/>
-          </a:ln>
-        </p:spPr>
-        <p:style>
-          <a:lnRef idx="1">
-            <a:schemeClr val="accent1"/>
-          </a:lnRef>
-          <a:fillRef idx="0">
-            <a:schemeClr val="accent1"/>
-          </a:fillRef>
-          <a:effectRef idx="0">
-            <a:schemeClr val="accent1"/>
-          </a:effectRef>
-          <a:fontRef idx="minor">
-            <a:schemeClr val="tx1"/>
-          </a:fontRef>
-        </p:style>
-      </p:cxnSp>
-      <p:sp>
-        <p:nvSpPr>
-          <p:cNvPr id="102" name="ZoneTexte 101"/>
-          <p:cNvSpPr txBox="1"/>
-          <p:nvPr/>
-        </p:nvSpPr>
-        <p:spPr>
-          <a:xfrm>
-            <a:off x="329415" y="3755041"/>
-            <a:ext cx="703719" cy="161583"/>
-          </a:xfrm>
-          <a:prstGeom prst="rect">
-            <a:avLst/>
-          </a:prstGeom>
-          <a:noFill/>
-        </p:spPr>
-        <p:txBody>
-          <a:bodyPr wrap="none" lIns="0" tIns="0" rIns="0" bIns="0" rtlCol="0">
-            <a:spAutoFit/>
-          </a:bodyPr>
-          <a:lstStyle/>
-          <a:p>
-            <a:r>
-              <a:rPr lang="fr-FR" sz="1050" dirty="0"/>
-              <a:t>Prise secteur</a:t>
-            </a:r>
-          </a:p>
-        </p:txBody>
-      </p:sp>
       <p:pic>
         <p:nvPicPr>
           <p:cNvPr id="103" name="Image 102"/>
@@ -24514,7 +21015,7 @@
           <p:nvPr/>
         </p:nvPicPr>
         <p:blipFill>
-          <a:blip r:embed="rId16" cstate="print">
+          <a:blip r:embed="rId2" cstate="print">
             <a:extLst>
               <a:ext uri="{28A0092B-C50C-407E-A947-70E740481C1C}">
                 <a14:useLocalDpi xmlns:a14="http://schemas.microsoft.com/office/drawing/2010/main" val="0"/>
@@ -24538,6 +21039,36 @@
           <a:ln>
             <a:noFill/>
           </a:ln>
+        </p:spPr>
+      </p:pic>
+      <p:pic>
+        <p:nvPicPr>
+          <p:cNvPr id="30" name="Image 29">
+            <a:extLst>
+              <a:ext uri="{FF2B5EF4-FFF2-40B4-BE49-F238E27FC236}">
+                <a16:creationId xmlns:a16="http://schemas.microsoft.com/office/drawing/2014/main" id="{3BECF8F0-470B-64AF-F87B-2E2F76E95F1A}"/>
+              </a:ext>
+            </a:extLst>
+          </p:cNvPr>
+          <p:cNvPicPr>
+            <a:picLocks noChangeAspect="1"/>
+          </p:cNvPicPr>
+          <p:nvPr/>
+        </p:nvPicPr>
+        <p:blipFill>
+          <a:blip r:embed="rId3"/>
+          <a:stretch>
+            <a:fillRect/>
+          </a:stretch>
+        </p:blipFill>
+        <p:spPr>
+          <a:xfrm>
+            <a:off x="0" y="1616675"/>
+            <a:ext cx="12192000" cy="3624649"/>
+          </a:xfrm>
+          <a:prstGeom prst="rect">
+            <a:avLst/>
+          </a:prstGeom>
         </p:spPr>
       </p:pic>
     </p:spTree>
@@ -24627,3611 +21158,6 @@
           </a:p>
         </p:txBody>
       </p:sp>
-      <p:sp>
-        <p:nvSpPr>
-          <p:cNvPr id="7" name="Rectangle : coins arrondis 6">
-            <a:extLst>
-              <a:ext uri="{FF2B5EF4-FFF2-40B4-BE49-F238E27FC236}">
-                <a16:creationId xmlns:a16="http://schemas.microsoft.com/office/drawing/2014/main" id="{D795C968-BC3C-1567-576F-53C8D60C7C59}"/>
-              </a:ext>
-            </a:extLst>
-          </p:cNvPr>
-          <p:cNvSpPr/>
-          <p:nvPr/>
-        </p:nvSpPr>
-        <p:spPr>
-          <a:xfrm>
-            <a:off x="1056905" y="1444678"/>
-            <a:ext cx="1440000" cy="540000"/>
-          </a:xfrm>
-          <a:prstGeom prst="roundRect">
-            <a:avLst>
-              <a:gd name="adj" fmla="val 11914"/>
-            </a:avLst>
-          </a:prstGeom>
-          <a:noFill/>
-          <a:ln w="19050">
-            <a:solidFill>
-              <a:srgbClr val="004F77"/>
-            </a:solidFill>
-          </a:ln>
-        </p:spPr>
-        <p:style>
-          <a:lnRef idx="2">
-            <a:schemeClr val="accent1">
-              <a:shade val="50000"/>
-            </a:schemeClr>
-          </a:lnRef>
-          <a:fillRef idx="1">
-            <a:schemeClr val="accent1"/>
-          </a:fillRef>
-          <a:effectRef idx="0">
-            <a:schemeClr val="accent1"/>
-          </a:effectRef>
-          <a:fontRef idx="minor">
-            <a:schemeClr val="lt1"/>
-          </a:fontRef>
-        </p:style>
-        <p:txBody>
-          <a:bodyPr rtlCol="0" anchor="ctr"/>
-          <a:lstStyle/>
-          <a:p>
-            <a:pPr algn="ctr"/>
-            <a:r>
-              <a:rPr lang="fr-FR" sz="1400" dirty="0">
-                <a:solidFill>
-                  <a:srgbClr val="004F77"/>
-                </a:solidFill>
-                <a:latin typeface="Arial Nova" panose="020B0504020202020204" pitchFamily="34" charset="0"/>
-              </a:rPr>
-              <a:t>Acquérir</a:t>
-            </a:r>
-          </a:p>
-        </p:txBody>
-      </p:sp>
-      <p:sp>
-        <p:nvSpPr>
-          <p:cNvPr id="8" name="Rectangle : coins arrondis 7">
-            <a:extLst>
-              <a:ext uri="{FF2B5EF4-FFF2-40B4-BE49-F238E27FC236}">
-                <a16:creationId xmlns:a16="http://schemas.microsoft.com/office/drawing/2014/main" id="{918DF59A-E2E4-2A2C-37EB-73D1E5D62C34}"/>
-              </a:ext>
-            </a:extLst>
-          </p:cNvPr>
-          <p:cNvSpPr/>
-          <p:nvPr/>
-        </p:nvSpPr>
-        <p:spPr>
-          <a:xfrm>
-            <a:off x="1056905" y="2219824"/>
-            <a:ext cx="1440000" cy="720000"/>
-          </a:xfrm>
-          <a:prstGeom prst="roundRect">
-            <a:avLst>
-              <a:gd name="adj" fmla="val 11914"/>
-            </a:avLst>
-          </a:prstGeom>
-          <a:solidFill>
-            <a:srgbClr val="DFE3EB"/>
-          </a:solidFill>
-          <a:ln w="19050">
-            <a:solidFill>
-              <a:srgbClr val="DFE3EB"/>
-            </a:solidFill>
-          </a:ln>
-        </p:spPr>
-        <p:style>
-          <a:lnRef idx="2">
-            <a:schemeClr val="accent1">
-              <a:shade val="50000"/>
-            </a:schemeClr>
-          </a:lnRef>
-          <a:fillRef idx="1">
-            <a:schemeClr val="accent1"/>
-          </a:fillRef>
-          <a:effectRef idx="0">
-            <a:schemeClr val="accent1"/>
-          </a:effectRef>
-          <a:fontRef idx="minor">
-            <a:schemeClr val="lt1"/>
-          </a:fontRef>
-        </p:style>
-        <p:txBody>
-          <a:bodyPr rtlCol="0" anchor="ctr"/>
-          <a:lstStyle/>
-          <a:p>
-            <a:pPr algn="ctr"/>
-            <a:r>
-              <a:rPr lang="fr-FR" sz="1050" dirty="0">
-                <a:solidFill>
-                  <a:srgbClr val="004F77"/>
-                </a:solidFill>
-                <a:latin typeface="Arial Nova" panose="020B0504020202020204" pitchFamily="34" charset="0"/>
-              </a:rPr>
-              <a:t>Codeur incrémental</a:t>
-            </a:r>
-          </a:p>
-          <a:p>
-            <a:pPr algn="ctr"/>
-            <a:r>
-              <a:rPr lang="fr-FR" sz="1050" dirty="0">
-                <a:solidFill>
-                  <a:srgbClr val="004F77"/>
-                </a:solidFill>
-                <a:latin typeface="Arial Nova" panose="020B0504020202020204" pitchFamily="34" charset="0"/>
-              </a:rPr>
-              <a:t>Détecteur à contact</a:t>
-            </a:r>
-          </a:p>
-        </p:txBody>
-      </p:sp>
-      <p:sp>
-        <p:nvSpPr>
-          <p:cNvPr id="9" name="Rectangle : coins arrondis 8">
-            <a:extLst>
-              <a:ext uri="{FF2B5EF4-FFF2-40B4-BE49-F238E27FC236}">
-                <a16:creationId xmlns:a16="http://schemas.microsoft.com/office/drawing/2014/main" id="{3A21C11E-BCE9-7FD2-3DC9-AEBB72B36909}"/>
-              </a:ext>
-            </a:extLst>
-          </p:cNvPr>
-          <p:cNvSpPr/>
-          <p:nvPr/>
-        </p:nvSpPr>
-        <p:spPr>
-          <a:xfrm>
-            <a:off x="3229319" y="1443142"/>
-            <a:ext cx="1440000" cy="540000"/>
-          </a:xfrm>
-          <a:prstGeom prst="roundRect">
-            <a:avLst>
-              <a:gd name="adj" fmla="val 11914"/>
-            </a:avLst>
-          </a:prstGeom>
-          <a:noFill/>
-          <a:ln w="19050">
-            <a:solidFill>
-              <a:srgbClr val="004F77"/>
-            </a:solidFill>
-          </a:ln>
-        </p:spPr>
-        <p:style>
-          <a:lnRef idx="2">
-            <a:schemeClr val="accent1">
-              <a:shade val="50000"/>
-            </a:schemeClr>
-          </a:lnRef>
-          <a:fillRef idx="1">
-            <a:schemeClr val="accent1"/>
-          </a:fillRef>
-          <a:effectRef idx="0">
-            <a:schemeClr val="accent1"/>
-          </a:effectRef>
-          <a:fontRef idx="minor">
-            <a:schemeClr val="lt1"/>
-          </a:fontRef>
-        </p:style>
-        <p:txBody>
-          <a:bodyPr rtlCol="0" anchor="ctr"/>
-          <a:lstStyle/>
-          <a:p>
-            <a:pPr algn="ctr"/>
-            <a:r>
-              <a:rPr lang="fr-FR" sz="1400" dirty="0">
-                <a:solidFill>
-                  <a:srgbClr val="0C7391"/>
-                </a:solidFill>
-                <a:latin typeface="Arial Nova" panose="020B0504020202020204" pitchFamily="34" charset="0"/>
-              </a:rPr>
-              <a:t>Traiter</a:t>
-            </a:r>
-          </a:p>
-        </p:txBody>
-      </p:sp>
-      <p:sp>
-        <p:nvSpPr>
-          <p:cNvPr id="10" name="Rectangle : coins arrondis 9">
-            <a:extLst>
-              <a:ext uri="{FF2B5EF4-FFF2-40B4-BE49-F238E27FC236}">
-                <a16:creationId xmlns:a16="http://schemas.microsoft.com/office/drawing/2014/main" id="{9E563B7E-4153-DECA-AFFC-7C7EB26DF1B2}"/>
-              </a:ext>
-            </a:extLst>
-          </p:cNvPr>
-          <p:cNvSpPr/>
-          <p:nvPr/>
-        </p:nvSpPr>
-        <p:spPr>
-          <a:xfrm>
-            <a:off x="3218894" y="2236003"/>
-            <a:ext cx="1440000" cy="540000"/>
-          </a:xfrm>
-          <a:prstGeom prst="roundRect">
-            <a:avLst>
-              <a:gd name="adj" fmla="val 11914"/>
-            </a:avLst>
-          </a:prstGeom>
-          <a:solidFill>
-            <a:srgbClr val="E4EBF0"/>
-          </a:solidFill>
-          <a:ln w="19050">
-            <a:solidFill>
-              <a:srgbClr val="E4EBF0"/>
-            </a:solidFill>
-          </a:ln>
-        </p:spPr>
-        <p:style>
-          <a:lnRef idx="2">
-            <a:schemeClr val="accent1">
-              <a:shade val="50000"/>
-            </a:schemeClr>
-          </a:lnRef>
-          <a:fillRef idx="1">
-            <a:schemeClr val="accent1"/>
-          </a:fillRef>
-          <a:effectRef idx="0">
-            <a:schemeClr val="accent1"/>
-          </a:effectRef>
-          <a:fontRef idx="minor">
-            <a:schemeClr val="lt1"/>
-          </a:fontRef>
-        </p:style>
-        <p:txBody>
-          <a:bodyPr rtlCol="0" anchor="ctr"/>
-          <a:lstStyle/>
-          <a:p>
-            <a:pPr algn="ctr"/>
-            <a:r>
-              <a:rPr lang="fr-FR" sz="1200" dirty="0">
-                <a:solidFill>
-                  <a:srgbClr val="0C7391"/>
-                </a:solidFill>
-                <a:latin typeface="Arial Nova" panose="020B0504020202020204" pitchFamily="34" charset="0"/>
-              </a:rPr>
-              <a:t>Microcontrôleur </a:t>
-            </a:r>
-            <a:r>
-              <a:rPr lang="fr-FR" sz="1200" dirty="0" err="1">
-                <a:solidFill>
-                  <a:srgbClr val="0C7391"/>
-                </a:solidFill>
-                <a:latin typeface="Arial Nova" panose="020B0504020202020204" pitchFamily="34" charset="0"/>
-              </a:rPr>
-              <a:t>myRIO</a:t>
-            </a:r>
-            <a:endParaRPr lang="fr-FR" sz="1200" dirty="0">
-              <a:solidFill>
-                <a:srgbClr val="0C7391"/>
-              </a:solidFill>
-              <a:latin typeface="Arial Nova" panose="020B0504020202020204" pitchFamily="34" charset="0"/>
-            </a:endParaRPr>
-          </a:p>
-        </p:txBody>
-      </p:sp>
-      <p:sp>
-        <p:nvSpPr>
-          <p:cNvPr id="11" name="Rectangle : coins arrondis 10">
-            <a:extLst>
-              <a:ext uri="{FF2B5EF4-FFF2-40B4-BE49-F238E27FC236}">
-                <a16:creationId xmlns:a16="http://schemas.microsoft.com/office/drawing/2014/main" id="{6B1F36CD-C30E-4C5F-385C-9C8A21F267DC}"/>
-              </a:ext>
-            </a:extLst>
-          </p:cNvPr>
-          <p:cNvSpPr/>
-          <p:nvPr/>
-        </p:nvSpPr>
-        <p:spPr>
-          <a:xfrm>
-            <a:off x="5389319" y="1420801"/>
-            <a:ext cx="1440000" cy="576000"/>
-          </a:xfrm>
-          <a:prstGeom prst="roundRect">
-            <a:avLst>
-              <a:gd name="adj" fmla="val 11914"/>
-            </a:avLst>
-          </a:prstGeom>
-          <a:noFill/>
-          <a:ln w="19050">
-            <a:solidFill>
-              <a:srgbClr val="08A559"/>
-            </a:solidFill>
-          </a:ln>
-        </p:spPr>
-        <p:style>
-          <a:lnRef idx="2">
-            <a:schemeClr val="accent1">
-              <a:shade val="50000"/>
-            </a:schemeClr>
-          </a:lnRef>
-          <a:fillRef idx="1">
-            <a:schemeClr val="accent1"/>
-          </a:fillRef>
-          <a:effectRef idx="0">
-            <a:schemeClr val="accent1"/>
-          </a:effectRef>
-          <a:fontRef idx="minor">
-            <a:schemeClr val="lt1"/>
-          </a:fontRef>
-        </p:style>
-        <p:txBody>
-          <a:bodyPr rtlCol="0" anchor="ctr"/>
-          <a:lstStyle/>
-          <a:p>
-            <a:pPr algn="ctr"/>
-            <a:r>
-              <a:rPr lang="fr-FR" sz="1400" dirty="0">
-                <a:solidFill>
-                  <a:srgbClr val="08A559"/>
-                </a:solidFill>
-                <a:latin typeface="Arial Nova" panose="020B0504020202020204" pitchFamily="34" charset="0"/>
-              </a:rPr>
-              <a:t>Communiquer</a:t>
-            </a:r>
-          </a:p>
-        </p:txBody>
-      </p:sp>
-      <p:sp>
-        <p:nvSpPr>
-          <p:cNvPr id="12" name="Rectangle : coins arrondis 11">
-            <a:extLst>
-              <a:ext uri="{FF2B5EF4-FFF2-40B4-BE49-F238E27FC236}">
-                <a16:creationId xmlns:a16="http://schemas.microsoft.com/office/drawing/2014/main" id="{8D7359E7-9FDC-08FD-DC9D-0F15683BC326}"/>
-              </a:ext>
-            </a:extLst>
-          </p:cNvPr>
-          <p:cNvSpPr/>
-          <p:nvPr/>
-        </p:nvSpPr>
-        <p:spPr>
-          <a:xfrm>
-            <a:off x="5389319" y="2214770"/>
-            <a:ext cx="1406281" cy="534390"/>
-          </a:xfrm>
-          <a:prstGeom prst="roundRect">
-            <a:avLst>
-              <a:gd name="adj" fmla="val 11914"/>
-            </a:avLst>
-          </a:prstGeom>
-          <a:solidFill>
-            <a:srgbClr val="E8F3E8"/>
-          </a:solidFill>
-          <a:ln w="19050">
-            <a:solidFill>
-              <a:srgbClr val="E8F3E8"/>
-            </a:solidFill>
-          </a:ln>
-        </p:spPr>
-        <p:style>
-          <a:lnRef idx="2">
-            <a:schemeClr val="accent1">
-              <a:shade val="50000"/>
-            </a:schemeClr>
-          </a:lnRef>
-          <a:fillRef idx="1">
-            <a:schemeClr val="accent1"/>
-          </a:fillRef>
-          <a:effectRef idx="0">
-            <a:schemeClr val="accent1"/>
-          </a:effectRef>
-          <a:fontRef idx="minor">
-            <a:schemeClr val="lt1"/>
-          </a:fontRef>
-        </p:style>
-        <p:txBody>
-          <a:bodyPr rtlCol="0" anchor="ctr"/>
-          <a:lstStyle/>
-          <a:p>
-            <a:pPr algn="ctr"/>
-            <a:r>
-              <a:rPr lang="fr-FR" sz="1200" dirty="0">
-                <a:solidFill>
-                  <a:srgbClr val="08A559"/>
-                </a:solidFill>
-                <a:latin typeface="Arial Nova" panose="020B0504020202020204" pitchFamily="34" charset="0"/>
-              </a:rPr>
-              <a:t>Microcontrôleur </a:t>
-            </a:r>
-            <a:r>
-              <a:rPr lang="fr-FR" sz="1200" dirty="0" err="1">
-                <a:solidFill>
-                  <a:srgbClr val="08A559"/>
-                </a:solidFill>
-                <a:latin typeface="Arial Nova" panose="020B0504020202020204" pitchFamily="34" charset="0"/>
-              </a:rPr>
-              <a:t>myRIO</a:t>
-            </a:r>
-            <a:endParaRPr lang="fr-FR" sz="1200" dirty="0">
-              <a:solidFill>
-                <a:srgbClr val="08A559"/>
-              </a:solidFill>
-              <a:latin typeface="Arial Nova" panose="020B0504020202020204" pitchFamily="34" charset="0"/>
-            </a:endParaRPr>
-          </a:p>
-        </p:txBody>
-      </p:sp>
-      <p:sp>
-        <p:nvSpPr>
-          <p:cNvPr id="13" name="Rectangle : coins arrondis 12">
-            <a:extLst>
-              <a:ext uri="{FF2B5EF4-FFF2-40B4-BE49-F238E27FC236}">
-                <a16:creationId xmlns:a16="http://schemas.microsoft.com/office/drawing/2014/main" id="{2BFEBEF7-705E-46FD-8C4B-5178E5ACBDB2}"/>
-              </a:ext>
-            </a:extLst>
-          </p:cNvPr>
-          <p:cNvSpPr/>
-          <p:nvPr/>
-        </p:nvSpPr>
-        <p:spPr>
-          <a:xfrm>
-            <a:off x="1056905" y="3437532"/>
-            <a:ext cx="1440000" cy="540000"/>
-          </a:xfrm>
-          <a:prstGeom prst="roundRect">
-            <a:avLst>
-              <a:gd name="adj" fmla="val 11914"/>
-            </a:avLst>
-          </a:prstGeom>
-          <a:noFill/>
-          <a:ln w="19050">
-            <a:solidFill>
-              <a:srgbClr val="FDAD57"/>
-            </a:solidFill>
-          </a:ln>
-        </p:spPr>
-        <p:style>
-          <a:lnRef idx="2">
-            <a:schemeClr val="accent1">
-              <a:shade val="50000"/>
-            </a:schemeClr>
-          </a:lnRef>
-          <a:fillRef idx="1">
-            <a:schemeClr val="accent1"/>
-          </a:fillRef>
-          <a:effectRef idx="0">
-            <a:schemeClr val="accent1"/>
-          </a:effectRef>
-          <a:fontRef idx="minor">
-            <a:schemeClr val="lt1"/>
-          </a:fontRef>
-        </p:style>
-        <p:txBody>
-          <a:bodyPr rtlCol="0" anchor="ctr"/>
-          <a:lstStyle/>
-          <a:p>
-            <a:pPr algn="ctr"/>
-            <a:r>
-              <a:rPr lang="fr-FR" sz="1400" dirty="0">
-                <a:solidFill>
-                  <a:srgbClr val="FDAD57"/>
-                </a:solidFill>
-                <a:latin typeface="Arial Nova" panose="020B0504020202020204" pitchFamily="34" charset="0"/>
-              </a:rPr>
-              <a:t>Alimenter</a:t>
-            </a:r>
-          </a:p>
-        </p:txBody>
-      </p:sp>
-      <p:sp>
-        <p:nvSpPr>
-          <p:cNvPr id="14" name="Rectangle : coins arrondis 13">
-            <a:extLst>
-              <a:ext uri="{FF2B5EF4-FFF2-40B4-BE49-F238E27FC236}">
-                <a16:creationId xmlns:a16="http://schemas.microsoft.com/office/drawing/2014/main" id="{3344F7B6-ACF1-41A6-1551-1E76B212FBE0}"/>
-              </a:ext>
-            </a:extLst>
-          </p:cNvPr>
-          <p:cNvSpPr/>
-          <p:nvPr/>
-        </p:nvSpPr>
-        <p:spPr>
-          <a:xfrm>
-            <a:off x="1056905" y="4132287"/>
-            <a:ext cx="1440000" cy="540000"/>
-          </a:xfrm>
-          <a:prstGeom prst="roundRect">
-            <a:avLst>
-              <a:gd name="adj" fmla="val 11914"/>
-            </a:avLst>
-          </a:prstGeom>
-          <a:solidFill>
-            <a:srgbClr val="FEE6CC"/>
-          </a:solidFill>
-          <a:ln w="19050">
-            <a:solidFill>
-              <a:srgbClr val="FEE6CC"/>
-            </a:solidFill>
-          </a:ln>
-        </p:spPr>
-        <p:style>
-          <a:lnRef idx="2">
-            <a:schemeClr val="accent1">
-              <a:shade val="50000"/>
-            </a:schemeClr>
-          </a:lnRef>
-          <a:fillRef idx="1">
-            <a:schemeClr val="accent1"/>
-          </a:fillRef>
-          <a:effectRef idx="0">
-            <a:schemeClr val="accent1"/>
-          </a:effectRef>
-          <a:fontRef idx="minor">
-            <a:schemeClr val="lt1"/>
-          </a:fontRef>
-        </p:style>
-        <p:txBody>
-          <a:bodyPr rtlCol="0" anchor="ctr"/>
-          <a:lstStyle/>
-          <a:p>
-            <a:pPr algn="ctr"/>
-            <a:r>
-              <a:rPr lang="fr-FR" sz="1200" dirty="0">
-                <a:solidFill>
-                  <a:srgbClr val="FDAD57"/>
-                </a:solidFill>
-                <a:latin typeface="Arial Nova" panose="020B0504020202020204" pitchFamily="34" charset="0"/>
-              </a:rPr>
-              <a:t>Transformateur Alimentation xx V</a:t>
-            </a:r>
-          </a:p>
-        </p:txBody>
-      </p:sp>
-      <p:sp>
-        <p:nvSpPr>
-          <p:cNvPr id="15" name="Rectangle : coins arrondis 14">
-            <a:extLst>
-              <a:ext uri="{FF2B5EF4-FFF2-40B4-BE49-F238E27FC236}">
-                <a16:creationId xmlns:a16="http://schemas.microsoft.com/office/drawing/2014/main" id="{5993B93C-6358-CDBD-8425-B3C1FF36002B}"/>
-              </a:ext>
-            </a:extLst>
-          </p:cNvPr>
-          <p:cNvSpPr/>
-          <p:nvPr/>
-        </p:nvSpPr>
-        <p:spPr>
-          <a:xfrm>
-            <a:off x="3218894" y="3432769"/>
-            <a:ext cx="1440000" cy="540000"/>
-          </a:xfrm>
-          <a:prstGeom prst="roundRect">
-            <a:avLst>
-              <a:gd name="adj" fmla="val 11914"/>
-            </a:avLst>
-          </a:prstGeom>
-          <a:noFill/>
-          <a:ln w="19050">
-            <a:solidFill>
-              <a:srgbClr val="0C7391"/>
-            </a:solidFill>
-          </a:ln>
-        </p:spPr>
-        <p:style>
-          <a:lnRef idx="2">
-            <a:schemeClr val="accent1">
-              <a:shade val="50000"/>
-            </a:schemeClr>
-          </a:lnRef>
-          <a:fillRef idx="1">
-            <a:schemeClr val="accent1"/>
-          </a:fillRef>
-          <a:effectRef idx="0">
-            <a:schemeClr val="accent1"/>
-          </a:effectRef>
-          <a:fontRef idx="minor">
-            <a:schemeClr val="lt1"/>
-          </a:fontRef>
-        </p:style>
-        <p:txBody>
-          <a:bodyPr rtlCol="0" anchor="ctr"/>
-          <a:lstStyle/>
-          <a:p>
-            <a:pPr algn="ctr"/>
-            <a:r>
-              <a:rPr lang="fr-FR" sz="1400" dirty="0">
-                <a:solidFill>
-                  <a:srgbClr val="0C7391"/>
-                </a:solidFill>
-                <a:latin typeface="Arial Nova" panose="020B0504020202020204" pitchFamily="34" charset="0"/>
-              </a:rPr>
-              <a:t>Distribuer</a:t>
-            </a:r>
-          </a:p>
-        </p:txBody>
-      </p:sp>
-      <p:sp>
-        <p:nvSpPr>
-          <p:cNvPr id="16" name="Rectangle : coins arrondis 15">
-            <a:extLst>
-              <a:ext uri="{FF2B5EF4-FFF2-40B4-BE49-F238E27FC236}">
-                <a16:creationId xmlns:a16="http://schemas.microsoft.com/office/drawing/2014/main" id="{856C1EFC-E8DC-74F6-4C1B-12FC3721C149}"/>
-              </a:ext>
-            </a:extLst>
-          </p:cNvPr>
-          <p:cNvSpPr/>
-          <p:nvPr/>
-        </p:nvSpPr>
-        <p:spPr>
-          <a:xfrm>
-            <a:off x="3229319" y="4117990"/>
-            <a:ext cx="1440000" cy="540000"/>
-          </a:xfrm>
-          <a:prstGeom prst="roundRect">
-            <a:avLst>
-              <a:gd name="adj" fmla="val 11914"/>
-            </a:avLst>
-          </a:prstGeom>
-          <a:solidFill>
-            <a:srgbClr val="9EC7D3"/>
-          </a:solidFill>
-          <a:ln w="19050">
-            <a:solidFill>
-              <a:srgbClr val="9EC7D3"/>
-            </a:solidFill>
-          </a:ln>
-        </p:spPr>
-        <p:style>
-          <a:lnRef idx="2">
-            <a:schemeClr val="accent1">
-              <a:shade val="50000"/>
-            </a:schemeClr>
-          </a:lnRef>
-          <a:fillRef idx="1">
-            <a:schemeClr val="accent1"/>
-          </a:fillRef>
-          <a:effectRef idx="0">
-            <a:schemeClr val="accent1"/>
-          </a:effectRef>
-          <a:fontRef idx="minor">
-            <a:schemeClr val="lt1"/>
-          </a:fontRef>
-        </p:style>
-        <p:txBody>
-          <a:bodyPr rtlCol="0" anchor="ctr"/>
-          <a:lstStyle/>
-          <a:p>
-            <a:pPr algn="ctr"/>
-            <a:r>
-              <a:rPr lang="fr-FR" sz="1200" dirty="0">
-                <a:solidFill>
-                  <a:srgbClr val="0C7391"/>
-                </a:solidFill>
-                <a:latin typeface="Arial Nova" panose="020B0504020202020204" pitchFamily="34" charset="0"/>
-              </a:rPr>
-              <a:t>Hacheur </a:t>
-            </a:r>
-          </a:p>
-          <a:p>
-            <a:pPr algn="ctr"/>
-            <a:r>
-              <a:rPr lang="fr-FR" sz="1200" dirty="0">
-                <a:solidFill>
-                  <a:srgbClr val="0C7391"/>
-                </a:solidFill>
-                <a:latin typeface="Arial Nova" panose="020B0504020202020204" pitchFamily="34" charset="0"/>
-              </a:rPr>
-              <a:t>(Variateur)</a:t>
-            </a:r>
-          </a:p>
-        </p:txBody>
-      </p:sp>
-      <p:sp>
-        <p:nvSpPr>
-          <p:cNvPr id="17" name="Rectangle : coins arrondis 16">
-            <a:extLst>
-              <a:ext uri="{FF2B5EF4-FFF2-40B4-BE49-F238E27FC236}">
-                <a16:creationId xmlns:a16="http://schemas.microsoft.com/office/drawing/2014/main" id="{21644A1E-F74F-36B4-98E8-8D6D6DB0F7F6}"/>
-              </a:ext>
-            </a:extLst>
-          </p:cNvPr>
-          <p:cNvSpPr/>
-          <p:nvPr/>
-        </p:nvSpPr>
-        <p:spPr>
-          <a:xfrm>
-            <a:off x="5380883" y="3437532"/>
-            <a:ext cx="1440000" cy="540000"/>
-          </a:xfrm>
-          <a:prstGeom prst="roundRect">
-            <a:avLst>
-              <a:gd name="adj" fmla="val 11914"/>
-            </a:avLst>
-          </a:prstGeom>
-          <a:noFill/>
-          <a:ln w="19050">
-            <a:solidFill>
-              <a:srgbClr val="68348B"/>
-            </a:solidFill>
-          </a:ln>
-        </p:spPr>
-        <p:style>
-          <a:lnRef idx="2">
-            <a:schemeClr val="accent1">
-              <a:shade val="50000"/>
-            </a:schemeClr>
-          </a:lnRef>
-          <a:fillRef idx="1">
-            <a:schemeClr val="accent1"/>
-          </a:fillRef>
-          <a:effectRef idx="0">
-            <a:schemeClr val="accent1"/>
-          </a:effectRef>
-          <a:fontRef idx="minor">
-            <a:schemeClr val="lt1"/>
-          </a:fontRef>
-        </p:style>
-        <p:txBody>
-          <a:bodyPr rtlCol="0" anchor="ctr"/>
-          <a:lstStyle/>
-          <a:p>
-            <a:pPr algn="ctr"/>
-            <a:r>
-              <a:rPr lang="fr-FR" sz="1400" dirty="0">
-                <a:solidFill>
-                  <a:srgbClr val="68348B"/>
-                </a:solidFill>
-                <a:latin typeface="Arial Nova" panose="020B0504020202020204" pitchFamily="34" charset="0"/>
-              </a:rPr>
-              <a:t>Convertir</a:t>
-            </a:r>
-          </a:p>
-        </p:txBody>
-      </p:sp>
-      <p:sp>
-        <p:nvSpPr>
-          <p:cNvPr id="18" name="Rectangle : coins arrondis 17">
-            <a:extLst>
-              <a:ext uri="{FF2B5EF4-FFF2-40B4-BE49-F238E27FC236}">
-                <a16:creationId xmlns:a16="http://schemas.microsoft.com/office/drawing/2014/main" id="{F864AAD2-5EF5-FD75-22C6-0D8871D20678}"/>
-              </a:ext>
-            </a:extLst>
-          </p:cNvPr>
-          <p:cNvSpPr/>
-          <p:nvPr/>
-        </p:nvSpPr>
-        <p:spPr>
-          <a:xfrm>
-            <a:off x="5389319" y="4117990"/>
-            <a:ext cx="1440000" cy="540000"/>
-          </a:xfrm>
-          <a:prstGeom prst="roundRect">
-            <a:avLst>
-              <a:gd name="adj" fmla="val 11914"/>
-            </a:avLst>
-          </a:prstGeom>
-          <a:solidFill>
-            <a:srgbClr val="C3AED1"/>
-          </a:solidFill>
-          <a:ln w="19050">
-            <a:solidFill>
-              <a:srgbClr val="C3AED1"/>
-            </a:solidFill>
-          </a:ln>
-        </p:spPr>
-        <p:style>
-          <a:lnRef idx="2">
-            <a:schemeClr val="accent1">
-              <a:shade val="50000"/>
-            </a:schemeClr>
-          </a:lnRef>
-          <a:fillRef idx="1">
-            <a:schemeClr val="accent1"/>
-          </a:fillRef>
-          <a:effectRef idx="0">
-            <a:schemeClr val="accent1"/>
-          </a:effectRef>
-          <a:fontRef idx="minor">
-            <a:schemeClr val="lt1"/>
-          </a:fontRef>
-        </p:style>
-        <p:txBody>
-          <a:bodyPr rtlCol="0" anchor="ctr"/>
-          <a:lstStyle/>
-          <a:p>
-            <a:pPr algn="ctr"/>
-            <a:r>
-              <a:rPr lang="fr-FR" sz="1200" dirty="0">
-                <a:solidFill>
-                  <a:srgbClr val="68348B"/>
-                </a:solidFill>
-                <a:latin typeface="Arial Nova" panose="020B0504020202020204" pitchFamily="34" charset="0"/>
-              </a:rPr>
-              <a:t>Moteur CC</a:t>
-            </a:r>
-          </a:p>
-        </p:txBody>
-      </p:sp>
-      <p:sp>
-        <p:nvSpPr>
-          <p:cNvPr id="19" name="Rectangle : coins arrondis 18">
-            <a:extLst>
-              <a:ext uri="{FF2B5EF4-FFF2-40B4-BE49-F238E27FC236}">
-                <a16:creationId xmlns:a16="http://schemas.microsoft.com/office/drawing/2014/main" id="{3741D88A-AC67-EEAF-67D1-02578FD98C8E}"/>
-              </a:ext>
-            </a:extLst>
-          </p:cNvPr>
-          <p:cNvSpPr/>
-          <p:nvPr/>
-        </p:nvSpPr>
-        <p:spPr>
-          <a:xfrm>
-            <a:off x="7542872" y="3440639"/>
-            <a:ext cx="1365662" cy="534390"/>
-          </a:xfrm>
-          <a:prstGeom prst="roundRect">
-            <a:avLst>
-              <a:gd name="adj" fmla="val 11914"/>
-            </a:avLst>
-          </a:prstGeom>
-          <a:noFill/>
-          <a:ln w="19050">
-            <a:solidFill>
-              <a:srgbClr val="EE685D"/>
-            </a:solidFill>
-          </a:ln>
-        </p:spPr>
-        <p:style>
-          <a:lnRef idx="2">
-            <a:schemeClr val="accent1">
-              <a:shade val="50000"/>
-            </a:schemeClr>
-          </a:lnRef>
-          <a:fillRef idx="1">
-            <a:schemeClr val="accent1"/>
-          </a:fillRef>
-          <a:effectRef idx="0">
-            <a:schemeClr val="accent1"/>
-          </a:effectRef>
-          <a:fontRef idx="minor">
-            <a:schemeClr val="lt1"/>
-          </a:fontRef>
-        </p:style>
-        <p:txBody>
-          <a:bodyPr rtlCol="0" anchor="ctr"/>
-          <a:lstStyle/>
-          <a:p>
-            <a:pPr algn="ctr"/>
-            <a:r>
-              <a:rPr lang="fr-FR" sz="1400" dirty="0">
-                <a:solidFill>
-                  <a:srgbClr val="EE685D"/>
-                </a:solidFill>
-                <a:latin typeface="Arial Nova" panose="020B0504020202020204" pitchFamily="34" charset="0"/>
-              </a:rPr>
-              <a:t>Transmettre</a:t>
-            </a:r>
-          </a:p>
-        </p:txBody>
-      </p:sp>
-      <p:sp>
-        <p:nvSpPr>
-          <p:cNvPr id="20" name="Rectangle : coins arrondis 19">
-            <a:extLst>
-              <a:ext uri="{FF2B5EF4-FFF2-40B4-BE49-F238E27FC236}">
-                <a16:creationId xmlns:a16="http://schemas.microsoft.com/office/drawing/2014/main" id="{D98A4E40-D360-EF0F-69D4-37438F82647F}"/>
-              </a:ext>
-            </a:extLst>
-          </p:cNvPr>
-          <p:cNvSpPr/>
-          <p:nvPr/>
-        </p:nvSpPr>
-        <p:spPr>
-          <a:xfrm>
-            <a:off x="7549319" y="4097487"/>
-            <a:ext cx="1365662" cy="787990"/>
-          </a:xfrm>
-          <a:prstGeom prst="roundRect">
-            <a:avLst>
-              <a:gd name="adj" fmla="val 11914"/>
-            </a:avLst>
-          </a:prstGeom>
-          <a:solidFill>
-            <a:srgbClr val="F7B8B3"/>
-          </a:solidFill>
-          <a:ln w="19050">
-            <a:solidFill>
-              <a:srgbClr val="F7B8B3"/>
-            </a:solidFill>
-          </a:ln>
-        </p:spPr>
-        <p:style>
-          <a:lnRef idx="2">
-            <a:schemeClr val="accent1">
-              <a:shade val="50000"/>
-            </a:schemeClr>
-          </a:lnRef>
-          <a:fillRef idx="1">
-            <a:schemeClr val="accent1"/>
-          </a:fillRef>
-          <a:effectRef idx="0">
-            <a:schemeClr val="accent1"/>
-          </a:effectRef>
-          <a:fontRef idx="minor">
-            <a:schemeClr val="lt1"/>
-          </a:fontRef>
-        </p:style>
-        <p:txBody>
-          <a:bodyPr rtlCol="0" anchor="ctr"/>
-          <a:lstStyle/>
-          <a:p>
-            <a:pPr algn="ctr"/>
-            <a:r>
-              <a:rPr lang="fr-FR" sz="1100" dirty="0">
-                <a:solidFill>
-                  <a:srgbClr val="EE685D"/>
-                </a:solidFill>
-                <a:latin typeface="Arial Nova" panose="020B0504020202020204" pitchFamily="34" charset="0"/>
-              </a:rPr>
-              <a:t>Train épicycloïdal</a:t>
-            </a:r>
-          </a:p>
-          <a:p>
-            <a:pPr algn="ctr"/>
-            <a:r>
-              <a:rPr lang="fr-FR" sz="1100" dirty="0">
-                <a:solidFill>
-                  <a:srgbClr val="EE685D"/>
-                </a:solidFill>
-                <a:latin typeface="Arial Nova" panose="020B0504020202020204" pitchFamily="34" charset="0"/>
-              </a:rPr>
-              <a:t>+ Pignon crémaillère</a:t>
-            </a:r>
-          </a:p>
-        </p:txBody>
-      </p:sp>
-      <p:grpSp>
-        <p:nvGrpSpPr>
-          <p:cNvPr id="21" name="Groupe 20">
-            <a:extLst>
-              <a:ext uri="{FF2B5EF4-FFF2-40B4-BE49-F238E27FC236}">
-                <a16:creationId xmlns:a16="http://schemas.microsoft.com/office/drawing/2014/main" id="{3A27BA98-37D0-071E-0034-A8F152781DA2}"/>
-              </a:ext>
-            </a:extLst>
-          </p:cNvPr>
-          <p:cNvGrpSpPr/>
-          <p:nvPr/>
-        </p:nvGrpSpPr>
-        <p:grpSpPr>
-          <a:xfrm>
-            <a:off x="1304511" y="1903819"/>
-            <a:ext cx="360000" cy="360000"/>
-            <a:chOff x="5404964" y="4396133"/>
-            <a:chExt cx="1800000" cy="1800000"/>
-          </a:xfrm>
-        </p:grpSpPr>
-        <p:sp>
-          <p:nvSpPr>
-            <p:cNvPr id="22" name="Ellipse 21">
-              <a:extLst>
-                <a:ext uri="{FF2B5EF4-FFF2-40B4-BE49-F238E27FC236}">
-                  <a16:creationId xmlns:a16="http://schemas.microsoft.com/office/drawing/2014/main" id="{AF6059D3-A447-3650-DBB0-E43A01137737}"/>
-                </a:ext>
-              </a:extLst>
-            </p:cNvPr>
-            <p:cNvSpPr/>
-            <p:nvPr/>
-          </p:nvSpPr>
-          <p:spPr>
-            <a:xfrm>
-              <a:off x="5404964" y="4396133"/>
-              <a:ext cx="1800000" cy="1800000"/>
-            </a:xfrm>
-            <a:prstGeom prst="ellipse">
-              <a:avLst/>
-            </a:prstGeom>
-            <a:solidFill>
-              <a:srgbClr val="00517A"/>
-            </a:solidFill>
-            <a:ln>
-              <a:noFill/>
-            </a:ln>
-          </p:spPr>
-          <p:style>
-            <a:lnRef idx="2">
-              <a:schemeClr val="accent1">
-                <a:shade val="50000"/>
-              </a:schemeClr>
-            </a:lnRef>
-            <a:fillRef idx="1">
-              <a:schemeClr val="accent1"/>
-            </a:fillRef>
-            <a:effectRef idx="0">
-              <a:schemeClr val="accent1"/>
-            </a:effectRef>
-            <a:fontRef idx="minor">
-              <a:schemeClr val="lt1"/>
-            </a:fontRef>
-          </p:style>
-          <p:txBody>
-            <a:bodyPr rtlCol="0" anchor="ctr"/>
-            <a:lstStyle/>
-            <a:p>
-              <a:pPr algn="ctr"/>
-              <a:endParaRPr lang="fr-FR"/>
-            </a:p>
-          </p:txBody>
-        </p:sp>
-        <p:pic>
-          <p:nvPicPr>
-            <p:cNvPr id="23" name="Image 22">
-              <a:extLst>
-                <a:ext uri="{FF2B5EF4-FFF2-40B4-BE49-F238E27FC236}">
-                  <a16:creationId xmlns:a16="http://schemas.microsoft.com/office/drawing/2014/main" id="{A6CDBBC0-D3DC-F349-2C16-BF936D04FE5D}"/>
-                </a:ext>
-              </a:extLst>
-            </p:cNvPr>
-            <p:cNvPicPr>
-              <a:picLocks noChangeAspect="1"/>
-            </p:cNvPicPr>
-            <p:nvPr/>
-          </p:nvPicPr>
-          <p:blipFill>
-            <a:blip r:embed="rId2"/>
-            <a:stretch>
-              <a:fillRect/>
-            </a:stretch>
-          </p:blipFill>
-          <p:spPr>
-            <a:xfrm>
-              <a:off x="5543445" y="4536296"/>
-              <a:ext cx="1358232" cy="1440000"/>
-            </a:xfrm>
-            <a:prstGeom prst="rect">
-              <a:avLst/>
-            </a:prstGeom>
-          </p:spPr>
-        </p:pic>
-      </p:grpSp>
-      <p:pic>
-        <p:nvPicPr>
-          <p:cNvPr id="26" name="Image 25">
-            <a:extLst>
-              <a:ext uri="{FF2B5EF4-FFF2-40B4-BE49-F238E27FC236}">
-                <a16:creationId xmlns:a16="http://schemas.microsoft.com/office/drawing/2014/main" id="{1D2C4C8B-0FCC-A2FF-CBCF-FF9739D62F86}"/>
-              </a:ext>
-            </a:extLst>
-          </p:cNvPr>
-          <p:cNvPicPr>
-            <a:picLocks noChangeAspect="1"/>
-          </p:cNvPicPr>
-          <p:nvPr/>
-        </p:nvPicPr>
-        <p:blipFill>
-          <a:blip r:embed="rId3"/>
-          <a:stretch>
-            <a:fillRect/>
-          </a:stretch>
-        </p:blipFill>
-        <p:spPr>
-          <a:xfrm>
-            <a:off x="2624826" y="1498649"/>
-            <a:ext cx="434918" cy="152010"/>
-          </a:xfrm>
-          <a:prstGeom prst="rect">
-            <a:avLst/>
-          </a:prstGeom>
-        </p:spPr>
-      </p:pic>
-      <p:cxnSp>
-        <p:nvCxnSpPr>
-          <p:cNvPr id="28" name="Connecteur droit avec flèche 27">
-            <a:extLst>
-              <a:ext uri="{FF2B5EF4-FFF2-40B4-BE49-F238E27FC236}">
-                <a16:creationId xmlns:a16="http://schemas.microsoft.com/office/drawing/2014/main" id="{56F184E9-809A-A3C9-1755-4F6B9B443CD7}"/>
-              </a:ext>
-            </a:extLst>
-          </p:cNvPr>
-          <p:cNvCxnSpPr>
-            <a:cxnSpLocks/>
-          </p:cNvCxnSpPr>
-          <p:nvPr/>
-        </p:nvCxnSpPr>
-        <p:spPr>
-          <a:xfrm flipV="1">
-            <a:off x="2496905" y="1722751"/>
-            <a:ext cx="720000" cy="1536"/>
-          </a:xfrm>
-          <a:prstGeom prst="straightConnector1">
-            <a:avLst/>
-          </a:prstGeom>
-          <a:ln w="25400" cap="rnd">
-            <a:solidFill>
-              <a:srgbClr val="004F77"/>
-            </a:solidFill>
-            <a:tailEnd type="triangle" w="med" len="lg"/>
-          </a:ln>
-        </p:spPr>
-        <p:style>
-          <a:lnRef idx="1">
-            <a:schemeClr val="accent1"/>
-          </a:lnRef>
-          <a:fillRef idx="0">
-            <a:schemeClr val="accent1"/>
-          </a:fillRef>
-          <a:effectRef idx="0">
-            <a:schemeClr val="accent1"/>
-          </a:effectRef>
-          <a:fontRef idx="minor">
-            <a:schemeClr val="tx1"/>
-          </a:fontRef>
-        </p:style>
-      </p:cxnSp>
-      <p:cxnSp>
-        <p:nvCxnSpPr>
-          <p:cNvPr id="32" name="Connecteur droit avec flèche 31">
-            <a:extLst>
-              <a:ext uri="{FF2B5EF4-FFF2-40B4-BE49-F238E27FC236}">
-                <a16:creationId xmlns:a16="http://schemas.microsoft.com/office/drawing/2014/main" id="{2516F913-F563-E2BC-304C-4BAEAEFA830A}"/>
-              </a:ext>
-            </a:extLst>
-          </p:cNvPr>
-          <p:cNvCxnSpPr/>
-          <p:nvPr/>
-        </p:nvCxnSpPr>
-        <p:spPr>
-          <a:xfrm flipV="1">
-            <a:off x="4669319" y="1708801"/>
-            <a:ext cx="720000" cy="1536"/>
-          </a:xfrm>
-          <a:prstGeom prst="straightConnector1">
-            <a:avLst/>
-          </a:prstGeom>
-          <a:ln w="25400" cap="rnd">
-            <a:solidFill>
-              <a:srgbClr val="004F77"/>
-            </a:solidFill>
-            <a:tailEnd type="triangle" w="med" len="lg"/>
-          </a:ln>
-        </p:spPr>
-        <p:style>
-          <a:lnRef idx="1">
-            <a:schemeClr val="accent1"/>
-          </a:lnRef>
-          <a:fillRef idx="0">
-            <a:schemeClr val="accent1"/>
-          </a:fillRef>
-          <a:effectRef idx="0">
-            <a:schemeClr val="accent1"/>
-          </a:effectRef>
-          <a:fontRef idx="minor">
-            <a:schemeClr val="tx1"/>
-          </a:fontRef>
-        </p:style>
-      </p:cxnSp>
-      <p:pic>
-        <p:nvPicPr>
-          <p:cNvPr id="34" name="Image 33">
-            <a:extLst>
-              <a:ext uri="{FF2B5EF4-FFF2-40B4-BE49-F238E27FC236}">
-                <a16:creationId xmlns:a16="http://schemas.microsoft.com/office/drawing/2014/main" id="{86B36458-367E-9E5B-68A4-0C26D4E0FCB4}"/>
-              </a:ext>
-            </a:extLst>
-          </p:cNvPr>
-          <p:cNvPicPr>
-            <a:picLocks noChangeAspect="1"/>
-          </p:cNvPicPr>
-          <p:nvPr/>
-        </p:nvPicPr>
-        <p:blipFill>
-          <a:blip r:embed="rId4"/>
-          <a:stretch>
-            <a:fillRect/>
-          </a:stretch>
-        </p:blipFill>
-        <p:spPr>
-          <a:xfrm>
-            <a:off x="4838894" y="1313442"/>
-            <a:ext cx="360000" cy="360000"/>
-          </a:xfrm>
-          <a:prstGeom prst="rect">
-            <a:avLst/>
-          </a:prstGeom>
-        </p:spPr>
-      </p:pic>
-      <p:cxnSp>
-        <p:nvCxnSpPr>
-          <p:cNvPr id="35" name="Connecteur droit avec flèche 34">
-            <a:extLst>
-              <a:ext uri="{FF2B5EF4-FFF2-40B4-BE49-F238E27FC236}">
-                <a16:creationId xmlns:a16="http://schemas.microsoft.com/office/drawing/2014/main" id="{2A759AA0-F3FD-C26A-60D8-97778FA4410F}"/>
-              </a:ext>
-            </a:extLst>
-          </p:cNvPr>
-          <p:cNvCxnSpPr>
-            <a:cxnSpLocks/>
-          </p:cNvCxnSpPr>
-          <p:nvPr/>
-        </p:nvCxnSpPr>
-        <p:spPr>
-          <a:xfrm flipV="1">
-            <a:off x="2509319" y="3705996"/>
-            <a:ext cx="720000" cy="1536"/>
-          </a:xfrm>
-          <a:prstGeom prst="straightConnector1">
-            <a:avLst/>
-          </a:prstGeom>
-          <a:ln w="25400" cap="rnd">
-            <a:solidFill>
-              <a:srgbClr val="FDAD57"/>
-            </a:solidFill>
-            <a:tailEnd type="triangle" w="med" len="lg"/>
-          </a:ln>
-        </p:spPr>
-        <p:style>
-          <a:lnRef idx="1">
-            <a:schemeClr val="accent1"/>
-          </a:lnRef>
-          <a:fillRef idx="0">
-            <a:schemeClr val="accent1"/>
-          </a:fillRef>
-          <a:effectRef idx="0">
-            <a:schemeClr val="accent1"/>
-          </a:effectRef>
-          <a:fontRef idx="minor">
-            <a:schemeClr val="tx1"/>
-          </a:fontRef>
-        </p:style>
-      </p:cxnSp>
-      <p:grpSp>
-        <p:nvGrpSpPr>
-          <p:cNvPr id="36" name="Groupe 35">
-            <a:extLst>
-              <a:ext uri="{FF2B5EF4-FFF2-40B4-BE49-F238E27FC236}">
-                <a16:creationId xmlns:a16="http://schemas.microsoft.com/office/drawing/2014/main" id="{C432E140-C791-725B-4BEE-162F12959100}"/>
-              </a:ext>
-            </a:extLst>
-          </p:cNvPr>
-          <p:cNvGrpSpPr/>
-          <p:nvPr/>
-        </p:nvGrpSpPr>
-        <p:grpSpPr>
-          <a:xfrm>
-            <a:off x="1596905" y="3874910"/>
-            <a:ext cx="360000" cy="360000"/>
-            <a:chOff x="4197400" y="3547713"/>
-            <a:chExt cx="1800000" cy="1800000"/>
-          </a:xfrm>
-        </p:grpSpPr>
-        <p:sp>
-          <p:nvSpPr>
-            <p:cNvPr id="37" name="Ellipse 36">
-              <a:extLst>
-                <a:ext uri="{FF2B5EF4-FFF2-40B4-BE49-F238E27FC236}">
-                  <a16:creationId xmlns:a16="http://schemas.microsoft.com/office/drawing/2014/main" id="{F72BB05F-3C81-6BD0-8528-132F98B4087C}"/>
-                </a:ext>
-              </a:extLst>
-            </p:cNvPr>
-            <p:cNvSpPr/>
-            <p:nvPr/>
-          </p:nvSpPr>
-          <p:spPr>
-            <a:xfrm>
-              <a:off x="4197400" y="3547713"/>
-              <a:ext cx="1800000" cy="1800000"/>
-            </a:xfrm>
-            <a:prstGeom prst="ellipse">
-              <a:avLst/>
-            </a:prstGeom>
-            <a:solidFill>
-              <a:srgbClr val="FFB25A"/>
-            </a:solidFill>
-            <a:ln>
-              <a:noFill/>
-            </a:ln>
-          </p:spPr>
-          <p:style>
-            <a:lnRef idx="2">
-              <a:schemeClr val="accent1">
-                <a:shade val="50000"/>
-              </a:schemeClr>
-            </a:lnRef>
-            <a:fillRef idx="1">
-              <a:schemeClr val="accent1"/>
-            </a:fillRef>
-            <a:effectRef idx="0">
-              <a:schemeClr val="accent1"/>
-            </a:effectRef>
-            <a:fontRef idx="minor">
-              <a:schemeClr val="lt1"/>
-            </a:fontRef>
-          </p:style>
-          <p:txBody>
-            <a:bodyPr rtlCol="0" anchor="ctr"/>
-            <a:lstStyle/>
-            <a:p>
-              <a:pPr algn="ctr"/>
-              <a:endParaRPr lang="fr-FR"/>
-            </a:p>
-          </p:txBody>
-        </p:sp>
-        <p:pic>
-          <p:nvPicPr>
-            <p:cNvPr id="38" name="Image 37">
-              <a:extLst>
-                <a:ext uri="{FF2B5EF4-FFF2-40B4-BE49-F238E27FC236}">
-                  <a16:creationId xmlns:a16="http://schemas.microsoft.com/office/drawing/2014/main" id="{0241FA1B-C23B-A98A-6FA9-9AD3F149F46F}"/>
-                </a:ext>
-              </a:extLst>
-            </p:cNvPr>
-            <p:cNvPicPr>
-              <a:picLocks noChangeAspect="1"/>
-            </p:cNvPicPr>
-            <p:nvPr/>
-          </p:nvPicPr>
-          <p:blipFill>
-            <a:blip r:embed="rId5"/>
-            <a:stretch>
-              <a:fillRect/>
-            </a:stretch>
-          </p:blipFill>
-          <p:spPr>
-            <a:xfrm>
-              <a:off x="4526157" y="3876470"/>
-              <a:ext cx="1142486" cy="1142486"/>
-            </a:xfrm>
-            <a:prstGeom prst="rect">
-              <a:avLst/>
-            </a:prstGeom>
-          </p:spPr>
-        </p:pic>
-      </p:grpSp>
-      <p:pic>
-        <p:nvPicPr>
-          <p:cNvPr id="40" name="Image 39">
-            <a:extLst>
-              <a:ext uri="{FF2B5EF4-FFF2-40B4-BE49-F238E27FC236}">
-                <a16:creationId xmlns:a16="http://schemas.microsoft.com/office/drawing/2014/main" id="{807256A2-2D51-482D-5FEB-74F10613D366}"/>
-              </a:ext>
-            </a:extLst>
-          </p:cNvPr>
-          <p:cNvPicPr>
-            <a:picLocks noChangeAspect="1"/>
-          </p:cNvPicPr>
-          <p:nvPr/>
-        </p:nvPicPr>
-        <p:blipFill>
-          <a:blip r:embed="rId6"/>
-          <a:stretch>
-            <a:fillRect/>
-          </a:stretch>
-        </p:blipFill>
-        <p:spPr>
-          <a:xfrm>
-            <a:off x="2676905" y="3288253"/>
-            <a:ext cx="360000" cy="360000"/>
-          </a:xfrm>
-          <a:prstGeom prst="rect">
-            <a:avLst/>
-          </a:prstGeom>
-        </p:spPr>
-      </p:pic>
-      <p:grpSp>
-        <p:nvGrpSpPr>
-          <p:cNvPr id="44" name="Groupe 43">
-            <a:extLst>
-              <a:ext uri="{FF2B5EF4-FFF2-40B4-BE49-F238E27FC236}">
-                <a16:creationId xmlns:a16="http://schemas.microsoft.com/office/drawing/2014/main" id="{04E9D792-DC23-45E0-4C57-F4C8652B27B7}"/>
-              </a:ext>
-            </a:extLst>
-          </p:cNvPr>
-          <p:cNvGrpSpPr/>
-          <p:nvPr/>
-        </p:nvGrpSpPr>
-        <p:grpSpPr>
-          <a:xfrm>
-            <a:off x="3769319" y="3882769"/>
-            <a:ext cx="360000" cy="360000"/>
-            <a:chOff x="6955958" y="3325976"/>
-            <a:chExt cx="1800000" cy="1800000"/>
-          </a:xfrm>
-        </p:grpSpPr>
-        <p:sp>
-          <p:nvSpPr>
-            <p:cNvPr id="45" name="Ellipse 44">
-              <a:extLst>
-                <a:ext uri="{FF2B5EF4-FFF2-40B4-BE49-F238E27FC236}">
-                  <a16:creationId xmlns:a16="http://schemas.microsoft.com/office/drawing/2014/main" id="{2023547D-7AD8-2476-352E-2003CAAE25E0}"/>
-                </a:ext>
-              </a:extLst>
-            </p:cNvPr>
-            <p:cNvSpPr/>
-            <p:nvPr/>
-          </p:nvSpPr>
-          <p:spPr>
-            <a:xfrm>
-              <a:off x="6955958" y="3325976"/>
-              <a:ext cx="1800000" cy="1800000"/>
-            </a:xfrm>
-            <a:prstGeom prst="ellipse">
-              <a:avLst/>
-            </a:prstGeom>
-            <a:solidFill>
-              <a:srgbClr val="0C7391"/>
-            </a:solidFill>
-            <a:ln>
-              <a:noFill/>
-            </a:ln>
-          </p:spPr>
-          <p:style>
-            <a:lnRef idx="2">
-              <a:schemeClr val="accent1">
-                <a:shade val="50000"/>
-              </a:schemeClr>
-            </a:lnRef>
-            <a:fillRef idx="1">
-              <a:schemeClr val="accent1"/>
-            </a:fillRef>
-            <a:effectRef idx="0">
-              <a:schemeClr val="accent1"/>
-            </a:effectRef>
-            <a:fontRef idx="minor">
-              <a:schemeClr val="lt1"/>
-            </a:fontRef>
-          </p:style>
-          <p:txBody>
-            <a:bodyPr rtlCol="0" anchor="ctr"/>
-            <a:lstStyle/>
-            <a:p>
-              <a:pPr algn="ctr"/>
-              <a:endParaRPr lang="fr-FR" dirty="0"/>
-            </a:p>
-          </p:txBody>
-        </p:sp>
-        <p:pic>
-          <p:nvPicPr>
-            <p:cNvPr id="46" name="Image 45">
-              <a:extLst>
-                <a:ext uri="{FF2B5EF4-FFF2-40B4-BE49-F238E27FC236}">
-                  <a16:creationId xmlns:a16="http://schemas.microsoft.com/office/drawing/2014/main" id="{B4A8BA83-645D-52A3-AEB7-1179427FDCF1}"/>
-                </a:ext>
-              </a:extLst>
-            </p:cNvPr>
-            <p:cNvPicPr>
-              <a:picLocks noChangeAspect="1"/>
-            </p:cNvPicPr>
-            <p:nvPr/>
-          </p:nvPicPr>
-          <p:blipFill>
-            <a:blip r:embed="rId7"/>
-            <a:stretch>
-              <a:fillRect/>
-            </a:stretch>
-          </p:blipFill>
-          <p:spPr>
-            <a:xfrm>
-              <a:off x="7212124" y="3645024"/>
-              <a:ext cx="1394286" cy="1161904"/>
-            </a:xfrm>
-            <a:prstGeom prst="rect">
-              <a:avLst/>
-            </a:prstGeom>
-          </p:spPr>
-        </p:pic>
-        <p:pic>
-          <p:nvPicPr>
-            <p:cNvPr id="47" name="Image 46">
-              <a:extLst>
-                <a:ext uri="{FF2B5EF4-FFF2-40B4-BE49-F238E27FC236}">
-                  <a16:creationId xmlns:a16="http://schemas.microsoft.com/office/drawing/2014/main" id="{302262FB-10CE-F782-72FE-6FD5D16DF450}"/>
-                </a:ext>
-              </a:extLst>
-            </p:cNvPr>
-            <p:cNvPicPr>
-              <a:picLocks noChangeAspect="1"/>
-            </p:cNvPicPr>
-            <p:nvPr/>
-          </p:nvPicPr>
-          <p:blipFill>
-            <a:blip r:embed="rId8"/>
-            <a:stretch>
-              <a:fillRect/>
-            </a:stretch>
-          </p:blipFill>
-          <p:spPr>
-            <a:xfrm>
-              <a:off x="7909267" y="4072626"/>
-              <a:ext cx="246640" cy="173418"/>
-            </a:xfrm>
-            <a:prstGeom prst="rect">
-              <a:avLst/>
-            </a:prstGeom>
-          </p:spPr>
-        </p:pic>
-      </p:grpSp>
-      <p:cxnSp>
-        <p:nvCxnSpPr>
-          <p:cNvPr id="48" name="Connecteur droit avec flèche 47">
-            <a:extLst>
-              <a:ext uri="{FF2B5EF4-FFF2-40B4-BE49-F238E27FC236}">
-                <a16:creationId xmlns:a16="http://schemas.microsoft.com/office/drawing/2014/main" id="{ADC9AE2C-B971-B403-6BD3-1FBC1C8BCEB1}"/>
-              </a:ext>
-            </a:extLst>
-          </p:cNvPr>
-          <p:cNvCxnSpPr>
-            <a:cxnSpLocks/>
-          </p:cNvCxnSpPr>
-          <p:nvPr/>
-        </p:nvCxnSpPr>
-        <p:spPr>
-          <a:xfrm flipV="1">
-            <a:off x="4669319" y="3693164"/>
-            <a:ext cx="720000" cy="1536"/>
-          </a:xfrm>
-          <a:prstGeom prst="straightConnector1">
-            <a:avLst/>
-          </a:prstGeom>
-          <a:ln w="25400" cap="rnd">
-            <a:solidFill>
-              <a:srgbClr val="0C7391"/>
-            </a:solidFill>
-            <a:tailEnd type="triangle" w="med" len="lg"/>
-          </a:ln>
-        </p:spPr>
-        <p:style>
-          <a:lnRef idx="1">
-            <a:schemeClr val="accent1"/>
-          </a:lnRef>
-          <a:fillRef idx="0">
-            <a:schemeClr val="accent1"/>
-          </a:fillRef>
-          <a:effectRef idx="0">
-            <a:schemeClr val="accent1"/>
-          </a:effectRef>
-          <a:fontRef idx="minor">
-            <a:schemeClr val="tx1"/>
-          </a:fontRef>
-        </p:style>
-      </p:cxnSp>
-      <p:pic>
-        <p:nvPicPr>
-          <p:cNvPr id="49" name="Image 48">
-            <a:extLst>
-              <a:ext uri="{FF2B5EF4-FFF2-40B4-BE49-F238E27FC236}">
-                <a16:creationId xmlns:a16="http://schemas.microsoft.com/office/drawing/2014/main" id="{D668B20D-2AB0-DB7C-B49B-C67635DB8BBA}"/>
-              </a:ext>
-            </a:extLst>
-          </p:cNvPr>
-          <p:cNvPicPr>
-            <a:picLocks noChangeAspect="1"/>
-          </p:cNvPicPr>
-          <p:nvPr/>
-        </p:nvPicPr>
-        <p:blipFill>
-          <a:blip r:embed="rId6"/>
-          <a:stretch>
-            <a:fillRect/>
-          </a:stretch>
-        </p:blipFill>
-        <p:spPr>
-          <a:xfrm>
-            <a:off x="4838894" y="3288253"/>
-            <a:ext cx="360000" cy="360000"/>
-          </a:xfrm>
-          <a:prstGeom prst="rect">
-            <a:avLst/>
-          </a:prstGeom>
-        </p:spPr>
-      </p:pic>
-      <p:grpSp>
-        <p:nvGrpSpPr>
-          <p:cNvPr id="50" name="Groupe 49">
-            <a:extLst>
-              <a:ext uri="{FF2B5EF4-FFF2-40B4-BE49-F238E27FC236}">
-                <a16:creationId xmlns:a16="http://schemas.microsoft.com/office/drawing/2014/main" id="{3BAC2AD8-68D0-64B3-8925-A4804B8ADC35}"/>
-              </a:ext>
-            </a:extLst>
-          </p:cNvPr>
-          <p:cNvGrpSpPr/>
-          <p:nvPr/>
-        </p:nvGrpSpPr>
-        <p:grpSpPr>
-          <a:xfrm>
-            <a:off x="5910458" y="3883180"/>
-            <a:ext cx="360000" cy="360000"/>
-            <a:chOff x="5775745" y="3144183"/>
-            <a:chExt cx="1800000" cy="1800000"/>
-          </a:xfrm>
-        </p:grpSpPr>
-        <p:sp>
-          <p:nvSpPr>
-            <p:cNvPr id="51" name="Ellipse 50">
-              <a:extLst>
-                <a:ext uri="{FF2B5EF4-FFF2-40B4-BE49-F238E27FC236}">
-                  <a16:creationId xmlns:a16="http://schemas.microsoft.com/office/drawing/2014/main" id="{04F8E12C-8382-F1EC-C191-3370BC42A0F6}"/>
-                </a:ext>
-              </a:extLst>
-            </p:cNvPr>
-            <p:cNvSpPr/>
-            <p:nvPr/>
-          </p:nvSpPr>
-          <p:spPr>
-            <a:xfrm>
-              <a:off x="5775745" y="3144183"/>
-              <a:ext cx="1800000" cy="1800000"/>
-            </a:xfrm>
-            <a:prstGeom prst="ellipse">
-              <a:avLst/>
-            </a:prstGeom>
-            <a:solidFill>
-              <a:srgbClr val="68348B"/>
-            </a:solidFill>
-            <a:ln>
-              <a:noFill/>
-            </a:ln>
-          </p:spPr>
-          <p:style>
-            <a:lnRef idx="2">
-              <a:schemeClr val="accent1">
-                <a:shade val="50000"/>
-              </a:schemeClr>
-            </a:lnRef>
-            <a:fillRef idx="1">
-              <a:schemeClr val="accent1"/>
-            </a:fillRef>
-            <a:effectRef idx="0">
-              <a:schemeClr val="accent1"/>
-            </a:effectRef>
-            <a:fontRef idx="minor">
-              <a:schemeClr val="lt1"/>
-            </a:fontRef>
-          </p:style>
-          <p:txBody>
-            <a:bodyPr rtlCol="0" anchor="ctr"/>
-            <a:lstStyle/>
-            <a:p>
-              <a:pPr algn="ctr"/>
-              <a:endParaRPr lang="fr-FR"/>
-            </a:p>
-          </p:txBody>
-        </p:sp>
-        <p:pic>
-          <p:nvPicPr>
-            <p:cNvPr id="52" name="Image 51">
-              <a:extLst>
-                <a:ext uri="{FF2B5EF4-FFF2-40B4-BE49-F238E27FC236}">
-                  <a16:creationId xmlns:a16="http://schemas.microsoft.com/office/drawing/2014/main" id="{F009B8D4-CDD9-2923-1B15-FB51E1B49293}"/>
-                </a:ext>
-              </a:extLst>
-            </p:cNvPr>
-            <p:cNvPicPr>
-              <a:picLocks noChangeAspect="1"/>
-            </p:cNvPicPr>
-            <p:nvPr/>
-          </p:nvPicPr>
-          <p:blipFill>
-            <a:blip r:embed="rId9"/>
-            <a:stretch>
-              <a:fillRect/>
-            </a:stretch>
-          </p:blipFill>
-          <p:spPr>
-            <a:xfrm>
-              <a:off x="5903821" y="3513485"/>
-              <a:ext cx="1543848" cy="1061396"/>
-            </a:xfrm>
-            <a:prstGeom prst="rect">
-              <a:avLst/>
-            </a:prstGeom>
-          </p:spPr>
-        </p:pic>
-      </p:grpSp>
-      <p:cxnSp>
-        <p:nvCxnSpPr>
-          <p:cNvPr id="53" name="Connecteur droit avec flèche 52">
-            <a:extLst>
-              <a:ext uri="{FF2B5EF4-FFF2-40B4-BE49-F238E27FC236}">
-                <a16:creationId xmlns:a16="http://schemas.microsoft.com/office/drawing/2014/main" id="{D8550244-CF3E-46CD-9FB3-D08544E1F6C9}"/>
-              </a:ext>
-            </a:extLst>
-          </p:cNvPr>
-          <p:cNvCxnSpPr>
-            <a:cxnSpLocks/>
-          </p:cNvCxnSpPr>
-          <p:nvPr/>
-        </p:nvCxnSpPr>
-        <p:spPr>
-          <a:xfrm flipV="1">
-            <a:off x="6829319" y="3702769"/>
-            <a:ext cx="720000" cy="1536"/>
-          </a:xfrm>
-          <a:prstGeom prst="straightConnector1">
-            <a:avLst/>
-          </a:prstGeom>
-          <a:ln w="25400" cap="rnd">
-            <a:solidFill>
-              <a:srgbClr val="68348B"/>
-            </a:solidFill>
-            <a:tailEnd type="triangle" w="med" len="lg"/>
-          </a:ln>
-        </p:spPr>
-        <p:style>
-          <a:lnRef idx="1">
-            <a:schemeClr val="accent1"/>
-          </a:lnRef>
-          <a:fillRef idx="0">
-            <a:schemeClr val="accent1"/>
-          </a:fillRef>
-          <a:effectRef idx="0">
-            <a:schemeClr val="accent1"/>
-          </a:effectRef>
-          <a:fontRef idx="minor">
-            <a:schemeClr val="tx1"/>
-          </a:fontRef>
-        </p:style>
-      </p:cxnSp>
-      <p:grpSp>
-        <p:nvGrpSpPr>
-          <p:cNvPr id="55" name="Groupe 54">
-            <a:extLst>
-              <a:ext uri="{FF2B5EF4-FFF2-40B4-BE49-F238E27FC236}">
-                <a16:creationId xmlns:a16="http://schemas.microsoft.com/office/drawing/2014/main" id="{4FEA3EBC-91ED-BDE9-6607-868717EB421F}"/>
-              </a:ext>
-            </a:extLst>
-          </p:cNvPr>
-          <p:cNvGrpSpPr/>
-          <p:nvPr/>
-        </p:nvGrpSpPr>
-        <p:grpSpPr>
-          <a:xfrm>
-            <a:off x="7739744" y="3855932"/>
-            <a:ext cx="360000" cy="360000"/>
-            <a:chOff x="5447928" y="2816932"/>
-            <a:chExt cx="1800000" cy="1800000"/>
-          </a:xfrm>
-        </p:grpSpPr>
-        <p:sp>
-          <p:nvSpPr>
-            <p:cNvPr id="56" name="Ellipse 55">
-              <a:extLst>
-                <a:ext uri="{FF2B5EF4-FFF2-40B4-BE49-F238E27FC236}">
-                  <a16:creationId xmlns:a16="http://schemas.microsoft.com/office/drawing/2014/main" id="{639C7740-E0F1-0D34-A959-EEBB5084D37B}"/>
-                </a:ext>
-              </a:extLst>
-            </p:cNvPr>
-            <p:cNvSpPr/>
-            <p:nvPr/>
-          </p:nvSpPr>
-          <p:spPr>
-            <a:xfrm>
-              <a:off x="5447928" y="2816932"/>
-              <a:ext cx="1800000" cy="1800000"/>
-            </a:xfrm>
-            <a:prstGeom prst="ellipse">
-              <a:avLst/>
-            </a:prstGeom>
-            <a:solidFill>
-              <a:srgbClr val="EF7268"/>
-            </a:solidFill>
-            <a:ln>
-              <a:noFill/>
-            </a:ln>
-          </p:spPr>
-          <p:style>
-            <a:lnRef idx="2">
-              <a:schemeClr val="accent1">
-                <a:shade val="50000"/>
-              </a:schemeClr>
-            </a:lnRef>
-            <a:fillRef idx="1">
-              <a:schemeClr val="accent1"/>
-            </a:fillRef>
-            <a:effectRef idx="0">
-              <a:schemeClr val="accent1"/>
-            </a:effectRef>
-            <a:fontRef idx="minor">
-              <a:schemeClr val="lt1"/>
-            </a:fontRef>
-          </p:style>
-          <p:txBody>
-            <a:bodyPr rtlCol="0" anchor="ctr"/>
-            <a:lstStyle/>
-            <a:p>
-              <a:pPr algn="ctr"/>
-              <a:endParaRPr lang="fr-FR" dirty="0"/>
-            </a:p>
-          </p:txBody>
-        </p:sp>
-        <p:pic>
-          <p:nvPicPr>
-            <p:cNvPr id="57" name="Image 56">
-              <a:extLst>
-                <a:ext uri="{FF2B5EF4-FFF2-40B4-BE49-F238E27FC236}">
-                  <a16:creationId xmlns:a16="http://schemas.microsoft.com/office/drawing/2014/main" id="{EC612269-D972-EB21-CF55-B36842D06495}"/>
-                </a:ext>
-              </a:extLst>
-            </p:cNvPr>
-            <p:cNvPicPr>
-              <a:picLocks noChangeAspect="1"/>
-            </p:cNvPicPr>
-            <p:nvPr/>
-          </p:nvPicPr>
-          <p:blipFill>
-            <a:blip r:embed="rId10"/>
-            <a:stretch>
-              <a:fillRect/>
-            </a:stretch>
-          </p:blipFill>
-          <p:spPr>
-            <a:xfrm flipH="1">
-              <a:off x="5627848" y="2996852"/>
-              <a:ext cx="1440160" cy="1440160"/>
-            </a:xfrm>
-            <a:prstGeom prst="rect">
-              <a:avLst/>
-            </a:prstGeom>
-          </p:spPr>
-        </p:pic>
-      </p:grpSp>
-      <p:pic>
-        <p:nvPicPr>
-          <p:cNvPr id="59" name="Image 58">
-            <a:extLst>
-              <a:ext uri="{FF2B5EF4-FFF2-40B4-BE49-F238E27FC236}">
-                <a16:creationId xmlns:a16="http://schemas.microsoft.com/office/drawing/2014/main" id="{B3E9E472-684E-6072-F347-B28F08A29E23}"/>
-              </a:ext>
-            </a:extLst>
-          </p:cNvPr>
-          <p:cNvPicPr>
-            <a:picLocks noChangeAspect="1"/>
-          </p:cNvPicPr>
-          <p:nvPr/>
-        </p:nvPicPr>
-        <p:blipFill>
-          <a:blip r:embed="rId11"/>
-          <a:stretch>
-            <a:fillRect/>
-          </a:stretch>
-        </p:blipFill>
-        <p:spPr>
-          <a:xfrm>
-            <a:off x="6993108" y="3313520"/>
-            <a:ext cx="360000" cy="360000"/>
-          </a:xfrm>
-          <a:prstGeom prst="rect">
-            <a:avLst/>
-          </a:prstGeom>
-        </p:spPr>
-      </p:pic>
-      <p:cxnSp>
-        <p:nvCxnSpPr>
-          <p:cNvPr id="61" name="Connecteur : en angle 60">
-            <a:extLst>
-              <a:ext uri="{FF2B5EF4-FFF2-40B4-BE49-F238E27FC236}">
-                <a16:creationId xmlns:a16="http://schemas.microsoft.com/office/drawing/2014/main" id="{58F393DB-2637-6847-79EA-B747BDA4F0F5}"/>
-              </a:ext>
-            </a:extLst>
-          </p:cNvPr>
-          <p:cNvCxnSpPr>
-            <a:cxnSpLocks/>
-            <a:endCxn id="64" idx="0"/>
-          </p:cNvCxnSpPr>
-          <p:nvPr/>
-        </p:nvCxnSpPr>
-        <p:spPr>
-          <a:xfrm rot="16200000" flipH="1">
-            <a:off x="4346335" y="2144980"/>
-            <a:ext cx="1067620" cy="421656"/>
-          </a:xfrm>
-          <a:prstGeom prst="bentConnector3">
-            <a:avLst>
-              <a:gd name="adj1" fmla="val 3097"/>
-            </a:avLst>
-          </a:prstGeom>
-          <a:ln w="25400">
-            <a:solidFill>
-              <a:srgbClr val="08A559"/>
-            </a:solidFill>
-            <a:headEnd type="none"/>
-            <a:tailEnd type="triangle"/>
-          </a:ln>
-        </p:spPr>
-        <p:style>
-          <a:lnRef idx="1">
-            <a:schemeClr val="accent1"/>
-          </a:lnRef>
-          <a:fillRef idx="0">
-            <a:schemeClr val="accent1"/>
-          </a:fillRef>
-          <a:effectRef idx="0">
-            <a:schemeClr val="accent1"/>
-          </a:effectRef>
-          <a:fontRef idx="minor">
-            <a:schemeClr val="tx1"/>
-          </a:fontRef>
-        </p:style>
-      </p:cxnSp>
-      <p:sp>
-        <p:nvSpPr>
-          <p:cNvPr id="64" name="Rectangle : coins arrondis 63">
-            <a:extLst>
-              <a:ext uri="{FF2B5EF4-FFF2-40B4-BE49-F238E27FC236}">
-                <a16:creationId xmlns:a16="http://schemas.microsoft.com/office/drawing/2014/main" id="{199A02DB-D17F-C7D0-AC86-EB38CD79A07D}"/>
-              </a:ext>
-            </a:extLst>
-          </p:cNvPr>
-          <p:cNvSpPr/>
-          <p:nvPr/>
-        </p:nvSpPr>
-        <p:spPr>
-          <a:xfrm>
-            <a:off x="4387832" y="2889618"/>
-            <a:ext cx="1406281" cy="331358"/>
-          </a:xfrm>
-          <a:prstGeom prst="roundRect">
-            <a:avLst>
-              <a:gd name="adj" fmla="val 11914"/>
-            </a:avLst>
-          </a:prstGeom>
-          <a:solidFill>
-            <a:srgbClr val="08A559"/>
-          </a:solidFill>
-          <a:ln w="19050">
-            <a:noFill/>
-          </a:ln>
-        </p:spPr>
-        <p:style>
-          <a:lnRef idx="2">
-            <a:schemeClr val="accent1">
-              <a:shade val="50000"/>
-            </a:schemeClr>
-          </a:lnRef>
-          <a:fillRef idx="1">
-            <a:schemeClr val="accent1"/>
-          </a:fillRef>
-          <a:effectRef idx="0">
-            <a:schemeClr val="accent1"/>
-          </a:effectRef>
-          <a:fontRef idx="minor">
-            <a:schemeClr val="lt1"/>
-          </a:fontRef>
-        </p:style>
-        <p:txBody>
-          <a:bodyPr rtlCol="0" anchor="ctr"/>
-          <a:lstStyle/>
-          <a:p>
-            <a:pPr algn="ctr"/>
-            <a:r>
-              <a:rPr lang="fr-FR" sz="1200" dirty="0">
-                <a:solidFill>
-                  <a:schemeClr val="bg1"/>
-                </a:solidFill>
-                <a:latin typeface="Arial Nova" panose="020B0504020202020204" pitchFamily="34" charset="0"/>
-              </a:rPr>
-              <a:t>Ordres (PWM)</a:t>
-            </a:r>
-          </a:p>
-        </p:txBody>
-      </p:sp>
-      <p:cxnSp>
-        <p:nvCxnSpPr>
-          <p:cNvPr id="67" name="Connecteur : en angle 66">
-            <a:extLst>
-              <a:ext uri="{FF2B5EF4-FFF2-40B4-BE49-F238E27FC236}">
-                <a16:creationId xmlns:a16="http://schemas.microsoft.com/office/drawing/2014/main" id="{415B66DC-5BA1-C73F-85C3-52531B5209A7}"/>
-              </a:ext>
-            </a:extLst>
-          </p:cNvPr>
-          <p:cNvCxnSpPr>
-            <a:cxnSpLocks/>
-            <a:stCxn id="64" idx="1"/>
-            <a:endCxn id="15" idx="0"/>
-          </p:cNvCxnSpPr>
-          <p:nvPr/>
-        </p:nvCxnSpPr>
-        <p:spPr>
-          <a:xfrm rot="10800000" flipV="1">
-            <a:off x="3938894" y="3055297"/>
-            <a:ext cx="448938" cy="377472"/>
-          </a:xfrm>
-          <a:prstGeom prst="bentConnector2">
-            <a:avLst/>
-          </a:prstGeom>
-          <a:ln w="25400">
-            <a:solidFill>
-              <a:srgbClr val="08A559"/>
-            </a:solidFill>
-            <a:headEnd type="none"/>
-            <a:tailEnd type="triangle"/>
-          </a:ln>
-        </p:spPr>
-        <p:style>
-          <a:lnRef idx="1">
-            <a:schemeClr val="accent1"/>
-          </a:lnRef>
-          <a:fillRef idx="0">
-            <a:schemeClr val="accent1"/>
-          </a:fillRef>
-          <a:effectRef idx="0">
-            <a:schemeClr val="accent1"/>
-          </a:effectRef>
-          <a:fontRef idx="minor">
-            <a:schemeClr val="tx1"/>
-          </a:fontRef>
-        </p:style>
-      </p:cxnSp>
-      <p:pic>
-        <p:nvPicPr>
-          <p:cNvPr id="71" name="Image 70">
-            <a:extLst>
-              <a:ext uri="{FF2B5EF4-FFF2-40B4-BE49-F238E27FC236}">
-                <a16:creationId xmlns:a16="http://schemas.microsoft.com/office/drawing/2014/main" id="{A6A4AED6-2581-F94A-2A2C-968E1601F593}"/>
-              </a:ext>
-            </a:extLst>
-          </p:cNvPr>
-          <p:cNvPicPr>
-            <a:picLocks noChangeAspect="1"/>
-          </p:cNvPicPr>
-          <p:nvPr/>
-        </p:nvPicPr>
-        <p:blipFill>
-          <a:blip r:embed="rId4"/>
-          <a:stretch>
-            <a:fillRect/>
-          </a:stretch>
-        </p:blipFill>
-        <p:spPr>
-          <a:xfrm>
-            <a:off x="6903108" y="2837764"/>
-            <a:ext cx="180000" cy="180000"/>
-          </a:xfrm>
-          <a:prstGeom prst="rect">
-            <a:avLst/>
-          </a:prstGeom>
-        </p:spPr>
-      </p:pic>
-      <p:pic>
-        <p:nvPicPr>
-          <p:cNvPr id="72" name="Image 71">
-            <a:extLst>
-              <a:ext uri="{FF2B5EF4-FFF2-40B4-BE49-F238E27FC236}">
-                <a16:creationId xmlns:a16="http://schemas.microsoft.com/office/drawing/2014/main" id="{DD7FF158-FAA1-F881-E216-74F874CDD301}"/>
-              </a:ext>
-            </a:extLst>
-          </p:cNvPr>
-          <p:cNvPicPr>
-            <a:picLocks noChangeAspect="1"/>
-          </p:cNvPicPr>
-          <p:nvPr/>
-        </p:nvPicPr>
-        <p:blipFill>
-          <a:blip r:embed="rId4"/>
-          <a:stretch>
-            <a:fillRect/>
-          </a:stretch>
-        </p:blipFill>
-        <p:spPr>
-          <a:xfrm>
-            <a:off x="3705152" y="3113393"/>
-            <a:ext cx="180000" cy="180000"/>
-          </a:xfrm>
-          <a:prstGeom prst="rect">
-            <a:avLst/>
-          </a:prstGeom>
-        </p:spPr>
-      </p:pic>
-      <p:sp>
-        <p:nvSpPr>
-          <p:cNvPr id="73" name="Rectangle : coins arrondis 72">
-            <a:extLst>
-              <a:ext uri="{FF2B5EF4-FFF2-40B4-BE49-F238E27FC236}">
-                <a16:creationId xmlns:a16="http://schemas.microsoft.com/office/drawing/2014/main" id="{9855835A-A07D-9F88-33DC-F41928D86114}"/>
-              </a:ext>
-            </a:extLst>
-          </p:cNvPr>
-          <p:cNvSpPr/>
-          <p:nvPr/>
-        </p:nvSpPr>
-        <p:spPr>
-          <a:xfrm>
-            <a:off x="9634981" y="3429000"/>
-            <a:ext cx="1365662" cy="1194790"/>
-          </a:xfrm>
-          <a:prstGeom prst="roundRect">
-            <a:avLst>
-              <a:gd name="adj" fmla="val 11914"/>
-            </a:avLst>
-          </a:prstGeom>
-          <a:solidFill>
-            <a:srgbClr val="B2CAD6"/>
-          </a:solidFill>
-          <a:ln w="19050">
-            <a:solidFill>
-              <a:srgbClr val="B2CAD6"/>
-            </a:solidFill>
-          </a:ln>
-        </p:spPr>
-        <p:style>
-          <a:lnRef idx="2">
-            <a:schemeClr val="accent1">
-              <a:shade val="50000"/>
-            </a:schemeClr>
-          </a:lnRef>
-          <a:fillRef idx="1">
-            <a:schemeClr val="accent1"/>
-          </a:fillRef>
-          <a:effectRef idx="0">
-            <a:schemeClr val="accent1"/>
-          </a:effectRef>
-          <a:fontRef idx="minor">
-            <a:schemeClr val="lt1"/>
-          </a:fontRef>
-        </p:style>
-        <p:txBody>
-          <a:bodyPr rtlCol="0" anchor="ctr"/>
-          <a:lstStyle/>
-          <a:p>
-            <a:pPr algn="ctr"/>
-            <a:r>
-              <a:rPr lang="fr-FR" sz="1200" dirty="0">
-                <a:solidFill>
-                  <a:srgbClr val="0D587E"/>
-                </a:solidFill>
-                <a:latin typeface="Arial Nova" panose="020B0504020202020204" pitchFamily="34" charset="0"/>
-              </a:rPr>
-              <a:t>Axe de translation T</a:t>
-            </a:r>
-          </a:p>
-        </p:txBody>
-      </p:sp>
-      <p:cxnSp>
-        <p:nvCxnSpPr>
-          <p:cNvPr id="74" name="Connecteur droit avec flèche 73">
-            <a:extLst>
-              <a:ext uri="{FF2B5EF4-FFF2-40B4-BE49-F238E27FC236}">
-                <a16:creationId xmlns:a16="http://schemas.microsoft.com/office/drawing/2014/main" id="{68CD29C3-A317-7C58-A7A7-665AAE50EA4D}"/>
-              </a:ext>
-            </a:extLst>
-          </p:cNvPr>
-          <p:cNvCxnSpPr>
-            <a:cxnSpLocks/>
-          </p:cNvCxnSpPr>
-          <p:nvPr/>
-        </p:nvCxnSpPr>
-        <p:spPr>
-          <a:xfrm flipV="1">
-            <a:off x="8911620" y="3702769"/>
-            <a:ext cx="720000" cy="1536"/>
-          </a:xfrm>
-          <a:prstGeom prst="straightConnector1">
-            <a:avLst/>
-          </a:prstGeom>
-          <a:ln w="25400" cap="rnd">
-            <a:solidFill>
-              <a:srgbClr val="68348B"/>
-            </a:solidFill>
-            <a:tailEnd type="triangle" w="med" len="lg"/>
-          </a:ln>
-        </p:spPr>
-        <p:style>
-          <a:lnRef idx="1">
-            <a:schemeClr val="accent1"/>
-          </a:lnRef>
-          <a:fillRef idx="0">
-            <a:schemeClr val="accent1"/>
-          </a:fillRef>
-          <a:effectRef idx="0">
-            <a:schemeClr val="accent1"/>
-          </a:effectRef>
-          <a:fontRef idx="minor">
-            <a:schemeClr val="tx1"/>
-          </a:fontRef>
-        </p:style>
-      </p:cxnSp>
-      <p:grpSp>
-        <p:nvGrpSpPr>
-          <p:cNvPr id="2" name="Groupe 1">
-            <a:extLst>
-              <a:ext uri="{FF2B5EF4-FFF2-40B4-BE49-F238E27FC236}">
-                <a16:creationId xmlns:a16="http://schemas.microsoft.com/office/drawing/2014/main" id="{1AEE2739-FA72-6125-0769-C608C7018360}"/>
-              </a:ext>
-            </a:extLst>
-          </p:cNvPr>
-          <p:cNvGrpSpPr/>
-          <p:nvPr/>
-        </p:nvGrpSpPr>
-        <p:grpSpPr>
-          <a:xfrm>
-            <a:off x="3770117" y="1925231"/>
-            <a:ext cx="360000" cy="360000"/>
-            <a:chOff x="6138169" y="4069439"/>
-            <a:chExt cx="1800000" cy="1800000"/>
-          </a:xfrm>
-        </p:grpSpPr>
-        <p:sp>
-          <p:nvSpPr>
-            <p:cNvPr id="3" name="Ellipse 2">
-              <a:extLst>
-                <a:ext uri="{FF2B5EF4-FFF2-40B4-BE49-F238E27FC236}">
-                  <a16:creationId xmlns:a16="http://schemas.microsoft.com/office/drawing/2014/main" id="{DAE465F2-29FD-C750-3881-C65C18B6B9B8}"/>
-                </a:ext>
-              </a:extLst>
-            </p:cNvPr>
-            <p:cNvSpPr/>
-            <p:nvPr/>
-          </p:nvSpPr>
-          <p:spPr>
-            <a:xfrm>
-              <a:off x="6138169" y="4069439"/>
-              <a:ext cx="1800000" cy="1800000"/>
-            </a:xfrm>
-            <a:prstGeom prst="ellipse">
-              <a:avLst/>
-            </a:prstGeom>
-            <a:solidFill>
-              <a:srgbClr val="00547F"/>
-            </a:solidFill>
-            <a:ln>
-              <a:noFill/>
-            </a:ln>
-          </p:spPr>
-          <p:style>
-            <a:lnRef idx="2">
-              <a:schemeClr val="accent1">
-                <a:shade val="50000"/>
-              </a:schemeClr>
-            </a:lnRef>
-            <a:fillRef idx="1">
-              <a:schemeClr val="accent1"/>
-            </a:fillRef>
-            <a:effectRef idx="0">
-              <a:schemeClr val="accent1"/>
-            </a:effectRef>
-            <a:fontRef idx="minor">
-              <a:schemeClr val="lt1"/>
-            </a:fontRef>
-          </p:style>
-          <p:txBody>
-            <a:bodyPr rtlCol="0" anchor="ctr"/>
-            <a:lstStyle/>
-            <a:p>
-              <a:pPr algn="ctr"/>
-              <a:endParaRPr lang="fr-FR"/>
-            </a:p>
-          </p:txBody>
-        </p:sp>
-        <p:pic>
-          <p:nvPicPr>
-            <p:cNvPr id="5" name="Image 4">
-              <a:extLst>
-                <a:ext uri="{FF2B5EF4-FFF2-40B4-BE49-F238E27FC236}">
-                  <a16:creationId xmlns:a16="http://schemas.microsoft.com/office/drawing/2014/main" id="{685B92F1-168B-E462-1257-69B9BAF77BC1}"/>
-                </a:ext>
-              </a:extLst>
-            </p:cNvPr>
-            <p:cNvPicPr>
-              <a:picLocks noChangeAspect="1"/>
-            </p:cNvPicPr>
-            <p:nvPr/>
-          </p:nvPicPr>
-          <p:blipFill>
-            <a:blip r:embed="rId12"/>
-            <a:stretch>
-              <a:fillRect/>
-            </a:stretch>
-          </p:blipFill>
-          <p:spPr>
-            <a:xfrm>
-              <a:off x="6243433" y="4174703"/>
-              <a:ext cx="1589472" cy="1589472"/>
-            </a:xfrm>
-            <a:prstGeom prst="rect">
-              <a:avLst/>
-            </a:prstGeom>
-          </p:spPr>
-        </p:pic>
-      </p:grpSp>
-      <p:cxnSp>
-        <p:nvCxnSpPr>
-          <p:cNvPr id="24" name="Connecteur droit avec flèche 23">
-            <a:extLst>
-              <a:ext uri="{FF2B5EF4-FFF2-40B4-BE49-F238E27FC236}">
-                <a16:creationId xmlns:a16="http://schemas.microsoft.com/office/drawing/2014/main" id="{27BECE89-F3F2-3F30-E571-F3E0848510AD}"/>
-              </a:ext>
-            </a:extLst>
-          </p:cNvPr>
-          <p:cNvCxnSpPr/>
-          <p:nvPr/>
-        </p:nvCxnSpPr>
-        <p:spPr>
-          <a:xfrm flipV="1">
-            <a:off x="6829319" y="1630730"/>
-            <a:ext cx="720000" cy="1536"/>
-          </a:xfrm>
-          <a:prstGeom prst="straightConnector1">
-            <a:avLst/>
-          </a:prstGeom>
-          <a:ln w="25400">
-            <a:solidFill>
-              <a:srgbClr val="08A559"/>
-            </a:solidFill>
-            <a:headEnd type="none"/>
-            <a:tailEnd type="triangle"/>
-          </a:ln>
-        </p:spPr>
-        <p:style>
-          <a:lnRef idx="1">
-            <a:schemeClr val="accent1"/>
-          </a:lnRef>
-          <a:fillRef idx="0">
-            <a:schemeClr val="accent1"/>
-          </a:fillRef>
-          <a:effectRef idx="0">
-            <a:schemeClr val="accent1"/>
-          </a:effectRef>
-          <a:fontRef idx="minor">
-            <a:schemeClr val="tx1"/>
-          </a:fontRef>
-        </p:style>
-      </p:cxnSp>
-      <p:grpSp>
-        <p:nvGrpSpPr>
-          <p:cNvPr id="25" name="Groupe 24">
-            <a:extLst>
-              <a:ext uri="{FF2B5EF4-FFF2-40B4-BE49-F238E27FC236}">
-                <a16:creationId xmlns:a16="http://schemas.microsoft.com/office/drawing/2014/main" id="{8AD0427E-2818-D095-D897-37D9F82A7948}"/>
-              </a:ext>
-            </a:extLst>
-          </p:cNvPr>
-          <p:cNvGrpSpPr/>
-          <p:nvPr/>
-        </p:nvGrpSpPr>
-        <p:grpSpPr>
-          <a:xfrm>
-            <a:off x="7540883" y="1345899"/>
-            <a:ext cx="540000" cy="540000"/>
-            <a:chOff x="7851244" y="635246"/>
-            <a:chExt cx="1800000" cy="1800000"/>
-          </a:xfrm>
-        </p:grpSpPr>
-        <p:sp>
-          <p:nvSpPr>
-            <p:cNvPr id="27" name="Ellipse 26">
-              <a:extLst>
-                <a:ext uri="{FF2B5EF4-FFF2-40B4-BE49-F238E27FC236}">
-                  <a16:creationId xmlns:a16="http://schemas.microsoft.com/office/drawing/2014/main" id="{9AC082BF-BAFE-70DB-4372-ED574E1FDAB0}"/>
-                </a:ext>
-              </a:extLst>
-            </p:cNvPr>
-            <p:cNvSpPr/>
-            <p:nvPr/>
-          </p:nvSpPr>
-          <p:spPr>
-            <a:xfrm>
-              <a:off x="7851244" y="635246"/>
-              <a:ext cx="1800000" cy="1800000"/>
-            </a:xfrm>
-            <a:prstGeom prst="ellipse">
-              <a:avLst/>
-            </a:prstGeom>
-            <a:solidFill>
-              <a:srgbClr val="08AF5E"/>
-            </a:solidFill>
-            <a:ln>
-              <a:noFill/>
-            </a:ln>
-          </p:spPr>
-          <p:style>
-            <a:lnRef idx="2">
-              <a:schemeClr val="accent1">
-                <a:shade val="50000"/>
-              </a:schemeClr>
-            </a:lnRef>
-            <a:fillRef idx="1">
-              <a:schemeClr val="accent1"/>
-            </a:fillRef>
-            <a:effectRef idx="0">
-              <a:schemeClr val="accent1"/>
-            </a:effectRef>
-            <a:fontRef idx="minor">
-              <a:schemeClr val="lt1"/>
-            </a:fontRef>
-          </p:style>
-          <p:txBody>
-            <a:bodyPr rtlCol="0" anchor="ctr"/>
-            <a:lstStyle/>
-            <a:p>
-              <a:pPr algn="ctr"/>
-              <a:endParaRPr lang="fr-FR" dirty="0"/>
-            </a:p>
-          </p:txBody>
-        </p:sp>
-        <p:pic>
-          <p:nvPicPr>
-            <p:cNvPr id="29" name="Image 28">
-              <a:extLst>
-                <a:ext uri="{FF2B5EF4-FFF2-40B4-BE49-F238E27FC236}">
-                  <a16:creationId xmlns:a16="http://schemas.microsoft.com/office/drawing/2014/main" id="{78FC6610-C87F-EA08-508F-7863302FF762}"/>
-                </a:ext>
-              </a:extLst>
-            </p:cNvPr>
-            <p:cNvPicPr>
-              <a:picLocks noChangeAspect="1"/>
-            </p:cNvPicPr>
-            <p:nvPr/>
-          </p:nvPicPr>
-          <p:blipFill>
-            <a:blip r:embed="rId13"/>
-            <a:stretch>
-              <a:fillRect/>
-            </a:stretch>
-          </p:blipFill>
-          <p:spPr>
-            <a:xfrm>
-              <a:off x="8074192" y="879141"/>
-              <a:ext cx="1337198" cy="1264070"/>
-            </a:xfrm>
-            <a:prstGeom prst="rect">
-              <a:avLst/>
-            </a:prstGeom>
-          </p:spPr>
-        </p:pic>
-      </p:grpSp>
-      <p:grpSp>
-        <p:nvGrpSpPr>
-          <p:cNvPr id="31" name="Groupe 30">
-            <a:extLst>
-              <a:ext uri="{FF2B5EF4-FFF2-40B4-BE49-F238E27FC236}">
-                <a16:creationId xmlns:a16="http://schemas.microsoft.com/office/drawing/2014/main" id="{38DE34A1-309E-3092-6C78-2EC2C4982571}"/>
-              </a:ext>
-            </a:extLst>
-          </p:cNvPr>
-          <p:cNvGrpSpPr/>
-          <p:nvPr/>
-        </p:nvGrpSpPr>
-        <p:grpSpPr>
-          <a:xfrm rot="5400000" flipV="1">
-            <a:off x="10181964" y="4049013"/>
-            <a:ext cx="835963" cy="1617775"/>
-            <a:chOff x="9150640" y="2423323"/>
-            <a:chExt cx="835963" cy="2135794"/>
-          </a:xfrm>
-        </p:grpSpPr>
-        <p:sp>
-          <p:nvSpPr>
-            <p:cNvPr id="33" name="Flèche : virage 32">
-              <a:extLst>
-                <a:ext uri="{FF2B5EF4-FFF2-40B4-BE49-F238E27FC236}">
-                  <a16:creationId xmlns:a16="http://schemas.microsoft.com/office/drawing/2014/main" id="{04988C8D-4296-036F-48CD-BEABA954B0A6}"/>
-                </a:ext>
-              </a:extLst>
-            </p:cNvPr>
-            <p:cNvSpPr/>
-            <p:nvPr/>
-          </p:nvSpPr>
-          <p:spPr>
-            <a:xfrm rot="5400000">
-              <a:off x="8500725" y="3073238"/>
-              <a:ext cx="2135794" cy="835963"/>
-            </a:xfrm>
-            <a:prstGeom prst="bentArrow">
-              <a:avLst>
-                <a:gd name="adj1" fmla="val 31434"/>
-                <a:gd name="adj2" fmla="val 25000"/>
-                <a:gd name="adj3" fmla="val 17852"/>
-                <a:gd name="adj4" fmla="val 20160"/>
-              </a:avLst>
-            </a:prstGeom>
-            <a:solidFill>
-              <a:srgbClr val="B2CAD6"/>
-            </a:solidFill>
-            <a:ln>
-              <a:noFill/>
-            </a:ln>
-          </p:spPr>
-          <p:style>
-            <a:lnRef idx="2">
-              <a:schemeClr val="accent1">
-                <a:shade val="50000"/>
-              </a:schemeClr>
-            </a:lnRef>
-            <a:fillRef idx="1">
-              <a:schemeClr val="accent1"/>
-            </a:fillRef>
-            <a:effectRef idx="0">
-              <a:schemeClr val="accent1"/>
-            </a:effectRef>
-            <a:fontRef idx="minor">
-              <a:schemeClr val="lt1"/>
-            </a:fontRef>
-          </p:style>
-          <p:txBody>
-            <a:bodyPr rtlCol="0" anchor="ctr"/>
-            <a:lstStyle/>
-            <a:p>
-              <a:pPr algn="ctr"/>
-              <a:endParaRPr lang="fr-FR" dirty="0">
-                <a:solidFill>
-                  <a:schemeClr val="tx1"/>
-                </a:solidFill>
-              </a:endParaRPr>
-            </a:p>
-          </p:txBody>
-        </p:sp>
-        <p:sp>
-          <p:nvSpPr>
-            <p:cNvPr id="41" name="ZoneTexte 40">
-              <a:extLst>
-                <a:ext uri="{FF2B5EF4-FFF2-40B4-BE49-F238E27FC236}">
-                  <a16:creationId xmlns:a16="http://schemas.microsoft.com/office/drawing/2014/main" id="{0EAB7195-7F12-55FF-728F-9973D74F9553}"/>
-                </a:ext>
-              </a:extLst>
-            </p:cNvPr>
-            <p:cNvSpPr txBox="1"/>
-            <p:nvPr/>
-          </p:nvSpPr>
-          <p:spPr>
-            <a:xfrm rot="16200000">
-              <a:off x="8798745" y="3293930"/>
-              <a:ext cx="1918043" cy="276999"/>
-            </a:xfrm>
-            <a:prstGeom prst="rect">
-              <a:avLst/>
-            </a:prstGeom>
-            <a:noFill/>
-            <a:ln>
-              <a:noFill/>
-            </a:ln>
-          </p:spPr>
-          <p:txBody>
-            <a:bodyPr wrap="square" rtlCol="0">
-              <a:spAutoFit/>
-            </a:bodyPr>
-            <a:lstStyle/>
-            <a:p>
-              <a:r>
-                <a:rPr lang="fr-FR" sz="1200" dirty="0">
-                  <a:solidFill>
-                    <a:schemeClr val="bg1"/>
-                  </a:solidFill>
-                  <a:latin typeface="Arial Nova" panose="020B0504020202020204" pitchFamily="34" charset="0"/>
-                </a:rPr>
-                <a:t>Bras en translation</a:t>
-              </a:r>
-            </a:p>
-          </p:txBody>
-        </p:sp>
-      </p:grpSp>
-      <p:grpSp>
-        <p:nvGrpSpPr>
-          <p:cNvPr id="42" name="Groupe 41">
-            <a:extLst>
-              <a:ext uri="{FF2B5EF4-FFF2-40B4-BE49-F238E27FC236}">
-                <a16:creationId xmlns:a16="http://schemas.microsoft.com/office/drawing/2014/main" id="{E35B4FFB-30FA-9F2D-8AAF-612988931FF4}"/>
-              </a:ext>
-            </a:extLst>
-          </p:cNvPr>
-          <p:cNvGrpSpPr/>
-          <p:nvPr/>
-        </p:nvGrpSpPr>
-        <p:grpSpPr>
-          <a:xfrm>
-            <a:off x="8611878" y="2802701"/>
-            <a:ext cx="1549219" cy="611677"/>
-            <a:chOff x="9075408" y="2802701"/>
-            <a:chExt cx="1549219" cy="611677"/>
-          </a:xfrm>
-        </p:grpSpPr>
-        <p:sp>
-          <p:nvSpPr>
-            <p:cNvPr id="43" name="Flèche : virage 42">
-              <a:extLst>
-                <a:ext uri="{FF2B5EF4-FFF2-40B4-BE49-F238E27FC236}">
-                  <a16:creationId xmlns:a16="http://schemas.microsoft.com/office/drawing/2014/main" id="{0138F1DD-36B1-33FD-3B41-493A2B0091E5}"/>
-                </a:ext>
-              </a:extLst>
-            </p:cNvPr>
-            <p:cNvSpPr/>
-            <p:nvPr/>
-          </p:nvSpPr>
-          <p:spPr>
-            <a:xfrm rot="5400000">
-              <a:off x="9563593" y="2353345"/>
-              <a:ext cx="572849" cy="1549218"/>
-            </a:xfrm>
-            <a:prstGeom prst="bentArrow">
-              <a:avLst>
-                <a:gd name="adj1" fmla="val 38639"/>
-                <a:gd name="adj2" fmla="val 38302"/>
-                <a:gd name="adj3" fmla="val 16744"/>
-                <a:gd name="adj4" fmla="val 20160"/>
-              </a:avLst>
-            </a:prstGeom>
-            <a:solidFill>
-              <a:srgbClr val="B2CAD6"/>
-            </a:solidFill>
-            <a:ln>
-              <a:noFill/>
-            </a:ln>
-          </p:spPr>
-          <p:style>
-            <a:lnRef idx="2">
-              <a:schemeClr val="accent1">
-                <a:shade val="50000"/>
-              </a:schemeClr>
-            </a:lnRef>
-            <a:fillRef idx="1">
-              <a:schemeClr val="accent1"/>
-            </a:fillRef>
-            <a:effectRef idx="0">
-              <a:schemeClr val="accent1"/>
-            </a:effectRef>
-            <a:fontRef idx="minor">
-              <a:schemeClr val="lt1"/>
-            </a:fontRef>
-          </p:style>
-          <p:txBody>
-            <a:bodyPr rtlCol="0" anchor="ctr"/>
-            <a:lstStyle/>
-            <a:p>
-              <a:pPr algn="ctr"/>
-              <a:endParaRPr lang="fr-FR" dirty="0">
-                <a:solidFill>
-                  <a:schemeClr val="tx1"/>
-                </a:solidFill>
-              </a:endParaRPr>
-            </a:p>
-          </p:txBody>
-        </p:sp>
-        <p:sp>
-          <p:nvSpPr>
-            <p:cNvPr id="54" name="ZoneTexte 53">
-              <a:extLst>
-                <a:ext uri="{FF2B5EF4-FFF2-40B4-BE49-F238E27FC236}">
-                  <a16:creationId xmlns:a16="http://schemas.microsoft.com/office/drawing/2014/main" id="{467AC060-C68E-2A43-8F56-FAB28245CB61}"/>
-                </a:ext>
-              </a:extLst>
-            </p:cNvPr>
-            <p:cNvSpPr txBox="1"/>
-            <p:nvPr/>
-          </p:nvSpPr>
-          <p:spPr>
-            <a:xfrm>
-              <a:off x="9075408" y="2802701"/>
-              <a:ext cx="1473718" cy="307777"/>
-            </a:xfrm>
-            <a:prstGeom prst="rect">
-              <a:avLst/>
-            </a:prstGeom>
-            <a:noFill/>
-            <a:ln>
-              <a:noFill/>
-            </a:ln>
-          </p:spPr>
-          <p:txBody>
-            <a:bodyPr wrap="square" rtlCol="0">
-              <a:spAutoFit/>
-            </a:bodyPr>
-            <a:lstStyle/>
-            <a:p>
-              <a:r>
-                <a:rPr lang="fr-FR" sz="1400" dirty="0">
-                  <a:solidFill>
-                    <a:schemeClr val="bg1"/>
-                  </a:solidFill>
-                  <a:latin typeface="Arial Nova" panose="020B0504020202020204" pitchFamily="34" charset="0"/>
-                </a:rPr>
-                <a:t>Bras à l’arrêt</a:t>
-              </a:r>
-            </a:p>
-          </p:txBody>
-        </p:sp>
-      </p:grpSp>
-      <p:grpSp>
-        <p:nvGrpSpPr>
-          <p:cNvPr id="58" name="Groupe 57">
-            <a:extLst>
-              <a:ext uri="{FF2B5EF4-FFF2-40B4-BE49-F238E27FC236}">
-                <a16:creationId xmlns:a16="http://schemas.microsoft.com/office/drawing/2014/main" id="{4A63B512-500C-D3F9-3D5E-72074BBB7EBC}"/>
-              </a:ext>
-            </a:extLst>
-          </p:cNvPr>
-          <p:cNvGrpSpPr/>
-          <p:nvPr/>
-        </p:nvGrpSpPr>
-        <p:grpSpPr>
-          <a:xfrm>
-            <a:off x="1900107" y="1908524"/>
-            <a:ext cx="360000" cy="360000"/>
-            <a:chOff x="9715662" y="4629628"/>
-            <a:chExt cx="1800000" cy="1800000"/>
-          </a:xfrm>
-        </p:grpSpPr>
-        <p:sp>
-          <p:nvSpPr>
-            <p:cNvPr id="60" name="Ellipse 59">
-              <a:extLst>
-                <a:ext uri="{FF2B5EF4-FFF2-40B4-BE49-F238E27FC236}">
-                  <a16:creationId xmlns:a16="http://schemas.microsoft.com/office/drawing/2014/main" id="{910F43DD-E82E-AB07-D0CA-7C80FA80BCDF}"/>
-                </a:ext>
-              </a:extLst>
-            </p:cNvPr>
-            <p:cNvSpPr/>
-            <p:nvPr/>
-          </p:nvSpPr>
-          <p:spPr>
-            <a:xfrm>
-              <a:off x="9715662" y="4629628"/>
-              <a:ext cx="1800000" cy="1800000"/>
-            </a:xfrm>
-            <a:prstGeom prst="ellipse">
-              <a:avLst/>
-            </a:prstGeom>
-            <a:solidFill>
-              <a:srgbClr val="00547F"/>
-            </a:solidFill>
-            <a:ln>
-              <a:noFill/>
-            </a:ln>
-          </p:spPr>
-          <p:style>
-            <a:lnRef idx="2">
-              <a:schemeClr val="accent1">
-                <a:shade val="50000"/>
-              </a:schemeClr>
-            </a:lnRef>
-            <a:fillRef idx="1">
-              <a:schemeClr val="accent1"/>
-            </a:fillRef>
-            <a:effectRef idx="0">
-              <a:schemeClr val="accent1"/>
-            </a:effectRef>
-            <a:fontRef idx="minor">
-              <a:schemeClr val="lt1"/>
-            </a:fontRef>
-          </p:style>
-          <p:txBody>
-            <a:bodyPr rtlCol="0" anchor="ctr"/>
-            <a:lstStyle/>
-            <a:p>
-              <a:pPr algn="ctr"/>
-              <a:endParaRPr lang="fr-FR"/>
-            </a:p>
-          </p:txBody>
-        </p:sp>
-        <p:pic>
-          <p:nvPicPr>
-            <p:cNvPr id="62" name="Image 61">
-              <a:extLst>
-                <a:ext uri="{FF2B5EF4-FFF2-40B4-BE49-F238E27FC236}">
-                  <a16:creationId xmlns:a16="http://schemas.microsoft.com/office/drawing/2014/main" id="{9E521C9A-A78C-1734-9575-1C6FDF0EFA57}"/>
-                </a:ext>
-              </a:extLst>
-            </p:cNvPr>
-            <p:cNvPicPr>
-              <a:picLocks noChangeAspect="1"/>
-            </p:cNvPicPr>
-            <p:nvPr/>
-          </p:nvPicPr>
-          <p:blipFill>
-            <a:blip r:embed="rId14"/>
-            <a:stretch>
-              <a:fillRect/>
-            </a:stretch>
-          </p:blipFill>
-          <p:spPr>
-            <a:xfrm>
-              <a:off x="9967662" y="4881628"/>
-              <a:ext cx="1296000" cy="1296000"/>
-            </a:xfrm>
-            <a:prstGeom prst="rect">
-              <a:avLst/>
-            </a:prstGeom>
-          </p:spPr>
-        </p:pic>
-      </p:grpSp>
-      <p:grpSp>
-        <p:nvGrpSpPr>
-          <p:cNvPr id="65" name="Groupe 64">
-            <a:extLst>
-              <a:ext uri="{FF2B5EF4-FFF2-40B4-BE49-F238E27FC236}">
-                <a16:creationId xmlns:a16="http://schemas.microsoft.com/office/drawing/2014/main" id="{2C238199-1F4A-5BE7-5261-C1004A830C71}"/>
-              </a:ext>
-            </a:extLst>
-          </p:cNvPr>
-          <p:cNvGrpSpPr/>
-          <p:nvPr/>
-        </p:nvGrpSpPr>
-        <p:grpSpPr>
-          <a:xfrm>
-            <a:off x="6452459" y="1931852"/>
-            <a:ext cx="360000" cy="360000"/>
-            <a:chOff x="10405167" y="4101988"/>
-            <a:chExt cx="1800000" cy="1800000"/>
-          </a:xfrm>
-        </p:grpSpPr>
-        <p:sp>
-          <p:nvSpPr>
-            <p:cNvPr id="66" name="Ellipse 65">
-              <a:extLst>
-                <a:ext uri="{FF2B5EF4-FFF2-40B4-BE49-F238E27FC236}">
-                  <a16:creationId xmlns:a16="http://schemas.microsoft.com/office/drawing/2014/main" id="{93CFD45D-1B44-5AAB-5ED4-B2F275782F01}"/>
-                </a:ext>
-              </a:extLst>
-            </p:cNvPr>
-            <p:cNvSpPr/>
-            <p:nvPr/>
-          </p:nvSpPr>
-          <p:spPr>
-            <a:xfrm>
-              <a:off x="10405167" y="4101988"/>
-              <a:ext cx="1800000" cy="1800000"/>
-            </a:xfrm>
-            <a:prstGeom prst="ellipse">
-              <a:avLst/>
-            </a:prstGeom>
-            <a:solidFill>
-              <a:srgbClr val="08AF5E"/>
-            </a:solidFill>
-            <a:ln>
-              <a:noFill/>
-            </a:ln>
-          </p:spPr>
-          <p:style>
-            <a:lnRef idx="2">
-              <a:schemeClr val="accent1">
-                <a:shade val="50000"/>
-              </a:schemeClr>
-            </a:lnRef>
-            <a:fillRef idx="1">
-              <a:schemeClr val="accent1"/>
-            </a:fillRef>
-            <a:effectRef idx="0">
-              <a:schemeClr val="accent1"/>
-            </a:effectRef>
-            <a:fontRef idx="minor">
-              <a:schemeClr val="lt1"/>
-            </a:fontRef>
-          </p:style>
-          <p:txBody>
-            <a:bodyPr rtlCol="0" anchor="ctr"/>
-            <a:lstStyle/>
-            <a:p>
-              <a:pPr algn="ctr"/>
-              <a:endParaRPr lang="fr-FR" dirty="0"/>
-            </a:p>
-          </p:txBody>
-        </p:sp>
-        <p:pic>
-          <p:nvPicPr>
-            <p:cNvPr id="68" name="Image 67">
-              <a:extLst>
-                <a:ext uri="{FF2B5EF4-FFF2-40B4-BE49-F238E27FC236}">
-                  <a16:creationId xmlns:a16="http://schemas.microsoft.com/office/drawing/2014/main" id="{33915D74-87CA-5B76-0A74-83E3DCEE8611}"/>
-                </a:ext>
-              </a:extLst>
-            </p:cNvPr>
-            <p:cNvPicPr>
-              <a:picLocks noChangeAspect="1"/>
-            </p:cNvPicPr>
-            <p:nvPr/>
-          </p:nvPicPr>
-          <p:blipFill>
-            <a:blip r:embed="rId15"/>
-            <a:stretch>
-              <a:fillRect/>
-            </a:stretch>
-          </p:blipFill>
-          <p:spPr>
-            <a:xfrm>
-              <a:off x="10456414" y="4137988"/>
-              <a:ext cx="1728000" cy="1728000"/>
-            </a:xfrm>
-            <a:prstGeom prst="rect">
-              <a:avLst/>
-            </a:prstGeom>
-          </p:spPr>
-        </p:pic>
-      </p:grpSp>
-      <p:grpSp>
-        <p:nvGrpSpPr>
-          <p:cNvPr id="69" name="Groupe 68">
-            <a:extLst>
-              <a:ext uri="{FF2B5EF4-FFF2-40B4-BE49-F238E27FC236}">
-                <a16:creationId xmlns:a16="http://schemas.microsoft.com/office/drawing/2014/main" id="{7E6D2684-73BC-F719-9B63-F7B11E9D64A8}"/>
-              </a:ext>
-            </a:extLst>
-          </p:cNvPr>
-          <p:cNvGrpSpPr/>
-          <p:nvPr/>
-        </p:nvGrpSpPr>
-        <p:grpSpPr>
-          <a:xfrm>
-            <a:off x="8413836" y="3839803"/>
-            <a:ext cx="360000" cy="360000"/>
-            <a:chOff x="10405167" y="2322166"/>
-            <a:chExt cx="1800000" cy="1800000"/>
-          </a:xfrm>
-        </p:grpSpPr>
-        <p:sp>
-          <p:nvSpPr>
-            <p:cNvPr id="70" name="Ellipse 69">
-              <a:extLst>
-                <a:ext uri="{FF2B5EF4-FFF2-40B4-BE49-F238E27FC236}">
-                  <a16:creationId xmlns:a16="http://schemas.microsoft.com/office/drawing/2014/main" id="{DFBE4B15-4C79-678B-5131-F4DC40B41F7C}"/>
-                </a:ext>
-              </a:extLst>
-            </p:cNvPr>
-            <p:cNvSpPr/>
-            <p:nvPr/>
-          </p:nvSpPr>
-          <p:spPr>
-            <a:xfrm>
-              <a:off x="10405167" y="2322166"/>
-              <a:ext cx="1800000" cy="1800000"/>
-            </a:xfrm>
-            <a:prstGeom prst="ellipse">
-              <a:avLst/>
-            </a:prstGeom>
-            <a:solidFill>
-              <a:srgbClr val="EF7268"/>
-            </a:solidFill>
-            <a:ln>
-              <a:noFill/>
-            </a:ln>
-          </p:spPr>
-          <p:style>
-            <a:lnRef idx="2">
-              <a:schemeClr val="accent1">
-                <a:shade val="50000"/>
-              </a:schemeClr>
-            </a:lnRef>
-            <a:fillRef idx="1">
-              <a:schemeClr val="accent1"/>
-            </a:fillRef>
-            <a:effectRef idx="0">
-              <a:schemeClr val="accent1"/>
-            </a:effectRef>
-            <a:fontRef idx="minor">
-              <a:schemeClr val="lt1"/>
-            </a:fontRef>
-          </p:style>
-          <p:txBody>
-            <a:bodyPr rtlCol="0" anchor="ctr"/>
-            <a:lstStyle/>
-            <a:p>
-              <a:pPr algn="ctr"/>
-              <a:endParaRPr lang="fr-FR" dirty="0"/>
-            </a:p>
-          </p:txBody>
-        </p:sp>
-        <p:pic>
-          <p:nvPicPr>
-            <p:cNvPr id="76" name="Image 75">
-              <a:extLst>
-                <a:ext uri="{FF2B5EF4-FFF2-40B4-BE49-F238E27FC236}">
-                  <a16:creationId xmlns:a16="http://schemas.microsoft.com/office/drawing/2014/main" id="{D8A3BDBF-15A3-0E12-6AC5-5B02DEB599B1}"/>
-                </a:ext>
-              </a:extLst>
-            </p:cNvPr>
-            <p:cNvPicPr>
-              <a:picLocks noChangeAspect="1"/>
-            </p:cNvPicPr>
-            <p:nvPr/>
-          </p:nvPicPr>
-          <p:blipFill>
-            <a:blip r:embed="rId16"/>
-            <a:stretch>
-              <a:fillRect/>
-            </a:stretch>
-          </p:blipFill>
-          <p:spPr>
-            <a:xfrm>
-              <a:off x="10546164" y="2642707"/>
-              <a:ext cx="1518007" cy="924719"/>
-            </a:xfrm>
-            <a:prstGeom prst="rect">
-              <a:avLst/>
-            </a:prstGeom>
-          </p:spPr>
-        </p:pic>
-      </p:grpSp>
-      <p:pic>
-        <p:nvPicPr>
-          <p:cNvPr id="77" name="Image 76">
-            <a:extLst>
-              <a:ext uri="{FF2B5EF4-FFF2-40B4-BE49-F238E27FC236}">
-                <a16:creationId xmlns:a16="http://schemas.microsoft.com/office/drawing/2014/main" id="{AEBD323C-739C-7027-924D-6BDCF996CE02}"/>
-              </a:ext>
-            </a:extLst>
-          </p:cNvPr>
-          <p:cNvPicPr>
-            <a:picLocks noChangeAspect="1"/>
-          </p:cNvPicPr>
-          <p:nvPr/>
-        </p:nvPicPr>
-        <p:blipFill>
-          <a:blip r:embed="rId17"/>
-          <a:stretch>
-            <a:fillRect/>
-          </a:stretch>
-        </p:blipFill>
-        <p:spPr>
-          <a:xfrm>
-            <a:off x="9050612" y="3520045"/>
-            <a:ext cx="432000" cy="158275"/>
-          </a:xfrm>
-          <a:prstGeom prst="rect">
-            <a:avLst/>
-          </a:prstGeom>
-        </p:spPr>
-      </p:pic>
-      <p:grpSp>
-        <p:nvGrpSpPr>
-          <p:cNvPr id="78" name="Groupe 77">
-            <a:extLst>
-              <a:ext uri="{FF2B5EF4-FFF2-40B4-BE49-F238E27FC236}">
-                <a16:creationId xmlns:a16="http://schemas.microsoft.com/office/drawing/2014/main" id="{4B5C8834-D3CD-FB41-DCB5-98A6CC7743D4}"/>
-              </a:ext>
-            </a:extLst>
-          </p:cNvPr>
-          <p:cNvGrpSpPr/>
-          <p:nvPr/>
-        </p:nvGrpSpPr>
-        <p:grpSpPr>
-          <a:xfrm>
-            <a:off x="10556738" y="3449889"/>
-            <a:ext cx="432000" cy="432000"/>
-            <a:chOff x="10216711" y="4835236"/>
-            <a:chExt cx="1800000" cy="1800000"/>
-          </a:xfrm>
-        </p:grpSpPr>
-        <p:sp>
-          <p:nvSpPr>
-            <p:cNvPr id="79" name="Ellipse 78">
-              <a:extLst>
-                <a:ext uri="{FF2B5EF4-FFF2-40B4-BE49-F238E27FC236}">
-                  <a16:creationId xmlns:a16="http://schemas.microsoft.com/office/drawing/2014/main" id="{6284F23C-9DD2-AA12-7103-19072B69001F}"/>
-                </a:ext>
-              </a:extLst>
-            </p:cNvPr>
-            <p:cNvSpPr/>
-            <p:nvPr/>
-          </p:nvSpPr>
-          <p:spPr>
-            <a:xfrm>
-              <a:off x="10216711" y="4835236"/>
-              <a:ext cx="1800000" cy="1800000"/>
-            </a:xfrm>
-            <a:prstGeom prst="ellipse">
-              <a:avLst/>
-            </a:prstGeom>
-            <a:solidFill>
-              <a:srgbClr val="00547F"/>
-            </a:solidFill>
-            <a:ln>
-              <a:noFill/>
-            </a:ln>
-          </p:spPr>
-          <p:style>
-            <a:lnRef idx="2">
-              <a:schemeClr val="accent1">
-                <a:shade val="50000"/>
-              </a:schemeClr>
-            </a:lnRef>
-            <a:fillRef idx="1">
-              <a:schemeClr val="accent1"/>
-            </a:fillRef>
-            <a:effectRef idx="0">
-              <a:schemeClr val="accent1"/>
-            </a:effectRef>
-            <a:fontRef idx="minor">
-              <a:schemeClr val="lt1"/>
-            </a:fontRef>
-          </p:style>
-          <p:txBody>
-            <a:bodyPr rtlCol="0" anchor="ctr"/>
-            <a:lstStyle/>
-            <a:p>
-              <a:pPr algn="ctr"/>
-              <a:endParaRPr lang="fr-FR"/>
-            </a:p>
-          </p:txBody>
-        </p:sp>
-        <p:pic>
-          <p:nvPicPr>
-            <p:cNvPr id="80" name="Image 79">
-              <a:extLst>
-                <a:ext uri="{FF2B5EF4-FFF2-40B4-BE49-F238E27FC236}">
-                  <a16:creationId xmlns:a16="http://schemas.microsoft.com/office/drawing/2014/main" id="{6185C691-3AB2-F47A-5390-45BEEFD786A2}"/>
-                </a:ext>
-              </a:extLst>
-            </p:cNvPr>
-            <p:cNvPicPr>
-              <a:picLocks noChangeAspect="1"/>
-            </p:cNvPicPr>
-            <p:nvPr/>
-          </p:nvPicPr>
-          <p:blipFill>
-            <a:blip r:embed="rId18"/>
-            <a:stretch>
-              <a:fillRect/>
-            </a:stretch>
-          </p:blipFill>
-          <p:spPr>
-            <a:xfrm flipH="1">
-              <a:off x="10382764" y="5000716"/>
-              <a:ext cx="1467894" cy="1467894"/>
-            </a:xfrm>
-            <a:prstGeom prst="rect">
-              <a:avLst/>
-            </a:prstGeom>
-          </p:spPr>
-        </p:pic>
-      </p:grpSp>
-      <p:pic>
-        <p:nvPicPr>
-          <p:cNvPr id="81" name="Image 80">
-            <a:extLst>
-              <a:ext uri="{FF2B5EF4-FFF2-40B4-BE49-F238E27FC236}">
-                <a16:creationId xmlns:a16="http://schemas.microsoft.com/office/drawing/2014/main" id="{C1F2661A-A324-C133-43F2-983432960766}"/>
-              </a:ext>
-            </a:extLst>
-          </p:cNvPr>
-          <p:cNvPicPr>
-            <a:picLocks noChangeAspect="1"/>
-          </p:cNvPicPr>
-          <p:nvPr/>
-        </p:nvPicPr>
-        <p:blipFill>
-          <a:blip r:embed="rId3"/>
-          <a:stretch>
-            <a:fillRect/>
-          </a:stretch>
-        </p:blipFill>
-        <p:spPr>
-          <a:xfrm>
-            <a:off x="10513968" y="3208641"/>
-            <a:ext cx="434918" cy="152010"/>
-          </a:xfrm>
-          <a:prstGeom prst="rect">
-            <a:avLst/>
-          </a:prstGeom>
-        </p:spPr>
-      </p:pic>
-      <p:grpSp>
-        <p:nvGrpSpPr>
-          <p:cNvPr id="82" name="Groupe 81">
-            <a:extLst>
-              <a:ext uri="{FF2B5EF4-FFF2-40B4-BE49-F238E27FC236}">
-                <a16:creationId xmlns:a16="http://schemas.microsoft.com/office/drawing/2014/main" id="{E09B4C78-C5D9-375C-2FBD-1B85A2F880F1}"/>
-              </a:ext>
-            </a:extLst>
-          </p:cNvPr>
-          <p:cNvGrpSpPr/>
-          <p:nvPr/>
-        </p:nvGrpSpPr>
-        <p:grpSpPr>
-          <a:xfrm>
-            <a:off x="6620033" y="4152769"/>
-            <a:ext cx="180000" cy="180000"/>
-            <a:chOff x="5404964" y="4396133"/>
-            <a:chExt cx="1800000" cy="1800000"/>
-          </a:xfrm>
-        </p:grpSpPr>
-        <p:sp>
-          <p:nvSpPr>
-            <p:cNvPr id="83" name="Ellipse 82">
-              <a:extLst>
-                <a:ext uri="{FF2B5EF4-FFF2-40B4-BE49-F238E27FC236}">
-                  <a16:creationId xmlns:a16="http://schemas.microsoft.com/office/drawing/2014/main" id="{E57EB28A-E7AF-5021-27EA-0AFDC06CE8ED}"/>
-                </a:ext>
-              </a:extLst>
-            </p:cNvPr>
-            <p:cNvSpPr/>
-            <p:nvPr/>
-          </p:nvSpPr>
-          <p:spPr>
-            <a:xfrm>
-              <a:off x="5404964" y="4396133"/>
-              <a:ext cx="1800000" cy="1800000"/>
-            </a:xfrm>
-            <a:prstGeom prst="ellipse">
-              <a:avLst/>
-            </a:prstGeom>
-            <a:solidFill>
-              <a:srgbClr val="68348B"/>
-            </a:solidFill>
-            <a:ln>
-              <a:noFill/>
-            </a:ln>
-          </p:spPr>
-          <p:style>
-            <a:lnRef idx="2">
-              <a:schemeClr val="accent1">
-                <a:shade val="50000"/>
-              </a:schemeClr>
-            </a:lnRef>
-            <a:fillRef idx="1">
-              <a:schemeClr val="accent1"/>
-            </a:fillRef>
-            <a:effectRef idx="0">
-              <a:schemeClr val="accent1"/>
-            </a:effectRef>
-            <a:fontRef idx="minor">
-              <a:schemeClr val="lt1"/>
-            </a:fontRef>
-          </p:style>
-          <p:txBody>
-            <a:bodyPr rtlCol="0" anchor="ctr"/>
-            <a:lstStyle/>
-            <a:p>
-              <a:pPr algn="ctr"/>
-              <a:endParaRPr lang="fr-FR"/>
-            </a:p>
-          </p:txBody>
-        </p:sp>
-        <p:pic>
-          <p:nvPicPr>
-            <p:cNvPr id="84" name="Image 83">
-              <a:extLst>
-                <a:ext uri="{FF2B5EF4-FFF2-40B4-BE49-F238E27FC236}">
-                  <a16:creationId xmlns:a16="http://schemas.microsoft.com/office/drawing/2014/main" id="{90892E55-8237-FE1C-1588-D2DC585EB712}"/>
-                </a:ext>
-              </a:extLst>
-            </p:cNvPr>
-            <p:cNvPicPr>
-              <a:picLocks noChangeAspect="1"/>
-            </p:cNvPicPr>
-            <p:nvPr/>
-          </p:nvPicPr>
-          <p:blipFill>
-            <a:blip r:embed="rId2"/>
-            <a:stretch>
-              <a:fillRect/>
-            </a:stretch>
-          </p:blipFill>
-          <p:spPr>
-            <a:xfrm>
-              <a:off x="5543445" y="4536296"/>
-              <a:ext cx="1358232" cy="1440000"/>
-            </a:xfrm>
-            <a:prstGeom prst="rect">
-              <a:avLst/>
-            </a:prstGeom>
-          </p:spPr>
-        </p:pic>
-      </p:grpSp>
-      <p:grpSp>
-        <p:nvGrpSpPr>
-          <p:cNvPr id="100" name="Groupe 99">
-            <a:extLst>
-              <a:ext uri="{FF2B5EF4-FFF2-40B4-BE49-F238E27FC236}">
-                <a16:creationId xmlns:a16="http://schemas.microsoft.com/office/drawing/2014/main" id="{2FA4F41E-9BBF-FBA7-EE3A-5DC3050D7AB3}"/>
-              </a:ext>
-            </a:extLst>
-          </p:cNvPr>
-          <p:cNvGrpSpPr/>
-          <p:nvPr/>
-        </p:nvGrpSpPr>
-        <p:grpSpPr>
-          <a:xfrm>
-            <a:off x="6825959" y="4142138"/>
-            <a:ext cx="363360" cy="199689"/>
-            <a:chOff x="6993109" y="4439920"/>
-            <a:chExt cx="363360" cy="199689"/>
-          </a:xfrm>
-        </p:grpSpPr>
-        <p:sp>
-          <p:nvSpPr>
-            <p:cNvPr id="99" name="Flèche : droite rayée 98">
-              <a:extLst>
-                <a:ext uri="{FF2B5EF4-FFF2-40B4-BE49-F238E27FC236}">
-                  <a16:creationId xmlns:a16="http://schemas.microsoft.com/office/drawing/2014/main" id="{CDB2B408-F306-9241-3E5A-F54126A4450A}"/>
-                </a:ext>
-              </a:extLst>
-            </p:cNvPr>
-            <p:cNvSpPr/>
-            <p:nvPr/>
-          </p:nvSpPr>
-          <p:spPr>
-            <a:xfrm>
-              <a:off x="6993109" y="4439920"/>
-              <a:ext cx="363360" cy="199689"/>
-            </a:xfrm>
-            <a:prstGeom prst="stripedRightArrow">
-              <a:avLst>
-                <a:gd name="adj1" fmla="val 57350"/>
-                <a:gd name="adj2" fmla="val 50000"/>
-              </a:avLst>
-            </a:prstGeom>
-            <a:solidFill>
-              <a:srgbClr val="C3AED1"/>
-            </a:solidFill>
-            <a:ln>
-              <a:solidFill>
-                <a:srgbClr val="68348B"/>
-              </a:solidFill>
-            </a:ln>
-          </p:spPr>
-          <p:style>
-            <a:lnRef idx="2">
-              <a:schemeClr val="accent1">
-                <a:shade val="15000"/>
-              </a:schemeClr>
-            </a:lnRef>
-            <a:fillRef idx="1">
-              <a:schemeClr val="accent1"/>
-            </a:fillRef>
-            <a:effectRef idx="0">
-              <a:schemeClr val="accent1"/>
-            </a:effectRef>
-            <a:fontRef idx="minor">
-              <a:schemeClr val="lt1"/>
-            </a:fontRef>
-          </p:style>
-          <p:txBody>
-            <a:bodyPr rtlCol="0" anchor="ctr"/>
-            <a:lstStyle/>
-            <a:p>
-              <a:pPr algn="ctr"/>
-              <a:endParaRPr lang="fr-FR"/>
-            </a:p>
-          </p:txBody>
-        </p:sp>
-        <p:pic>
-          <p:nvPicPr>
-            <p:cNvPr id="30" name="Image 29">
-              <a:extLst>
-                <a:ext uri="{FF2B5EF4-FFF2-40B4-BE49-F238E27FC236}">
-                  <a16:creationId xmlns:a16="http://schemas.microsoft.com/office/drawing/2014/main" id="{3A9EF288-CF35-05B6-F2BB-A72791B482F7}"/>
-                </a:ext>
-              </a:extLst>
-            </p:cNvPr>
-            <p:cNvPicPr>
-              <a:picLocks noChangeAspect="1"/>
-            </p:cNvPicPr>
-            <p:nvPr/>
-          </p:nvPicPr>
-          <p:blipFill>
-            <a:blip r:embed="rId3"/>
-            <a:stretch>
-              <a:fillRect/>
-            </a:stretch>
-          </p:blipFill>
-          <p:spPr>
-            <a:xfrm>
-              <a:off x="7039789" y="4494852"/>
-              <a:ext cx="256994" cy="89823"/>
-            </a:xfrm>
-            <a:prstGeom prst="rect">
-              <a:avLst/>
-            </a:prstGeom>
-          </p:spPr>
-        </p:pic>
-      </p:grpSp>
-      <p:grpSp>
-        <p:nvGrpSpPr>
-          <p:cNvPr id="110" name="Groupe 109">
-            <a:extLst>
-              <a:ext uri="{FF2B5EF4-FFF2-40B4-BE49-F238E27FC236}">
-                <a16:creationId xmlns:a16="http://schemas.microsoft.com/office/drawing/2014/main" id="{22426873-B368-B17A-A840-25153DEB46D6}"/>
-              </a:ext>
-            </a:extLst>
-          </p:cNvPr>
-          <p:cNvGrpSpPr/>
-          <p:nvPr/>
-        </p:nvGrpSpPr>
-        <p:grpSpPr>
-          <a:xfrm>
-            <a:off x="330445" y="1559561"/>
-            <a:ext cx="693018" cy="242466"/>
-            <a:chOff x="330445" y="1559561"/>
-            <a:chExt cx="693018" cy="242466"/>
-          </a:xfrm>
-        </p:grpSpPr>
-        <p:grpSp>
-          <p:nvGrpSpPr>
-            <p:cNvPr id="104" name="Groupe 103">
-              <a:extLst>
-                <a:ext uri="{FF2B5EF4-FFF2-40B4-BE49-F238E27FC236}">
-                  <a16:creationId xmlns:a16="http://schemas.microsoft.com/office/drawing/2014/main" id="{F0E185A5-A00D-EE3B-DCAF-ADE290DF3786}"/>
-                </a:ext>
-              </a:extLst>
-            </p:cNvPr>
-            <p:cNvGrpSpPr/>
-            <p:nvPr/>
-          </p:nvGrpSpPr>
-          <p:grpSpPr>
-            <a:xfrm>
-              <a:off x="538480" y="1559561"/>
-              <a:ext cx="484983" cy="242466"/>
-              <a:chOff x="6993109" y="4439920"/>
-              <a:chExt cx="363360" cy="199689"/>
-            </a:xfrm>
-            <a:solidFill>
-              <a:srgbClr val="C3AED1"/>
-            </a:solidFill>
-          </p:grpSpPr>
-          <p:sp>
-            <p:nvSpPr>
-              <p:cNvPr id="105" name="Flèche : droite rayée 104">
-                <a:extLst>
-                  <a:ext uri="{FF2B5EF4-FFF2-40B4-BE49-F238E27FC236}">
-                    <a16:creationId xmlns:a16="http://schemas.microsoft.com/office/drawing/2014/main" id="{3079769B-0373-6C13-9642-9B78707AF05B}"/>
-                  </a:ext>
-                </a:extLst>
-              </p:cNvPr>
-              <p:cNvSpPr/>
-              <p:nvPr/>
-            </p:nvSpPr>
-            <p:spPr>
-              <a:xfrm>
-                <a:off x="6993109" y="4439920"/>
-                <a:ext cx="363360" cy="199689"/>
-              </a:xfrm>
-              <a:prstGeom prst="stripedRightArrow">
-                <a:avLst>
-                  <a:gd name="adj1" fmla="val 57350"/>
-                  <a:gd name="adj2" fmla="val 50000"/>
-                </a:avLst>
-              </a:prstGeom>
-              <a:grpFill/>
-              <a:ln>
-                <a:solidFill>
-                  <a:srgbClr val="68348B"/>
-                </a:solidFill>
-              </a:ln>
-            </p:spPr>
-            <p:style>
-              <a:lnRef idx="2">
-                <a:schemeClr val="accent1">
-                  <a:shade val="15000"/>
-                </a:schemeClr>
-              </a:lnRef>
-              <a:fillRef idx="1">
-                <a:schemeClr val="accent1"/>
-              </a:fillRef>
-              <a:effectRef idx="0">
-                <a:schemeClr val="accent1"/>
-              </a:effectRef>
-              <a:fontRef idx="minor">
-                <a:schemeClr val="lt1"/>
-              </a:fontRef>
-            </p:style>
-            <p:txBody>
-              <a:bodyPr rtlCol="0" anchor="ctr"/>
-              <a:lstStyle/>
-              <a:p>
-                <a:pPr algn="ctr"/>
-                <a:endParaRPr lang="fr-FR"/>
-              </a:p>
-            </p:txBody>
-          </p:sp>
-          <p:pic>
-            <p:nvPicPr>
-              <p:cNvPr id="106" name="Image 105">
-                <a:extLst>
-                  <a:ext uri="{FF2B5EF4-FFF2-40B4-BE49-F238E27FC236}">
-                    <a16:creationId xmlns:a16="http://schemas.microsoft.com/office/drawing/2014/main" id="{82631C99-976B-6FB2-1772-484919354A6E}"/>
-                  </a:ext>
-                </a:extLst>
-              </p:cNvPr>
-              <p:cNvPicPr>
-                <a:picLocks noChangeAspect="1"/>
-              </p:cNvPicPr>
-              <p:nvPr/>
-            </p:nvPicPr>
-            <p:blipFill>
-              <a:blip r:embed="rId3"/>
-              <a:stretch>
-                <a:fillRect/>
-              </a:stretch>
-            </p:blipFill>
-            <p:spPr>
-              <a:xfrm>
-                <a:off x="7039789" y="4494852"/>
-                <a:ext cx="256994" cy="89823"/>
-              </a:xfrm>
-              <a:prstGeom prst="rect">
-                <a:avLst/>
-              </a:prstGeom>
-              <a:grpFill/>
-              <a:ln>
-                <a:noFill/>
-              </a:ln>
-            </p:spPr>
-          </p:pic>
-        </p:grpSp>
-        <p:grpSp>
-          <p:nvGrpSpPr>
-            <p:cNvPr id="107" name="Groupe 106">
-              <a:extLst>
-                <a:ext uri="{FF2B5EF4-FFF2-40B4-BE49-F238E27FC236}">
-                  <a16:creationId xmlns:a16="http://schemas.microsoft.com/office/drawing/2014/main" id="{830235AD-BE87-4F0F-5BC2-A5E0ECE22C94}"/>
-                </a:ext>
-              </a:extLst>
-            </p:cNvPr>
-            <p:cNvGrpSpPr/>
-            <p:nvPr/>
-          </p:nvGrpSpPr>
-          <p:grpSpPr>
-            <a:xfrm>
-              <a:off x="330445" y="1590794"/>
-              <a:ext cx="180000" cy="180000"/>
-              <a:chOff x="5404964" y="4396133"/>
-              <a:chExt cx="1800000" cy="1800000"/>
-            </a:xfrm>
-          </p:grpSpPr>
-          <p:sp>
-            <p:nvSpPr>
-              <p:cNvPr id="108" name="Ellipse 107">
-                <a:extLst>
-                  <a:ext uri="{FF2B5EF4-FFF2-40B4-BE49-F238E27FC236}">
-                    <a16:creationId xmlns:a16="http://schemas.microsoft.com/office/drawing/2014/main" id="{BD4A4C32-C6F6-2A4D-FD21-26BBAAF755DD}"/>
-                  </a:ext>
-                </a:extLst>
-              </p:cNvPr>
-              <p:cNvSpPr/>
-              <p:nvPr/>
-            </p:nvSpPr>
-            <p:spPr>
-              <a:xfrm>
-                <a:off x="5404964" y="4396133"/>
-                <a:ext cx="1800000" cy="1800000"/>
-              </a:xfrm>
-              <a:prstGeom prst="ellipse">
-                <a:avLst/>
-              </a:prstGeom>
-              <a:solidFill>
-                <a:srgbClr val="68348B"/>
-              </a:solidFill>
-              <a:ln>
-                <a:noFill/>
-              </a:ln>
-            </p:spPr>
-            <p:style>
-              <a:lnRef idx="2">
-                <a:schemeClr val="accent1">
-                  <a:shade val="50000"/>
-                </a:schemeClr>
-              </a:lnRef>
-              <a:fillRef idx="1">
-                <a:schemeClr val="accent1"/>
-              </a:fillRef>
-              <a:effectRef idx="0">
-                <a:schemeClr val="accent1"/>
-              </a:effectRef>
-              <a:fontRef idx="minor">
-                <a:schemeClr val="lt1"/>
-              </a:fontRef>
-            </p:style>
-            <p:txBody>
-              <a:bodyPr rtlCol="0" anchor="ctr"/>
-              <a:lstStyle/>
-              <a:p>
-                <a:pPr algn="ctr"/>
-                <a:endParaRPr lang="fr-FR" dirty="0"/>
-              </a:p>
-            </p:txBody>
-          </p:sp>
-          <p:pic>
-            <p:nvPicPr>
-              <p:cNvPr id="109" name="Image 108">
-                <a:extLst>
-                  <a:ext uri="{FF2B5EF4-FFF2-40B4-BE49-F238E27FC236}">
-                    <a16:creationId xmlns:a16="http://schemas.microsoft.com/office/drawing/2014/main" id="{80D42552-B18E-0DB6-2EFB-4E50E6AF4244}"/>
-                  </a:ext>
-                </a:extLst>
-              </p:cNvPr>
-              <p:cNvPicPr>
-                <a:picLocks noChangeAspect="1"/>
-              </p:cNvPicPr>
-              <p:nvPr/>
-            </p:nvPicPr>
-            <p:blipFill>
-              <a:blip r:embed="rId2"/>
-              <a:stretch>
-                <a:fillRect/>
-              </a:stretch>
-            </p:blipFill>
-            <p:spPr>
-              <a:xfrm>
-                <a:off x="5543445" y="4536296"/>
-                <a:ext cx="1358232" cy="1440000"/>
-              </a:xfrm>
-              <a:prstGeom prst="rect">
-                <a:avLst/>
-              </a:prstGeom>
-            </p:spPr>
-          </p:pic>
-        </p:grpSp>
-      </p:grpSp>
       <p:pic>
         <p:nvPicPr>
           <p:cNvPr id="95" name="Image 94"/>
@@ -28239,7 +21165,7 @@
           <p:nvPr/>
         </p:nvPicPr>
         <p:blipFill>
-          <a:blip r:embed="rId19" cstate="print">
+          <a:blip r:embed="rId2" cstate="print">
             <a:extLst>
               <a:ext uri="{28A0092B-C50C-407E-A947-70E740481C1C}">
                 <a14:useLocalDpi xmlns:a14="http://schemas.microsoft.com/office/drawing/2010/main" val="0"/>
@@ -28263,6 +21189,36 @@
           <a:ln>
             <a:noFill/>
           </a:ln>
+        </p:spPr>
+      </p:pic>
+      <p:pic>
+        <p:nvPicPr>
+          <p:cNvPr id="39" name="Image 38">
+            <a:extLst>
+              <a:ext uri="{FF2B5EF4-FFF2-40B4-BE49-F238E27FC236}">
+                <a16:creationId xmlns:a16="http://schemas.microsoft.com/office/drawing/2014/main" id="{BAE861D4-68DD-CA63-3570-1C900B96B34A}"/>
+              </a:ext>
+            </a:extLst>
+          </p:cNvPr>
+          <p:cNvPicPr>
+            <a:picLocks noChangeAspect="1"/>
+          </p:cNvPicPr>
+          <p:nvPr/>
+        </p:nvPicPr>
+        <p:blipFill>
+          <a:blip r:embed="rId3"/>
+          <a:stretch>
+            <a:fillRect/>
+          </a:stretch>
+        </p:blipFill>
+        <p:spPr>
+          <a:xfrm>
+            <a:off x="0" y="1570055"/>
+            <a:ext cx="12192000" cy="3717890"/>
+          </a:xfrm>
+          <a:prstGeom prst="rect">
+            <a:avLst/>
+          </a:prstGeom>
         </p:spPr>
       </p:pic>
     </p:spTree>
